--- a/doc/Präsentation/MEAN Notes.pptx
+++ b/doc/Präsentation/MEAN Notes.pptx
@@ -2,21 +2,20 @@
 <file path=ppt/presentation.xml><?xml version="1.0" encoding="utf-8"?>
 <p:presentation xmlns:a="http://schemas.openxmlformats.org/drawingml/2006/main" xmlns:r="http://schemas.openxmlformats.org/officeDocument/2006/relationships" xmlns:p="http://schemas.openxmlformats.org/presentationml/2006/main" autoCompressPictures="0">
   <p:sldMasterIdLst>
-    <p:sldMasterId id="2147483898" r:id="rId1"/>
+    <p:sldMasterId id="2147483970" r:id="rId1"/>
   </p:sldMasterIdLst>
   <p:sldIdLst>
     <p:sldId id="256" r:id="rId2"/>
     <p:sldId id="257" r:id="rId3"/>
-    <p:sldId id="258" r:id="rId4"/>
-    <p:sldId id="259" r:id="rId5"/>
-    <p:sldId id="260" r:id="rId6"/>
-    <p:sldId id="261" r:id="rId7"/>
-    <p:sldId id="262" r:id="rId8"/>
-    <p:sldId id="263" r:id="rId9"/>
-    <p:sldId id="264" r:id="rId10"/>
-    <p:sldId id="265" r:id="rId11"/>
-    <p:sldId id="266" r:id="rId12"/>
-    <p:sldId id="267" r:id="rId13"/>
+    <p:sldId id="259" r:id="rId4"/>
+    <p:sldId id="260" r:id="rId5"/>
+    <p:sldId id="261" r:id="rId6"/>
+    <p:sldId id="262" r:id="rId7"/>
+    <p:sldId id="263" r:id="rId8"/>
+    <p:sldId id="264" r:id="rId9"/>
+    <p:sldId id="265" r:id="rId10"/>
+    <p:sldId id="266" r:id="rId11"/>
+    <p:sldId id="267" r:id="rId12"/>
   </p:sldIdLst>
   <p:sldSz cx="12192000" cy="6858000"/>
   <p:notesSz cx="6858000" cy="9144000"/>
@@ -121,6 +120,4147 @@
     </p:ext>
   </p:extLst>
 </p:presentation>
+</file>
+
+<file path=ppt/diagrams/colors1.xml><?xml version="1.0" encoding="utf-8"?>
+<dgm:colorsDef xmlns:dgm="http://schemas.openxmlformats.org/drawingml/2006/diagram" xmlns:a="http://schemas.openxmlformats.org/drawingml/2006/main" uniqueId="urn:microsoft.com/office/officeart/2005/8/colors/accent1_2">
+  <dgm:title val=""/>
+  <dgm:desc val=""/>
+  <dgm:catLst>
+    <dgm:cat type="accent1" pri="11200"/>
+  </dgm:catLst>
+  <dgm:styleLbl name="node0">
+    <dgm:fillClrLst meth="repeat">
+      <a:schemeClr val="accent1"/>
+    </dgm:fillClrLst>
+    <dgm:linClrLst meth="repeat">
+      <a:schemeClr val="lt1"/>
+    </dgm:linClrLst>
+    <dgm:effectClrLst/>
+    <dgm:txLinClrLst/>
+    <dgm:txFillClrLst/>
+    <dgm:txEffectClrLst/>
+  </dgm:styleLbl>
+  <dgm:styleLbl name="alignNode1">
+    <dgm:fillClrLst meth="repeat">
+      <a:schemeClr val="accent1"/>
+    </dgm:fillClrLst>
+    <dgm:linClrLst meth="repeat">
+      <a:schemeClr val="accent1"/>
+    </dgm:linClrLst>
+    <dgm:effectClrLst/>
+    <dgm:txLinClrLst/>
+    <dgm:txFillClrLst/>
+    <dgm:txEffectClrLst/>
+  </dgm:styleLbl>
+  <dgm:styleLbl name="node1">
+    <dgm:fillClrLst meth="repeat">
+      <a:schemeClr val="accent1"/>
+    </dgm:fillClrLst>
+    <dgm:linClrLst meth="repeat">
+      <a:schemeClr val="lt1"/>
+    </dgm:linClrLst>
+    <dgm:effectClrLst/>
+    <dgm:txLinClrLst/>
+    <dgm:txFillClrLst/>
+    <dgm:txEffectClrLst/>
+  </dgm:styleLbl>
+  <dgm:styleLbl name="lnNode1">
+    <dgm:fillClrLst meth="repeat">
+      <a:schemeClr val="accent1"/>
+    </dgm:fillClrLst>
+    <dgm:linClrLst meth="repeat">
+      <a:schemeClr val="lt1"/>
+    </dgm:linClrLst>
+    <dgm:effectClrLst/>
+    <dgm:txLinClrLst/>
+    <dgm:txFillClrLst/>
+    <dgm:txEffectClrLst/>
+  </dgm:styleLbl>
+  <dgm:styleLbl name="vennNode1">
+    <dgm:fillClrLst meth="repeat">
+      <a:schemeClr val="accent1">
+        <a:alpha val="50000"/>
+      </a:schemeClr>
+    </dgm:fillClrLst>
+    <dgm:linClrLst meth="repeat">
+      <a:schemeClr val="lt1"/>
+    </dgm:linClrLst>
+    <dgm:effectClrLst/>
+    <dgm:txLinClrLst/>
+    <dgm:txFillClrLst/>
+    <dgm:txEffectClrLst/>
+  </dgm:styleLbl>
+  <dgm:styleLbl name="node2">
+    <dgm:fillClrLst meth="repeat">
+      <a:schemeClr val="accent1"/>
+    </dgm:fillClrLst>
+    <dgm:linClrLst meth="repeat">
+      <a:schemeClr val="lt1"/>
+    </dgm:linClrLst>
+    <dgm:effectClrLst/>
+    <dgm:txLinClrLst/>
+    <dgm:txFillClrLst/>
+    <dgm:txEffectClrLst/>
+  </dgm:styleLbl>
+  <dgm:styleLbl name="node3">
+    <dgm:fillClrLst meth="repeat">
+      <a:schemeClr val="accent1"/>
+    </dgm:fillClrLst>
+    <dgm:linClrLst meth="repeat">
+      <a:schemeClr val="lt1"/>
+    </dgm:linClrLst>
+    <dgm:effectClrLst/>
+    <dgm:txLinClrLst/>
+    <dgm:txFillClrLst/>
+    <dgm:txEffectClrLst/>
+  </dgm:styleLbl>
+  <dgm:styleLbl name="node4">
+    <dgm:fillClrLst meth="repeat">
+      <a:schemeClr val="accent1"/>
+    </dgm:fillClrLst>
+    <dgm:linClrLst meth="repeat">
+      <a:schemeClr val="lt1"/>
+    </dgm:linClrLst>
+    <dgm:effectClrLst/>
+    <dgm:txLinClrLst/>
+    <dgm:txFillClrLst/>
+    <dgm:txEffectClrLst/>
+  </dgm:styleLbl>
+  <dgm:styleLbl name="fgImgPlace1">
+    <dgm:fillClrLst meth="repeat">
+      <a:schemeClr val="accent1">
+        <a:tint val="50000"/>
+      </a:schemeClr>
+    </dgm:fillClrLst>
+    <dgm:linClrLst meth="repeat">
+      <a:schemeClr val="lt1"/>
+    </dgm:linClrLst>
+    <dgm:effectClrLst/>
+    <dgm:txLinClrLst/>
+    <dgm:txFillClrLst meth="repeat">
+      <a:schemeClr val="lt1"/>
+    </dgm:txFillClrLst>
+    <dgm:txEffectClrLst/>
+  </dgm:styleLbl>
+  <dgm:styleLbl name="alignImgPlace1">
+    <dgm:fillClrLst meth="repeat">
+      <a:schemeClr val="accent1">
+        <a:tint val="50000"/>
+      </a:schemeClr>
+    </dgm:fillClrLst>
+    <dgm:linClrLst meth="repeat">
+      <a:schemeClr val="lt1"/>
+    </dgm:linClrLst>
+    <dgm:effectClrLst/>
+    <dgm:txLinClrLst/>
+    <dgm:txFillClrLst meth="repeat">
+      <a:schemeClr val="lt1"/>
+    </dgm:txFillClrLst>
+    <dgm:txEffectClrLst/>
+  </dgm:styleLbl>
+  <dgm:styleLbl name="bgImgPlace1">
+    <dgm:fillClrLst meth="repeat">
+      <a:schemeClr val="accent1">
+        <a:tint val="50000"/>
+      </a:schemeClr>
+    </dgm:fillClrLst>
+    <dgm:linClrLst meth="repeat">
+      <a:schemeClr val="lt1"/>
+    </dgm:linClrLst>
+    <dgm:effectClrLst/>
+    <dgm:txLinClrLst/>
+    <dgm:txFillClrLst meth="repeat">
+      <a:schemeClr val="lt1"/>
+    </dgm:txFillClrLst>
+    <dgm:txEffectClrLst/>
+  </dgm:styleLbl>
+  <dgm:styleLbl name="sibTrans2D1">
+    <dgm:fillClrLst meth="repeat">
+      <a:schemeClr val="accent1">
+        <a:tint val="60000"/>
+      </a:schemeClr>
+    </dgm:fillClrLst>
+    <dgm:linClrLst meth="repeat">
+      <a:schemeClr val="accent1">
+        <a:tint val="60000"/>
+      </a:schemeClr>
+    </dgm:linClrLst>
+    <dgm:effectClrLst/>
+    <dgm:txLinClrLst/>
+    <dgm:txFillClrLst/>
+    <dgm:txEffectClrLst/>
+  </dgm:styleLbl>
+  <dgm:styleLbl name="fgSibTrans2D1">
+    <dgm:fillClrLst meth="repeat">
+      <a:schemeClr val="accent1">
+        <a:tint val="60000"/>
+      </a:schemeClr>
+    </dgm:fillClrLst>
+    <dgm:linClrLst meth="repeat">
+      <a:schemeClr val="accent1">
+        <a:tint val="60000"/>
+      </a:schemeClr>
+    </dgm:linClrLst>
+    <dgm:effectClrLst/>
+    <dgm:txLinClrLst/>
+    <dgm:txFillClrLst/>
+    <dgm:txEffectClrLst/>
+  </dgm:styleLbl>
+  <dgm:styleLbl name="bgSibTrans2D1">
+    <dgm:fillClrLst meth="repeat">
+      <a:schemeClr val="accent1">
+        <a:tint val="60000"/>
+      </a:schemeClr>
+    </dgm:fillClrLst>
+    <dgm:linClrLst meth="repeat">
+      <a:schemeClr val="accent1">
+        <a:tint val="60000"/>
+      </a:schemeClr>
+    </dgm:linClrLst>
+    <dgm:effectClrLst/>
+    <dgm:txLinClrLst/>
+    <dgm:txFillClrLst/>
+    <dgm:txEffectClrLst/>
+  </dgm:styleLbl>
+  <dgm:styleLbl name="sibTrans1D1">
+    <dgm:fillClrLst meth="repeat">
+      <a:schemeClr val="accent1"/>
+    </dgm:fillClrLst>
+    <dgm:linClrLst meth="repeat">
+      <a:schemeClr val="accent1"/>
+    </dgm:linClrLst>
+    <dgm:effectClrLst/>
+    <dgm:txLinClrLst/>
+    <dgm:txFillClrLst meth="repeat">
+      <a:schemeClr val="tx1"/>
+    </dgm:txFillClrLst>
+    <dgm:txEffectClrLst/>
+  </dgm:styleLbl>
+  <dgm:styleLbl name="callout">
+    <dgm:fillClrLst meth="repeat">
+      <a:schemeClr val="accent1"/>
+    </dgm:fillClrLst>
+    <dgm:linClrLst meth="repeat">
+      <a:schemeClr val="accent1">
+        <a:tint val="50000"/>
+      </a:schemeClr>
+    </dgm:linClrLst>
+    <dgm:effectClrLst/>
+    <dgm:txLinClrLst/>
+    <dgm:txFillClrLst meth="repeat">
+      <a:schemeClr val="tx1"/>
+    </dgm:txFillClrLst>
+    <dgm:txEffectClrLst/>
+  </dgm:styleLbl>
+  <dgm:styleLbl name="asst0">
+    <dgm:fillClrLst meth="repeat">
+      <a:schemeClr val="accent1"/>
+    </dgm:fillClrLst>
+    <dgm:linClrLst meth="repeat">
+      <a:schemeClr val="lt1"/>
+    </dgm:linClrLst>
+    <dgm:effectClrLst/>
+    <dgm:txLinClrLst/>
+    <dgm:txFillClrLst/>
+    <dgm:txEffectClrLst/>
+  </dgm:styleLbl>
+  <dgm:styleLbl name="asst1">
+    <dgm:fillClrLst meth="repeat">
+      <a:schemeClr val="accent1"/>
+    </dgm:fillClrLst>
+    <dgm:linClrLst meth="repeat">
+      <a:schemeClr val="lt1"/>
+    </dgm:linClrLst>
+    <dgm:effectClrLst/>
+    <dgm:txLinClrLst/>
+    <dgm:txFillClrLst/>
+    <dgm:txEffectClrLst/>
+  </dgm:styleLbl>
+  <dgm:styleLbl name="asst2">
+    <dgm:fillClrLst meth="repeat">
+      <a:schemeClr val="accent1"/>
+    </dgm:fillClrLst>
+    <dgm:linClrLst meth="repeat">
+      <a:schemeClr val="lt1"/>
+    </dgm:linClrLst>
+    <dgm:effectClrLst/>
+    <dgm:txLinClrLst/>
+    <dgm:txFillClrLst/>
+    <dgm:txEffectClrLst/>
+  </dgm:styleLbl>
+  <dgm:styleLbl name="asst3">
+    <dgm:fillClrLst meth="repeat">
+      <a:schemeClr val="accent1"/>
+    </dgm:fillClrLst>
+    <dgm:linClrLst meth="repeat">
+      <a:schemeClr val="lt1"/>
+    </dgm:linClrLst>
+    <dgm:effectClrLst/>
+    <dgm:txLinClrLst/>
+    <dgm:txFillClrLst/>
+    <dgm:txEffectClrLst/>
+  </dgm:styleLbl>
+  <dgm:styleLbl name="asst4">
+    <dgm:fillClrLst meth="repeat">
+      <a:schemeClr val="accent1"/>
+    </dgm:fillClrLst>
+    <dgm:linClrLst meth="repeat">
+      <a:schemeClr val="lt1"/>
+    </dgm:linClrLst>
+    <dgm:effectClrLst/>
+    <dgm:txLinClrLst/>
+    <dgm:txFillClrLst/>
+    <dgm:txEffectClrLst/>
+  </dgm:styleLbl>
+  <dgm:styleLbl name="parChTrans2D1">
+    <dgm:fillClrLst meth="repeat">
+      <a:schemeClr val="accent1">
+        <a:tint val="60000"/>
+      </a:schemeClr>
+    </dgm:fillClrLst>
+    <dgm:linClrLst meth="repeat">
+      <a:schemeClr val="accent1">
+        <a:tint val="60000"/>
+      </a:schemeClr>
+    </dgm:linClrLst>
+    <dgm:effectClrLst/>
+    <dgm:txLinClrLst/>
+    <dgm:txFillClrLst meth="repeat">
+      <a:schemeClr val="lt1"/>
+    </dgm:txFillClrLst>
+    <dgm:txEffectClrLst/>
+  </dgm:styleLbl>
+  <dgm:styleLbl name="parChTrans2D2">
+    <dgm:fillClrLst meth="repeat">
+      <a:schemeClr val="accent1"/>
+    </dgm:fillClrLst>
+    <dgm:linClrLst meth="repeat">
+      <a:schemeClr val="accent1"/>
+    </dgm:linClrLst>
+    <dgm:effectClrLst/>
+    <dgm:txLinClrLst/>
+    <dgm:txFillClrLst meth="repeat">
+      <a:schemeClr val="lt1"/>
+    </dgm:txFillClrLst>
+    <dgm:txEffectClrLst/>
+  </dgm:styleLbl>
+  <dgm:styleLbl name="parChTrans2D3">
+    <dgm:fillClrLst meth="repeat">
+      <a:schemeClr val="accent1"/>
+    </dgm:fillClrLst>
+    <dgm:linClrLst meth="repeat">
+      <a:schemeClr val="accent1"/>
+    </dgm:linClrLst>
+    <dgm:effectClrLst/>
+    <dgm:txLinClrLst/>
+    <dgm:txFillClrLst meth="repeat">
+      <a:schemeClr val="lt1"/>
+    </dgm:txFillClrLst>
+    <dgm:txEffectClrLst/>
+  </dgm:styleLbl>
+  <dgm:styleLbl name="parChTrans2D4">
+    <dgm:fillClrLst meth="repeat">
+      <a:schemeClr val="accent1"/>
+    </dgm:fillClrLst>
+    <dgm:linClrLst meth="repeat">
+      <a:schemeClr val="accent1"/>
+    </dgm:linClrLst>
+    <dgm:effectClrLst/>
+    <dgm:txLinClrLst/>
+    <dgm:txFillClrLst meth="repeat">
+      <a:schemeClr val="lt1"/>
+    </dgm:txFillClrLst>
+    <dgm:txEffectClrLst/>
+  </dgm:styleLbl>
+  <dgm:styleLbl name="parChTrans1D1">
+    <dgm:fillClrLst meth="repeat">
+      <a:schemeClr val="accent1"/>
+    </dgm:fillClrLst>
+    <dgm:linClrLst meth="repeat">
+      <a:schemeClr val="accent1">
+        <a:shade val="60000"/>
+      </a:schemeClr>
+    </dgm:linClrLst>
+    <dgm:effectClrLst/>
+    <dgm:txLinClrLst/>
+    <dgm:txFillClrLst meth="repeat">
+      <a:schemeClr val="tx1"/>
+    </dgm:txFillClrLst>
+    <dgm:txEffectClrLst/>
+  </dgm:styleLbl>
+  <dgm:styleLbl name="parChTrans1D2">
+    <dgm:fillClrLst meth="repeat">
+      <a:schemeClr val="accent1"/>
+    </dgm:fillClrLst>
+    <dgm:linClrLst meth="repeat">
+      <a:schemeClr val="accent1">
+        <a:shade val="60000"/>
+      </a:schemeClr>
+    </dgm:linClrLst>
+    <dgm:effectClrLst/>
+    <dgm:txLinClrLst/>
+    <dgm:txFillClrLst meth="repeat">
+      <a:schemeClr val="tx1"/>
+    </dgm:txFillClrLst>
+    <dgm:txEffectClrLst/>
+  </dgm:styleLbl>
+  <dgm:styleLbl name="parChTrans1D3">
+    <dgm:fillClrLst meth="repeat">
+      <a:schemeClr val="accent1"/>
+    </dgm:fillClrLst>
+    <dgm:linClrLst meth="repeat">
+      <a:schemeClr val="accent1">
+        <a:shade val="80000"/>
+      </a:schemeClr>
+    </dgm:linClrLst>
+    <dgm:effectClrLst/>
+    <dgm:txLinClrLst/>
+    <dgm:txFillClrLst meth="repeat">
+      <a:schemeClr val="tx1"/>
+    </dgm:txFillClrLst>
+    <dgm:txEffectClrLst/>
+  </dgm:styleLbl>
+  <dgm:styleLbl name="parChTrans1D4">
+    <dgm:fillClrLst meth="repeat">
+      <a:schemeClr val="accent1"/>
+    </dgm:fillClrLst>
+    <dgm:linClrLst meth="repeat">
+      <a:schemeClr val="accent1">
+        <a:shade val="80000"/>
+      </a:schemeClr>
+    </dgm:linClrLst>
+    <dgm:effectClrLst/>
+    <dgm:txLinClrLst/>
+    <dgm:txFillClrLst meth="repeat">
+      <a:schemeClr val="tx1"/>
+    </dgm:txFillClrLst>
+    <dgm:txEffectClrLst/>
+  </dgm:styleLbl>
+  <dgm:styleLbl name="fgAcc1">
+    <dgm:fillClrLst meth="repeat">
+      <a:schemeClr val="lt1">
+        <a:alpha val="90000"/>
+      </a:schemeClr>
+    </dgm:fillClrLst>
+    <dgm:linClrLst meth="repeat">
+      <a:schemeClr val="accent1"/>
+    </dgm:linClrLst>
+    <dgm:effectClrLst/>
+    <dgm:txLinClrLst/>
+    <dgm:txFillClrLst meth="repeat">
+      <a:schemeClr val="dk1"/>
+    </dgm:txFillClrLst>
+    <dgm:txEffectClrLst/>
+  </dgm:styleLbl>
+  <dgm:styleLbl name="conFgAcc1">
+    <dgm:fillClrLst meth="repeat">
+      <a:schemeClr val="lt1">
+        <a:alpha val="90000"/>
+      </a:schemeClr>
+    </dgm:fillClrLst>
+    <dgm:linClrLst meth="repeat">
+      <a:schemeClr val="accent1"/>
+    </dgm:linClrLst>
+    <dgm:effectClrLst/>
+    <dgm:txLinClrLst/>
+    <dgm:txFillClrLst meth="repeat">
+      <a:schemeClr val="dk1"/>
+    </dgm:txFillClrLst>
+    <dgm:txEffectClrLst/>
+  </dgm:styleLbl>
+  <dgm:styleLbl name="alignAcc1">
+    <dgm:fillClrLst meth="repeat">
+      <a:schemeClr val="lt1">
+        <a:alpha val="90000"/>
+      </a:schemeClr>
+    </dgm:fillClrLst>
+    <dgm:linClrLst meth="repeat">
+      <a:schemeClr val="accent1"/>
+    </dgm:linClrLst>
+    <dgm:effectClrLst/>
+    <dgm:txLinClrLst/>
+    <dgm:txFillClrLst meth="repeat">
+      <a:schemeClr val="dk1"/>
+    </dgm:txFillClrLst>
+    <dgm:txEffectClrLst/>
+  </dgm:styleLbl>
+  <dgm:styleLbl name="trAlignAcc1">
+    <dgm:fillClrLst meth="repeat">
+      <a:schemeClr val="lt1">
+        <a:alpha val="40000"/>
+      </a:schemeClr>
+    </dgm:fillClrLst>
+    <dgm:linClrLst meth="repeat">
+      <a:schemeClr val="accent1"/>
+    </dgm:linClrLst>
+    <dgm:effectClrLst/>
+    <dgm:txLinClrLst/>
+    <dgm:txFillClrLst meth="repeat">
+      <a:schemeClr val="dk1"/>
+    </dgm:txFillClrLst>
+    <dgm:txEffectClrLst/>
+  </dgm:styleLbl>
+  <dgm:styleLbl name="bgAcc1">
+    <dgm:fillClrLst meth="repeat">
+      <a:schemeClr val="lt1">
+        <a:alpha val="90000"/>
+      </a:schemeClr>
+    </dgm:fillClrLst>
+    <dgm:linClrLst meth="repeat">
+      <a:schemeClr val="accent1"/>
+    </dgm:linClrLst>
+    <dgm:effectClrLst/>
+    <dgm:txLinClrLst/>
+    <dgm:txFillClrLst meth="repeat">
+      <a:schemeClr val="dk1"/>
+    </dgm:txFillClrLst>
+    <dgm:txEffectClrLst/>
+  </dgm:styleLbl>
+  <dgm:styleLbl name="solidFgAcc1">
+    <dgm:fillClrLst meth="repeat">
+      <a:schemeClr val="lt1"/>
+    </dgm:fillClrLst>
+    <dgm:linClrLst meth="repeat">
+      <a:schemeClr val="accent1"/>
+    </dgm:linClrLst>
+    <dgm:effectClrLst/>
+    <dgm:txLinClrLst/>
+    <dgm:txFillClrLst meth="repeat">
+      <a:schemeClr val="dk1"/>
+    </dgm:txFillClrLst>
+    <dgm:txEffectClrLst/>
+  </dgm:styleLbl>
+  <dgm:styleLbl name="solidAlignAcc1">
+    <dgm:fillClrLst meth="repeat">
+      <a:schemeClr val="lt1"/>
+    </dgm:fillClrLst>
+    <dgm:linClrLst meth="repeat">
+      <a:schemeClr val="accent1"/>
+    </dgm:linClrLst>
+    <dgm:effectClrLst/>
+    <dgm:txLinClrLst/>
+    <dgm:txFillClrLst meth="repeat">
+      <a:schemeClr val="dk1"/>
+    </dgm:txFillClrLst>
+    <dgm:txEffectClrLst/>
+  </dgm:styleLbl>
+  <dgm:styleLbl name="solidBgAcc1">
+    <dgm:fillClrLst meth="repeat">
+      <a:schemeClr val="lt1"/>
+    </dgm:fillClrLst>
+    <dgm:linClrLst meth="repeat">
+      <a:schemeClr val="accent1"/>
+    </dgm:linClrLst>
+    <dgm:effectClrLst/>
+    <dgm:txLinClrLst/>
+    <dgm:txFillClrLst meth="repeat">
+      <a:schemeClr val="dk1"/>
+    </dgm:txFillClrLst>
+    <dgm:txEffectClrLst/>
+  </dgm:styleLbl>
+  <dgm:styleLbl name="fgAccFollowNode1">
+    <dgm:fillClrLst meth="repeat">
+      <a:schemeClr val="accent1">
+        <a:alpha val="90000"/>
+        <a:tint val="40000"/>
+      </a:schemeClr>
+    </dgm:fillClrLst>
+    <dgm:linClrLst meth="repeat">
+      <a:schemeClr val="accent1">
+        <a:alpha val="90000"/>
+        <a:tint val="40000"/>
+      </a:schemeClr>
+    </dgm:linClrLst>
+    <dgm:effectClrLst/>
+    <dgm:txLinClrLst/>
+    <dgm:txFillClrLst meth="repeat">
+      <a:schemeClr val="dk1"/>
+    </dgm:txFillClrLst>
+    <dgm:txEffectClrLst/>
+  </dgm:styleLbl>
+  <dgm:styleLbl name="alignAccFollowNode1">
+    <dgm:fillClrLst meth="repeat">
+      <a:schemeClr val="accent1">
+        <a:alpha val="90000"/>
+        <a:tint val="40000"/>
+      </a:schemeClr>
+    </dgm:fillClrLst>
+    <dgm:linClrLst meth="repeat">
+      <a:schemeClr val="accent1">
+        <a:alpha val="90000"/>
+        <a:tint val="40000"/>
+      </a:schemeClr>
+    </dgm:linClrLst>
+    <dgm:effectClrLst/>
+    <dgm:txLinClrLst/>
+    <dgm:txFillClrLst meth="repeat">
+      <a:schemeClr val="dk1"/>
+    </dgm:txFillClrLst>
+    <dgm:txEffectClrLst/>
+  </dgm:styleLbl>
+  <dgm:styleLbl name="bgAccFollowNode1">
+    <dgm:fillClrLst meth="repeat">
+      <a:schemeClr val="accent1">
+        <a:alpha val="90000"/>
+        <a:tint val="40000"/>
+      </a:schemeClr>
+    </dgm:fillClrLst>
+    <dgm:linClrLst meth="repeat">
+      <a:schemeClr val="accent1">
+        <a:alpha val="90000"/>
+        <a:tint val="40000"/>
+      </a:schemeClr>
+    </dgm:linClrLst>
+    <dgm:effectClrLst/>
+    <dgm:txLinClrLst/>
+    <dgm:txFillClrLst meth="repeat">
+      <a:schemeClr val="dk1"/>
+    </dgm:txFillClrLst>
+    <dgm:txEffectClrLst/>
+  </dgm:styleLbl>
+  <dgm:styleLbl name="fgAcc0">
+    <dgm:fillClrLst meth="repeat">
+      <a:schemeClr val="lt1">
+        <a:alpha val="90000"/>
+      </a:schemeClr>
+    </dgm:fillClrLst>
+    <dgm:linClrLst meth="repeat">
+      <a:schemeClr val="accent1"/>
+    </dgm:linClrLst>
+    <dgm:effectClrLst/>
+    <dgm:txLinClrLst/>
+    <dgm:txFillClrLst meth="repeat">
+      <a:schemeClr val="dk1"/>
+    </dgm:txFillClrLst>
+    <dgm:txEffectClrLst/>
+  </dgm:styleLbl>
+  <dgm:styleLbl name="fgAcc2">
+    <dgm:fillClrLst meth="repeat">
+      <a:schemeClr val="lt1">
+        <a:alpha val="90000"/>
+      </a:schemeClr>
+    </dgm:fillClrLst>
+    <dgm:linClrLst meth="repeat">
+      <a:schemeClr val="accent1"/>
+    </dgm:linClrLst>
+    <dgm:effectClrLst/>
+    <dgm:txLinClrLst/>
+    <dgm:txFillClrLst meth="repeat">
+      <a:schemeClr val="dk1"/>
+    </dgm:txFillClrLst>
+    <dgm:txEffectClrLst/>
+  </dgm:styleLbl>
+  <dgm:styleLbl name="fgAcc3">
+    <dgm:fillClrLst meth="repeat">
+      <a:schemeClr val="lt1">
+        <a:alpha val="90000"/>
+      </a:schemeClr>
+    </dgm:fillClrLst>
+    <dgm:linClrLst meth="repeat">
+      <a:schemeClr val="accent1"/>
+    </dgm:linClrLst>
+    <dgm:effectClrLst/>
+    <dgm:txLinClrLst/>
+    <dgm:txFillClrLst meth="repeat">
+      <a:schemeClr val="dk1"/>
+    </dgm:txFillClrLst>
+    <dgm:txEffectClrLst/>
+  </dgm:styleLbl>
+  <dgm:styleLbl name="fgAcc4">
+    <dgm:fillClrLst meth="repeat">
+      <a:schemeClr val="lt1">
+        <a:alpha val="90000"/>
+      </a:schemeClr>
+    </dgm:fillClrLst>
+    <dgm:linClrLst meth="repeat">
+      <a:schemeClr val="accent1"/>
+    </dgm:linClrLst>
+    <dgm:effectClrLst/>
+    <dgm:txLinClrLst/>
+    <dgm:txFillClrLst meth="repeat">
+      <a:schemeClr val="dk1"/>
+    </dgm:txFillClrLst>
+    <dgm:txEffectClrLst/>
+  </dgm:styleLbl>
+  <dgm:styleLbl name="bgShp">
+    <dgm:fillClrLst meth="repeat">
+      <a:schemeClr val="accent1">
+        <a:tint val="40000"/>
+      </a:schemeClr>
+    </dgm:fillClrLst>
+    <dgm:linClrLst meth="repeat">
+      <a:schemeClr val="accent1"/>
+    </dgm:linClrLst>
+    <dgm:effectClrLst/>
+    <dgm:txLinClrLst/>
+    <dgm:txFillClrLst meth="repeat">
+      <a:schemeClr val="dk1"/>
+    </dgm:txFillClrLst>
+    <dgm:txEffectClrLst/>
+  </dgm:styleLbl>
+  <dgm:styleLbl name="dkBgShp">
+    <dgm:fillClrLst meth="repeat">
+      <a:schemeClr val="accent1">
+        <a:shade val="80000"/>
+      </a:schemeClr>
+    </dgm:fillClrLst>
+    <dgm:linClrLst meth="repeat">
+      <a:schemeClr val="accent1"/>
+    </dgm:linClrLst>
+    <dgm:effectClrLst/>
+    <dgm:txLinClrLst/>
+    <dgm:txFillClrLst meth="repeat">
+      <a:schemeClr val="lt1"/>
+    </dgm:txFillClrLst>
+    <dgm:txEffectClrLst/>
+  </dgm:styleLbl>
+  <dgm:styleLbl name="trBgShp">
+    <dgm:fillClrLst meth="repeat">
+      <a:schemeClr val="accent1">
+        <a:tint val="50000"/>
+        <a:alpha val="40000"/>
+      </a:schemeClr>
+    </dgm:fillClrLst>
+    <dgm:linClrLst meth="repeat">
+      <a:schemeClr val="accent1"/>
+    </dgm:linClrLst>
+    <dgm:effectClrLst/>
+    <dgm:txLinClrLst/>
+    <dgm:txFillClrLst meth="repeat">
+      <a:schemeClr val="lt1"/>
+    </dgm:txFillClrLst>
+    <dgm:txEffectClrLst/>
+  </dgm:styleLbl>
+  <dgm:styleLbl name="fgShp">
+    <dgm:fillClrLst meth="repeat">
+      <a:schemeClr val="accent1">
+        <a:tint val="60000"/>
+      </a:schemeClr>
+    </dgm:fillClrLst>
+    <dgm:linClrLst meth="repeat">
+      <a:schemeClr val="lt1"/>
+    </dgm:linClrLst>
+    <dgm:effectClrLst/>
+    <dgm:txLinClrLst/>
+    <dgm:txFillClrLst meth="repeat">
+      <a:schemeClr val="dk1"/>
+    </dgm:txFillClrLst>
+    <dgm:txEffectClrLst/>
+  </dgm:styleLbl>
+  <dgm:styleLbl name="revTx">
+    <dgm:fillClrLst meth="repeat">
+      <a:schemeClr val="lt1">
+        <a:alpha val="0"/>
+      </a:schemeClr>
+    </dgm:fillClrLst>
+    <dgm:linClrLst meth="repeat">
+      <a:schemeClr val="dk1">
+        <a:alpha val="0"/>
+      </a:schemeClr>
+    </dgm:linClrLst>
+    <dgm:effectClrLst/>
+    <dgm:txLinClrLst/>
+    <dgm:txFillClrLst meth="repeat">
+      <a:schemeClr val="tx1"/>
+    </dgm:txFillClrLst>
+    <dgm:txEffectClrLst/>
+  </dgm:styleLbl>
+</dgm:colorsDef>
+</file>
+
+<file path=ppt/diagrams/data1.xml><?xml version="1.0" encoding="utf-8"?>
+<dgm:dataModel xmlns:dgm="http://schemas.openxmlformats.org/drawingml/2006/diagram" xmlns:a="http://schemas.openxmlformats.org/drawingml/2006/main">
+  <dgm:ptLst>
+    <dgm:pt modelId="{A6B4E31E-BF13-43E9-A8DF-1D0CED72AE2B}" type="doc">
+      <dgm:prSet loTypeId="urn:microsoft.com/office/officeart/2005/8/layout/hList1" loCatId="list" qsTypeId="urn:microsoft.com/office/officeart/2005/8/quickstyle/simple4" qsCatId="simple" csTypeId="urn:microsoft.com/office/officeart/2005/8/colors/accent1_2" csCatId="accent1" phldr="1"/>
+      <dgm:spPr/>
+      <dgm:t>
+        <a:bodyPr/>
+        <a:lstStyle/>
+        <a:p>
+          <a:endParaRPr lang="de-DE"/>
+        </a:p>
+      </dgm:t>
+    </dgm:pt>
+    <dgm:pt modelId="{5AA5FD75-5C90-4429-96FE-EA28159F142D}">
+      <dgm:prSet phldrT="[Text]"/>
+      <dgm:spPr/>
+      <dgm:t>
+        <a:bodyPr/>
+        <a:lstStyle/>
+        <a:p>
+          <a:r>
+            <a:rPr lang="de-DE" dirty="0" err="1" smtClean="0"/>
+            <a:t>tokens</a:t>
+          </a:r>
+          <a:endParaRPr lang="de-DE" dirty="0"/>
+        </a:p>
+      </dgm:t>
+    </dgm:pt>
+    <dgm:pt modelId="{71E2E990-D355-40D1-8486-728C38E1D902}" type="parTrans" cxnId="{55FD4654-11FC-4812-BF4D-266DCC35F99B}">
+      <dgm:prSet/>
+      <dgm:spPr/>
+      <dgm:t>
+        <a:bodyPr/>
+        <a:lstStyle/>
+        <a:p>
+          <a:endParaRPr lang="de-DE"/>
+        </a:p>
+      </dgm:t>
+    </dgm:pt>
+    <dgm:pt modelId="{18C8D811-D245-40D2-B576-2151A13E3CDC}" type="sibTrans" cxnId="{55FD4654-11FC-4812-BF4D-266DCC35F99B}">
+      <dgm:prSet/>
+      <dgm:spPr/>
+      <dgm:t>
+        <a:bodyPr/>
+        <a:lstStyle/>
+        <a:p>
+          <a:endParaRPr lang="de-DE"/>
+        </a:p>
+      </dgm:t>
+    </dgm:pt>
+    <dgm:pt modelId="{AFFDF927-88B0-4668-B8D8-1D9DDA5BB309}">
+      <dgm:prSet phldrT="[Text]" custT="1"/>
+      <dgm:spPr/>
+      <dgm:t>
+        <a:bodyPr/>
+        <a:lstStyle/>
+        <a:p>
+          <a:r>
+            <a:rPr lang="de-DE" sz="1900" dirty="0" err="1" smtClean="0"/>
+            <a:t>userID</a:t>
+          </a:r>
+          <a:r>
+            <a:rPr lang="de-DE" sz="1900" dirty="0" smtClean="0"/>
+            <a:t> : {</a:t>
+          </a:r>
+          <a:r>
+            <a:rPr lang="de-DE" sz="1900" dirty="0" err="1" smtClean="0"/>
+            <a:t>ObjectID</a:t>
+          </a:r>
+          <a:r>
+            <a:rPr lang="de-DE" sz="1900" dirty="0" smtClean="0"/>
+            <a:t>}</a:t>
+          </a:r>
+          <a:endParaRPr lang="de-DE" sz="1900" dirty="0"/>
+        </a:p>
+      </dgm:t>
+    </dgm:pt>
+    <dgm:pt modelId="{F951AEAF-20AC-491B-907E-27867114A5E4}" type="parTrans" cxnId="{E6A5259A-E066-4085-872C-6A7523D941FF}">
+      <dgm:prSet/>
+      <dgm:spPr/>
+      <dgm:t>
+        <a:bodyPr/>
+        <a:lstStyle/>
+        <a:p>
+          <a:endParaRPr lang="de-DE"/>
+        </a:p>
+      </dgm:t>
+    </dgm:pt>
+    <dgm:pt modelId="{7F5F9C93-62B0-4FA5-8EC3-A8511463D00B}" type="sibTrans" cxnId="{E6A5259A-E066-4085-872C-6A7523D941FF}">
+      <dgm:prSet/>
+      <dgm:spPr/>
+      <dgm:t>
+        <a:bodyPr/>
+        <a:lstStyle/>
+        <a:p>
+          <a:endParaRPr lang="de-DE"/>
+        </a:p>
+      </dgm:t>
+    </dgm:pt>
+    <dgm:pt modelId="{28DA6E57-6E4A-46E2-8F73-AB7912C84143}">
+      <dgm:prSet phldrT="[Text]" custT="1"/>
+      <dgm:spPr/>
+      <dgm:t>
+        <a:bodyPr/>
+        <a:lstStyle/>
+        <a:p>
+          <a:r>
+            <a:rPr lang="de-DE" sz="1900" dirty="0" err="1" smtClean="0"/>
+            <a:t>token</a:t>
+          </a:r>
+          <a:r>
+            <a:rPr lang="de-DE" sz="1900" dirty="0" smtClean="0"/>
+            <a:t> : {String}</a:t>
+          </a:r>
+          <a:endParaRPr lang="de-DE" sz="1900" dirty="0"/>
+        </a:p>
+      </dgm:t>
+    </dgm:pt>
+    <dgm:pt modelId="{375877AB-1F99-4D60-B5EC-F6E910E9DEAD}" type="parTrans" cxnId="{AE71030A-1423-47FE-B3FA-C158896A68C8}">
+      <dgm:prSet/>
+      <dgm:spPr/>
+      <dgm:t>
+        <a:bodyPr/>
+        <a:lstStyle/>
+        <a:p>
+          <a:endParaRPr lang="de-DE"/>
+        </a:p>
+      </dgm:t>
+    </dgm:pt>
+    <dgm:pt modelId="{95EBC766-07AF-44C1-BC8F-52303DEBD8A7}" type="sibTrans" cxnId="{AE71030A-1423-47FE-B3FA-C158896A68C8}">
+      <dgm:prSet/>
+      <dgm:spPr/>
+      <dgm:t>
+        <a:bodyPr/>
+        <a:lstStyle/>
+        <a:p>
+          <a:endParaRPr lang="de-DE"/>
+        </a:p>
+      </dgm:t>
+    </dgm:pt>
+    <dgm:pt modelId="{0A180470-D629-4A2F-A707-AC08E7EE7821}">
+      <dgm:prSet phldrT="[Text]"/>
+      <dgm:spPr/>
+      <dgm:t>
+        <a:bodyPr/>
+        <a:lstStyle/>
+        <a:p>
+          <a:r>
+            <a:rPr lang="de-DE" dirty="0" err="1" smtClean="0"/>
+            <a:t>users</a:t>
+          </a:r>
+          <a:endParaRPr lang="de-DE" dirty="0"/>
+        </a:p>
+      </dgm:t>
+    </dgm:pt>
+    <dgm:pt modelId="{E8C6D964-0C3D-4EE5-93FE-EB8BA448D4DC}" type="parTrans" cxnId="{0577D253-1036-47A8-B810-A735390FEBE6}">
+      <dgm:prSet/>
+      <dgm:spPr/>
+      <dgm:t>
+        <a:bodyPr/>
+        <a:lstStyle/>
+        <a:p>
+          <a:endParaRPr lang="de-DE"/>
+        </a:p>
+      </dgm:t>
+    </dgm:pt>
+    <dgm:pt modelId="{AEB55458-9C91-4297-89D4-34C873B7BFA6}" type="sibTrans" cxnId="{0577D253-1036-47A8-B810-A735390FEBE6}">
+      <dgm:prSet/>
+      <dgm:spPr/>
+      <dgm:t>
+        <a:bodyPr/>
+        <a:lstStyle/>
+        <a:p>
+          <a:endParaRPr lang="de-DE"/>
+        </a:p>
+      </dgm:t>
+    </dgm:pt>
+    <dgm:pt modelId="{1C7766AA-29C1-428A-BEF5-8CE292095754}">
+      <dgm:prSet phldrT="[Text]" custT="1"/>
+      <dgm:spPr/>
+      <dgm:t>
+        <a:bodyPr/>
+        <a:lstStyle/>
+        <a:p>
+          <a:r>
+            <a:rPr lang="de-DE" sz="1900" dirty="0" smtClean="0"/>
+            <a:t>_</a:t>
+          </a:r>
+          <a:r>
+            <a:rPr lang="de-DE" sz="1900" dirty="0" err="1" smtClean="0"/>
+            <a:t>id</a:t>
+          </a:r>
+          <a:r>
+            <a:rPr lang="de-DE" sz="1900" dirty="0" smtClean="0"/>
+            <a:t> : {</a:t>
+          </a:r>
+          <a:r>
+            <a:rPr lang="de-DE" sz="1900" dirty="0" err="1" smtClean="0"/>
+            <a:t>ObjectID</a:t>
+          </a:r>
+          <a:r>
+            <a:rPr lang="de-DE" sz="1900" dirty="0" smtClean="0"/>
+            <a:t>}</a:t>
+          </a:r>
+          <a:endParaRPr lang="de-DE" sz="1900" dirty="0"/>
+        </a:p>
+      </dgm:t>
+    </dgm:pt>
+    <dgm:pt modelId="{FDFC3CD1-1FDC-41D2-B700-F2FC3E7FD9D0}" type="parTrans" cxnId="{07F64291-A92B-4C60-926C-39BD6C3E7452}">
+      <dgm:prSet/>
+      <dgm:spPr/>
+      <dgm:t>
+        <a:bodyPr/>
+        <a:lstStyle/>
+        <a:p>
+          <a:endParaRPr lang="de-DE"/>
+        </a:p>
+      </dgm:t>
+    </dgm:pt>
+    <dgm:pt modelId="{907716D9-1125-4DC6-ADC0-01ADE899796A}" type="sibTrans" cxnId="{07F64291-A92B-4C60-926C-39BD6C3E7452}">
+      <dgm:prSet/>
+      <dgm:spPr/>
+      <dgm:t>
+        <a:bodyPr/>
+        <a:lstStyle/>
+        <a:p>
+          <a:endParaRPr lang="de-DE"/>
+        </a:p>
+      </dgm:t>
+    </dgm:pt>
+    <dgm:pt modelId="{A1DBACA7-05CB-48CB-9B53-54FBCB2A5237}">
+      <dgm:prSet phldrT="[Text]" custT="1"/>
+      <dgm:spPr/>
+      <dgm:t>
+        <a:bodyPr/>
+        <a:lstStyle/>
+        <a:p>
+          <a:r>
+            <a:rPr lang="de-DE" sz="1900" dirty="0" smtClean="0"/>
+            <a:t>email : {String}</a:t>
+          </a:r>
+          <a:endParaRPr lang="de-DE" sz="1900" dirty="0"/>
+        </a:p>
+      </dgm:t>
+    </dgm:pt>
+    <dgm:pt modelId="{B6AD3BBC-E784-4838-9CE5-C5208A656BE7}" type="parTrans" cxnId="{DE9B348D-2267-4A6B-BB42-85A0FD654949}">
+      <dgm:prSet/>
+      <dgm:spPr/>
+      <dgm:t>
+        <a:bodyPr/>
+        <a:lstStyle/>
+        <a:p>
+          <a:endParaRPr lang="de-DE"/>
+        </a:p>
+      </dgm:t>
+    </dgm:pt>
+    <dgm:pt modelId="{36F8352F-6C20-412E-8F72-C260C407855C}" type="sibTrans" cxnId="{DE9B348D-2267-4A6B-BB42-85A0FD654949}">
+      <dgm:prSet/>
+      <dgm:spPr/>
+      <dgm:t>
+        <a:bodyPr/>
+        <a:lstStyle/>
+        <a:p>
+          <a:endParaRPr lang="de-DE"/>
+        </a:p>
+      </dgm:t>
+    </dgm:pt>
+    <dgm:pt modelId="{45D67FC7-9484-4BD2-96D9-5DC0D4DC919F}">
+      <dgm:prSet phldrT="[Text]"/>
+      <dgm:spPr/>
+      <dgm:t>
+        <a:bodyPr/>
+        <a:lstStyle/>
+        <a:p>
+          <a:r>
+            <a:rPr lang="de-DE" dirty="0" err="1" smtClean="0"/>
+            <a:t>notes</a:t>
+          </a:r>
+          <a:endParaRPr lang="de-DE" dirty="0"/>
+        </a:p>
+      </dgm:t>
+    </dgm:pt>
+    <dgm:pt modelId="{4B8ADC91-5635-4EE3-8C47-598FD203A8B9}" type="parTrans" cxnId="{F4464803-20D7-4CE5-A841-ABFE9D9563F1}">
+      <dgm:prSet/>
+      <dgm:spPr/>
+      <dgm:t>
+        <a:bodyPr/>
+        <a:lstStyle/>
+        <a:p>
+          <a:endParaRPr lang="de-DE"/>
+        </a:p>
+      </dgm:t>
+    </dgm:pt>
+    <dgm:pt modelId="{5E107982-942B-421D-A403-BDFE3B4BFF02}" type="sibTrans" cxnId="{F4464803-20D7-4CE5-A841-ABFE9D9563F1}">
+      <dgm:prSet/>
+      <dgm:spPr/>
+      <dgm:t>
+        <a:bodyPr/>
+        <a:lstStyle/>
+        <a:p>
+          <a:endParaRPr lang="de-DE"/>
+        </a:p>
+      </dgm:t>
+    </dgm:pt>
+    <dgm:pt modelId="{99623C03-D146-4B2F-B1BD-3DB807E67CA3}">
+      <dgm:prSet phldrT="[Text]" custT="1"/>
+      <dgm:spPr/>
+      <dgm:t>
+        <a:bodyPr/>
+        <a:lstStyle/>
+        <a:p>
+          <a:r>
+            <a:rPr lang="de-DE" sz="1900" dirty="0" smtClean="0"/>
+            <a:t>_</a:t>
+          </a:r>
+          <a:r>
+            <a:rPr lang="de-DE" sz="1900" dirty="0" err="1" smtClean="0"/>
+            <a:t>id</a:t>
+          </a:r>
+          <a:r>
+            <a:rPr lang="de-DE" sz="1900" dirty="0" smtClean="0"/>
+            <a:t> : {</a:t>
+          </a:r>
+          <a:r>
+            <a:rPr lang="de-DE" sz="1900" dirty="0" err="1" smtClean="0"/>
+            <a:t>ObjectID</a:t>
+          </a:r>
+          <a:r>
+            <a:rPr lang="de-DE" sz="1900" dirty="0" smtClean="0"/>
+            <a:t>}</a:t>
+          </a:r>
+          <a:endParaRPr lang="de-DE" sz="1900" dirty="0"/>
+        </a:p>
+      </dgm:t>
+    </dgm:pt>
+    <dgm:pt modelId="{E0859033-31FF-4BD5-BB29-C8C73B90960E}" type="parTrans" cxnId="{54CDDB4D-3027-4246-A344-474A35E3090E}">
+      <dgm:prSet/>
+      <dgm:spPr/>
+      <dgm:t>
+        <a:bodyPr/>
+        <a:lstStyle/>
+        <a:p>
+          <a:endParaRPr lang="de-DE"/>
+        </a:p>
+      </dgm:t>
+    </dgm:pt>
+    <dgm:pt modelId="{773E9D64-FDDF-42CC-8E2E-9C65F38C3E0D}" type="sibTrans" cxnId="{54CDDB4D-3027-4246-A344-474A35E3090E}">
+      <dgm:prSet/>
+      <dgm:spPr/>
+      <dgm:t>
+        <a:bodyPr/>
+        <a:lstStyle/>
+        <a:p>
+          <a:endParaRPr lang="de-DE"/>
+        </a:p>
+      </dgm:t>
+    </dgm:pt>
+    <dgm:pt modelId="{D2BF2348-6C92-4587-B99B-E43D3D452CEB}">
+      <dgm:prSet phldrT="[Text]" custT="1"/>
+      <dgm:spPr/>
+      <dgm:t>
+        <a:bodyPr/>
+        <a:lstStyle/>
+        <a:p>
+          <a:r>
+            <a:rPr lang="de-DE" sz="1900" dirty="0" smtClean="0"/>
+            <a:t>title : {String}</a:t>
+          </a:r>
+          <a:endParaRPr lang="de-DE" sz="1900" dirty="0"/>
+        </a:p>
+      </dgm:t>
+    </dgm:pt>
+    <dgm:pt modelId="{F5AA7352-09F5-46F8-8040-884A7E6F0B17}" type="parTrans" cxnId="{A5FF004F-6FDB-4EB0-B173-DA0DEE6D08DB}">
+      <dgm:prSet/>
+      <dgm:spPr/>
+      <dgm:t>
+        <a:bodyPr/>
+        <a:lstStyle/>
+        <a:p>
+          <a:endParaRPr lang="de-DE"/>
+        </a:p>
+      </dgm:t>
+    </dgm:pt>
+    <dgm:pt modelId="{D5AB14E1-E40B-4D11-92BE-25EAB7BEDCB8}" type="sibTrans" cxnId="{A5FF004F-6FDB-4EB0-B173-DA0DEE6D08DB}">
+      <dgm:prSet/>
+      <dgm:spPr/>
+      <dgm:t>
+        <a:bodyPr/>
+        <a:lstStyle/>
+        <a:p>
+          <a:endParaRPr lang="de-DE"/>
+        </a:p>
+      </dgm:t>
+    </dgm:pt>
+    <dgm:pt modelId="{F7601433-8EAB-43F8-8E5A-0CC8D7C03C9C}">
+      <dgm:prSet phldrT="[Text]" custT="1"/>
+      <dgm:spPr/>
+      <dgm:t>
+        <a:bodyPr/>
+        <a:lstStyle/>
+        <a:p>
+          <a:r>
+            <a:rPr lang="de-DE" sz="1900" b="0" i="0" dirty="0" err="1" smtClean="0"/>
+            <a:t>lastModifiedDate</a:t>
+          </a:r>
+          <a:r>
+            <a:rPr lang="de-DE" sz="1900" b="0" i="0" dirty="0" smtClean="0"/>
+            <a:t> : {Date}</a:t>
+          </a:r>
+          <a:endParaRPr lang="de-DE" sz="1900" dirty="0"/>
+        </a:p>
+      </dgm:t>
+    </dgm:pt>
+    <dgm:pt modelId="{ECFB8B93-93A8-447C-A4C8-E0A67BBDFD13}" type="parTrans" cxnId="{BBA16565-49A4-4D06-92F3-CB59CE2ED0E5}">
+      <dgm:prSet/>
+      <dgm:spPr/>
+      <dgm:t>
+        <a:bodyPr/>
+        <a:lstStyle/>
+        <a:p>
+          <a:endParaRPr lang="de-DE"/>
+        </a:p>
+      </dgm:t>
+    </dgm:pt>
+    <dgm:pt modelId="{B707568B-EED8-439D-8D4E-8733E2FEE688}" type="sibTrans" cxnId="{BBA16565-49A4-4D06-92F3-CB59CE2ED0E5}">
+      <dgm:prSet/>
+      <dgm:spPr/>
+      <dgm:t>
+        <a:bodyPr/>
+        <a:lstStyle/>
+        <a:p>
+          <a:endParaRPr lang="de-DE"/>
+        </a:p>
+      </dgm:t>
+    </dgm:pt>
+    <dgm:pt modelId="{C3379581-7EC1-4BC6-8381-BAFCA1887E1F}">
+      <dgm:prSet phldrT="[Text]" custT="1"/>
+      <dgm:spPr/>
+      <dgm:t>
+        <a:bodyPr/>
+        <a:lstStyle/>
+        <a:p>
+          <a:r>
+            <a:rPr lang="de-DE" sz="1900" dirty="0" smtClean="0"/>
+            <a:t>_</a:t>
+          </a:r>
+          <a:r>
+            <a:rPr lang="de-DE" sz="1900" dirty="0" err="1" smtClean="0"/>
+            <a:t>id</a:t>
+          </a:r>
+          <a:r>
+            <a:rPr lang="de-DE" sz="1900" dirty="0" smtClean="0"/>
+            <a:t> : {</a:t>
+          </a:r>
+          <a:r>
+            <a:rPr lang="de-DE" sz="1900" dirty="0" err="1" smtClean="0"/>
+            <a:t>ObjectID</a:t>
+          </a:r>
+          <a:r>
+            <a:rPr lang="de-DE" sz="1900" dirty="0" smtClean="0"/>
+            <a:t>}</a:t>
+          </a:r>
+          <a:endParaRPr lang="de-DE" sz="1900" dirty="0"/>
+        </a:p>
+      </dgm:t>
+    </dgm:pt>
+    <dgm:pt modelId="{C895AC90-D1DA-45D1-8BDD-2F71CD8128F0}" type="parTrans" cxnId="{AE5EDADB-7948-46B8-850C-8862EB92663F}">
+      <dgm:prSet/>
+      <dgm:spPr/>
+      <dgm:t>
+        <a:bodyPr/>
+        <a:lstStyle/>
+        <a:p>
+          <a:endParaRPr lang="de-DE"/>
+        </a:p>
+      </dgm:t>
+    </dgm:pt>
+    <dgm:pt modelId="{B98963D3-C707-40A2-BFF1-69D4253DF9B0}" type="sibTrans" cxnId="{AE5EDADB-7948-46B8-850C-8862EB92663F}">
+      <dgm:prSet/>
+      <dgm:spPr/>
+      <dgm:t>
+        <a:bodyPr/>
+        <a:lstStyle/>
+        <a:p>
+          <a:endParaRPr lang="de-DE"/>
+        </a:p>
+      </dgm:t>
+    </dgm:pt>
+    <dgm:pt modelId="{05C7682C-30BD-4F6B-8D3E-F795974ED1B1}">
+      <dgm:prSet phldrT="[Text]" custT="1"/>
+      <dgm:spPr/>
+      <dgm:t>
+        <a:bodyPr/>
+        <a:lstStyle/>
+        <a:p>
+          <a:r>
+            <a:rPr lang="de-DE" sz="1900" dirty="0" err="1" smtClean="0"/>
+            <a:t>password</a:t>
+          </a:r>
+          <a:r>
+            <a:rPr lang="de-DE" sz="1900" dirty="0" smtClean="0"/>
+            <a:t> : {String}</a:t>
+          </a:r>
+          <a:endParaRPr lang="de-DE" sz="1900" dirty="0"/>
+        </a:p>
+      </dgm:t>
+    </dgm:pt>
+    <dgm:pt modelId="{D23D7D66-6018-4EF1-8DE3-4E021C9C97C3}" type="parTrans" cxnId="{EB471CDD-A914-4314-A35C-0DD843A49AFD}">
+      <dgm:prSet/>
+      <dgm:spPr/>
+      <dgm:t>
+        <a:bodyPr/>
+        <a:lstStyle/>
+        <a:p>
+          <a:endParaRPr lang="de-DE"/>
+        </a:p>
+      </dgm:t>
+    </dgm:pt>
+    <dgm:pt modelId="{4A397539-246C-46C1-963E-49232B01B503}" type="sibTrans" cxnId="{EB471CDD-A914-4314-A35C-0DD843A49AFD}">
+      <dgm:prSet/>
+      <dgm:spPr/>
+      <dgm:t>
+        <a:bodyPr/>
+        <a:lstStyle/>
+        <a:p>
+          <a:endParaRPr lang="de-DE"/>
+        </a:p>
+      </dgm:t>
+    </dgm:pt>
+    <dgm:pt modelId="{402C3787-C119-4975-B2C3-FDC33B51A950}">
+      <dgm:prSet phldrT="[Text]" custT="1"/>
+      <dgm:spPr/>
+      <dgm:t>
+        <a:bodyPr/>
+        <a:lstStyle/>
+        <a:p>
+          <a:r>
+            <a:rPr lang="de-DE" sz="1900" dirty="0" err="1" smtClean="0"/>
+            <a:t>caterories</a:t>
+          </a:r>
+          <a:r>
+            <a:rPr lang="de-DE" sz="1900" dirty="0" smtClean="0"/>
+            <a:t> : [ ]</a:t>
+          </a:r>
+          <a:endParaRPr lang="de-DE" sz="1900" dirty="0"/>
+        </a:p>
+      </dgm:t>
+    </dgm:pt>
+    <dgm:pt modelId="{6C90D17A-25EE-471C-B063-6FEBC0DB6C7E}" type="parTrans" cxnId="{327244BB-FF70-480C-8140-C95AD341320E}">
+      <dgm:prSet/>
+      <dgm:spPr/>
+      <dgm:t>
+        <a:bodyPr/>
+        <a:lstStyle/>
+        <a:p>
+          <a:endParaRPr lang="de-DE"/>
+        </a:p>
+      </dgm:t>
+    </dgm:pt>
+    <dgm:pt modelId="{8534571D-9358-468F-8107-890062D306FB}" type="sibTrans" cxnId="{327244BB-FF70-480C-8140-C95AD341320E}">
+      <dgm:prSet/>
+      <dgm:spPr/>
+      <dgm:t>
+        <a:bodyPr/>
+        <a:lstStyle/>
+        <a:p>
+          <a:endParaRPr lang="de-DE"/>
+        </a:p>
+      </dgm:t>
+    </dgm:pt>
+    <dgm:pt modelId="{4D15D454-5719-43AD-ABCB-88009645E105}">
+      <dgm:prSet phldrT="[Text]" custT="1"/>
+      <dgm:spPr/>
+      <dgm:t>
+        <a:bodyPr/>
+        <a:lstStyle/>
+        <a:p>
+          <a:r>
+            <a:rPr lang="de-DE" sz="1900" dirty="0" err="1" smtClean="0"/>
+            <a:t>name</a:t>
+          </a:r>
+          <a:r>
+            <a:rPr lang="de-DE" sz="1900" dirty="0" smtClean="0"/>
+            <a:t> : {String}</a:t>
+          </a:r>
+          <a:endParaRPr lang="de-DE" sz="1900" dirty="0"/>
+        </a:p>
+      </dgm:t>
+    </dgm:pt>
+    <dgm:pt modelId="{5825FBB6-1818-450B-A251-321CD70F19A1}" type="parTrans" cxnId="{5B1D1465-5147-4AE9-96B8-DAC155D74C8F}">
+      <dgm:prSet/>
+      <dgm:spPr/>
+      <dgm:t>
+        <a:bodyPr/>
+        <a:lstStyle/>
+        <a:p>
+          <a:endParaRPr lang="de-DE"/>
+        </a:p>
+      </dgm:t>
+    </dgm:pt>
+    <dgm:pt modelId="{15BD7220-7192-4F80-B15B-A0EBDB3DF5E8}" type="sibTrans" cxnId="{5B1D1465-5147-4AE9-96B8-DAC155D74C8F}">
+      <dgm:prSet/>
+      <dgm:spPr/>
+      <dgm:t>
+        <a:bodyPr/>
+        <a:lstStyle/>
+        <a:p>
+          <a:endParaRPr lang="de-DE"/>
+        </a:p>
+      </dgm:t>
+    </dgm:pt>
+    <dgm:pt modelId="{26495795-AD98-421D-933B-5002B29E1146}">
+      <dgm:prSet phldrT="[Text]" custT="1"/>
+      <dgm:spPr/>
+      <dgm:t>
+        <a:bodyPr/>
+        <a:lstStyle/>
+        <a:p>
+          <a:r>
+            <a:rPr lang="de-DE" sz="1900" dirty="0" err="1" smtClean="0"/>
+            <a:t>color</a:t>
+          </a:r>
+          <a:r>
+            <a:rPr lang="de-DE" sz="1900" dirty="0" smtClean="0"/>
+            <a:t> : {String}</a:t>
+          </a:r>
+          <a:endParaRPr lang="de-DE" sz="1900" dirty="0"/>
+        </a:p>
+      </dgm:t>
+    </dgm:pt>
+    <dgm:pt modelId="{9A403E3A-050D-451D-9A72-B3409672C762}" type="parTrans" cxnId="{DFDE9392-BC3B-4291-8B14-933F3C21A229}">
+      <dgm:prSet/>
+      <dgm:spPr/>
+      <dgm:t>
+        <a:bodyPr/>
+        <a:lstStyle/>
+        <a:p>
+          <a:endParaRPr lang="de-DE"/>
+        </a:p>
+      </dgm:t>
+    </dgm:pt>
+    <dgm:pt modelId="{B0C825B9-026B-41AC-A925-B147D9EFFF3E}" type="sibTrans" cxnId="{DFDE9392-BC3B-4291-8B14-933F3C21A229}">
+      <dgm:prSet/>
+      <dgm:spPr/>
+      <dgm:t>
+        <a:bodyPr/>
+        <a:lstStyle/>
+        <a:p>
+          <a:endParaRPr lang="de-DE"/>
+        </a:p>
+      </dgm:t>
+    </dgm:pt>
+    <dgm:pt modelId="{D43A8187-F70D-4382-97AF-2C1BAAAD39F2}">
+      <dgm:prSet phldrT="[Text]" custT="1"/>
+      <dgm:spPr/>
+      <dgm:t>
+        <a:bodyPr/>
+        <a:lstStyle/>
+        <a:p>
+          <a:r>
+            <a:rPr lang="de-DE" sz="1900" dirty="0" err="1" smtClean="0"/>
+            <a:t>content</a:t>
+          </a:r>
+          <a:r>
+            <a:rPr lang="de-DE" sz="1900" dirty="0" smtClean="0"/>
+            <a:t> : {String}</a:t>
+          </a:r>
+          <a:endParaRPr lang="de-DE" sz="1900" dirty="0"/>
+        </a:p>
+      </dgm:t>
+    </dgm:pt>
+    <dgm:pt modelId="{B3AF1AFC-2EFD-470D-8334-5BB3800BEAE5}" type="parTrans" cxnId="{D39F9551-7A9C-4BBA-B9B5-58E7BD540672}">
+      <dgm:prSet/>
+      <dgm:spPr/>
+      <dgm:t>
+        <a:bodyPr/>
+        <a:lstStyle/>
+        <a:p>
+          <a:endParaRPr lang="de-DE"/>
+        </a:p>
+      </dgm:t>
+    </dgm:pt>
+    <dgm:pt modelId="{BA38E681-6A32-4A4F-9143-88D4B0706EAC}" type="sibTrans" cxnId="{D39F9551-7A9C-4BBA-B9B5-58E7BD540672}">
+      <dgm:prSet/>
+      <dgm:spPr/>
+      <dgm:t>
+        <a:bodyPr/>
+        <a:lstStyle/>
+        <a:p>
+          <a:endParaRPr lang="de-DE"/>
+        </a:p>
+      </dgm:t>
+    </dgm:pt>
+    <dgm:pt modelId="{A2BFB9B8-DC9E-4DB2-A6FC-2E8A7188049F}">
+      <dgm:prSet phldrT="[Text]" custT="1"/>
+      <dgm:spPr/>
+      <dgm:t>
+        <a:bodyPr/>
+        <a:lstStyle/>
+        <a:p>
+          <a:r>
+            <a:rPr lang="de-DE" sz="1900" dirty="0" err="1" smtClean="0"/>
+            <a:t>startdate</a:t>
+          </a:r>
+          <a:r>
+            <a:rPr lang="de-DE" sz="1900" dirty="0" smtClean="0"/>
+            <a:t> : {</a:t>
+          </a:r>
+          <a:r>
+            <a:rPr lang="de-DE" sz="1900" dirty="0" err="1" smtClean="0"/>
+            <a:t>Number</a:t>
+          </a:r>
+          <a:r>
+            <a:rPr lang="de-DE" sz="1900" dirty="0" smtClean="0"/>
+            <a:t>}</a:t>
+          </a:r>
+          <a:endParaRPr lang="de-DE" sz="1900" dirty="0"/>
+        </a:p>
+      </dgm:t>
+    </dgm:pt>
+    <dgm:pt modelId="{01F339B7-F73F-4572-AB8B-4F804846FC8A}" type="parTrans" cxnId="{A5B0E6D2-FDF1-4B66-A937-34E78F3A23F4}">
+      <dgm:prSet/>
+      <dgm:spPr/>
+      <dgm:t>
+        <a:bodyPr/>
+        <a:lstStyle/>
+        <a:p>
+          <a:endParaRPr lang="de-DE"/>
+        </a:p>
+      </dgm:t>
+    </dgm:pt>
+    <dgm:pt modelId="{6EE000F8-9836-427C-94FC-658B005FF7FA}" type="sibTrans" cxnId="{A5B0E6D2-FDF1-4B66-A937-34E78F3A23F4}">
+      <dgm:prSet/>
+      <dgm:spPr/>
+      <dgm:t>
+        <a:bodyPr/>
+        <a:lstStyle/>
+        <a:p>
+          <a:endParaRPr lang="de-DE"/>
+        </a:p>
+      </dgm:t>
+    </dgm:pt>
+    <dgm:pt modelId="{7D1F6B58-A72A-43D8-9441-9AFAF2A7FBC3}">
+      <dgm:prSet phldrT="[Text]" custT="1"/>
+      <dgm:spPr/>
+      <dgm:t>
+        <a:bodyPr/>
+        <a:lstStyle/>
+        <a:p>
+          <a:r>
+            <a:rPr lang="de-DE" sz="1900" dirty="0" err="1" smtClean="0"/>
+            <a:t>enddate</a:t>
+          </a:r>
+          <a:r>
+            <a:rPr lang="de-DE" sz="1900" dirty="0" smtClean="0"/>
+            <a:t> : {</a:t>
+          </a:r>
+          <a:r>
+            <a:rPr lang="de-DE" sz="1900" dirty="0" err="1" smtClean="0"/>
+            <a:t>Number</a:t>
+          </a:r>
+          <a:r>
+            <a:rPr lang="de-DE" sz="1900" dirty="0" smtClean="0"/>
+            <a:t>}</a:t>
+          </a:r>
+          <a:endParaRPr lang="de-DE" sz="1900" dirty="0"/>
+        </a:p>
+      </dgm:t>
+    </dgm:pt>
+    <dgm:pt modelId="{9E2D9AB1-C208-4637-A70A-D0AAD3B62335}" type="parTrans" cxnId="{463A04E0-0E16-4E7B-A20B-0825754EC6D7}">
+      <dgm:prSet/>
+      <dgm:spPr/>
+      <dgm:t>
+        <a:bodyPr/>
+        <a:lstStyle/>
+        <a:p>
+          <a:endParaRPr lang="de-DE"/>
+        </a:p>
+      </dgm:t>
+    </dgm:pt>
+    <dgm:pt modelId="{CD601143-3120-4D95-BAA6-56A57A6BE8CB}" type="sibTrans" cxnId="{463A04E0-0E16-4E7B-A20B-0825754EC6D7}">
+      <dgm:prSet/>
+      <dgm:spPr/>
+      <dgm:t>
+        <a:bodyPr/>
+        <a:lstStyle/>
+        <a:p>
+          <a:endParaRPr lang="de-DE"/>
+        </a:p>
+      </dgm:t>
+    </dgm:pt>
+    <dgm:pt modelId="{B76DA727-A040-4538-8008-3CDD5AF6C4CD}">
+      <dgm:prSet phldrT="[Text]" custT="1"/>
+      <dgm:spPr/>
+      <dgm:t>
+        <a:bodyPr/>
+        <a:lstStyle/>
+        <a:p>
+          <a:r>
+            <a:rPr lang="de-DE" sz="1900" dirty="0" err="1" smtClean="0"/>
+            <a:t>caterories</a:t>
+          </a:r>
+          <a:r>
+            <a:rPr lang="de-DE" sz="1900" dirty="0" smtClean="0"/>
+            <a:t> : [ ]</a:t>
+          </a:r>
+          <a:endParaRPr lang="de-DE" sz="1900" dirty="0"/>
+        </a:p>
+      </dgm:t>
+    </dgm:pt>
+    <dgm:pt modelId="{4C449830-DBEC-40D2-8919-B27B96897897}" type="parTrans" cxnId="{16E69B4A-4FAE-480E-A039-22791D56723E}">
+      <dgm:prSet/>
+      <dgm:spPr/>
+      <dgm:t>
+        <a:bodyPr/>
+        <a:lstStyle/>
+        <a:p>
+          <a:endParaRPr lang="de-DE"/>
+        </a:p>
+      </dgm:t>
+    </dgm:pt>
+    <dgm:pt modelId="{6B1CAC0F-CDDB-42A4-96E2-9DEC7FE21C3B}" type="sibTrans" cxnId="{16E69B4A-4FAE-480E-A039-22791D56723E}">
+      <dgm:prSet/>
+      <dgm:spPr/>
+      <dgm:t>
+        <a:bodyPr/>
+        <a:lstStyle/>
+        <a:p>
+          <a:endParaRPr lang="de-DE"/>
+        </a:p>
+      </dgm:t>
+    </dgm:pt>
+    <dgm:pt modelId="{B2C592FA-1A6D-4E4E-A9F6-662A3908022D}">
+      <dgm:prSet phldrT="[Text]" custT="1"/>
+      <dgm:spPr/>
+      <dgm:t>
+        <a:bodyPr/>
+        <a:lstStyle/>
+        <a:p>
+          <a:r>
+            <a:rPr lang="de-DE" sz="1900" dirty="0" err="1" smtClean="0"/>
+            <a:t>user</a:t>
+          </a:r>
+          <a:r>
+            <a:rPr lang="de-DE" sz="1900" dirty="0" smtClean="0"/>
+            <a:t> : {</a:t>
+          </a:r>
+          <a:r>
+            <a:rPr lang="de-DE" sz="1900" dirty="0" err="1" smtClean="0"/>
+            <a:t>ObjectID</a:t>
+          </a:r>
+          <a:r>
+            <a:rPr lang="de-DE" sz="1900" dirty="0" smtClean="0"/>
+            <a:t>}</a:t>
+          </a:r>
+          <a:endParaRPr lang="de-DE" sz="1900" dirty="0"/>
+        </a:p>
+      </dgm:t>
+    </dgm:pt>
+    <dgm:pt modelId="{A18EE425-83C3-47C1-A9B4-FF6282063EFA}" type="parTrans" cxnId="{399C1B78-D0B5-43B3-B982-9FAB982DECAD}">
+      <dgm:prSet/>
+      <dgm:spPr/>
+      <dgm:t>
+        <a:bodyPr/>
+        <a:lstStyle/>
+        <a:p>
+          <a:endParaRPr lang="de-DE"/>
+        </a:p>
+      </dgm:t>
+    </dgm:pt>
+    <dgm:pt modelId="{774724CD-A5F5-46F6-9661-F1139E47DC06}" type="sibTrans" cxnId="{399C1B78-D0B5-43B3-B982-9FAB982DECAD}">
+      <dgm:prSet/>
+      <dgm:spPr/>
+      <dgm:t>
+        <a:bodyPr/>
+        <a:lstStyle/>
+        <a:p>
+          <a:endParaRPr lang="de-DE"/>
+        </a:p>
+      </dgm:t>
+    </dgm:pt>
+    <dgm:pt modelId="{844E8EA2-E497-4CA3-B913-F411BEDF9016}">
+      <dgm:prSet custT="1"/>
+      <dgm:spPr/>
+      <dgm:t>
+        <a:bodyPr/>
+        <a:lstStyle/>
+        <a:p>
+          <a:r>
+            <a:rPr lang="de-DE" sz="1900" smtClean="0"/>
+            <a:t>name : {String}</a:t>
+          </a:r>
+          <a:endParaRPr lang="de-DE" sz="1900" dirty="0"/>
+        </a:p>
+      </dgm:t>
+    </dgm:pt>
+    <dgm:pt modelId="{EE13E0CB-570B-486A-9993-91EEF0D92EB9}" type="parTrans" cxnId="{46D75800-77E1-468D-9240-6C6ED0FE244A}">
+      <dgm:prSet/>
+      <dgm:spPr/>
+      <dgm:t>
+        <a:bodyPr/>
+        <a:lstStyle/>
+        <a:p>
+          <a:endParaRPr lang="de-DE"/>
+        </a:p>
+      </dgm:t>
+    </dgm:pt>
+    <dgm:pt modelId="{CA51B4C4-D158-40F6-B0FC-1868BAD96DE8}" type="sibTrans" cxnId="{46D75800-77E1-468D-9240-6C6ED0FE244A}">
+      <dgm:prSet/>
+      <dgm:spPr/>
+      <dgm:t>
+        <a:bodyPr/>
+        <a:lstStyle/>
+        <a:p>
+          <a:endParaRPr lang="de-DE"/>
+        </a:p>
+      </dgm:t>
+    </dgm:pt>
+    <dgm:pt modelId="{74DCB112-97B7-43B7-B971-E99A399335BB}">
+      <dgm:prSet custT="1"/>
+      <dgm:spPr/>
+      <dgm:t>
+        <a:bodyPr/>
+        <a:lstStyle/>
+        <a:p>
+          <a:r>
+            <a:rPr lang="de-DE" sz="1900" dirty="0" err="1" smtClean="0"/>
+            <a:t>color</a:t>
+          </a:r>
+          <a:r>
+            <a:rPr lang="de-DE" sz="1900" dirty="0" smtClean="0"/>
+            <a:t> : {String}</a:t>
+          </a:r>
+          <a:endParaRPr lang="de-DE" sz="1900" dirty="0"/>
+        </a:p>
+      </dgm:t>
+    </dgm:pt>
+    <dgm:pt modelId="{C132FE06-D957-410B-891C-7E9D715895E2}" type="parTrans" cxnId="{E4929EAA-58F6-4332-AB15-6A9CB3579A7D}">
+      <dgm:prSet/>
+      <dgm:spPr/>
+      <dgm:t>
+        <a:bodyPr/>
+        <a:lstStyle/>
+        <a:p>
+          <a:endParaRPr lang="de-DE"/>
+        </a:p>
+      </dgm:t>
+    </dgm:pt>
+    <dgm:pt modelId="{3DB06AFA-5E0D-464A-B73D-EF233128865A}" type="sibTrans" cxnId="{E4929EAA-58F6-4332-AB15-6A9CB3579A7D}">
+      <dgm:prSet/>
+      <dgm:spPr/>
+      <dgm:t>
+        <a:bodyPr/>
+        <a:lstStyle/>
+        <a:p>
+          <a:endParaRPr lang="de-DE"/>
+        </a:p>
+      </dgm:t>
+    </dgm:pt>
+    <dgm:pt modelId="{90F0E19A-2712-4662-B9BB-A646A3D92C87}" type="pres">
+      <dgm:prSet presAssocID="{A6B4E31E-BF13-43E9-A8DF-1D0CED72AE2B}" presName="Name0" presStyleCnt="0">
+        <dgm:presLayoutVars>
+          <dgm:dir/>
+          <dgm:animLvl val="lvl"/>
+          <dgm:resizeHandles val="exact"/>
+        </dgm:presLayoutVars>
+      </dgm:prSet>
+      <dgm:spPr/>
+    </dgm:pt>
+    <dgm:pt modelId="{DAFE2E1E-AE37-4C40-BA41-14590B8EE766}" type="pres">
+      <dgm:prSet presAssocID="{5AA5FD75-5C90-4429-96FE-EA28159F142D}" presName="composite" presStyleCnt="0"/>
+      <dgm:spPr/>
+    </dgm:pt>
+    <dgm:pt modelId="{19E0F596-C569-49EE-A858-0212E44E8361}" type="pres">
+      <dgm:prSet presAssocID="{5AA5FD75-5C90-4429-96FE-EA28159F142D}" presName="parTx" presStyleLbl="alignNode1" presStyleIdx="0" presStyleCnt="3">
+        <dgm:presLayoutVars>
+          <dgm:chMax val="0"/>
+          <dgm:chPref val="0"/>
+          <dgm:bulletEnabled val="1"/>
+        </dgm:presLayoutVars>
+      </dgm:prSet>
+      <dgm:spPr/>
+      <dgm:t>
+        <a:bodyPr/>
+        <a:lstStyle/>
+        <a:p>
+          <a:endParaRPr lang="de-DE"/>
+        </a:p>
+      </dgm:t>
+    </dgm:pt>
+    <dgm:pt modelId="{F5E4AB33-7C02-4210-A409-8AD4743E5C7F}" type="pres">
+      <dgm:prSet presAssocID="{5AA5FD75-5C90-4429-96FE-EA28159F142D}" presName="desTx" presStyleLbl="alignAccFollowNode1" presStyleIdx="0" presStyleCnt="3">
+        <dgm:presLayoutVars>
+          <dgm:bulletEnabled val="1"/>
+        </dgm:presLayoutVars>
+      </dgm:prSet>
+      <dgm:spPr/>
+      <dgm:t>
+        <a:bodyPr/>
+        <a:lstStyle/>
+        <a:p>
+          <a:endParaRPr lang="de-DE"/>
+        </a:p>
+      </dgm:t>
+    </dgm:pt>
+    <dgm:pt modelId="{5B5761C4-1D63-4212-B9DB-49D798E8C8B7}" type="pres">
+      <dgm:prSet presAssocID="{18C8D811-D245-40D2-B576-2151A13E3CDC}" presName="space" presStyleCnt="0"/>
+      <dgm:spPr/>
+    </dgm:pt>
+    <dgm:pt modelId="{3BB7B81D-72AC-476C-B307-E15F9C7D83F0}" type="pres">
+      <dgm:prSet presAssocID="{0A180470-D629-4A2F-A707-AC08E7EE7821}" presName="composite" presStyleCnt="0"/>
+      <dgm:spPr/>
+    </dgm:pt>
+    <dgm:pt modelId="{CEB00F75-F7C3-4B6C-8DA8-4BE0DDA62DD1}" type="pres">
+      <dgm:prSet presAssocID="{0A180470-D629-4A2F-A707-AC08E7EE7821}" presName="parTx" presStyleLbl="alignNode1" presStyleIdx="1" presStyleCnt="3">
+        <dgm:presLayoutVars>
+          <dgm:chMax val="0"/>
+          <dgm:chPref val="0"/>
+          <dgm:bulletEnabled val="1"/>
+        </dgm:presLayoutVars>
+      </dgm:prSet>
+      <dgm:spPr/>
+      <dgm:t>
+        <a:bodyPr/>
+        <a:lstStyle/>
+        <a:p>
+          <a:endParaRPr lang="de-DE"/>
+        </a:p>
+      </dgm:t>
+    </dgm:pt>
+    <dgm:pt modelId="{E2FEDD15-6C55-4357-B7C9-D7888B6098CA}" type="pres">
+      <dgm:prSet presAssocID="{0A180470-D629-4A2F-A707-AC08E7EE7821}" presName="desTx" presStyleLbl="alignAccFollowNode1" presStyleIdx="1" presStyleCnt="3">
+        <dgm:presLayoutVars>
+          <dgm:bulletEnabled val="1"/>
+        </dgm:presLayoutVars>
+      </dgm:prSet>
+      <dgm:spPr/>
+      <dgm:t>
+        <a:bodyPr/>
+        <a:lstStyle/>
+        <a:p>
+          <a:endParaRPr lang="de-DE"/>
+        </a:p>
+      </dgm:t>
+    </dgm:pt>
+    <dgm:pt modelId="{C57AB56D-9689-4419-A478-74629451FBE3}" type="pres">
+      <dgm:prSet presAssocID="{AEB55458-9C91-4297-89D4-34C873B7BFA6}" presName="space" presStyleCnt="0"/>
+      <dgm:spPr/>
+    </dgm:pt>
+    <dgm:pt modelId="{310BF683-CC59-474E-84EC-487BBA7E528B}" type="pres">
+      <dgm:prSet presAssocID="{45D67FC7-9484-4BD2-96D9-5DC0D4DC919F}" presName="composite" presStyleCnt="0"/>
+      <dgm:spPr/>
+    </dgm:pt>
+    <dgm:pt modelId="{408356D3-9949-4E29-8747-B7EE15A2C512}" type="pres">
+      <dgm:prSet presAssocID="{45D67FC7-9484-4BD2-96D9-5DC0D4DC919F}" presName="parTx" presStyleLbl="alignNode1" presStyleIdx="2" presStyleCnt="3">
+        <dgm:presLayoutVars>
+          <dgm:chMax val="0"/>
+          <dgm:chPref val="0"/>
+          <dgm:bulletEnabled val="1"/>
+        </dgm:presLayoutVars>
+      </dgm:prSet>
+      <dgm:spPr/>
+      <dgm:t>
+        <a:bodyPr/>
+        <a:lstStyle/>
+        <a:p>
+          <a:endParaRPr lang="de-DE"/>
+        </a:p>
+      </dgm:t>
+    </dgm:pt>
+    <dgm:pt modelId="{FFF38D35-7D94-4F39-9648-B2AB98F610BE}" type="pres">
+      <dgm:prSet presAssocID="{45D67FC7-9484-4BD2-96D9-5DC0D4DC919F}" presName="desTx" presStyleLbl="alignAccFollowNode1" presStyleIdx="2" presStyleCnt="3">
+        <dgm:presLayoutVars>
+          <dgm:bulletEnabled val="1"/>
+        </dgm:presLayoutVars>
+      </dgm:prSet>
+      <dgm:spPr/>
+      <dgm:t>
+        <a:bodyPr/>
+        <a:lstStyle/>
+        <a:p>
+          <a:endParaRPr lang="de-DE"/>
+        </a:p>
+      </dgm:t>
+    </dgm:pt>
+  </dgm:ptLst>
+  <dgm:cxnLst>
+    <dgm:cxn modelId="{54CDDB4D-3027-4246-A344-474A35E3090E}" srcId="{45D67FC7-9484-4BD2-96D9-5DC0D4DC919F}" destId="{99623C03-D146-4B2F-B1BD-3DB807E67CA3}" srcOrd="0" destOrd="0" parTransId="{E0859033-31FF-4BD5-BB29-C8C73B90960E}" sibTransId="{773E9D64-FDDF-42CC-8E2E-9C65F38C3E0D}"/>
+    <dgm:cxn modelId="{2436F9B4-E2AB-419D-AA8F-2658D74AA003}" type="presOf" srcId="{D2BF2348-6C92-4587-B99B-E43D3D452CEB}" destId="{FFF38D35-7D94-4F39-9648-B2AB98F610BE}" srcOrd="0" destOrd="2" presId="urn:microsoft.com/office/officeart/2005/8/layout/hList1"/>
+    <dgm:cxn modelId="{EB471CDD-A914-4314-A35C-0DD843A49AFD}" srcId="{0A180470-D629-4A2F-A707-AC08E7EE7821}" destId="{05C7682C-30BD-4F6B-8D3E-F795974ED1B1}" srcOrd="2" destOrd="0" parTransId="{D23D7D66-6018-4EF1-8DE3-4E021C9C97C3}" sibTransId="{4A397539-246C-46C1-963E-49232B01B503}"/>
+    <dgm:cxn modelId="{5B1D1465-5147-4AE9-96B8-DAC155D74C8F}" srcId="{402C3787-C119-4975-B2C3-FDC33B51A950}" destId="{4D15D454-5719-43AD-ABCB-88009645E105}" srcOrd="0" destOrd="0" parTransId="{5825FBB6-1818-450B-A251-321CD70F19A1}" sibTransId="{15BD7220-7192-4F80-B15B-A0EBDB3DF5E8}"/>
+    <dgm:cxn modelId="{5BF3E34A-AC80-4682-8403-46A529575F7A}" type="presOf" srcId="{B2C592FA-1A6D-4E4E-A9F6-662A3908022D}" destId="{FFF38D35-7D94-4F39-9648-B2AB98F610BE}" srcOrd="0" destOrd="1" presId="urn:microsoft.com/office/officeart/2005/8/layout/hList1"/>
+    <dgm:cxn modelId="{07F64291-A92B-4C60-926C-39BD6C3E7452}" srcId="{0A180470-D629-4A2F-A707-AC08E7EE7821}" destId="{1C7766AA-29C1-428A-BEF5-8CE292095754}" srcOrd="0" destOrd="0" parTransId="{FDFC3CD1-1FDC-41D2-B700-F2FC3E7FD9D0}" sibTransId="{907716D9-1125-4DC6-ADC0-01ADE899796A}"/>
+    <dgm:cxn modelId="{BBA16565-49A4-4D06-92F3-CB59CE2ED0E5}" srcId="{5AA5FD75-5C90-4429-96FE-EA28159F142D}" destId="{F7601433-8EAB-43F8-8E5A-0CC8D7C03C9C}" srcOrd="3" destOrd="0" parTransId="{ECFB8B93-93A8-447C-A4C8-E0A67BBDFD13}" sibTransId="{B707568B-EED8-439D-8D4E-8733E2FEE688}"/>
+    <dgm:cxn modelId="{2212B5D8-DD80-47D7-89D8-2E3EAE0B61A0}" type="presOf" srcId="{05C7682C-30BD-4F6B-8D3E-F795974ED1B1}" destId="{E2FEDD15-6C55-4357-B7C9-D7888B6098CA}" srcOrd="0" destOrd="2" presId="urn:microsoft.com/office/officeart/2005/8/layout/hList1"/>
+    <dgm:cxn modelId="{399C1B78-D0B5-43B3-B982-9FAB982DECAD}" srcId="{45D67FC7-9484-4BD2-96D9-5DC0D4DC919F}" destId="{B2C592FA-1A6D-4E4E-A9F6-662A3908022D}" srcOrd="1" destOrd="0" parTransId="{A18EE425-83C3-47C1-A9B4-FF6282063EFA}" sibTransId="{774724CD-A5F5-46F6-9661-F1139E47DC06}"/>
+    <dgm:cxn modelId="{463A04E0-0E16-4E7B-A20B-0825754EC6D7}" srcId="{45D67FC7-9484-4BD2-96D9-5DC0D4DC919F}" destId="{7D1F6B58-A72A-43D8-9441-9AFAF2A7FBC3}" srcOrd="5" destOrd="0" parTransId="{9E2D9AB1-C208-4637-A70A-D0AAD3B62335}" sibTransId="{CD601143-3120-4D95-BAA6-56A57A6BE8CB}"/>
+    <dgm:cxn modelId="{722C260F-26E4-489D-BBCD-4CE420722106}" type="presOf" srcId="{402C3787-C119-4975-B2C3-FDC33B51A950}" destId="{E2FEDD15-6C55-4357-B7C9-D7888B6098CA}" srcOrd="0" destOrd="3" presId="urn:microsoft.com/office/officeart/2005/8/layout/hList1"/>
+    <dgm:cxn modelId="{AE5EDADB-7948-46B8-850C-8862EB92663F}" srcId="{5AA5FD75-5C90-4429-96FE-EA28159F142D}" destId="{C3379581-7EC1-4BC6-8381-BAFCA1887E1F}" srcOrd="0" destOrd="0" parTransId="{C895AC90-D1DA-45D1-8BDD-2F71CD8128F0}" sibTransId="{B98963D3-C707-40A2-BFF1-69D4253DF9B0}"/>
+    <dgm:cxn modelId="{B64D628A-F477-4F42-9374-62D3FD6A9453}" type="presOf" srcId="{D43A8187-F70D-4382-97AF-2C1BAAAD39F2}" destId="{FFF38D35-7D94-4F39-9648-B2AB98F610BE}" srcOrd="0" destOrd="3" presId="urn:microsoft.com/office/officeart/2005/8/layout/hList1"/>
+    <dgm:cxn modelId="{FE515B5C-2564-40F7-81CB-7B691148B200}" type="presOf" srcId="{A6B4E31E-BF13-43E9-A8DF-1D0CED72AE2B}" destId="{90F0E19A-2712-4662-B9BB-A646A3D92C87}" srcOrd="0" destOrd="0" presId="urn:microsoft.com/office/officeart/2005/8/layout/hList1"/>
+    <dgm:cxn modelId="{DE9B348D-2267-4A6B-BB42-85A0FD654949}" srcId="{0A180470-D629-4A2F-A707-AC08E7EE7821}" destId="{A1DBACA7-05CB-48CB-9B53-54FBCB2A5237}" srcOrd="1" destOrd="0" parTransId="{B6AD3BBC-E784-4838-9CE5-C5208A656BE7}" sibTransId="{36F8352F-6C20-412E-8F72-C260C407855C}"/>
+    <dgm:cxn modelId="{E6A5259A-E066-4085-872C-6A7523D941FF}" srcId="{5AA5FD75-5C90-4429-96FE-EA28159F142D}" destId="{AFFDF927-88B0-4668-B8D8-1D9DDA5BB309}" srcOrd="1" destOrd="0" parTransId="{F951AEAF-20AC-491B-907E-27867114A5E4}" sibTransId="{7F5F9C93-62B0-4FA5-8EC3-A8511463D00B}"/>
+    <dgm:cxn modelId="{0577D253-1036-47A8-B810-A735390FEBE6}" srcId="{A6B4E31E-BF13-43E9-A8DF-1D0CED72AE2B}" destId="{0A180470-D629-4A2F-A707-AC08E7EE7821}" srcOrd="1" destOrd="0" parTransId="{E8C6D964-0C3D-4EE5-93FE-EB8BA448D4DC}" sibTransId="{AEB55458-9C91-4297-89D4-34C873B7BFA6}"/>
+    <dgm:cxn modelId="{D39F9551-7A9C-4BBA-B9B5-58E7BD540672}" srcId="{45D67FC7-9484-4BD2-96D9-5DC0D4DC919F}" destId="{D43A8187-F70D-4382-97AF-2C1BAAAD39F2}" srcOrd="3" destOrd="0" parTransId="{B3AF1AFC-2EFD-470D-8334-5BB3800BEAE5}" sibTransId="{BA38E681-6A32-4A4F-9143-88D4B0706EAC}"/>
+    <dgm:cxn modelId="{327244BB-FF70-480C-8140-C95AD341320E}" srcId="{0A180470-D629-4A2F-A707-AC08E7EE7821}" destId="{402C3787-C119-4975-B2C3-FDC33B51A950}" srcOrd="3" destOrd="0" parTransId="{6C90D17A-25EE-471C-B063-6FEBC0DB6C7E}" sibTransId="{8534571D-9358-468F-8107-890062D306FB}"/>
+    <dgm:cxn modelId="{A5B0E6D2-FDF1-4B66-A937-34E78F3A23F4}" srcId="{45D67FC7-9484-4BD2-96D9-5DC0D4DC919F}" destId="{A2BFB9B8-DC9E-4DB2-A6FC-2E8A7188049F}" srcOrd="4" destOrd="0" parTransId="{01F339B7-F73F-4572-AB8B-4F804846FC8A}" sibTransId="{6EE000F8-9836-427C-94FC-658B005FF7FA}"/>
+    <dgm:cxn modelId="{5607A11E-0468-4EA4-B201-3E27E70E1982}" type="presOf" srcId="{C3379581-7EC1-4BC6-8381-BAFCA1887E1F}" destId="{F5E4AB33-7C02-4210-A409-8AD4743E5C7F}" srcOrd="0" destOrd="0" presId="urn:microsoft.com/office/officeart/2005/8/layout/hList1"/>
+    <dgm:cxn modelId="{E4929EAA-58F6-4332-AB15-6A9CB3579A7D}" srcId="{B76DA727-A040-4538-8008-3CDD5AF6C4CD}" destId="{74DCB112-97B7-43B7-B971-E99A399335BB}" srcOrd="1" destOrd="0" parTransId="{C132FE06-D957-410B-891C-7E9D715895E2}" sibTransId="{3DB06AFA-5E0D-464A-B73D-EF233128865A}"/>
+    <dgm:cxn modelId="{F77FF049-E61B-42EA-8C8E-9F2E95115064}" type="presOf" srcId="{7D1F6B58-A72A-43D8-9441-9AFAF2A7FBC3}" destId="{FFF38D35-7D94-4F39-9648-B2AB98F610BE}" srcOrd="0" destOrd="5" presId="urn:microsoft.com/office/officeart/2005/8/layout/hList1"/>
+    <dgm:cxn modelId="{5F309194-1D4F-4428-BD83-CF4A32D3DD0B}" type="presOf" srcId="{45D67FC7-9484-4BD2-96D9-5DC0D4DC919F}" destId="{408356D3-9949-4E29-8747-B7EE15A2C512}" srcOrd="0" destOrd="0" presId="urn:microsoft.com/office/officeart/2005/8/layout/hList1"/>
+    <dgm:cxn modelId="{A0F7E418-CEF8-478C-9AC9-07A5F187E52E}" type="presOf" srcId="{AFFDF927-88B0-4668-B8D8-1D9DDA5BB309}" destId="{F5E4AB33-7C02-4210-A409-8AD4743E5C7F}" srcOrd="0" destOrd="1" presId="urn:microsoft.com/office/officeart/2005/8/layout/hList1"/>
+    <dgm:cxn modelId="{46D75800-77E1-468D-9240-6C6ED0FE244A}" srcId="{B76DA727-A040-4538-8008-3CDD5AF6C4CD}" destId="{844E8EA2-E497-4CA3-B913-F411BEDF9016}" srcOrd="0" destOrd="0" parTransId="{EE13E0CB-570B-486A-9993-91EEF0D92EB9}" sibTransId="{CA51B4C4-D158-40F6-B0FC-1868BAD96DE8}"/>
+    <dgm:cxn modelId="{16E69B4A-4FAE-480E-A039-22791D56723E}" srcId="{45D67FC7-9484-4BD2-96D9-5DC0D4DC919F}" destId="{B76DA727-A040-4538-8008-3CDD5AF6C4CD}" srcOrd="6" destOrd="0" parTransId="{4C449830-DBEC-40D2-8919-B27B96897897}" sibTransId="{6B1CAC0F-CDDB-42A4-96E2-9DEC7FE21C3B}"/>
+    <dgm:cxn modelId="{DFDE9392-BC3B-4291-8B14-933F3C21A229}" srcId="{402C3787-C119-4975-B2C3-FDC33B51A950}" destId="{26495795-AD98-421D-933B-5002B29E1146}" srcOrd="1" destOrd="0" parTransId="{9A403E3A-050D-451D-9A72-B3409672C762}" sibTransId="{B0C825B9-026B-41AC-A925-B147D9EFFF3E}"/>
+    <dgm:cxn modelId="{EA053C43-AEBE-4988-B1F1-26951380C017}" type="presOf" srcId="{A2BFB9B8-DC9E-4DB2-A6FC-2E8A7188049F}" destId="{FFF38D35-7D94-4F39-9648-B2AB98F610BE}" srcOrd="0" destOrd="4" presId="urn:microsoft.com/office/officeart/2005/8/layout/hList1"/>
+    <dgm:cxn modelId="{29A07833-7D0E-443C-B3EE-1B31CABF460B}" type="presOf" srcId="{B76DA727-A040-4538-8008-3CDD5AF6C4CD}" destId="{FFF38D35-7D94-4F39-9648-B2AB98F610BE}" srcOrd="0" destOrd="6" presId="urn:microsoft.com/office/officeart/2005/8/layout/hList1"/>
+    <dgm:cxn modelId="{A5FF004F-6FDB-4EB0-B173-DA0DEE6D08DB}" srcId="{45D67FC7-9484-4BD2-96D9-5DC0D4DC919F}" destId="{D2BF2348-6C92-4587-B99B-E43D3D452CEB}" srcOrd="2" destOrd="0" parTransId="{F5AA7352-09F5-46F8-8040-884A7E6F0B17}" sibTransId="{D5AB14E1-E40B-4D11-92BE-25EAB7BEDCB8}"/>
+    <dgm:cxn modelId="{55FD4654-11FC-4812-BF4D-266DCC35F99B}" srcId="{A6B4E31E-BF13-43E9-A8DF-1D0CED72AE2B}" destId="{5AA5FD75-5C90-4429-96FE-EA28159F142D}" srcOrd="0" destOrd="0" parTransId="{71E2E990-D355-40D1-8486-728C38E1D902}" sibTransId="{18C8D811-D245-40D2-B576-2151A13E3CDC}"/>
+    <dgm:cxn modelId="{0A44D52F-08E3-4310-8A68-EB95DA53AD94}" type="presOf" srcId="{99623C03-D146-4B2F-B1BD-3DB807E67CA3}" destId="{FFF38D35-7D94-4F39-9648-B2AB98F610BE}" srcOrd="0" destOrd="0" presId="urn:microsoft.com/office/officeart/2005/8/layout/hList1"/>
+    <dgm:cxn modelId="{A64AE706-5337-4E33-921C-F3A7DC78317B}" type="presOf" srcId="{4D15D454-5719-43AD-ABCB-88009645E105}" destId="{E2FEDD15-6C55-4357-B7C9-D7888B6098CA}" srcOrd="0" destOrd="4" presId="urn:microsoft.com/office/officeart/2005/8/layout/hList1"/>
+    <dgm:cxn modelId="{BF47847D-E076-4325-B057-D7CDBECFFEAC}" type="presOf" srcId="{5AA5FD75-5C90-4429-96FE-EA28159F142D}" destId="{19E0F596-C569-49EE-A858-0212E44E8361}" srcOrd="0" destOrd="0" presId="urn:microsoft.com/office/officeart/2005/8/layout/hList1"/>
+    <dgm:cxn modelId="{DD694FD2-C66C-4BBD-B4FC-2B82FFE3651A}" type="presOf" srcId="{0A180470-D629-4A2F-A707-AC08E7EE7821}" destId="{CEB00F75-F7C3-4B6C-8DA8-4BE0DDA62DD1}" srcOrd="0" destOrd="0" presId="urn:microsoft.com/office/officeart/2005/8/layout/hList1"/>
+    <dgm:cxn modelId="{BA27A05B-FD7F-4922-99CF-4CC7281017F3}" type="presOf" srcId="{1C7766AA-29C1-428A-BEF5-8CE292095754}" destId="{E2FEDD15-6C55-4357-B7C9-D7888B6098CA}" srcOrd="0" destOrd="0" presId="urn:microsoft.com/office/officeart/2005/8/layout/hList1"/>
+    <dgm:cxn modelId="{9F665977-5822-484D-8DE1-963728038FAD}" type="presOf" srcId="{A1DBACA7-05CB-48CB-9B53-54FBCB2A5237}" destId="{E2FEDD15-6C55-4357-B7C9-D7888B6098CA}" srcOrd="0" destOrd="1" presId="urn:microsoft.com/office/officeart/2005/8/layout/hList1"/>
+    <dgm:cxn modelId="{24F47EC5-40EB-4A7E-BF36-CF1B2EC345A0}" type="presOf" srcId="{844E8EA2-E497-4CA3-B913-F411BEDF9016}" destId="{FFF38D35-7D94-4F39-9648-B2AB98F610BE}" srcOrd="0" destOrd="7" presId="urn:microsoft.com/office/officeart/2005/8/layout/hList1"/>
+    <dgm:cxn modelId="{23F1E98B-ABBC-4F70-A0CB-04E81DF0C8D2}" type="presOf" srcId="{26495795-AD98-421D-933B-5002B29E1146}" destId="{E2FEDD15-6C55-4357-B7C9-D7888B6098CA}" srcOrd="0" destOrd="5" presId="urn:microsoft.com/office/officeart/2005/8/layout/hList1"/>
+    <dgm:cxn modelId="{AE71030A-1423-47FE-B3FA-C158896A68C8}" srcId="{5AA5FD75-5C90-4429-96FE-EA28159F142D}" destId="{28DA6E57-6E4A-46E2-8F73-AB7912C84143}" srcOrd="2" destOrd="0" parTransId="{375877AB-1F99-4D60-B5EC-F6E910E9DEAD}" sibTransId="{95EBC766-07AF-44C1-BC8F-52303DEBD8A7}"/>
+    <dgm:cxn modelId="{87264059-254C-4A98-9B5D-0BB9B886BA85}" type="presOf" srcId="{28DA6E57-6E4A-46E2-8F73-AB7912C84143}" destId="{F5E4AB33-7C02-4210-A409-8AD4743E5C7F}" srcOrd="0" destOrd="2" presId="urn:microsoft.com/office/officeart/2005/8/layout/hList1"/>
+    <dgm:cxn modelId="{2E770514-793E-4FA8-AD3B-86AF4447A68C}" type="presOf" srcId="{F7601433-8EAB-43F8-8E5A-0CC8D7C03C9C}" destId="{F5E4AB33-7C02-4210-A409-8AD4743E5C7F}" srcOrd="0" destOrd="3" presId="urn:microsoft.com/office/officeart/2005/8/layout/hList1"/>
+    <dgm:cxn modelId="{F4464803-20D7-4CE5-A841-ABFE9D9563F1}" srcId="{A6B4E31E-BF13-43E9-A8DF-1D0CED72AE2B}" destId="{45D67FC7-9484-4BD2-96D9-5DC0D4DC919F}" srcOrd="2" destOrd="0" parTransId="{4B8ADC91-5635-4EE3-8C47-598FD203A8B9}" sibTransId="{5E107982-942B-421D-A403-BDFE3B4BFF02}"/>
+    <dgm:cxn modelId="{85069800-5383-49F6-B4B5-79F044AB54AF}" type="presOf" srcId="{74DCB112-97B7-43B7-B971-E99A399335BB}" destId="{FFF38D35-7D94-4F39-9648-B2AB98F610BE}" srcOrd="0" destOrd="8" presId="urn:microsoft.com/office/officeart/2005/8/layout/hList1"/>
+    <dgm:cxn modelId="{1333B846-F87A-4D6A-BA5A-12903EEA7875}" type="presParOf" srcId="{90F0E19A-2712-4662-B9BB-A646A3D92C87}" destId="{DAFE2E1E-AE37-4C40-BA41-14590B8EE766}" srcOrd="0" destOrd="0" presId="urn:microsoft.com/office/officeart/2005/8/layout/hList1"/>
+    <dgm:cxn modelId="{44CBD020-44DC-48C2-BC89-353FA5ED720A}" type="presParOf" srcId="{DAFE2E1E-AE37-4C40-BA41-14590B8EE766}" destId="{19E0F596-C569-49EE-A858-0212E44E8361}" srcOrd="0" destOrd="0" presId="urn:microsoft.com/office/officeart/2005/8/layout/hList1"/>
+    <dgm:cxn modelId="{1BEF346F-441E-4523-A201-AEC2E7F70FDC}" type="presParOf" srcId="{DAFE2E1E-AE37-4C40-BA41-14590B8EE766}" destId="{F5E4AB33-7C02-4210-A409-8AD4743E5C7F}" srcOrd="1" destOrd="0" presId="urn:microsoft.com/office/officeart/2005/8/layout/hList1"/>
+    <dgm:cxn modelId="{8444E4DC-7D14-4E3A-9AD6-0870E6D0127B}" type="presParOf" srcId="{90F0E19A-2712-4662-B9BB-A646A3D92C87}" destId="{5B5761C4-1D63-4212-B9DB-49D798E8C8B7}" srcOrd="1" destOrd="0" presId="urn:microsoft.com/office/officeart/2005/8/layout/hList1"/>
+    <dgm:cxn modelId="{FC837F3A-C554-49C7-854A-26E555B28A60}" type="presParOf" srcId="{90F0E19A-2712-4662-B9BB-A646A3D92C87}" destId="{3BB7B81D-72AC-476C-B307-E15F9C7D83F0}" srcOrd="2" destOrd="0" presId="urn:microsoft.com/office/officeart/2005/8/layout/hList1"/>
+    <dgm:cxn modelId="{A4DF05EE-D4A7-420C-9B1F-2E0119DCBA95}" type="presParOf" srcId="{3BB7B81D-72AC-476C-B307-E15F9C7D83F0}" destId="{CEB00F75-F7C3-4B6C-8DA8-4BE0DDA62DD1}" srcOrd="0" destOrd="0" presId="urn:microsoft.com/office/officeart/2005/8/layout/hList1"/>
+    <dgm:cxn modelId="{0E013415-7DBE-4F78-95C1-9797863D3040}" type="presParOf" srcId="{3BB7B81D-72AC-476C-B307-E15F9C7D83F0}" destId="{E2FEDD15-6C55-4357-B7C9-D7888B6098CA}" srcOrd="1" destOrd="0" presId="urn:microsoft.com/office/officeart/2005/8/layout/hList1"/>
+    <dgm:cxn modelId="{36A19FD5-B345-4583-840B-8F9CAFA60B55}" type="presParOf" srcId="{90F0E19A-2712-4662-B9BB-A646A3D92C87}" destId="{C57AB56D-9689-4419-A478-74629451FBE3}" srcOrd="3" destOrd="0" presId="urn:microsoft.com/office/officeart/2005/8/layout/hList1"/>
+    <dgm:cxn modelId="{3CCF1756-C810-4196-A333-834142949574}" type="presParOf" srcId="{90F0E19A-2712-4662-B9BB-A646A3D92C87}" destId="{310BF683-CC59-474E-84EC-487BBA7E528B}" srcOrd="4" destOrd="0" presId="urn:microsoft.com/office/officeart/2005/8/layout/hList1"/>
+    <dgm:cxn modelId="{33548C8A-9CAA-4BBF-9A99-5C8E5901A85D}" type="presParOf" srcId="{310BF683-CC59-474E-84EC-487BBA7E528B}" destId="{408356D3-9949-4E29-8747-B7EE15A2C512}" srcOrd="0" destOrd="0" presId="urn:microsoft.com/office/officeart/2005/8/layout/hList1"/>
+    <dgm:cxn modelId="{22FC2AA7-3032-4A00-A405-B42B94696E81}" type="presParOf" srcId="{310BF683-CC59-474E-84EC-487BBA7E528B}" destId="{FFF38D35-7D94-4F39-9648-B2AB98F610BE}" srcOrd="1" destOrd="0" presId="urn:microsoft.com/office/officeart/2005/8/layout/hList1"/>
+  </dgm:cxnLst>
+  <dgm:bg/>
+  <dgm:whole/>
+  <dgm:extLst>
+    <a:ext uri="http://schemas.microsoft.com/office/drawing/2008/diagram">
+      <dsp:dataModelExt xmlns:dsp="http://schemas.microsoft.com/office/drawing/2008/diagram" relId="rId6" minVer="http://schemas.openxmlformats.org/drawingml/2006/diagram"/>
+    </a:ext>
+  </dgm:extLst>
+</dgm:dataModel>
+</file>
+
+<file path=ppt/diagrams/drawing1.xml><?xml version="1.0" encoding="utf-8"?>
+<dsp:drawing xmlns:dgm="http://schemas.openxmlformats.org/drawingml/2006/diagram" xmlns:dsp="http://schemas.microsoft.com/office/drawing/2008/diagram" xmlns:a="http://schemas.openxmlformats.org/drawingml/2006/main">
+  <dsp:spTree>
+    <dsp:nvGrpSpPr>
+      <dsp:cNvPr id="0" name=""/>
+      <dsp:cNvGrpSpPr/>
+    </dsp:nvGrpSpPr>
+    <dsp:grpSpPr/>
+    <dsp:sp modelId="{19E0F596-C569-49EE-A858-0212E44E8361}">
+      <dsp:nvSpPr>
+        <dsp:cNvPr id="0" name=""/>
+        <dsp:cNvSpPr/>
+      </dsp:nvSpPr>
+      <dsp:spPr>
+        <a:xfrm>
+          <a:off x="3000" y="15919"/>
+          <a:ext cx="2925365" cy="489600"/>
+        </a:xfrm>
+        <a:prstGeom prst="rect">
+          <a:avLst/>
+        </a:prstGeom>
+        <a:blipFill rotWithShape="0">
+          <a:blip xmlns:r="http://schemas.openxmlformats.org/officeDocument/2006/relationships" r:embed="rId1">
+            <a:duotone>
+              <a:schemeClr val="accent1">
+                <a:hueOff val="0"/>
+                <a:satOff val="0"/>
+                <a:lumOff val="0"/>
+                <a:alphaOff val="0"/>
+                <a:shade val="74000"/>
+                <a:satMod val="130000"/>
+                <a:lumMod val="90000"/>
+              </a:schemeClr>
+              <a:schemeClr val="accent1">
+                <a:hueOff val="0"/>
+                <a:satOff val="0"/>
+                <a:lumOff val="0"/>
+                <a:alphaOff val="0"/>
+                <a:tint val="94000"/>
+                <a:satMod val="120000"/>
+                <a:lumMod val="104000"/>
+              </a:schemeClr>
+            </a:duotone>
+          </a:blip>
+          <a:tile tx="0" ty="0" sx="100000" sy="100000" flip="none" algn="tl"/>
+        </a:blipFill>
+        <a:ln w="9525" cap="flat" cmpd="sng" algn="ctr">
+          <a:solidFill>
+            <a:schemeClr val="accent1">
+              <a:hueOff val="0"/>
+              <a:satOff val="0"/>
+              <a:lumOff val="0"/>
+              <a:alphaOff val="0"/>
+            </a:schemeClr>
+          </a:solidFill>
+          <a:prstDash val="solid"/>
+        </a:ln>
+        <a:effectLst>
+          <a:innerShdw blurRad="25400" dist="12700" dir="13500000">
+            <a:srgbClr val="000000">
+              <a:alpha val="45000"/>
+            </a:srgbClr>
+          </a:innerShdw>
+        </a:effectLst>
+      </dsp:spPr>
+      <dsp:style>
+        <a:lnRef idx="1">
+          <a:scrgbClr r="0" g="0" b="0"/>
+        </a:lnRef>
+        <a:fillRef idx="3">
+          <a:scrgbClr r="0" g="0" b="0"/>
+        </a:fillRef>
+        <a:effectRef idx="2">
+          <a:scrgbClr r="0" g="0" b="0"/>
+        </a:effectRef>
+        <a:fontRef idx="minor">
+          <a:schemeClr val="lt1"/>
+        </a:fontRef>
+      </dsp:style>
+      <dsp:txBody>
+        <a:bodyPr spcFirstLastPara="0" vert="horz" wrap="square" lIns="120904" tIns="69088" rIns="120904" bIns="69088" numCol="1" spcCol="1270" anchor="ctr" anchorCtr="0">
+          <a:noAutofit/>
+        </a:bodyPr>
+        <a:lstStyle/>
+        <a:p>
+          <a:pPr lvl="0" algn="ctr" defTabSz="755650">
+            <a:lnSpc>
+              <a:spcPct val="90000"/>
+            </a:lnSpc>
+            <a:spcBef>
+              <a:spcPct val="0"/>
+            </a:spcBef>
+            <a:spcAft>
+              <a:spcPct val="35000"/>
+            </a:spcAft>
+          </a:pPr>
+          <a:r>
+            <a:rPr lang="de-DE" sz="1700" kern="1200" dirty="0" err="1" smtClean="0"/>
+            <a:t>tokens</a:t>
+          </a:r>
+          <a:endParaRPr lang="de-DE" sz="1700" kern="1200" dirty="0"/>
+        </a:p>
+      </dsp:txBody>
+      <dsp:txXfrm>
+        <a:off x="3000" y="15919"/>
+        <a:ext cx="2925365" cy="489600"/>
+      </dsp:txXfrm>
+    </dsp:sp>
+    <dsp:sp modelId="{F5E4AB33-7C02-4210-A409-8AD4743E5C7F}">
+      <dsp:nvSpPr>
+        <dsp:cNvPr id="0" name=""/>
+        <dsp:cNvSpPr/>
+      </dsp:nvSpPr>
+      <dsp:spPr>
+        <a:xfrm>
+          <a:off x="3000" y="505519"/>
+          <a:ext cx="2925365" cy="2796436"/>
+        </a:xfrm>
+        <a:prstGeom prst="rect">
+          <a:avLst/>
+        </a:prstGeom>
+        <a:solidFill>
+          <a:schemeClr val="accent1">
+            <a:alpha val="90000"/>
+            <a:tint val="40000"/>
+            <a:hueOff val="0"/>
+            <a:satOff val="0"/>
+            <a:lumOff val="0"/>
+            <a:alphaOff val="0"/>
+          </a:schemeClr>
+        </a:solidFill>
+        <a:ln w="9525" cap="flat" cmpd="sng" algn="ctr">
+          <a:solidFill>
+            <a:schemeClr val="accent1">
+              <a:alpha val="90000"/>
+              <a:tint val="40000"/>
+              <a:hueOff val="0"/>
+              <a:satOff val="0"/>
+              <a:lumOff val="0"/>
+              <a:alphaOff val="0"/>
+            </a:schemeClr>
+          </a:solidFill>
+          <a:prstDash val="solid"/>
+        </a:ln>
+        <a:effectLst/>
+      </dsp:spPr>
+      <dsp:style>
+        <a:lnRef idx="1">
+          <a:scrgbClr r="0" g="0" b="0"/>
+        </a:lnRef>
+        <a:fillRef idx="1">
+          <a:scrgbClr r="0" g="0" b="0"/>
+        </a:fillRef>
+        <a:effectRef idx="0">
+          <a:scrgbClr r="0" g="0" b="0"/>
+        </a:effectRef>
+        <a:fontRef idx="minor"/>
+      </dsp:style>
+      <dsp:txBody>
+        <a:bodyPr spcFirstLastPara="0" vert="horz" wrap="square" lIns="101346" tIns="101346" rIns="135128" bIns="152019" numCol="1" spcCol="1270" anchor="t" anchorCtr="0">
+          <a:noAutofit/>
+        </a:bodyPr>
+        <a:lstStyle/>
+        <a:p>
+          <a:pPr marL="171450" lvl="1" indent="-171450" algn="l" defTabSz="844550">
+            <a:lnSpc>
+              <a:spcPct val="90000"/>
+            </a:lnSpc>
+            <a:spcBef>
+              <a:spcPct val="0"/>
+            </a:spcBef>
+            <a:spcAft>
+              <a:spcPct val="15000"/>
+            </a:spcAft>
+            <a:buChar char="••"/>
+          </a:pPr>
+          <a:r>
+            <a:rPr lang="de-DE" sz="1900" kern="1200" dirty="0" smtClean="0"/>
+            <a:t>_</a:t>
+          </a:r>
+          <a:r>
+            <a:rPr lang="de-DE" sz="1900" kern="1200" dirty="0" err="1" smtClean="0"/>
+            <a:t>id</a:t>
+          </a:r>
+          <a:r>
+            <a:rPr lang="de-DE" sz="1900" kern="1200" dirty="0" smtClean="0"/>
+            <a:t> : {</a:t>
+          </a:r>
+          <a:r>
+            <a:rPr lang="de-DE" sz="1900" kern="1200" dirty="0" err="1" smtClean="0"/>
+            <a:t>ObjectID</a:t>
+          </a:r>
+          <a:r>
+            <a:rPr lang="de-DE" sz="1900" kern="1200" dirty="0" smtClean="0"/>
+            <a:t>}</a:t>
+          </a:r>
+          <a:endParaRPr lang="de-DE" sz="1900" kern="1200" dirty="0"/>
+        </a:p>
+        <a:p>
+          <a:pPr marL="171450" lvl="1" indent="-171450" algn="l" defTabSz="844550">
+            <a:lnSpc>
+              <a:spcPct val="90000"/>
+            </a:lnSpc>
+            <a:spcBef>
+              <a:spcPct val="0"/>
+            </a:spcBef>
+            <a:spcAft>
+              <a:spcPct val="15000"/>
+            </a:spcAft>
+            <a:buChar char="••"/>
+          </a:pPr>
+          <a:r>
+            <a:rPr lang="de-DE" sz="1900" kern="1200" dirty="0" err="1" smtClean="0"/>
+            <a:t>userID</a:t>
+          </a:r>
+          <a:r>
+            <a:rPr lang="de-DE" sz="1900" kern="1200" dirty="0" smtClean="0"/>
+            <a:t> : {</a:t>
+          </a:r>
+          <a:r>
+            <a:rPr lang="de-DE" sz="1900" kern="1200" dirty="0" err="1" smtClean="0"/>
+            <a:t>ObjectID</a:t>
+          </a:r>
+          <a:r>
+            <a:rPr lang="de-DE" sz="1900" kern="1200" dirty="0" smtClean="0"/>
+            <a:t>}</a:t>
+          </a:r>
+          <a:endParaRPr lang="de-DE" sz="1900" kern="1200" dirty="0"/>
+        </a:p>
+        <a:p>
+          <a:pPr marL="171450" lvl="1" indent="-171450" algn="l" defTabSz="844550">
+            <a:lnSpc>
+              <a:spcPct val="90000"/>
+            </a:lnSpc>
+            <a:spcBef>
+              <a:spcPct val="0"/>
+            </a:spcBef>
+            <a:spcAft>
+              <a:spcPct val="15000"/>
+            </a:spcAft>
+            <a:buChar char="••"/>
+          </a:pPr>
+          <a:r>
+            <a:rPr lang="de-DE" sz="1900" kern="1200" dirty="0" err="1" smtClean="0"/>
+            <a:t>token</a:t>
+          </a:r>
+          <a:r>
+            <a:rPr lang="de-DE" sz="1900" kern="1200" dirty="0" smtClean="0"/>
+            <a:t> : {String}</a:t>
+          </a:r>
+          <a:endParaRPr lang="de-DE" sz="1900" kern="1200" dirty="0"/>
+        </a:p>
+        <a:p>
+          <a:pPr marL="171450" lvl="1" indent="-171450" algn="l" defTabSz="844550">
+            <a:lnSpc>
+              <a:spcPct val="90000"/>
+            </a:lnSpc>
+            <a:spcBef>
+              <a:spcPct val="0"/>
+            </a:spcBef>
+            <a:spcAft>
+              <a:spcPct val="15000"/>
+            </a:spcAft>
+            <a:buChar char="••"/>
+          </a:pPr>
+          <a:r>
+            <a:rPr lang="de-DE" sz="1900" b="0" i="0" kern="1200" dirty="0" err="1" smtClean="0"/>
+            <a:t>lastModifiedDate</a:t>
+          </a:r>
+          <a:r>
+            <a:rPr lang="de-DE" sz="1900" b="0" i="0" kern="1200" dirty="0" smtClean="0"/>
+            <a:t> : {Date}</a:t>
+          </a:r>
+          <a:endParaRPr lang="de-DE" sz="1900" kern="1200" dirty="0"/>
+        </a:p>
+      </dsp:txBody>
+      <dsp:txXfrm>
+        <a:off x="3000" y="505519"/>
+        <a:ext cx="2925365" cy="2796436"/>
+      </dsp:txXfrm>
+    </dsp:sp>
+    <dsp:sp modelId="{CEB00F75-F7C3-4B6C-8DA8-4BE0DDA62DD1}">
+      <dsp:nvSpPr>
+        <dsp:cNvPr id="0" name=""/>
+        <dsp:cNvSpPr/>
+      </dsp:nvSpPr>
+      <dsp:spPr>
+        <a:xfrm>
+          <a:off x="3337917" y="15919"/>
+          <a:ext cx="2925365" cy="489600"/>
+        </a:xfrm>
+        <a:prstGeom prst="rect">
+          <a:avLst/>
+        </a:prstGeom>
+        <a:blipFill rotWithShape="0">
+          <a:blip xmlns:r="http://schemas.openxmlformats.org/officeDocument/2006/relationships" r:embed="rId1">
+            <a:duotone>
+              <a:schemeClr val="accent1">
+                <a:hueOff val="0"/>
+                <a:satOff val="0"/>
+                <a:lumOff val="0"/>
+                <a:alphaOff val="0"/>
+                <a:shade val="74000"/>
+                <a:satMod val="130000"/>
+                <a:lumMod val="90000"/>
+              </a:schemeClr>
+              <a:schemeClr val="accent1">
+                <a:hueOff val="0"/>
+                <a:satOff val="0"/>
+                <a:lumOff val="0"/>
+                <a:alphaOff val="0"/>
+                <a:tint val="94000"/>
+                <a:satMod val="120000"/>
+                <a:lumMod val="104000"/>
+              </a:schemeClr>
+            </a:duotone>
+          </a:blip>
+          <a:tile tx="0" ty="0" sx="100000" sy="100000" flip="none" algn="tl"/>
+        </a:blipFill>
+        <a:ln w="9525" cap="flat" cmpd="sng" algn="ctr">
+          <a:solidFill>
+            <a:schemeClr val="accent1">
+              <a:hueOff val="0"/>
+              <a:satOff val="0"/>
+              <a:lumOff val="0"/>
+              <a:alphaOff val="0"/>
+            </a:schemeClr>
+          </a:solidFill>
+          <a:prstDash val="solid"/>
+        </a:ln>
+        <a:effectLst>
+          <a:innerShdw blurRad="25400" dist="12700" dir="13500000">
+            <a:srgbClr val="000000">
+              <a:alpha val="45000"/>
+            </a:srgbClr>
+          </a:innerShdw>
+        </a:effectLst>
+      </dsp:spPr>
+      <dsp:style>
+        <a:lnRef idx="1">
+          <a:scrgbClr r="0" g="0" b="0"/>
+        </a:lnRef>
+        <a:fillRef idx="3">
+          <a:scrgbClr r="0" g="0" b="0"/>
+        </a:fillRef>
+        <a:effectRef idx="2">
+          <a:scrgbClr r="0" g="0" b="0"/>
+        </a:effectRef>
+        <a:fontRef idx="minor">
+          <a:schemeClr val="lt1"/>
+        </a:fontRef>
+      </dsp:style>
+      <dsp:txBody>
+        <a:bodyPr spcFirstLastPara="0" vert="horz" wrap="square" lIns="120904" tIns="69088" rIns="120904" bIns="69088" numCol="1" spcCol="1270" anchor="ctr" anchorCtr="0">
+          <a:noAutofit/>
+        </a:bodyPr>
+        <a:lstStyle/>
+        <a:p>
+          <a:pPr lvl="0" algn="ctr" defTabSz="755650">
+            <a:lnSpc>
+              <a:spcPct val="90000"/>
+            </a:lnSpc>
+            <a:spcBef>
+              <a:spcPct val="0"/>
+            </a:spcBef>
+            <a:spcAft>
+              <a:spcPct val="35000"/>
+            </a:spcAft>
+          </a:pPr>
+          <a:r>
+            <a:rPr lang="de-DE" sz="1700" kern="1200" dirty="0" err="1" smtClean="0"/>
+            <a:t>users</a:t>
+          </a:r>
+          <a:endParaRPr lang="de-DE" sz="1700" kern="1200" dirty="0"/>
+        </a:p>
+      </dsp:txBody>
+      <dsp:txXfrm>
+        <a:off x="3337917" y="15919"/>
+        <a:ext cx="2925365" cy="489600"/>
+      </dsp:txXfrm>
+    </dsp:sp>
+    <dsp:sp modelId="{E2FEDD15-6C55-4357-B7C9-D7888B6098CA}">
+      <dsp:nvSpPr>
+        <dsp:cNvPr id="0" name=""/>
+        <dsp:cNvSpPr/>
+      </dsp:nvSpPr>
+      <dsp:spPr>
+        <a:xfrm>
+          <a:off x="3337917" y="505519"/>
+          <a:ext cx="2925365" cy="2796436"/>
+        </a:xfrm>
+        <a:prstGeom prst="rect">
+          <a:avLst/>
+        </a:prstGeom>
+        <a:solidFill>
+          <a:schemeClr val="accent1">
+            <a:alpha val="90000"/>
+            <a:tint val="40000"/>
+            <a:hueOff val="0"/>
+            <a:satOff val="0"/>
+            <a:lumOff val="0"/>
+            <a:alphaOff val="0"/>
+          </a:schemeClr>
+        </a:solidFill>
+        <a:ln w="9525" cap="flat" cmpd="sng" algn="ctr">
+          <a:solidFill>
+            <a:schemeClr val="accent1">
+              <a:alpha val="90000"/>
+              <a:tint val="40000"/>
+              <a:hueOff val="0"/>
+              <a:satOff val="0"/>
+              <a:lumOff val="0"/>
+              <a:alphaOff val="0"/>
+            </a:schemeClr>
+          </a:solidFill>
+          <a:prstDash val="solid"/>
+        </a:ln>
+        <a:effectLst/>
+      </dsp:spPr>
+      <dsp:style>
+        <a:lnRef idx="1">
+          <a:scrgbClr r="0" g="0" b="0"/>
+        </a:lnRef>
+        <a:fillRef idx="1">
+          <a:scrgbClr r="0" g="0" b="0"/>
+        </a:fillRef>
+        <a:effectRef idx="0">
+          <a:scrgbClr r="0" g="0" b="0"/>
+        </a:effectRef>
+        <a:fontRef idx="minor"/>
+      </dsp:style>
+      <dsp:txBody>
+        <a:bodyPr spcFirstLastPara="0" vert="horz" wrap="square" lIns="101346" tIns="101346" rIns="135128" bIns="152019" numCol="1" spcCol="1270" anchor="t" anchorCtr="0">
+          <a:noAutofit/>
+        </a:bodyPr>
+        <a:lstStyle/>
+        <a:p>
+          <a:pPr marL="171450" lvl="1" indent="-171450" algn="l" defTabSz="844550">
+            <a:lnSpc>
+              <a:spcPct val="90000"/>
+            </a:lnSpc>
+            <a:spcBef>
+              <a:spcPct val="0"/>
+            </a:spcBef>
+            <a:spcAft>
+              <a:spcPct val="15000"/>
+            </a:spcAft>
+            <a:buChar char="••"/>
+          </a:pPr>
+          <a:r>
+            <a:rPr lang="de-DE" sz="1900" kern="1200" dirty="0" smtClean="0"/>
+            <a:t>_</a:t>
+          </a:r>
+          <a:r>
+            <a:rPr lang="de-DE" sz="1900" kern="1200" dirty="0" err="1" smtClean="0"/>
+            <a:t>id</a:t>
+          </a:r>
+          <a:r>
+            <a:rPr lang="de-DE" sz="1900" kern="1200" dirty="0" smtClean="0"/>
+            <a:t> : {</a:t>
+          </a:r>
+          <a:r>
+            <a:rPr lang="de-DE" sz="1900" kern="1200" dirty="0" err="1" smtClean="0"/>
+            <a:t>ObjectID</a:t>
+          </a:r>
+          <a:r>
+            <a:rPr lang="de-DE" sz="1900" kern="1200" dirty="0" smtClean="0"/>
+            <a:t>}</a:t>
+          </a:r>
+          <a:endParaRPr lang="de-DE" sz="1900" kern="1200" dirty="0"/>
+        </a:p>
+        <a:p>
+          <a:pPr marL="171450" lvl="1" indent="-171450" algn="l" defTabSz="844550">
+            <a:lnSpc>
+              <a:spcPct val="90000"/>
+            </a:lnSpc>
+            <a:spcBef>
+              <a:spcPct val="0"/>
+            </a:spcBef>
+            <a:spcAft>
+              <a:spcPct val="15000"/>
+            </a:spcAft>
+            <a:buChar char="••"/>
+          </a:pPr>
+          <a:r>
+            <a:rPr lang="de-DE" sz="1900" kern="1200" dirty="0" smtClean="0"/>
+            <a:t>email : {String}</a:t>
+          </a:r>
+          <a:endParaRPr lang="de-DE" sz="1900" kern="1200" dirty="0"/>
+        </a:p>
+        <a:p>
+          <a:pPr marL="171450" lvl="1" indent="-171450" algn="l" defTabSz="844550">
+            <a:lnSpc>
+              <a:spcPct val="90000"/>
+            </a:lnSpc>
+            <a:spcBef>
+              <a:spcPct val="0"/>
+            </a:spcBef>
+            <a:spcAft>
+              <a:spcPct val="15000"/>
+            </a:spcAft>
+            <a:buChar char="••"/>
+          </a:pPr>
+          <a:r>
+            <a:rPr lang="de-DE" sz="1900" kern="1200" dirty="0" err="1" smtClean="0"/>
+            <a:t>password</a:t>
+          </a:r>
+          <a:r>
+            <a:rPr lang="de-DE" sz="1900" kern="1200" dirty="0" smtClean="0"/>
+            <a:t> : {String}</a:t>
+          </a:r>
+          <a:endParaRPr lang="de-DE" sz="1900" kern="1200" dirty="0"/>
+        </a:p>
+        <a:p>
+          <a:pPr marL="171450" lvl="1" indent="-171450" algn="l" defTabSz="844550">
+            <a:lnSpc>
+              <a:spcPct val="90000"/>
+            </a:lnSpc>
+            <a:spcBef>
+              <a:spcPct val="0"/>
+            </a:spcBef>
+            <a:spcAft>
+              <a:spcPct val="15000"/>
+            </a:spcAft>
+            <a:buChar char="••"/>
+          </a:pPr>
+          <a:r>
+            <a:rPr lang="de-DE" sz="1900" kern="1200" dirty="0" err="1" smtClean="0"/>
+            <a:t>caterories</a:t>
+          </a:r>
+          <a:r>
+            <a:rPr lang="de-DE" sz="1900" kern="1200" dirty="0" smtClean="0"/>
+            <a:t> : [ ]</a:t>
+          </a:r>
+          <a:endParaRPr lang="de-DE" sz="1900" kern="1200" dirty="0"/>
+        </a:p>
+        <a:p>
+          <a:pPr marL="342900" lvl="2" indent="-171450" algn="l" defTabSz="844550">
+            <a:lnSpc>
+              <a:spcPct val="90000"/>
+            </a:lnSpc>
+            <a:spcBef>
+              <a:spcPct val="0"/>
+            </a:spcBef>
+            <a:spcAft>
+              <a:spcPct val="15000"/>
+            </a:spcAft>
+            <a:buChar char="••"/>
+          </a:pPr>
+          <a:r>
+            <a:rPr lang="de-DE" sz="1900" kern="1200" dirty="0" err="1" smtClean="0"/>
+            <a:t>name</a:t>
+          </a:r>
+          <a:r>
+            <a:rPr lang="de-DE" sz="1900" kern="1200" dirty="0" smtClean="0"/>
+            <a:t> : {String}</a:t>
+          </a:r>
+          <a:endParaRPr lang="de-DE" sz="1900" kern="1200" dirty="0"/>
+        </a:p>
+        <a:p>
+          <a:pPr marL="342900" lvl="2" indent="-171450" algn="l" defTabSz="844550">
+            <a:lnSpc>
+              <a:spcPct val="90000"/>
+            </a:lnSpc>
+            <a:spcBef>
+              <a:spcPct val="0"/>
+            </a:spcBef>
+            <a:spcAft>
+              <a:spcPct val="15000"/>
+            </a:spcAft>
+            <a:buChar char="••"/>
+          </a:pPr>
+          <a:r>
+            <a:rPr lang="de-DE" sz="1900" kern="1200" dirty="0" err="1" smtClean="0"/>
+            <a:t>color</a:t>
+          </a:r>
+          <a:r>
+            <a:rPr lang="de-DE" sz="1900" kern="1200" dirty="0" smtClean="0"/>
+            <a:t> : {String}</a:t>
+          </a:r>
+          <a:endParaRPr lang="de-DE" sz="1900" kern="1200" dirty="0"/>
+        </a:p>
+      </dsp:txBody>
+      <dsp:txXfrm>
+        <a:off x="3337917" y="505519"/>
+        <a:ext cx="2925365" cy="2796436"/>
+      </dsp:txXfrm>
+    </dsp:sp>
+    <dsp:sp modelId="{408356D3-9949-4E29-8747-B7EE15A2C512}">
+      <dsp:nvSpPr>
+        <dsp:cNvPr id="0" name=""/>
+        <dsp:cNvSpPr/>
+      </dsp:nvSpPr>
+      <dsp:spPr>
+        <a:xfrm>
+          <a:off x="6672833" y="15919"/>
+          <a:ext cx="2925365" cy="489600"/>
+        </a:xfrm>
+        <a:prstGeom prst="rect">
+          <a:avLst/>
+        </a:prstGeom>
+        <a:blipFill rotWithShape="0">
+          <a:blip xmlns:r="http://schemas.openxmlformats.org/officeDocument/2006/relationships" r:embed="rId1">
+            <a:duotone>
+              <a:schemeClr val="accent1">
+                <a:hueOff val="0"/>
+                <a:satOff val="0"/>
+                <a:lumOff val="0"/>
+                <a:alphaOff val="0"/>
+                <a:shade val="74000"/>
+                <a:satMod val="130000"/>
+                <a:lumMod val="90000"/>
+              </a:schemeClr>
+              <a:schemeClr val="accent1">
+                <a:hueOff val="0"/>
+                <a:satOff val="0"/>
+                <a:lumOff val="0"/>
+                <a:alphaOff val="0"/>
+                <a:tint val="94000"/>
+                <a:satMod val="120000"/>
+                <a:lumMod val="104000"/>
+              </a:schemeClr>
+            </a:duotone>
+          </a:blip>
+          <a:tile tx="0" ty="0" sx="100000" sy="100000" flip="none" algn="tl"/>
+        </a:blipFill>
+        <a:ln w="9525" cap="flat" cmpd="sng" algn="ctr">
+          <a:solidFill>
+            <a:schemeClr val="accent1">
+              <a:hueOff val="0"/>
+              <a:satOff val="0"/>
+              <a:lumOff val="0"/>
+              <a:alphaOff val="0"/>
+            </a:schemeClr>
+          </a:solidFill>
+          <a:prstDash val="solid"/>
+        </a:ln>
+        <a:effectLst>
+          <a:innerShdw blurRad="25400" dist="12700" dir="13500000">
+            <a:srgbClr val="000000">
+              <a:alpha val="45000"/>
+            </a:srgbClr>
+          </a:innerShdw>
+        </a:effectLst>
+      </dsp:spPr>
+      <dsp:style>
+        <a:lnRef idx="1">
+          <a:scrgbClr r="0" g="0" b="0"/>
+        </a:lnRef>
+        <a:fillRef idx="3">
+          <a:scrgbClr r="0" g="0" b="0"/>
+        </a:fillRef>
+        <a:effectRef idx="2">
+          <a:scrgbClr r="0" g="0" b="0"/>
+        </a:effectRef>
+        <a:fontRef idx="minor">
+          <a:schemeClr val="lt1"/>
+        </a:fontRef>
+      </dsp:style>
+      <dsp:txBody>
+        <a:bodyPr spcFirstLastPara="0" vert="horz" wrap="square" lIns="120904" tIns="69088" rIns="120904" bIns="69088" numCol="1" spcCol="1270" anchor="ctr" anchorCtr="0">
+          <a:noAutofit/>
+        </a:bodyPr>
+        <a:lstStyle/>
+        <a:p>
+          <a:pPr lvl="0" algn="ctr" defTabSz="755650">
+            <a:lnSpc>
+              <a:spcPct val="90000"/>
+            </a:lnSpc>
+            <a:spcBef>
+              <a:spcPct val="0"/>
+            </a:spcBef>
+            <a:spcAft>
+              <a:spcPct val="35000"/>
+            </a:spcAft>
+          </a:pPr>
+          <a:r>
+            <a:rPr lang="de-DE" sz="1700" kern="1200" dirty="0" err="1" smtClean="0"/>
+            <a:t>notes</a:t>
+          </a:r>
+          <a:endParaRPr lang="de-DE" sz="1700" kern="1200" dirty="0"/>
+        </a:p>
+      </dsp:txBody>
+      <dsp:txXfrm>
+        <a:off x="6672833" y="15919"/>
+        <a:ext cx="2925365" cy="489600"/>
+      </dsp:txXfrm>
+    </dsp:sp>
+    <dsp:sp modelId="{FFF38D35-7D94-4F39-9648-B2AB98F610BE}">
+      <dsp:nvSpPr>
+        <dsp:cNvPr id="0" name=""/>
+        <dsp:cNvSpPr/>
+      </dsp:nvSpPr>
+      <dsp:spPr>
+        <a:xfrm>
+          <a:off x="6672833" y="505519"/>
+          <a:ext cx="2925365" cy="2796436"/>
+        </a:xfrm>
+        <a:prstGeom prst="rect">
+          <a:avLst/>
+        </a:prstGeom>
+        <a:solidFill>
+          <a:schemeClr val="accent1">
+            <a:alpha val="90000"/>
+            <a:tint val="40000"/>
+            <a:hueOff val="0"/>
+            <a:satOff val="0"/>
+            <a:lumOff val="0"/>
+            <a:alphaOff val="0"/>
+          </a:schemeClr>
+        </a:solidFill>
+        <a:ln w="9525" cap="flat" cmpd="sng" algn="ctr">
+          <a:solidFill>
+            <a:schemeClr val="accent1">
+              <a:alpha val="90000"/>
+              <a:tint val="40000"/>
+              <a:hueOff val="0"/>
+              <a:satOff val="0"/>
+              <a:lumOff val="0"/>
+              <a:alphaOff val="0"/>
+            </a:schemeClr>
+          </a:solidFill>
+          <a:prstDash val="solid"/>
+        </a:ln>
+        <a:effectLst/>
+      </dsp:spPr>
+      <dsp:style>
+        <a:lnRef idx="1">
+          <a:scrgbClr r="0" g="0" b="0"/>
+        </a:lnRef>
+        <a:fillRef idx="1">
+          <a:scrgbClr r="0" g="0" b="0"/>
+        </a:fillRef>
+        <a:effectRef idx="0">
+          <a:scrgbClr r="0" g="0" b="0"/>
+        </a:effectRef>
+        <a:fontRef idx="minor"/>
+      </dsp:style>
+      <dsp:txBody>
+        <a:bodyPr spcFirstLastPara="0" vert="horz" wrap="square" lIns="101346" tIns="101346" rIns="135128" bIns="152019" numCol="1" spcCol="1270" anchor="t" anchorCtr="0">
+          <a:noAutofit/>
+        </a:bodyPr>
+        <a:lstStyle/>
+        <a:p>
+          <a:pPr marL="171450" lvl="1" indent="-171450" algn="l" defTabSz="844550">
+            <a:lnSpc>
+              <a:spcPct val="90000"/>
+            </a:lnSpc>
+            <a:spcBef>
+              <a:spcPct val="0"/>
+            </a:spcBef>
+            <a:spcAft>
+              <a:spcPct val="15000"/>
+            </a:spcAft>
+            <a:buChar char="••"/>
+          </a:pPr>
+          <a:r>
+            <a:rPr lang="de-DE" sz="1900" kern="1200" dirty="0" smtClean="0"/>
+            <a:t>_</a:t>
+          </a:r>
+          <a:r>
+            <a:rPr lang="de-DE" sz="1900" kern="1200" dirty="0" err="1" smtClean="0"/>
+            <a:t>id</a:t>
+          </a:r>
+          <a:r>
+            <a:rPr lang="de-DE" sz="1900" kern="1200" dirty="0" smtClean="0"/>
+            <a:t> : {</a:t>
+          </a:r>
+          <a:r>
+            <a:rPr lang="de-DE" sz="1900" kern="1200" dirty="0" err="1" smtClean="0"/>
+            <a:t>ObjectID</a:t>
+          </a:r>
+          <a:r>
+            <a:rPr lang="de-DE" sz="1900" kern="1200" dirty="0" smtClean="0"/>
+            <a:t>}</a:t>
+          </a:r>
+          <a:endParaRPr lang="de-DE" sz="1900" kern="1200" dirty="0"/>
+        </a:p>
+        <a:p>
+          <a:pPr marL="171450" lvl="1" indent="-171450" algn="l" defTabSz="844550">
+            <a:lnSpc>
+              <a:spcPct val="90000"/>
+            </a:lnSpc>
+            <a:spcBef>
+              <a:spcPct val="0"/>
+            </a:spcBef>
+            <a:spcAft>
+              <a:spcPct val="15000"/>
+            </a:spcAft>
+            <a:buChar char="••"/>
+          </a:pPr>
+          <a:r>
+            <a:rPr lang="de-DE" sz="1900" kern="1200" dirty="0" err="1" smtClean="0"/>
+            <a:t>user</a:t>
+          </a:r>
+          <a:r>
+            <a:rPr lang="de-DE" sz="1900" kern="1200" dirty="0" smtClean="0"/>
+            <a:t> : {</a:t>
+          </a:r>
+          <a:r>
+            <a:rPr lang="de-DE" sz="1900" kern="1200" dirty="0" err="1" smtClean="0"/>
+            <a:t>ObjectID</a:t>
+          </a:r>
+          <a:r>
+            <a:rPr lang="de-DE" sz="1900" kern="1200" dirty="0" smtClean="0"/>
+            <a:t>}</a:t>
+          </a:r>
+          <a:endParaRPr lang="de-DE" sz="1900" kern="1200" dirty="0"/>
+        </a:p>
+        <a:p>
+          <a:pPr marL="171450" lvl="1" indent="-171450" algn="l" defTabSz="844550">
+            <a:lnSpc>
+              <a:spcPct val="90000"/>
+            </a:lnSpc>
+            <a:spcBef>
+              <a:spcPct val="0"/>
+            </a:spcBef>
+            <a:spcAft>
+              <a:spcPct val="15000"/>
+            </a:spcAft>
+            <a:buChar char="••"/>
+          </a:pPr>
+          <a:r>
+            <a:rPr lang="de-DE" sz="1900" kern="1200" dirty="0" smtClean="0"/>
+            <a:t>title : {String}</a:t>
+          </a:r>
+          <a:endParaRPr lang="de-DE" sz="1900" kern="1200" dirty="0"/>
+        </a:p>
+        <a:p>
+          <a:pPr marL="171450" lvl="1" indent="-171450" algn="l" defTabSz="844550">
+            <a:lnSpc>
+              <a:spcPct val="90000"/>
+            </a:lnSpc>
+            <a:spcBef>
+              <a:spcPct val="0"/>
+            </a:spcBef>
+            <a:spcAft>
+              <a:spcPct val="15000"/>
+            </a:spcAft>
+            <a:buChar char="••"/>
+          </a:pPr>
+          <a:r>
+            <a:rPr lang="de-DE" sz="1900" kern="1200" dirty="0" err="1" smtClean="0"/>
+            <a:t>content</a:t>
+          </a:r>
+          <a:r>
+            <a:rPr lang="de-DE" sz="1900" kern="1200" dirty="0" smtClean="0"/>
+            <a:t> : {String}</a:t>
+          </a:r>
+          <a:endParaRPr lang="de-DE" sz="1900" kern="1200" dirty="0"/>
+        </a:p>
+        <a:p>
+          <a:pPr marL="171450" lvl="1" indent="-171450" algn="l" defTabSz="844550">
+            <a:lnSpc>
+              <a:spcPct val="90000"/>
+            </a:lnSpc>
+            <a:spcBef>
+              <a:spcPct val="0"/>
+            </a:spcBef>
+            <a:spcAft>
+              <a:spcPct val="15000"/>
+            </a:spcAft>
+            <a:buChar char="••"/>
+          </a:pPr>
+          <a:r>
+            <a:rPr lang="de-DE" sz="1900" kern="1200" dirty="0" err="1" smtClean="0"/>
+            <a:t>startdate</a:t>
+          </a:r>
+          <a:r>
+            <a:rPr lang="de-DE" sz="1900" kern="1200" dirty="0" smtClean="0"/>
+            <a:t> : {</a:t>
+          </a:r>
+          <a:r>
+            <a:rPr lang="de-DE" sz="1900" kern="1200" dirty="0" err="1" smtClean="0"/>
+            <a:t>Number</a:t>
+          </a:r>
+          <a:r>
+            <a:rPr lang="de-DE" sz="1900" kern="1200" dirty="0" smtClean="0"/>
+            <a:t>}</a:t>
+          </a:r>
+          <a:endParaRPr lang="de-DE" sz="1900" kern="1200" dirty="0"/>
+        </a:p>
+        <a:p>
+          <a:pPr marL="171450" lvl="1" indent="-171450" algn="l" defTabSz="844550">
+            <a:lnSpc>
+              <a:spcPct val="90000"/>
+            </a:lnSpc>
+            <a:spcBef>
+              <a:spcPct val="0"/>
+            </a:spcBef>
+            <a:spcAft>
+              <a:spcPct val="15000"/>
+            </a:spcAft>
+            <a:buChar char="••"/>
+          </a:pPr>
+          <a:r>
+            <a:rPr lang="de-DE" sz="1900" kern="1200" dirty="0" err="1" smtClean="0"/>
+            <a:t>enddate</a:t>
+          </a:r>
+          <a:r>
+            <a:rPr lang="de-DE" sz="1900" kern="1200" dirty="0" smtClean="0"/>
+            <a:t> : {</a:t>
+          </a:r>
+          <a:r>
+            <a:rPr lang="de-DE" sz="1900" kern="1200" dirty="0" err="1" smtClean="0"/>
+            <a:t>Number</a:t>
+          </a:r>
+          <a:r>
+            <a:rPr lang="de-DE" sz="1900" kern="1200" dirty="0" smtClean="0"/>
+            <a:t>}</a:t>
+          </a:r>
+          <a:endParaRPr lang="de-DE" sz="1900" kern="1200" dirty="0"/>
+        </a:p>
+        <a:p>
+          <a:pPr marL="171450" lvl="1" indent="-171450" algn="l" defTabSz="844550">
+            <a:lnSpc>
+              <a:spcPct val="90000"/>
+            </a:lnSpc>
+            <a:spcBef>
+              <a:spcPct val="0"/>
+            </a:spcBef>
+            <a:spcAft>
+              <a:spcPct val="15000"/>
+            </a:spcAft>
+            <a:buChar char="••"/>
+          </a:pPr>
+          <a:r>
+            <a:rPr lang="de-DE" sz="1900" kern="1200" dirty="0" err="1" smtClean="0"/>
+            <a:t>caterories</a:t>
+          </a:r>
+          <a:r>
+            <a:rPr lang="de-DE" sz="1900" kern="1200" dirty="0" smtClean="0"/>
+            <a:t> : [ ]</a:t>
+          </a:r>
+          <a:endParaRPr lang="de-DE" sz="1900" kern="1200" dirty="0"/>
+        </a:p>
+        <a:p>
+          <a:pPr marL="342900" lvl="2" indent="-171450" algn="l" defTabSz="844550">
+            <a:lnSpc>
+              <a:spcPct val="90000"/>
+            </a:lnSpc>
+            <a:spcBef>
+              <a:spcPct val="0"/>
+            </a:spcBef>
+            <a:spcAft>
+              <a:spcPct val="15000"/>
+            </a:spcAft>
+            <a:buChar char="••"/>
+          </a:pPr>
+          <a:r>
+            <a:rPr lang="de-DE" sz="1900" kern="1200" smtClean="0"/>
+            <a:t>name : {String}</a:t>
+          </a:r>
+          <a:endParaRPr lang="de-DE" sz="1900" kern="1200" dirty="0"/>
+        </a:p>
+        <a:p>
+          <a:pPr marL="342900" lvl="2" indent="-171450" algn="l" defTabSz="844550">
+            <a:lnSpc>
+              <a:spcPct val="90000"/>
+            </a:lnSpc>
+            <a:spcBef>
+              <a:spcPct val="0"/>
+            </a:spcBef>
+            <a:spcAft>
+              <a:spcPct val="15000"/>
+            </a:spcAft>
+            <a:buChar char="••"/>
+          </a:pPr>
+          <a:r>
+            <a:rPr lang="de-DE" sz="1900" kern="1200" dirty="0" err="1" smtClean="0"/>
+            <a:t>color</a:t>
+          </a:r>
+          <a:r>
+            <a:rPr lang="de-DE" sz="1900" kern="1200" dirty="0" smtClean="0"/>
+            <a:t> : {String}</a:t>
+          </a:r>
+          <a:endParaRPr lang="de-DE" sz="1900" kern="1200" dirty="0"/>
+        </a:p>
+      </dsp:txBody>
+      <dsp:txXfrm>
+        <a:off x="6672833" y="505519"/>
+        <a:ext cx="2925365" cy="2796436"/>
+      </dsp:txXfrm>
+    </dsp:sp>
+  </dsp:spTree>
+</dsp:drawing>
+</file>
+
+<file path=ppt/diagrams/layout1.xml><?xml version="1.0" encoding="utf-8"?>
+<dgm:layoutDef xmlns:dgm="http://schemas.openxmlformats.org/drawingml/2006/diagram" xmlns:a="http://schemas.openxmlformats.org/drawingml/2006/main" uniqueId="urn:microsoft.com/office/officeart/2005/8/layout/hList1">
+  <dgm:title val=""/>
+  <dgm:desc val=""/>
+  <dgm:catLst>
+    <dgm:cat type="list" pri="5000"/>
+    <dgm:cat type="convert" pri="5000"/>
+  </dgm:catLst>
+  <dgm:sampData>
+    <dgm:dataModel>
+      <dgm:ptLst>
+        <dgm:pt modelId="0" type="doc"/>
+        <dgm:pt modelId="1">
+          <dgm:prSet phldr="1"/>
+        </dgm:pt>
+        <dgm:pt modelId="11">
+          <dgm:prSet phldr="1"/>
+        </dgm:pt>
+        <dgm:pt modelId="12">
+          <dgm:prSet phldr="1"/>
+        </dgm:pt>
+        <dgm:pt modelId="2">
+          <dgm:prSet phldr="1"/>
+        </dgm:pt>
+        <dgm:pt modelId="21">
+          <dgm:prSet phldr="1"/>
+        </dgm:pt>
+        <dgm:pt modelId="22">
+          <dgm:prSet phldr="1"/>
+        </dgm:pt>
+        <dgm:pt modelId="3">
+          <dgm:prSet phldr="1"/>
+        </dgm:pt>
+        <dgm:pt modelId="31">
+          <dgm:prSet phldr="1"/>
+        </dgm:pt>
+        <dgm:pt modelId="32">
+          <dgm:prSet phldr="1"/>
+        </dgm:pt>
+      </dgm:ptLst>
+      <dgm:cxnLst>
+        <dgm:cxn modelId="4" srcId="0" destId="1" srcOrd="0" destOrd="0"/>
+        <dgm:cxn modelId="5" srcId="0" destId="2" srcOrd="1" destOrd="0"/>
+        <dgm:cxn modelId="6" srcId="0" destId="3" srcOrd="2" destOrd="0"/>
+        <dgm:cxn modelId="13" srcId="1" destId="11" srcOrd="0" destOrd="0"/>
+        <dgm:cxn modelId="14" srcId="1" destId="12" srcOrd="1" destOrd="0"/>
+        <dgm:cxn modelId="23" srcId="2" destId="21" srcOrd="0" destOrd="0"/>
+        <dgm:cxn modelId="24" srcId="2" destId="22" srcOrd="1" destOrd="0"/>
+        <dgm:cxn modelId="33" srcId="3" destId="31" srcOrd="0" destOrd="0"/>
+        <dgm:cxn modelId="34" srcId="3" destId="32" srcOrd="1" destOrd="0"/>
+      </dgm:cxnLst>
+      <dgm:bg/>
+      <dgm:whole/>
+    </dgm:dataModel>
+  </dgm:sampData>
+  <dgm:styleData>
+    <dgm:dataModel>
+      <dgm:ptLst>
+        <dgm:pt modelId="0" type="doc"/>
+        <dgm:pt modelId="1">
+          <dgm:prSet phldr="1"/>
+        </dgm:pt>
+        <dgm:pt modelId="2">
+          <dgm:prSet phldr="1"/>
+        </dgm:pt>
+      </dgm:ptLst>
+      <dgm:cxnLst>
+        <dgm:cxn modelId="3" srcId="0" destId="1" srcOrd="0" destOrd="0"/>
+        <dgm:cxn modelId="4" srcId="0" destId="2" srcOrd="1" destOrd="0"/>
+      </dgm:cxnLst>
+      <dgm:bg/>
+      <dgm:whole/>
+    </dgm:dataModel>
+  </dgm:styleData>
+  <dgm:clrData>
+    <dgm:dataModel>
+      <dgm:ptLst>
+        <dgm:pt modelId="0" type="doc"/>
+        <dgm:pt modelId="1">
+          <dgm:prSet phldr="1"/>
+        </dgm:pt>
+        <dgm:pt modelId="2">
+          <dgm:prSet phldr="1"/>
+        </dgm:pt>
+        <dgm:pt modelId="3">
+          <dgm:prSet phldr="1"/>
+        </dgm:pt>
+        <dgm:pt modelId="4">
+          <dgm:prSet phldr="1"/>
+        </dgm:pt>
+      </dgm:ptLst>
+      <dgm:cxnLst>
+        <dgm:cxn modelId="5" srcId="0" destId="1" srcOrd="0" destOrd="0"/>
+        <dgm:cxn modelId="6" srcId="0" destId="2" srcOrd="1" destOrd="0"/>
+        <dgm:cxn modelId="7" srcId="0" destId="3" srcOrd="2" destOrd="0"/>
+        <dgm:cxn modelId="8" srcId="0" destId="4" srcOrd="3" destOrd="0"/>
+      </dgm:cxnLst>
+      <dgm:bg/>
+      <dgm:whole/>
+    </dgm:dataModel>
+  </dgm:clrData>
+  <dgm:layoutNode name="Name0">
+    <dgm:varLst>
+      <dgm:dir/>
+      <dgm:animLvl val="lvl"/>
+      <dgm:resizeHandles val="exact"/>
+    </dgm:varLst>
+    <dgm:choose name="Name1">
+      <dgm:if name="Name2" func="var" arg="dir" op="equ" val="norm">
+        <dgm:alg type="lin"/>
+      </dgm:if>
+      <dgm:else name="Name3">
+        <dgm:alg type="lin">
+          <dgm:param type="linDir" val="fromR"/>
+        </dgm:alg>
+      </dgm:else>
+    </dgm:choose>
+    <dgm:shape xmlns:r="http://schemas.openxmlformats.org/officeDocument/2006/relationships" r:blip="">
+      <dgm:adjLst/>
+    </dgm:shape>
+    <dgm:presOf/>
+    <dgm:constrLst>
+      <dgm:constr type="h" for="ch" forName="composite" refType="h"/>
+      <dgm:constr type="w" for="ch" forName="composite" refType="w"/>
+      <dgm:constr type="w" for="des" forName="parTx"/>
+      <dgm:constr type="h" for="des" forName="parTx" op="equ"/>
+      <dgm:constr type="w" for="des" forName="desTx"/>
+      <dgm:constr type="h" for="des" forName="desTx" op="equ"/>
+      <dgm:constr type="primFontSz" for="des" forName="parTx" val="65"/>
+      <dgm:constr type="secFontSz" for="des" forName="desTx" refType="primFontSz" refFor="des" refForName="parTx" op="equ"/>
+      <dgm:constr type="h" for="des" forName="parTx" refType="primFontSz" refFor="des" refForName="parTx" fact="0.8"/>
+      <dgm:constr type="h" for="des" forName="desTx" refType="primFontSz" refFor="des" refForName="parTx" fact="1.22"/>
+      <dgm:constr type="w" for="ch" forName="space" refType="w" refFor="ch" refForName="composite" op="equ" fact="0.14"/>
+    </dgm:constrLst>
+    <dgm:ruleLst>
+      <dgm:rule type="w" for="ch" forName="composite" val="0" fact="NaN" max="NaN"/>
+      <dgm:rule type="primFontSz" for="des" forName="parTx" val="5" fact="NaN" max="NaN"/>
+    </dgm:ruleLst>
+    <dgm:forEach name="Name4" axis="ch" ptType="node">
+      <dgm:layoutNode name="composite">
+        <dgm:alg type="composite"/>
+        <dgm:shape xmlns:r="http://schemas.openxmlformats.org/officeDocument/2006/relationships" r:blip="">
+          <dgm:adjLst/>
+        </dgm:shape>
+        <dgm:presOf/>
+        <dgm:constrLst>
+          <dgm:constr type="l" for="ch" forName="parTx"/>
+          <dgm:constr type="w" for="ch" forName="parTx" refType="w"/>
+          <dgm:constr type="t" for="ch" forName="parTx"/>
+          <dgm:constr type="l" for="ch" forName="desTx"/>
+          <dgm:constr type="w" for="ch" forName="desTx" refType="w" refFor="ch" refForName="parTx"/>
+          <dgm:constr type="t" for="ch" forName="desTx" refType="h" refFor="ch" refForName="parTx"/>
+        </dgm:constrLst>
+        <dgm:ruleLst>
+          <dgm:rule type="h" val="INF" fact="NaN" max="NaN"/>
+        </dgm:ruleLst>
+        <dgm:layoutNode name="parTx" styleLbl="alignNode1">
+          <dgm:varLst>
+            <dgm:chMax val="0"/>
+            <dgm:chPref val="0"/>
+            <dgm:bulletEnabled val="1"/>
+          </dgm:varLst>
+          <dgm:alg type="tx"/>
+          <dgm:shape xmlns:r="http://schemas.openxmlformats.org/officeDocument/2006/relationships" type="rect" r:blip="">
+            <dgm:adjLst/>
+          </dgm:shape>
+          <dgm:presOf axis="self" ptType="node"/>
+          <dgm:constrLst>
+            <dgm:constr type="h" refType="w" op="lte" fact="0.4"/>
+            <dgm:constr type="h"/>
+            <dgm:constr type="tMarg" refType="primFontSz" fact="0.32"/>
+            <dgm:constr type="bMarg" refType="primFontSz" fact="0.32"/>
+          </dgm:constrLst>
+          <dgm:ruleLst>
+            <dgm:rule type="h" val="INF" fact="NaN" max="NaN"/>
+          </dgm:ruleLst>
+        </dgm:layoutNode>
+        <dgm:layoutNode name="desTx" styleLbl="alignAccFollowNode1">
+          <dgm:varLst>
+            <dgm:bulletEnabled val="1"/>
+          </dgm:varLst>
+          <dgm:alg type="tx">
+            <dgm:param type="stBulletLvl" val="1"/>
+          </dgm:alg>
+          <dgm:shape xmlns:r="http://schemas.openxmlformats.org/officeDocument/2006/relationships" type="rect" r:blip="">
+            <dgm:adjLst/>
+          </dgm:shape>
+          <dgm:presOf axis="des" ptType="node"/>
+          <dgm:constrLst>
+            <dgm:constr type="secFontSz" val="65"/>
+            <dgm:constr type="primFontSz" refType="secFontSz"/>
+            <dgm:constr type="h"/>
+            <dgm:constr type="lMarg" refType="primFontSz" fact="0.42"/>
+            <dgm:constr type="tMarg" refType="primFontSz" fact="0.42"/>
+            <dgm:constr type="bMarg" refType="primFontSz" fact="0.63"/>
+          </dgm:constrLst>
+          <dgm:ruleLst>
+            <dgm:rule type="h" val="INF" fact="NaN" max="NaN"/>
+          </dgm:ruleLst>
+        </dgm:layoutNode>
+      </dgm:layoutNode>
+      <dgm:forEach name="Name5" axis="followSib" ptType="sibTrans" cnt="1">
+        <dgm:layoutNode name="space">
+          <dgm:alg type="sp"/>
+          <dgm:shape xmlns:r="http://schemas.openxmlformats.org/officeDocument/2006/relationships" r:blip="">
+            <dgm:adjLst/>
+          </dgm:shape>
+          <dgm:presOf/>
+          <dgm:constrLst/>
+          <dgm:ruleLst/>
+        </dgm:layoutNode>
+      </dgm:forEach>
+    </dgm:forEach>
+  </dgm:layoutNode>
+</dgm:layoutDef>
+</file>
+
+<file path=ppt/diagrams/quickStyle1.xml><?xml version="1.0" encoding="utf-8"?>
+<dgm:styleDef xmlns:dgm="http://schemas.openxmlformats.org/drawingml/2006/diagram" xmlns:a="http://schemas.openxmlformats.org/drawingml/2006/main" uniqueId="urn:microsoft.com/office/officeart/2005/8/quickstyle/simple4">
+  <dgm:title val=""/>
+  <dgm:desc val=""/>
+  <dgm:catLst>
+    <dgm:cat type="simple" pri="10400"/>
+  </dgm:catLst>
+  <dgm:scene3d>
+    <a:camera prst="orthographicFront"/>
+    <a:lightRig rig="threePt" dir="t"/>
+  </dgm:scene3d>
+  <dgm:styleLbl name="node0">
+    <dgm:scene3d>
+      <a:camera prst="orthographicFront"/>
+      <a:lightRig rig="threePt" dir="t"/>
+    </dgm:scene3d>
+    <dgm:sp3d/>
+    <dgm:txPr/>
+    <dgm:style>
+      <a:lnRef idx="0">
+        <a:scrgbClr r="0" g="0" b="0"/>
+      </a:lnRef>
+      <a:fillRef idx="3">
+        <a:scrgbClr r="0" g="0" b="0"/>
+      </a:fillRef>
+      <a:effectRef idx="2">
+        <a:scrgbClr r="0" g="0" b="0"/>
+      </a:effectRef>
+      <a:fontRef idx="minor">
+        <a:schemeClr val="lt1"/>
+      </a:fontRef>
+    </dgm:style>
+  </dgm:styleLbl>
+  <dgm:styleLbl name="lnNode1">
+    <dgm:scene3d>
+      <a:camera prst="orthographicFront"/>
+      <a:lightRig rig="threePt" dir="t"/>
+    </dgm:scene3d>
+    <dgm:sp3d/>
+    <dgm:txPr/>
+    <dgm:style>
+      <a:lnRef idx="1">
+        <a:scrgbClr r="0" g="0" b="0"/>
+      </a:lnRef>
+      <a:fillRef idx="3">
+        <a:scrgbClr r="0" g="0" b="0"/>
+      </a:fillRef>
+      <a:effectRef idx="2">
+        <a:scrgbClr r="0" g="0" b="0"/>
+      </a:effectRef>
+      <a:fontRef idx="minor">
+        <a:schemeClr val="lt1"/>
+      </a:fontRef>
+    </dgm:style>
+  </dgm:styleLbl>
+  <dgm:styleLbl name="vennNode1">
+    <dgm:scene3d>
+      <a:camera prst="orthographicFront"/>
+      <a:lightRig rig="threePt" dir="t"/>
+    </dgm:scene3d>
+    <dgm:sp3d/>
+    <dgm:txPr/>
+    <dgm:style>
+      <a:lnRef idx="0">
+        <a:scrgbClr r="0" g="0" b="0"/>
+      </a:lnRef>
+      <a:fillRef idx="3">
+        <a:scrgbClr r="0" g="0" b="0"/>
+      </a:fillRef>
+      <a:effectRef idx="0">
+        <a:scrgbClr r="0" g="0" b="0"/>
+      </a:effectRef>
+      <a:fontRef idx="minor">
+        <a:schemeClr val="tx1"/>
+      </a:fontRef>
+    </dgm:style>
+  </dgm:styleLbl>
+  <dgm:styleLbl name="alignNode1">
+    <dgm:scene3d>
+      <a:camera prst="orthographicFront"/>
+      <a:lightRig rig="threePt" dir="t"/>
+    </dgm:scene3d>
+    <dgm:sp3d/>
+    <dgm:txPr/>
+    <dgm:style>
+      <a:lnRef idx="1">
+        <a:scrgbClr r="0" g="0" b="0"/>
+      </a:lnRef>
+      <a:fillRef idx="3">
+        <a:scrgbClr r="0" g="0" b="0"/>
+      </a:fillRef>
+      <a:effectRef idx="2">
+        <a:scrgbClr r="0" g="0" b="0"/>
+      </a:effectRef>
+      <a:fontRef idx="minor">
+        <a:schemeClr val="lt1"/>
+      </a:fontRef>
+    </dgm:style>
+  </dgm:styleLbl>
+  <dgm:styleLbl name="node1">
+    <dgm:scene3d>
+      <a:camera prst="orthographicFront"/>
+      <a:lightRig rig="threePt" dir="t"/>
+    </dgm:scene3d>
+    <dgm:sp3d/>
+    <dgm:txPr/>
+    <dgm:style>
+      <a:lnRef idx="0">
+        <a:scrgbClr r="0" g="0" b="0"/>
+      </a:lnRef>
+      <a:fillRef idx="3">
+        <a:scrgbClr r="0" g="0" b="0"/>
+      </a:fillRef>
+      <a:effectRef idx="2">
+        <a:scrgbClr r="0" g="0" b="0"/>
+      </a:effectRef>
+      <a:fontRef idx="minor">
+        <a:schemeClr val="lt1"/>
+      </a:fontRef>
+    </dgm:style>
+  </dgm:styleLbl>
+  <dgm:styleLbl name="node2">
+    <dgm:scene3d>
+      <a:camera prst="orthographicFront"/>
+      <a:lightRig rig="threePt" dir="t"/>
+    </dgm:scene3d>
+    <dgm:sp3d/>
+    <dgm:txPr/>
+    <dgm:style>
+      <a:lnRef idx="0">
+        <a:scrgbClr r="0" g="0" b="0"/>
+      </a:lnRef>
+      <a:fillRef idx="3">
+        <a:scrgbClr r="0" g="0" b="0"/>
+      </a:fillRef>
+      <a:effectRef idx="2">
+        <a:scrgbClr r="0" g="0" b="0"/>
+      </a:effectRef>
+      <a:fontRef idx="minor">
+        <a:schemeClr val="lt1"/>
+      </a:fontRef>
+    </dgm:style>
+  </dgm:styleLbl>
+  <dgm:styleLbl name="node3">
+    <dgm:scene3d>
+      <a:camera prst="orthographicFront"/>
+      <a:lightRig rig="threePt" dir="t"/>
+    </dgm:scene3d>
+    <dgm:sp3d/>
+    <dgm:txPr/>
+    <dgm:style>
+      <a:lnRef idx="0">
+        <a:scrgbClr r="0" g="0" b="0"/>
+      </a:lnRef>
+      <a:fillRef idx="3">
+        <a:scrgbClr r="0" g="0" b="0"/>
+      </a:fillRef>
+      <a:effectRef idx="2">
+        <a:scrgbClr r="0" g="0" b="0"/>
+      </a:effectRef>
+      <a:fontRef idx="minor">
+        <a:schemeClr val="lt1"/>
+      </a:fontRef>
+    </dgm:style>
+  </dgm:styleLbl>
+  <dgm:styleLbl name="node4">
+    <dgm:scene3d>
+      <a:camera prst="orthographicFront"/>
+      <a:lightRig rig="threePt" dir="t"/>
+    </dgm:scene3d>
+    <dgm:sp3d/>
+    <dgm:txPr/>
+    <dgm:style>
+      <a:lnRef idx="0">
+        <a:scrgbClr r="0" g="0" b="0"/>
+      </a:lnRef>
+      <a:fillRef idx="3">
+        <a:scrgbClr r="0" g="0" b="0"/>
+      </a:fillRef>
+      <a:effectRef idx="2">
+        <a:scrgbClr r="0" g="0" b="0"/>
+      </a:effectRef>
+      <a:fontRef idx="minor">
+        <a:schemeClr val="lt1"/>
+      </a:fontRef>
+    </dgm:style>
+  </dgm:styleLbl>
+  <dgm:styleLbl name="fgImgPlace1">
+    <dgm:scene3d>
+      <a:camera prst="orthographicFront"/>
+      <a:lightRig rig="threePt" dir="t"/>
+    </dgm:scene3d>
+    <dgm:sp3d/>
+    <dgm:txPr/>
+    <dgm:style>
+      <a:lnRef idx="0">
+        <a:scrgbClr r="0" g="0" b="0"/>
+      </a:lnRef>
+      <a:fillRef idx="1">
+        <a:scrgbClr r="0" g="0" b="0"/>
+      </a:fillRef>
+      <a:effectRef idx="2">
+        <a:scrgbClr r="0" g="0" b="0"/>
+      </a:effectRef>
+      <a:fontRef idx="minor"/>
+    </dgm:style>
+  </dgm:styleLbl>
+  <dgm:styleLbl name="alignImgPlace1">
+    <dgm:scene3d>
+      <a:camera prst="orthographicFront"/>
+      <a:lightRig rig="threePt" dir="t"/>
+    </dgm:scene3d>
+    <dgm:sp3d/>
+    <dgm:txPr/>
+    <dgm:style>
+      <a:lnRef idx="0">
+        <a:scrgbClr r="0" g="0" b="0"/>
+      </a:lnRef>
+      <a:fillRef idx="1">
+        <a:scrgbClr r="0" g="0" b="0"/>
+      </a:fillRef>
+      <a:effectRef idx="2">
+        <a:scrgbClr r="0" g="0" b="0"/>
+      </a:effectRef>
+      <a:fontRef idx="minor"/>
+    </dgm:style>
+  </dgm:styleLbl>
+  <dgm:styleLbl name="bgImgPlace1">
+    <dgm:scene3d>
+      <a:camera prst="orthographicFront"/>
+      <a:lightRig rig="threePt" dir="t"/>
+    </dgm:scene3d>
+    <dgm:sp3d/>
+    <dgm:txPr/>
+    <dgm:style>
+      <a:lnRef idx="0">
+        <a:scrgbClr r="0" g="0" b="0"/>
+      </a:lnRef>
+      <a:fillRef idx="1">
+        <a:scrgbClr r="0" g="0" b="0"/>
+      </a:fillRef>
+      <a:effectRef idx="2">
+        <a:scrgbClr r="0" g="0" b="0"/>
+      </a:effectRef>
+      <a:fontRef idx="minor"/>
+    </dgm:style>
+  </dgm:styleLbl>
+  <dgm:styleLbl name="sibTrans2D1">
+    <dgm:scene3d>
+      <a:camera prst="orthographicFront"/>
+      <a:lightRig rig="threePt" dir="t"/>
+    </dgm:scene3d>
+    <dgm:sp3d/>
+    <dgm:txPr/>
+    <dgm:style>
+      <a:lnRef idx="0">
+        <a:scrgbClr r="0" g="0" b="0"/>
+      </a:lnRef>
+      <a:fillRef idx="3">
+        <a:scrgbClr r="0" g="0" b="0"/>
+      </a:fillRef>
+      <a:effectRef idx="2">
+        <a:scrgbClr r="0" g="0" b="0"/>
+      </a:effectRef>
+      <a:fontRef idx="minor">
+        <a:schemeClr val="lt1"/>
+      </a:fontRef>
+    </dgm:style>
+  </dgm:styleLbl>
+  <dgm:styleLbl name="fgSibTrans2D1">
+    <dgm:scene3d>
+      <a:camera prst="orthographicFront"/>
+      <a:lightRig rig="threePt" dir="t"/>
+    </dgm:scene3d>
+    <dgm:sp3d/>
+    <dgm:txPr/>
+    <dgm:style>
+      <a:lnRef idx="0">
+        <a:scrgbClr r="0" g="0" b="0"/>
+      </a:lnRef>
+      <a:fillRef idx="3">
+        <a:scrgbClr r="0" g="0" b="0"/>
+      </a:fillRef>
+      <a:effectRef idx="2">
+        <a:scrgbClr r="0" g="0" b="0"/>
+      </a:effectRef>
+      <a:fontRef idx="minor">
+        <a:schemeClr val="lt1"/>
+      </a:fontRef>
+    </dgm:style>
+  </dgm:styleLbl>
+  <dgm:styleLbl name="bgSibTrans2D1">
+    <dgm:scene3d>
+      <a:camera prst="orthographicFront"/>
+      <a:lightRig rig="threePt" dir="t"/>
+    </dgm:scene3d>
+    <dgm:sp3d/>
+    <dgm:txPr/>
+    <dgm:style>
+      <a:lnRef idx="0">
+        <a:scrgbClr r="0" g="0" b="0"/>
+      </a:lnRef>
+      <a:fillRef idx="3">
+        <a:scrgbClr r="0" g="0" b="0"/>
+      </a:fillRef>
+      <a:effectRef idx="2">
+        <a:scrgbClr r="0" g="0" b="0"/>
+      </a:effectRef>
+      <a:fontRef idx="minor">
+        <a:schemeClr val="lt1"/>
+      </a:fontRef>
+    </dgm:style>
+  </dgm:styleLbl>
+  <dgm:styleLbl name="sibTrans1D1">
+    <dgm:scene3d>
+      <a:camera prst="orthographicFront"/>
+      <a:lightRig rig="threePt" dir="t"/>
+    </dgm:scene3d>
+    <dgm:sp3d/>
+    <dgm:txPr/>
+    <dgm:style>
+      <a:lnRef idx="1">
+        <a:scrgbClr r="0" g="0" b="0"/>
+      </a:lnRef>
+      <a:fillRef idx="0">
+        <a:scrgbClr r="0" g="0" b="0"/>
+      </a:fillRef>
+      <a:effectRef idx="0">
+        <a:scrgbClr r="0" g="0" b="0"/>
+      </a:effectRef>
+      <a:fontRef idx="minor"/>
+    </dgm:style>
+  </dgm:styleLbl>
+  <dgm:styleLbl name="callout">
+    <dgm:scene3d>
+      <a:camera prst="orthographicFront"/>
+      <a:lightRig rig="threePt" dir="t"/>
+    </dgm:scene3d>
+    <dgm:sp3d/>
+    <dgm:txPr/>
+    <dgm:style>
+      <a:lnRef idx="2">
+        <a:scrgbClr r="0" g="0" b="0"/>
+      </a:lnRef>
+      <a:fillRef idx="1">
+        <a:scrgbClr r="0" g="0" b="0"/>
+      </a:fillRef>
+      <a:effectRef idx="1">
+        <a:scrgbClr r="0" g="0" b="0"/>
+      </a:effectRef>
+      <a:fontRef idx="minor"/>
+    </dgm:style>
+  </dgm:styleLbl>
+  <dgm:styleLbl name="asst0">
+    <dgm:scene3d>
+      <a:camera prst="orthographicFront"/>
+      <a:lightRig rig="threePt" dir="t"/>
+    </dgm:scene3d>
+    <dgm:sp3d/>
+    <dgm:txPr/>
+    <dgm:style>
+      <a:lnRef idx="0">
+        <a:scrgbClr r="0" g="0" b="0"/>
+      </a:lnRef>
+      <a:fillRef idx="3">
+        <a:scrgbClr r="0" g="0" b="0"/>
+      </a:fillRef>
+      <a:effectRef idx="2">
+        <a:scrgbClr r="0" g="0" b="0"/>
+      </a:effectRef>
+      <a:fontRef idx="minor">
+        <a:schemeClr val="lt1"/>
+      </a:fontRef>
+    </dgm:style>
+  </dgm:styleLbl>
+  <dgm:styleLbl name="asst1">
+    <dgm:scene3d>
+      <a:camera prst="orthographicFront"/>
+      <a:lightRig rig="threePt" dir="t"/>
+    </dgm:scene3d>
+    <dgm:sp3d/>
+    <dgm:txPr/>
+    <dgm:style>
+      <a:lnRef idx="0">
+        <a:scrgbClr r="0" g="0" b="0"/>
+      </a:lnRef>
+      <a:fillRef idx="3">
+        <a:scrgbClr r="0" g="0" b="0"/>
+      </a:fillRef>
+      <a:effectRef idx="2">
+        <a:scrgbClr r="0" g="0" b="0"/>
+      </a:effectRef>
+      <a:fontRef idx="minor">
+        <a:schemeClr val="lt1"/>
+      </a:fontRef>
+    </dgm:style>
+  </dgm:styleLbl>
+  <dgm:styleLbl name="asst2">
+    <dgm:scene3d>
+      <a:camera prst="orthographicFront"/>
+      <a:lightRig rig="threePt" dir="t"/>
+    </dgm:scene3d>
+    <dgm:sp3d/>
+    <dgm:txPr/>
+    <dgm:style>
+      <a:lnRef idx="0">
+        <a:scrgbClr r="0" g="0" b="0"/>
+      </a:lnRef>
+      <a:fillRef idx="3">
+        <a:scrgbClr r="0" g="0" b="0"/>
+      </a:fillRef>
+      <a:effectRef idx="2">
+        <a:scrgbClr r="0" g="0" b="0"/>
+      </a:effectRef>
+      <a:fontRef idx="minor">
+        <a:schemeClr val="lt1"/>
+      </a:fontRef>
+    </dgm:style>
+  </dgm:styleLbl>
+  <dgm:styleLbl name="asst3">
+    <dgm:scene3d>
+      <a:camera prst="orthographicFront"/>
+      <a:lightRig rig="threePt" dir="t"/>
+    </dgm:scene3d>
+    <dgm:sp3d/>
+    <dgm:txPr/>
+    <dgm:style>
+      <a:lnRef idx="0">
+        <a:scrgbClr r="0" g="0" b="0"/>
+      </a:lnRef>
+      <a:fillRef idx="3">
+        <a:scrgbClr r="0" g="0" b="0"/>
+      </a:fillRef>
+      <a:effectRef idx="2">
+        <a:scrgbClr r="0" g="0" b="0"/>
+      </a:effectRef>
+      <a:fontRef idx="minor">
+        <a:schemeClr val="lt1"/>
+      </a:fontRef>
+    </dgm:style>
+  </dgm:styleLbl>
+  <dgm:styleLbl name="asst4">
+    <dgm:scene3d>
+      <a:camera prst="orthographicFront"/>
+      <a:lightRig rig="threePt" dir="t"/>
+    </dgm:scene3d>
+    <dgm:sp3d/>
+    <dgm:txPr/>
+    <dgm:style>
+      <a:lnRef idx="0">
+        <a:scrgbClr r="0" g="0" b="0"/>
+      </a:lnRef>
+      <a:fillRef idx="3">
+        <a:scrgbClr r="0" g="0" b="0"/>
+      </a:fillRef>
+      <a:effectRef idx="2">
+        <a:scrgbClr r="0" g="0" b="0"/>
+      </a:effectRef>
+      <a:fontRef idx="minor">
+        <a:schemeClr val="lt1"/>
+      </a:fontRef>
+    </dgm:style>
+  </dgm:styleLbl>
+  <dgm:styleLbl name="parChTrans2D1">
+    <dgm:scene3d>
+      <a:camera prst="orthographicFront"/>
+      <a:lightRig rig="threePt" dir="t"/>
+    </dgm:scene3d>
+    <dgm:sp3d/>
+    <dgm:txPr/>
+    <dgm:style>
+      <a:lnRef idx="0">
+        <a:scrgbClr r="0" g="0" b="0"/>
+      </a:lnRef>
+      <a:fillRef idx="3">
+        <a:scrgbClr r="0" g="0" b="0"/>
+      </a:fillRef>
+      <a:effectRef idx="2">
+        <a:scrgbClr r="0" g="0" b="0"/>
+      </a:effectRef>
+      <a:fontRef idx="minor">
+        <a:schemeClr val="lt1"/>
+      </a:fontRef>
+    </dgm:style>
+  </dgm:styleLbl>
+  <dgm:styleLbl name="parChTrans2D2">
+    <dgm:scene3d>
+      <a:camera prst="orthographicFront"/>
+      <a:lightRig rig="threePt" dir="t"/>
+    </dgm:scene3d>
+    <dgm:sp3d/>
+    <dgm:txPr/>
+    <dgm:style>
+      <a:lnRef idx="0">
+        <a:scrgbClr r="0" g="0" b="0"/>
+      </a:lnRef>
+      <a:fillRef idx="3">
+        <a:scrgbClr r="0" g="0" b="0"/>
+      </a:fillRef>
+      <a:effectRef idx="2">
+        <a:scrgbClr r="0" g="0" b="0"/>
+      </a:effectRef>
+      <a:fontRef idx="minor">
+        <a:schemeClr val="lt1"/>
+      </a:fontRef>
+    </dgm:style>
+  </dgm:styleLbl>
+  <dgm:styleLbl name="parChTrans2D3">
+    <dgm:scene3d>
+      <a:camera prst="orthographicFront"/>
+      <a:lightRig rig="threePt" dir="t"/>
+    </dgm:scene3d>
+    <dgm:sp3d/>
+    <dgm:txPr/>
+    <dgm:style>
+      <a:lnRef idx="1">
+        <a:scrgbClr r="0" g="0" b="0"/>
+      </a:lnRef>
+      <a:fillRef idx="3">
+        <a:scrgbClr r="0" g="0" b="0"/>
+      </a:fillRef>
+      <a:effectRef idx="2">
+        <a:scrgbClr r="0" g="0" b="0"/>
+      </a:effectRef>
+      <a:fontRef idx="minor">
+        <a:schemeClr val="lt1"/>
+      </a:fontRef>
+    </dgm:style>
+  </dgm:styleLbl>
+  <dgm:styleLbl name="parChTrans2D4">
+    <dgm:scene3d>
+      <a:camera prst="orthographicFront"/>
+      <a:lightRig rig="threePt" dir="t"/>
+    </dgm:scene3d>
+    <dgm:sp3d/>
+    <dgm:txPr/>
+    <dgm:style>
+      <a:lnRef idx="1">
+        <a:scrgbClr r="0" g="0" b="0"/>
+      </a:lnRef>
+      <a:fillRef idx="3">
+        <a:scrgbClr r="0" g="0" b="0"/>
+      </a:fillRef>
+      <a:effectRef idx="2">
+        <a:scrgbClr r="0" g="0" b="0"/>
+      </a:effectRef>
+      <a:fontRef idx="minor">
+        <a:schemeClr val="lt1"/>
+      </a:fontRef>
+    </dgm:style>
+  </dgm:styleLbl>
+  <dgm:styleLbl name="parChTrans1D1">
+    <dgm:scene3d>
+      <a:camera prst="orthographicFront"/>
+      <a:lightRig rig="threePt" dir="t"/>
+    </dgm:scene3d>
+    <dgm:sp3d/>
+    <dgm:txPr/>
+    <dgm:style>
+      <a:lnRef idx="1">
+        <a:scrgbClr r="0" g="0" b="0"/>
+      </a:lnRef>
+      <a:fillRef idx="0">
+        <a:scrgbClr r="0" g="0" b="0"/>
+      </a:fillRef>
+      <a:effectRef idx="0">
+        <a:scrgbClr r="0" g="0" b="0"/>
+      </a:effectRef>
+      <a:fontRef idx="minor"/>
+    </dgm:style>
+  </dgm:styleLbl>
+  <dgm:styleLbl name="parChTrans1D2">
+    <dgm:scene3d>
+      <a:camera prst="orthographicFront"/>
+      <a:lightRig rig="threePt" dir="t"/>
+    </dgm:scene3d>
+    <dgm:sp3d/>
+    <dgm:txPr/>
+    <dgm:style>
+      <a:lnRef idx="1">
+        <a:scrgbClr r="0" g="0" b="0"/>
+      </a:lnRef>
+      <a:fillRef idx="0">
+        <a:scrgbClr r="0" g="0" b="0"/>
+      </a:fillRef>
+      <a:effectRef idx="0">
+        <a:scrgbClr r="0" g="0" b="0"/>
+      </a:effectRef>
+      <a:fontRef idx="minor"/>
+    </dgm:style>
+  </dgm:styleLbl>
+  <dgm:styleLbl name="parChTrans1D3">
+    <dgm:scene3d>
+      <a:camera prst="orthographicFront"/>
+      <a:lightRig rig="threePt" dir="t"/>
+    </dgm:scene3d>
+    <dgm:sp3d/>
+    <dgm:txPr/>
+    <dgm:style>
+      <a:lnRef idx="1">
+        <a:scrgbClr r="0" g="0" b="0"/>
+      </a:lnRef>
+      <a:fillRef idx="0">
+        <a:scrgbClr r="0" g="0" b="0"/>
+      </a:fillRef>
+      <a:effectRef idx="0">
+        <a:scrgbClr r="0" g="0" b="0"/>
+      </a:effectRef>
+      <a:fontRef idx="minor"/>
+    </dgm:style>
+  </dgm:styleLbl>
+  <dgm:styleLbl name="parChTrans1D4">
+    <dgm:scene3d>
+      <a:camera prst="orthographicFront"/>
+      <a:lightRig rig="threePt" dir="t"/>
+    </dgm:scene3d>
+    <dgm:sp3d/>
+    <dgm:txPr/>
+    <dgm:style>
+      <a:lnRef idx="1">
+        <a:scrgbClr r="0" g="0" b="0"/>
+      </a:lnRef>
+      <a:fillRef idx="0">
+        <a:scrgbClr r="0" g="0" b="0"/>
+      </a:fillRef>
+      <a:effectRef idx="0">
+        <a:scrgbClr r="0" g="0" b="0"/>
+      </a:effectRef>
+      <a:fontRef idx="minor"/>
+    </dgm:style>
+  </dgm:styleLbl>
+  <dgm:styleLbl name="fgAcc1">
+    <dgm:scene3d>
+      <a:camera prst="orthographicFront"/>
+      <a:lightRig rig="threePt" dir="t"/>
+    </dgm:scene3d>
+    <dgm:sp3d/>
+    <dgm:txPr/>
+    <dgm:style>
+      <a:lnRef idx="1">
+        <a:scrgbClr r="0" g="0" b="0"/>
+      </a:lnRef>
+      <a:fillRef idx="1">
+        <a:scrgbClr r="0" g="0" b="0"/>
+      </a:fillRef>
+      <a:effectRef idx="0">
+        <a:scrgbClr r="0" g="0" b="0"/>
+      </a:effectRef>
+      <a:fontRef idx="minor"/>
+    </dgm:style>
+  </dgm:styleLbl>
+  <dgm:styleLbl name="conFgAcc1">
+    <dgm:scene3d>
+      <a:camera prst="orthographicFront"/>
+      <a:lightRig rig="threePt" dir="t"/>
+    </dgm:scene3d>
+    <dgm:sp3d/>
+    <dgm:txPr/>
+    <dgm:style>
+      <a:lnRef idx="1">
+        <a:scrgbClr r="0" g="0" b="0"/>
+      </a:lnRef>
+      <a:fillRef idx="1">
+        <a:scrgbClr r="0" g="0" b="0"/>
+      </a:fillRef>
+      <a:effectRef idx="0">
+        <a:scrgbClr r="0" g="0" b="0"/>
+      </a:effectRef>
+      <a:fontRef idx="minor"/>
+    </dgm:style>
+  </dgm:styleLbl>
+  <dgm:styleLbl name="alignAcc1">
+    <dgm:scene3d>
+      <a:camera prst="orthographicFront"/>
+      <a:lightRig rig="threePt" dir="t"/>
+    </dgm:scene3d>
+    <dgm:sp3d/>
+    <dgm:txPr/>
+    <dgm:style>
+      <a:lnRef idx="1">
+        <a:scrgbClr r="0" g="0" b="0"/>
+      </a:lnRef>
+      <a:fillRef idx="1">
+        <a:scrgbClr r="0" g="0" b="0"/>
+      </a:fillRef>
+      <a:effectRef idx="0">
+        <a:scrgbClr r="0" g="0" b="0"/>
+      </a:effectRef>
+      <a:fontRef idx="minor"/>
+    </dgm:style>
+  </dgm:styleLbl>
+  <dgm:styleLbl name="trAlignAcc1">
+    <dgm:scene3d>
+      <a:camera prst="orthographicFront"/>
+      <a:lightRig rig="threePt" dir="t"/>
+    </dgm:scene3d>
+    <dgm:sp3d/>
+    <dgm:txPr/>
+    <dgm:style>
+      <a:lnRef idx="1">
+        <a:scrgbClr r="0" g="0" b="0"/>
+      </a:lnRef>
+      <a:fillRef idx="1">
+        <a:scrgbClr r="0" g="0" b="0"/>
+      </a:fillRef>
+      <a:effectRef idx="0">
+        <a:scrgbClr r="0" g="0" b="0"/>
+      </a:effectRef>
+      <a:fontRef idx="minor"/>
+    </dgm:style>
+  </dgm:styleLbl>
+  <dgm:styleLbl name="bgAcc1">
+    <dgm:scene3d>
+      <a:camera prst="orthographicFront"/>
+      <a:lightRig rig="threePt" dir="t"/>
+    </dgm:scene3d>
+    <dgm:sp3d/>
+    <dgm:txPr/>
+    <dgm:style>
+      <a:lnRef idx="1">
+        <a:scrgbClr r="0" g="0" b="0"/>
+      </a:lnRef>
+      <a:fillRef idx="1">
+        <a:scrgbClr r="0" g="0" b="0"/>
+      </a:fillRef>
+      <a:effectRef idx="0">
+        <a:scrgbClr r="0" g="0" b="0"/>
+      </a:effectRef>
+      <a:fontRef idx="minor"/>
+    </dgm:style>
+  </dgm:styleLbl>
+  <dgm:styleLbl name="solidFgAcc1">
+    <dgm:scene3d>
+      <a:camera prst="orthographicFront"/>
+      <a:lightRig rig="threePt" dir="t"/>
+    </dgm:scene3d>
+    <dgm:sp3d/>
+    <dgm:txPr/>
+    <dgm:style>
+      <a:lnRef idx="1">
+        <a:scrgbClr r="0" g="0" b="0"/>
+      </a:lnRef>
+      <a:fillRef idx="1">
+        <a:scrgbClr r="0" g="0" b="0"/>
+      </a:fillRef>
+      <a:effectRef idx="0">
+        <a:scrgbClr r="0" g="0" b="0"/>
+      </a:effectRef>
+      <a:fontRef idx="minor"/>
+    </dgm:style>
+  </dgm:styleLbl>
+  <dgm:styleLbl name="solidAlignAcc1">
+    <dgm:scene3d>
+      <a:camera prst="orthographicFront"/>
+      <a:lightRig rig="threePt" dir="t"/>
+    </dgm:scene3d>
+    <dgm:sp3d/>
+    <dgm:txPr/>
+    <dgm:style>
+      <a:lnRef idx="1">
+        <a:scrgbClr r="0" g="0" b="0"/>
+      </a:lnRef>
+      <a:fillRef idx="1">
+        <a:scrgbClr r="0" g="0" b="0"/>
+      </a:fillRef>
+      <a:effectRef idx="0">
+        <a:scrgbClr r="0" g="0" b="0"/>
+      </a:effectRef>
+      <a:fontRef idx="minor"/>
+    </dgm:style>
+  </dgm:styleLbl>
+  <dgm:styleLbl name="solidBgAcc1">
+    <dgm:scene3d>
+      <a:camera prst="orthographicFront"/>
+      <a:lightRig rig="threePt" dir="t"/>
+    </dgm:scene3d>
+    <dgm:sp3d/>
+    <dgm:txPr/>
+    <dgm:style>
+      <a:lnRef idx="1">
+        <a:scrgbClr r="0" g="0" b="0"/>
+      </a:lnRef>
+      <a:fillRef idx="1">
+        <a:scrgbClr r="0" g="0" b="0"/>
+      </a:fillRef>
+      <a:effectRef idx="0">
+        <a:scrgbClr r="0" g="0" b="0"/>
+      </a:effectRef>
+      <a:fontRef idx="minor"/>
+    </dgm:style>
+  </dgm:styleLbl>
+  <dgm:styleLbl name="fgAccFollowNode1">
+    <dgm:scene3d>
+      <a:camera prst="orthographicFront"/>
+      <a:lightRig rig="threePt" dir="t"/>
+    </dgm:scene3d>
+    <dgm:sp3d/>
+    <dgm:txPr/>
+    <dgm:style>
+      <a:lnRef idx="1">
+        <a:scrgbClr r="0" g="0" b="0"/>
+      </a:lnRef>
+      <a:fillRef idx="1">
+        <a:scrgbClr r="0" g="0" b="0"/>
+      </a:fillRef>
+      <a:effectRef idx="0">
+        <a:scrgbClr r="0" g="0" b="0"/>
+      </a:effectRef>
+      <a:fontRef idx="minor"/>
+    </dgm:style>
+  </dgm:styleLbl>
+  <dgm:styleLbl name="alignAccFollowNode1">
+    <dgm:scene3d>
+      <a:camera prst="orthographicFront"/>
+      <a:lightRig rig="threePt" dir="t"/>
+    </dgm:scene3d>
+    <dgm:sp3d/>
+    <dgm:txPr/>
+    <dgm:style>
+      <a:lnRef idx="1">
+        <a:scrgbClr r="0" g="0" b="0"/>
+      </a:lnRef>
+      <a:fillRef idx="1">
+        <a:scrgbClr r="0" g="0" b="0"/>
+      </a:fillRef>
+      <a:effectRef idx="0">
+        <a:scrgbClr r="0" g="0" b="0"/>
+      </a:effectRef>
+      <a:fontRef idx="minor"/>
+    </dgm:style>
+  </dgm:styleLbl>
+  <dgm:styleLbl name="bgAccFollowNode1">
+    <dgm:scene3d>
+      <a:camera prst="orthographicFront"/>
+      <a:lightRig rig="threePt" dir="t"/>
+    </dgm:scene3d>
+    <dgm:sp3d/>
+    <dgm:txPr/>
+    <dgm:style>
+      <a:lnRef idx="1">
+        <a:scrgbClr r="0" g="0" b="0"/>
+      </a:lnRef>
+      <a:fillRef idx="1">
+        <a:scrgbClr r="0" g="0" b="0"/>
+      </a:fillRef>
+      <a:effectRef idx="0">
+        <a:scrgbClr r="0" g="0" b="0"/>
+      </a:effectRef>
+      <a:fontRef idx="minor"/>
+    </dgm:style>
+  </dgm:styleLbl>
+  <dgm:styleLbl name="fgAcc0">
+    <dgm:scene3d>
+      <a:camera prst="orthographicFront"/>
+      <a:lightRig rig="threePt" dir="t"/>
+    </dgm:scene3d>
+    <dgm:sp3d/>
+    <dgm:txPr/>
+    <dgm:style>
+      <a:lnRef idx="1">
+        <a:scrgbClr r="0" g="0" b="0"/>
+      </a:lnRef>
+      <a:fillRef idx="1">
+        <a:scrgbClr r="0" g="0" b="0"/>
+      </a:fillRef>
+      <a:effectRef idx="0">
+        <a:scrgbClr r="0" g="0" b="0"/>
+      </a:effectRef>
+      <a:fontRef idx="minor"/>
+    </dgm:style>
+  </dgm:styleLbl>
+  <dgm:styleLbl name="fgAcc2">
+    <dgm:scene3d>
+      <a:camera prst="orthographicFront"/>
+      <a:lightRig rig="threePt" dir="t"/>
+    </dgm:scene3d>
+    <dgm:sp3d/>
+    <dgm:txPr/>
+    <dgm:style>
+      <a:lnRef idx="1">
+        <a:scrgbClr r="0" g="0" b="0"/>
+      </a:lnRef>
+      <a:fillRef idx="1">
+        <a:scrgbClr r="0" g="0" b="0"/>
+      </a:fillRef>
+      <a:effectRef idx="0">
+        <a:scrgbClr r="0" g="0" b="0"/>
+      </a:effectRef>
+      <a:fontRef idx="minor"/>
+    </dgm:style>
+  </dgm:styleLbl>
+  <dgm:styleLbl name="fgAcc3">
+    <dgm:scene3d>
+      <a:camera prst="orthographicFront"/>
+      <a:lightRig rig="threePt" dir="t"/>
+    </dgm:scene3d>
+    <dgm:sp3d/>
+    <dgm:txPr/>
+    <dgm:style>
+      <a:lnRef idx="1">
+        <a:scrgbClr r="0" g="0" b="0"/>
+      </a:lnRef>
+      <a:fillRef idx="1">
+        <a:scrgbClr r="0" g="0" b="0"/>
+      </a:fillRef>
+      <a:effectRef idx="0">
+        <a:scrgbClr r="0" g="0" b="0"/>
+      </a:effectRef>
+      <a:fontRef idx="minor"/>
+    </dgm:style>
+  </dgm:styleLbl>
+  <dgm:styleLbl name="fgAcc4">
+    <dgm:scene3d>
+      <a:camera prst="orthographicFront"/>
+      <a:lightRig rig="threePt" dir="t"/>
+    </dgm:scene3d>
+    <dgm:sp3d/>
+    <dgm:txPr/>
+    <dgm:style>
+      <a:lnRef idx="1">
+        <a:scrgbClr r="0" g="0" b="0"/>
+      </a:lnRef>
+      <a:fillRef idx="1">
+        <a:scrgbClr r="0" g="0" b="0"/>
+      </a:fillRef>
+      <a:effectRef idx="0">
+        <a:scrgbClr r="0" g="0" b="0"/>
+      </a:effectRef>
+      <a:fontRef idx="minor"/>
+    </dgm:style>
+  </dgm:styleLbl>
+  <dgm:styleLbl name="bgShp">
+    <dgm:scene3d>
+      <a:camera prst="orthographicFront"/>
+      <a:lightRig rig="threePt" dir="t"/>
+    </dgm:scene3d>
+    <dgm:sp3d/>
+    <dgm:txPr/>
+    <dgm:style>
+      <a:lnRef idx="0">
+        <a:scrgbClr r="0" g="0" b="0"/>
+      </a:lnRef>
+      <a:fillRef idx="1">
+        <a:scrgbClr r="0" g="0" b="0"/>
+      </a:fillRef>
+      <a:effectRef idx="2">
+        <a:scrgbClr r="0" g="0" b="0"/>
+      </a:effectRef>
+      <a:fontRef idx="minor"/>
+    </dgm:style>
+  </dgm:styleLbl>
+  <dgm:styleLbl name="dkBgShp">
+    <dgm:scene3d>
+      <a:camera prst="orthographicFront"/>
+      <a:lightRig rig="threePt" dir="t"/>
+    </dgm:scene3d>
+    <dgm:sp3d/>
+    <dgm:txPr/>
+    <dgm:style>
+      <a:lnRef idx="0">
+        <a:scrgbClr r="0" g="0" b="0"/>
+      </a:lnRef>
+      <a:fillRef idx="1">
+        <a:scrgbClr r="0" g="0" b="0"/>
+      </a:fillRef>
+      <a:effectRef idx="2">
+        <a:scrgbClr r="0" g="0" b="0"/>
+      </a:effectRef>
+      <a:fontRef idx="minor"/>
+    </dgm:style>
+  </dgm:styleLbl>
+  <dgm:styleLbl name="trBgShp">
+    <dgm:scene3d>
+      <a:camera prst="orthographicFront"/>
+      <a:lightRig rig="threePt" dir="t"/>
+    </dgm:scene3d>
+    <dgm:sp3d/>
+    <dgm:txPr/>
+    <dgm:style>
+      <a:lnRef idx="0">
+        <a:scrgbClr r="0" g="0" b="0"/>
+      </a:lnRef>
+      <a:fillRef idx="1">
+        <a:scrgbClr r="0" g="0" b="0"/>
+      </a:fillRef>
+      <a:effectRef idx="0">
+        <a:scrgbClr r="0" g="0" b="0"/>
+      </a:effectRef>
+      <a:fontRef idx="minor"/>
+    </dgm:style>
+  </dgm:styleLbl>
+  <dgm:styleLbl name="fgShp">
+    <dgm:scene3d>
+      <a:camera prst="orthographicFront"/>
+      <a:lightRig rig="threePt" dir="t"/>
+    </dgm:scene3d>
+    <dgm:sp3d/>
+    <dgm:txPr/>
+    <dgm:style>
+      <a:lnRef idx="0">
+        <a:scrgbClr r="0" g="0" b="0"/>
+      </a:lnRef>
+      <a:fillRef idx="3">
+        <a:scrgbClr r="0" g="0" b="0"/>
+      </a:fillRef>
+      <a:effectRef idx="2">
+        <a:scrgbClr r="0" g="0" b="0"/>
+      </a:effectRef>
+      <a:fontRef idx="minor"/>
+    </dgm:style>
+  </dgm:styleLbl>
+  <dgm:styleLbl name="revTx">
+    <dgm:scene3d>
+      <a:camera prst="orthographicFront"/>
+      <a:lightRig rig="threePt" dir="t"/>
+    </dgm:scene3d>
+    <dgm:sp3d/>
+    <dgm:txPr/>
+    <dgm:style>
+      <a:lnRef idx="0">
+        <a:scrgbClr r="0" g="0" b="0"/>
+      </a:lnRef>
+      <a:fillRef idx="0">
+        <a:scrgbClr r="0" g="0" b="0"/>
+      </a:fillRef>
+      <a:effectRef idx="0">
+        <a:scrgbClr r="0" g="0" b="0"/>
+      </a:effectRef>
+      <a:fontRef idx="minor"/>
+    </dgm:style>
+  </dgm:styleLbl>
+</dgm:styleDef>
 </file>
 
 <file path=ppt/slideLayouts/slideLayout1.xml><?xml version="1.0" encoding="utf-8"?>
@@ -454,7 +4594,7 @@
           <a:p>
             <a:fld id="{03FCE02C-6EC6-4E09-BC2C-9FDED4DE236E}" type="datetimeFigureOut">
               <a:rPr lang="en-US" smtClean="0"/>
-              <a:t>2/9/2016</a:t>
+              <a:t>2/10/2016</a:t>
             </a:fld>
             <a:endParaRPr lang="en-US" dirty="0"/>
           </a:p>
@@ -546,7 +4686,7 @@
     </p:spTree>
     <p:extLst>
       <p:ext uri="{BB962C8B-B14F-4D97-AF65-F5344CB8AC3E}">
-        <p14:creationId xmlns:p14="http://schemas.microsoft.com/office/powerpoint/2010/main" val="2182370004"/>
+        <p14:creationId xmlns:p14="http://schemas.microsoft.com/office/powerpoint/2010/main" val="1117332992"/>
       </p:ext>
     </p:extLst>
   </p:cSld>
@@ -779,7 +4919,7 @@
           <a:p>
             <a:fld id="{17205CAA-4E5A-4223-BD55-C5D2841AC9EF}" type="datetimeFigureOut">
               <a:rPr lang="en-US" smtClean="0"/>
-              <a:t>2/9/2016</a:t>
+              <a:t>2/10/2016</a:t>
             </a:fld>
             <a:endParaRPr lang="en-US" dirty="0"/>
           </a:p>
@@ -831,7 +4971,7 @@
     </p:spTree>
     <p:extLst>
       <p:ext uri="{BB962C8B-B14F-4D97-AF65-F5344CB8AC3E}">
-        <p14:creationId xmlns:p14="http://schemas.microsoft.com/office/powerpoint/2010/main" val="2219917304"/>
+        <p14:creationId xmlns:p14="http://schemas.microsoft.com/office/powerpoint/2010/main" val="199299084"/>
       </p:ext>
     </p:extLst>
   </p:cSld>
@@ -1029,7 +5169,7 @@
           <a:p>
             <a:fld id="{17205CAA-4E5A-4223-BD55-C5D2841AC9EF}" type="datetimeFigureOut">
               <a:rPr lang="en-US" smtClean="0"/>
-              <a:t>2/9/2016</a:t>
+              <a:t>2/10/2016</a:t>
             </a:fld>
             <a:endParaRPr lang="en-US" dirty="0"/>
           </a:p>
@@ -1112,7 +5252,7 @@
     </p:spTree>
     <p:extLst>
       <p:ext uri="{BB962C8B-B14F-4D97-AF65-F5344CB8AC3E}">
-        <p14:creationId xmlns:p14="http://schemas.microsoft.com/office/powerpoint/2010/main" val="2212234834"/>
+        <p14:creationId xmlns:p14="http://schemas.microsoft.com/office/powerpoint/2010/main" val="254257733"/>
       </p:ext>
     </p:extLst>
   </p:cSld>
@@ -1370,7 +5510,7 @@
           <a:p>
             <a:fld id="{17205CAA-4E5A-4223-BD55-C5D2841AC9EF}" type="datetimeFigureOut">
               <a:rPr lang="en-US" smtClean="0"/>
-              <a:t>2/9/2016</a:t>
+              <a:t>2/10/2016</a:t>
             </a:fld>
             <a:endParaRPr lang="en-US" dirty="0"/>
           </a:p>
@@ -1521,7 +5661,7 @@
     </p:spTree>
     <p:extLst>
       <p:ext uri="{BB962C8B-B14F-4D97-AF65-F5344CB8AC3E}">
-        <p14:creationId xmlns:p14="http://schemas.microsoft.com/office/powerpoint/2010/main" val="3958601297"/>
+        <p14:creationId xmlns:p14="http://schemas.microsoft.com/office/powerpoint/2010/main" val="3913979103"/>
       </p:ext>
     </p:extLst>
   </p:cSld>
@@ -1719,7 +5859,7 @@
           <a:p>
             <a:fld id="{17205CAA-4E5A-4223-BD55-C5D2841AC9EF}" type="datetimeFigureOut">
               <a:rPr lang="en-US" smtClean="0"/>
-              <a:t>2/9/2016</a:t>
+              <a:t>2/10/2016</a:t>
             </a:fld>
             <a:endParaRPr lang="en-US" dirty="0"/>
           </a:p>
@@ -1771,7 +5911,7 @@
     </p:spTree>
     <p:extLst>
       <p:ext uri="{BB962C8B-B14F-4D97-AF65-F5344CB8AC3E}">
-        <p14:creationId xmlns:p14="http://schemas.microsoft.com/office/powerpoint/2010/main" val="2225859992"/>
+        <p14:creationId xmlns:p14="http://schemas.microsoft.com/office/powerpoint/2010/main" val="672967367"/>
       </p:ext>
     </p:extLst>
   </p:cSld>
@@ -2095,7 +6235,7 @@
           <a:p>
             <a:fld id="{17205CAA-4E5A-4223-BD55-C5D2841AC9EF}" type="datetimeFigureOut">
               <a:rPr lang="en-US" smtClean="0"/>
-              <a:t>2/9/2016</a:t>
+              <a:t>2/10/2016</a:t>
             </a:fld>
             <a:endParaRPr lang="en-US" dirty="0"/>
           </a:p>
@@ -2246,7 +6386,7 @@
     </p:spTree>
     <p:extLst>
       <p:ext uri="{BB962C8B-B14F-4D97-AF65-F5344CB8AC3E}">
-        <p14:creationId xmlns:p14="http://schemas.microsoft.com/office/powerpoint/2010/main" val="319897964"/>
+        <p14:creationId xmlns:p14="http://schemas.microsoft.com/office/powerpoint/2010/main" val="1056183253"/>
       </p:ext>
     </p:extLst>
   </p:cSld>
@@ -2567,7 +6707,7 @@
           <a:p>
             <a:fld id="{17205CAA-4E5A-4223-BD55-C5D2841AC9EF}" type="datetimeFigureOut">
               <a:rPr lang="en-US" smtClean="0"/>
-              <a:t>2/9/2016</a:t>
+              <a:t>2/10/2016</a:t>
             </a:fld>
             <a:endParaRPr lang="en-US" dirty="0"/>
           </a:p>
@@ -2650,7 +6790,7 @@
     </p:spTree>
     <p:extLst>
       <p:ext uri="{BB962C8B-B14F-4D97-AF65-F5344CB8AC3E}">
-        <p14:creationId xmlns:p14="http://schemas.microsoft.com/office/powerpoint/2010/main" val="737155434"/>
+        <p14:creationId xmlns:p14="http://schemas.microsoft.com/office/powerpoint/2010/main" val="3136624386"/>
       </p:ext>
     </p:extLst>
   </p:cSld>
@@ -2775,7 +6915,7 @@
             <a:fld id="{FB075A7A-4A9A-410F-B848-AB998ACC9419}" type="datetimeFigureOut">
               <a:rPr lang="en-US" smtClean="0"/>
               <a:pPr/>
-              <a:t>2/9/2016</a:t>
+              <a:t>2/10/2016</a:t>
             </a:fld>
             <a:endParaRPr lang="en-US" dirty="0"/>
           </a:p>
@@ -2858,7 +6998,7 @@
     </p:spTree>
     <p:extLst>
       <p:ext uri="{BB962C8B-B14F-4D97-AF65-F5344CB8AC3E}">
-        <p14:creationId xmlns:p14="http://schemas.microsoft.com/office/powerpoint/2010/main" val="2544284021"/>
+        <p14:creationId xmlns:p14="http://schemas.microsoft.com/office/powerpoint/2010/main" val="2023860638"/>
       </p:ext>
     </p:extLst>
   </p:cSld>
@@ -2988,7 +7128,7 @@
             <a:fld id="{AA5F3E88-2D66-4D17-B0FA-EA13CB20B2FF}" type="datetimeFigureOut">
               <a:rPr lang="en-US" smtClean="0"/>
               <a:pPr/>
-              <a:t>2/9/2016</a:t>
+              <a:t>2/10/2016</a:t>
             </a:fld>
             <a:endParaRPr lang="en-US" dirty="0"/>
           </a:p>
@@ -3071,7 +7211,7 @@
     </p:spTree>
     <p:extLst>
       <p:ext uri="{BB962C8B-B14F-4D97-AF65-F5344CB8AC3E}">
-        <p14:creationId xmlns:p14="http://schemas.microsoft.com/office/powerpoint/2010/main" val="1337461705"/>
+        <p14:creationId xmlns:p14="http://schemas.microsoft.com/office/powerpoint/2010/main" val="3510583729"/>
       </p:ext>
     </p:extLst>
   </p:cSld>
@@ -3222,7 +7362,7 @@
             <a:fld id="{4D8F36E1-9596-4E98-8786-4A17C5D29C65}" type="datetimeFigureOut">
               <a:rPr lang="en-US" smtClean="0"/>
               <a:pPr/>
-              <a:t>2/9/2016</a:t>
+              <a:t>2/10/2016</a:t>
             </a:fld>
             <a:endParaRPr lang="en-US" dirty="0"/>
           </a:p>
@@ -3274,7 +7414,7 @@
     </p:spTree>
     <p:extLst>
       <p:ext uri="{BB962C8B-B14F-4D97-AF65-F5344CB8AC3E}">
-        <p14:creationId xmlns:p14="http://schemas.microsoft.com/office/powerpoint/2010/main" val="2819907453"/>
+        <p14:creationId xmlns:p14="http://schemas.microsoft.com/office/powerpoint/2010/main" val="2080052099"/>
       </p:ext>
     </p:extLst>
   </p:cSld>
@@ -3471,7 +7611,7 @@
           <a:p>
             <a:fld id="{EE4D1A55-63BC-4BA2-9538-7DDEADA10621}" type="datetimeFigureOut">
               <a:rPr lang="en-US" smtClean="0"/>
-              <a:t>2/9/2016</a:t>
+              <a:t>2/10/2016</a:t>
             </a:fld>
             <a:endParaRPr lang="en-US" dirty="0"/>
           </a:p>
@@ -3554,7 +7694,7 @@
     </p:spTree>
     <p:extLst>
       <p:ext uri="{BB962C8B-B14F-4D97-AF65-F5344CB8AC3E}">
-        <p14:creationId xmlns:p14="http://schemas.microsoft.com/office/powerpoint/2010/main" val="1256523016"/>
+        <p14:creationId xmlns:p14="http://schemas.microsoft.com/office/powerpoint/2010/main" val="961472145"/>
       </p:ext>
     </p:extLst>
   </p:cSld>
@@ -3740,7 +7880,7 @@
             <a:fld id="{66D01ABB-8821-4BF5-97A9-E1A66ACAEAA9}" type="datetimeFigureOut">
               <a:rPr lang="en-US" smtClean="0"/>
               <a:pPr/>
-              <a:t>2/9/2016</a:t>
+              <a:t>2/10/2016</a:t>
             </a:fld>
             <a:endParaRPr lang="en-US" dirty="0"/>
           </a:p>
@@ -3823,20 +7963,13 @@
     </p:spTree>
     <p:extLst>
       <p:ext uri="{BB962C8B-B14F-4D97-AF65-F5344CB8AC3E}">
-        <p14:creationId xmlns:p14="http://schemas.microsoft.com/office/powerpoint/2010/main" val="362416319"/>
+        <p14:creationId xmlns:p14="http://schemas.microsoft.com/office/powerpoint/2010/main" val="2327387775"/>
       </p:ext>
     </p:extLst>
   </p:cSld>
   <p:clrMapOvr>
     <a:masterClrMapping/>
   </p:clrMapOvr>
-  <p:timing>
-    <p:tnLst>
-      <p:par>
-        <p:cTn id="1" dur="indefinite" restart="never" nodeType="tmRoot"/>
-      </p:par>
-    </p:tnLst>
-  </p:timing>
 </p:sldLayout>
 </file>
 
@@ -4162,7 +8295,7 @@
             <a:fld id="{20C37B1C-D4A1-4A4F-A470-80868146AFC5}" type="datetimeFigureOut">
               <a:rPr lang="en-US" smtClean="0"/>
               <a:pPr/>
-              <a:t>2/9/2016</a:t>
+              <a:t>2/10/2016</a:t>
             </a:fld>
             <a:endParaRPr lang="en-US" dirty="0"/>
           </a:p>
@@ -4245,7 +8378,7 @@
     </p:spTree>
     <p:extLst>
       <p:ext uri="{BB962C8B-B14F-4D97-AF65-F5344CB8AC3E}">
-        <p14:creationId xmlns:p14="http://schemas.microsoft.com/office/powerpoint/2010/main" val="1760164606"/>
+        <p14:creationId xmlns:p14="http://schemas.microsoft.com/office/powerpoint/2010/main" val="244659331"/>
       </p:ext>
     </p:extLst>
   </p:cSld>
@@ -4313,7 +8446,7 @@
             <a:fld id="{6D31D1B9-F39E-471E-80A9-595CAA5664AD}" type="datetimeFigureOut">
               <a:rPr lang="en-US" smtClean="0"/>
               <a:pPr/>
-              <a:t>2/9/2016</a:t>
+              <a:t>2/10/2016</a:t>
             </a:fld>
             <a:endParaRPr lang="en-US" dirty="0"/>
           </a:p>
@@ -4396,7 +8529,7 @@
     </p:spTree>
     <p:extLst>
       <p:ext uri="{BB962C8B-B14F-4D97-AF65-F5344CB8AC3E}">
-        <p14:creationId xmlns:p14="http://schemas.microsoft.com/office/powerpoint/2010/main" val="985846545"/>
+        <p14:creationId xmlns:p14="http://schemas.microsoft.com/office/powerpoint/2010/main" val="740730461"/>
       </p:ext>
     </p:extLst>
   </p:cSld>
@@ -4441,7 +8574,7 @@
             <a:fld id="{33FCEABC-E2B9-4606-A74F-CB06AF596887}" type="datetimeFigureOut">
               <a:rPr lang="en-US" smtClean="0"/>
               <a:pPr/>
-              <a:t>2/9/2016</a:t>
+              <a:t>2/10/2016</a:t>
             </a:fld>
             <a:endParaRPr lang="en-US" dirty="0"/>
           </a:p>
@@ -4493,7 +8626,7 @@
     </p:spTree>
     <p:extLst>
       <p:ext uri="{BB962C8B-B14F-4D97-AF65-F5344CB8AC3E}">
-        <p14:creationId xmlns:p14="http://schemas.microsoft.com/office/powerpoint/2010/main" val="3911184961"/>
+        <p14:creationId xmlns:p14="http://schemas.microsoft.com/office/powerpoint/2010/main" val="1064572837"/>
       </p:ext>
     </p:extLst>
   </p:cSld>
@@ -4698,7 +8831,7 @@
             <a:fld id="{FA8850A0-01A3-4F4E-AA52-F716A9BFD4EB}" type="datetimeFigureOut">
               <a:rPr lang="en-US" smtClean="0"/>
               <a:pPr/>
-              <a:t>2/9/2016</a:t>
+              <a:t>2/10/2016</a:t>
             </a:fld>
             <a:endParaRPr lang="en-US" dirty="0"/>
           </a:p>
@@ -4781,7 +8914,7 @@
     </p:spTree>
     <p:extLst>
       <p:ext uri="{BB962C8B-B14F-4D97-AF65-F5344CB8AC3E}">
-        <p14:creationId xmlns:p14="http://schemas.microsoft.com/office/powerpoint/2010/main" val="705892987"/>
+        <p14:creationId xmlns:p14="http://schemas.microsoft.com/office/powerpoint/2010/main" val="3708253086"/>
       </p:ext>
     </p:extLst>
   </p:cSld>
@@ -5014,7 +9147,7 @@
           <a:p>
             <a:fld id="{E5811CCA-BB49-46C7-A0E2-F42339750F9A}" type="datetimeFigureOut">
               <a:rPr lang="en-US" smtClean="0"/>
-              <a:t>2/9/2016</a:t>
+              <a:t>2/10/2016</a:t>
             </a:fld>
             <a:endParaRPr lang="en-US" dirty="0"/>
           </a:p>
@@ -5066,7 +9199,7 @@
     </p:spTree>
     <p:extLst>
       <p:ext uri="{BB962C8B-B14F-4D97-AF65-F5344CB8AC3E}">
-        <p14:creationId xmlns:p14="http://schemas.microsoft.com/office/powerpoint/2010/main" val="498836226"/>
+        <p14:creationId xmlns:p14="http://schemas.microsoft.com/office/powerpoint/2010/main" val="2101388065"/>
       </p:ext>
     </p:extLst>
   </p:cSld>
@@ -5366,7 +9499,7 @@
           <a:p>
             <a:fld id="{17205CAA-4E5A-4223-BD55-C5D2841AC9EF}" type="datetimeFigureOut">
               <a:rPr lang="en-US" smtClean="0"/>
-              <a:t>2/9/2016</a:t>
+              <a:t>2/10/2016</a:t>
             </a:fld>
             <a:endParaRPr lang="en-US" dirty="0"/>
           </a:p>
@@ -5454,29 +9587,29 @@
     </p:spTree>
     <p:extLst>
       <p:ext uri="{BB962C8B-B14F-4D97-AF65-F5344CB8AC3E}">
-        <p14:creationId xmlns:p14="http://schemas.microsoft.com/office/powerpoint/2010/main" val="2002111639"/>
+        <p14:creationId xmlns:p14="http://schemas.microsoft.com/office/powerpoint/2010/main" val="2498402287"/>
       </p:ext>
     </p:extLst>
   </p:cSld>
   <p:clrMap bg1="lt1" tx1="dk1" bg2="lt2" tx2="dk2" accent1="accent1" accent2="accent2" accent3="accent3" accent4="accent4" accent5="accent5" accent6="accent6" hlink="hlink" folHlink="folHlink"/>
   <p:sldLayoutIdLst>
-    <p:sldLayoutId id="2147483899" r:id="rId1"/>
-    <p:sldLayoutId id="2147483900" r:id="rId2"/>
-    <p:sldLayoutId id="2147483901" r:id="rId3"/>
-    <p:sldLayoutId id="2147483902" r:id="rId4"/>
-    <p:sldLayoutId id="2147483903" r:id="rId5"/>
-    <p:sldLayoutId id="2147483904" r:id="rId6"/>
-    <p:sldLayoutId id="2147483905" r:id="rId7"/>
-    <p:sldLayoutId id="2147483906" r:id="rId8"/>
-    <p:sldLayoutId id="2147483907" r:id="rId9"/>
-    <p:sldLayoutId id="2147483908" r:id="rId10"/>
-    <p:sldLayoutId id="2147483909" r:id="rId11"/>
-    <p:sldLayoutId id="2147483910" r:id="rId12"/>
-    <p:sldLayoutId id="2147483911" r:id="rId13"/>
-    <p:sldLayoutId id="2147483912" r:id="rId14"/>
-    <p:sldLayoutId id="2147483913" r:id="rId15"/>
-    <p:sldLayoutId id="2147483914" r:id="rId16"/>
-    <p:sldLayoutId id="2147483915" r:id="rId17"/>
+    <p:sldLayoutId id="2147483971" r:id="rId1"/>
+    <p:sldLayoutId id="2147483972" r:id="rId2"/>
+    <p:sldLayoutId id="2147483973" r:id="rId3"/>
+    <p:sldLayoutId id="2147483974" r:id="rId4"/>
+    <p:sldLayoutId id="2147483975" r:id="rId5"/>
+    <p:sldLayoutId id="2147483976" r:id="rId6"/>
+    <p:sldLayoutId id="2147483977" r:id="rId7"/>
+    <p:sldLayoutId id="2147483978" r:id="rId8"/>
+    <p:sldLayoutId id="2147483979" r:id="rId9"/>
+    <p:sldLayoutId id="2147483980" r:id="rId10"/>
+    <p:sldLayoutId id="2147483981" r:id="rId11"/>
+    <p:sldLayoutId id="2147483982" r:id="rId12"/>
+    <p:sldLayoutId id="2147483983" r:id="rId13"/>
+    <p:sldLayoutId id="2147483984" r:id="rId14"/>
+    <p:sldLayoutId id="2147483985" r:id="rId15"/>
+    <p:sldLayoutId id="2147483986" r:id="rId16"/>
+    <p:sldLayoutId id="2147483987" r:id="rId17"/>
   </p:sldLayoutIdLst>
   <p:hf sldNum="0" hdr="0" ftr="0" dt="0"/>
   <p:txStyles>
@@ -6005,11 +10138,11 @@
   <p:clrMapOvr>
     <a:masterClrMapping/>
   </p:clrMapOvr>
-  <mc:AlternateContent xmlns:mc="http://schemas.openxmlformats.org/markup-compatibility/2006">
-    <mc:Choice xmlns:p14="http://schemas.microsoft.com/office/powerpoint/2010/main" Requires="p14">
+  <mc:AlternateContent xmlns:mc="http://schemas.openxmlformats.org/markup-compatibility/2006" xmlns:p14="http://schemas.microsoft.com/office/powerpoint/2010/main">
+    <mc:Choice Requires="p14">
       <p:transition p14:dur="0"/>
     </mc:Choice>
-    <mc:Fallback>
+    <mc:Fallback xmlns="">
       <p:transition/>
     </mc:Fallback>
   </mc:AlternateContent>
@@ -6052,14 +10185,12 @@
         </p:nvSpPr>
         <p:spPr/>
         <p:txBody>
-          <a:bodyPr>
-            <a:normAutofit/>
-          </a:bodyPr>
+          <a:bodyPr/>
           <a:lstStyle/>
           <a:p>
             <a:r>
               <a:rPr lang="de-DE" dirty="0" smtClean="0"/>
-              <a:t>Vorstellung</a:t>
+              <a:t>Aussicht</a:t>
             </a:r>
             <a:endParaRPr lang="de-DE" dirty="0"/>
           </a:p>
@@ -6077,92 +10208,69 @@
         </p:nvSpPr>
         <p:spPr/>
         <p:txBody>
-          <a:bodyPr/>
+          <a:bodyPr>
+            <a:normAutofit/>
+          </a:bodyPr>
           <a:lstStyle/>
           <a:p>
-            <a:endParaRPr lang="de-DE"/>
-          </a:p>
-        </p:txBody>
-      </p:sp>
-    </p:spTree>
-    <p:extLst>
-      <p:ext uri="{BB962C8B-B14F-4D97-AF65-F5344CB8AC3E}">
-        <p14:creationId xmlns:p14="http://schemas.microsoft.com/office/powerpoint/2010/main" val="2577095990"/>
-      </p:ext>
-    </p:extLst>
-  </p:cSld>
-  <p:clrMapOvr>
-    <a:masterClrMapping/>
-  </p:clrMapOvr>
-  <p:transition spd="slow">
-    <p:push dir="u"/>
-  </p:transition>
-  <p:timing>
-    <p:tnLst>
-      <p:par>
-        <p:cTn id="1" dur="indefinite" restart="never" nodeType="tmRoot"/>
-      </p:par>
-    </p:tnLst>
-  </p:timing>
-</p:sld>
-</file>
-
-<file path=ppt/slides/slide11.xml><?xml version="1.0" encoding="utf-8"?>
-<p:sld xmlns:a="http://schemas.openxmlformats.org/drawingml/2006/main" xmlns:r="http://schemas.openxmlformats.org/officeDocument/2006/relationships" xmlns:p="http://schemas.openxmlformats.org/presentationml/2006/main">
-  <p:cSld>
-    <p:spTree>
-      <p:nvGrpSpPr>
-        <p:cNvPr id="1" name=""/>
-        <p:cNvGrpSpPr/>
-        <p:nvPr/>
-      </p:nvGrpSpPr>
-      <p:grpSpPr>
-        <a:xfrm>
-          <a:off x="0" y="0"/>
-          <a:ext cx="0" cy="0"/>
-          <a:chOff x="0" y="0"/>
-          <a:chExt cx="0" cy="0"/>
-        </a:xfrm>
-      </p:grpSpPr>
-      <p:sp>
-        <p:nvSpPr>
-          <p:cNvPr id="2" name="Titel 1"/>
-          <p:cNvSpPr>
-            <a:spLocks noGrp="1"/>
-          </p:cNvSpPr>
-          <p:nvPr>
-            <p:ph type="title"/>
-          </p:nvPr>
-        </p:nvSpPr>
-        <p:spPr/>
-        <p:txBody>
-          <a:bodyPr/>
-          <a:lstStyle/>
-          <a:p>
+            <a:pPr lvl="0"/>
+            <a:r>
+              <a:rPr lang="de-DE" dirty="0"/>
+              <a:t>Registrierung </a:t>
+            </a:r>
             <a:r>
               <a:rPr lang="de-DE" dirty="0" smtClean="0"/>
-              <a:t>Aussicht</a:t>
+              <a:t>ausbauen</a:t>
+            </a:r>
+          </a:p>
+          <a:p>
+            <a:pPr lvl="0"/>
+            <a:r>
+              <a:rPr lang="de-DE" dirty="0" smtClean="0"/>
+              <a:t>Notizen mit anderen Benutzern teilen</a:t>
+            </a:r>
+          </a:p>
+          <a:p>
+            <a:pPr lvl="0"/>
+            <a:r>
+              <a:rPr lang="de-DE" dirty="0" smtClean="0"/>
+              <a:t>Archivierung </a:t>
+            </a:r>
+            <a:r>
+              <a:rPr lang="de-DE" dirty="0"/>
+              <a:t>von </a:t>
+            </a:r>
+            <a:r>
+              <a:rPr lang="de-DE" dirty="0" smtClean="0"/>
+              <a:t>Notizen</a:t>
+            </a:r>
+          </a:p>
+          <a:p>
+            <a:pPr lvl="0"/>
+            <a:r>
+              <a:rPr lang="de-DE" dirty="0" smtClean="0"/>
+              <a:t>Drag </a:t>
+            </a:r>
+            <a:r>
+              <a:rPr lang="de-DE" dirty="0"/>
+              <a:t>&amp; </a:t>
+            </a:r>
+            <a:r>
+              <a:rPr lang="de-DE" dirty="0" smtClean="0"/>
+              <a:t>Drop</a:t>
+            </a:r>
+          </a:p>
+          <a:p>
+            <a:pPr lvl="0"/>
+            <a:r>
+              <a:rPr lang="de-DE" dirty="0" err="1" smtClean="0"/>
+              <a:t>Notzienmodell</a:t>
+            </a:r>
+            <a:r>
+              <a:rPr lang="de-DE" dirty="0" smtClean="0"/>
+              <a:t> erweitern</a:t>
             </a:r>
             <a:endParaRPr lang="de-DE" dirty="0"/>
-          </a:p>
-        </p:txBody>
-      </p:sp>
-      <p:sp>
-        <p:nvSpPr>
-          <p:cNvPr id="3" name="Inhaltsplatzhalter 2"/>
-          <p:cNvSpPr>
-            <a:spLocks noGrp="1"/>
-          </p:cNvSpPr>
-          <p:nvPr>
-            <p:ph idx="1"/>
-          </p:nvPr>
-        </p:nvSpPr>
-        <p:spPr/>
-        <p:txBody>
-          <a:bodyPr/>
-          <a:lstStyle/>
-          <a:p>
-            <a:endParaRPr lang="de-DE"/>
           </a:p>
         </p:txBody>
       </p:sp>
@@ -6189,7 +10297,7 @@
 </p:sld>
 </file>
 
-<file path=ppt/slides/slide12.xml><?xml version="1.0" encoding="utf-8"?>
+<file path=ppt/slides/slide11.xml><?xml version="1.0" encoding="utf-8"?>
 <p:sld xmlns:a="http://schemas.openxmlformats.org/drawingml/2006/main" xmlns:r="http://schemas.openxmlformats.org/officeDocument/2006/relationships" xmlns:p="http://schemas.openxmlformats.org/presentationml/2006/main">
   <p:cSld>
     <p:spTree>
@@ -6329,46 +10437,41 @@
           <a:lstStyle/>
           <a:p>
             <a:r>
-              <a:rPr lang="de-DE" dirty="0"/>
-              <a:t>Aufgabenstellung</a:t>
-            </a:r>
-          </a:p>
-          <a:p>
-            <a:r>
-              <a:rPr lang="de-DE" dirty="0"/>
+              <a:rPr lang="de-DE" sz="2800" dirty="0" smtClean="0"/>
               <a:t>Projekt</a:t>
             </a:r>
-          </a:p>
-          <a:p>
-            <a:r>
-              <a:rPr lang="de-DE" dirty="0" smtClean="0"/>
+            <a:endParaRPr lang="de-DE" sz="2800" dirty="0"/>
+          </a:p>
+          <a:p>
+            <a:r>
+              <a:rPr lang="de-DE" sz="2800" dirty="0" smtClean="0"/>
               <a:t>Konzept</a:t>
             </a:r>
-            <a:endParaRPr lang="de-DE" dirty="0"/>
-          </a:p>
-          <a:p>
-            <a:r>
-              <a:rPr lang="de-DE" dirty="0" smtClean="0"/>
+            <a:endParaRPr lang="de-DE" sz="2800" dirty="0"/>
+          </a:p>
+          <a:p>
+            <a:r>
+              <a:rPr lang="de-DE" sz="2800" dirty="0" smtClean="0"/>
               <a:t>Vorstellung</a:t>
             </a:r>
-            <a:endParaRPr lang="de-DE" dirty="0"/>
-          </a:p>
-          <a:p>
-            <a:r>
-              <a:rPr lang="de-DE" dirty="0" smtClean="0"/>
+            <a:endParaRPr lang="de-DE" sz="2800" dirty="0"/>
+          </a:p>
+          <a:p>
+            <a:r>
+              <a:rPr lang="de-DE" sz="2800" dirty="0" smtClean="0"/>
               <a:t>Aussicht</a:t>
             </a:r>
-            <a:endParaRPr lang="de-DE" dirty="0"/>
-          </a:p>
-          <a:p>
-            <a:r>
-              <a:rPr lang="de-DE" dirty="0" smtClean="0"/>
+            <a:endParaRPr lang="de-DE" sz="2800" dirty="0"/>
+          </a:p>
+          <a:p>
+            <a:r>
+              <a:rPr lang="de-DE" sz="2800" dirty="0" smtClean="0"/>
               <a:t>Quellen</a:t>
             </a:r>
-            <a:endParaRPr lang="de-DE" dirty="0"/>
-          </a:p>
-          <a:p>
-            <a:endParaRPr lang="de-DE" dirty="0"/>
+            <a:endParaRPr lang="de-DE" sz="2800" dirty="0"/>
+          </a:p>
+          <a:p>
+            <a:endParaRPr lang="de-DE" sz="2800" dirty="0"/>
           </a:p>
         </p:txBody>
       </p:sp>
@@ -6728,67 +10831,6 @@
                       </p:childTnLst>
                     </p:cTn>
                   </p:par>
-                  <p:par>
-                    <p:cTn id="28" fill="hold">
-                      <p:stCondLst>
-                        <p:cond delay="indefinite"/>
-                      </p:stCondLst>
-                      <p:childTnLst>
-                        <p:par>
-                          <p:cTn id="29" fill="hold">
-                            <p:stCondLst>
-                              <p:cond delay="0"/>
-                            </p:stCondLst>
-                            <p:childTnLst>
-                              <p:par>
-                                <p:cTn id="30" presetID="10" presetClass="entr" presetSubtype="0" fill="hold" grpId="0" nodeType="clickEffect">
-                                  <p:stCondLst>
-                                    <p:cond delay="0"/>
-                                  </p:stCondLst>
-                                  <p:childTnLst>
-                                    <p:set>
-                                      <p:cBhvr>
-                                        <p:cTn id="31" dur="1" fill="hold">
-                                          <p:stCondLst>
-                                            <p:cond delay="0"/>
-                                          </p:stCondLst>
-                                        </p:cTn>
-                                        <p:tgtEl>
-                                          <p:spTgt spid="3">
-                                            <p:txEl>
-                                              <p:pRg st="5" end="5"/>
-                                            </p:txEl>
-                                          </p:spTgt>
-                                        </p:tgtEl>
-                                        <p:attrNameLst>
-                                          <p:attrName>style.visibility</p:attrName>
-                                        </p:attrNameLst>
-                                      </p:cBhvr>
-                                      <p:to>
-                                        <p:strVal val="visible"/>
-                                      </p:to>
-                                    </p:set>
-                                    <p:animEffect transition="in" filter="fade">
-                                      <p:cBhvr>
-                                        <p:cTn id="32" dur="500"/>
-                                        <p:tgtEl>
-                                          <p:spTgt spid="3">
-                                            <p:txEl>
-                                              <p:pRg st="5" end="5"/>
-                                            </p:txEl>
-                                          </p:spTgt>
-                                        </p:tgtEl>
-                                      </p:cBhvr>
-                                    </p:animEffect>
-                                  </p:childTnLst>
-                                </p:cTn>
-                              </p:par>
-                            </p:childTnLst>
-                          </p:cTn>
-                        </p:par>
-                      </p:childTnLst>
-                    </p:cTn>
-                  </p:par>
                 </p:childTnLst>
               </p:cTn>
               <p:prevCondLst>
@@ -6851,7 +10893,7 @@
           <a:p>
             <a:r>
               <a:rPr lang="de-DE" dirty="0"/>
-              <a:t>Aufgabenstellung</a:t>
+              <a:t>Projekt</a:t>
             </a:r>
           </a:p>
         </p:txBody>
@@ -6872,250 +10914,24 @@
           <a:lstStyle/>
           <a:p>
             <a:r>
+              <a:rPr lang="de-DE" dirty="0" smtClean="0"/>
+              <a:t>Cloudbasierte Webanwendung </a:t>
+            </a:r>
+            <a:r>
               <a:rPr lang="de-DE" dirty="0"/>
-              <a:t>Projekt erstellen</a:t>
-            </a:r>
-          </a:p>
-          <a:p>
-            <a:r>
-              <a:rPr lang="de-DE" dirty="0"/>
-              <a:t>Technologie beliebig</a:t>
-            </a:r>
-          </a:p>
-          <a:p>
+              <a:t>für </a:t>
+            </a:r>
+            <a:r>
+              <a:rPr lang="de-DE" dirty="0" smtClean="0"/>
+              <a:t>Notizen</a:t>
+            </a:r>
+          </a:p>
+          <a:p>
+            <a:r>
+              <a:rPr lang="de-DE" dirty="0" smtClean="0"/>
+              <a:t>REST API</a:t>
+            </a:r>
             <a:endParaRPr lang="de-DE" dirty="0"/>
-          </a:p>
-        </p:txBody>
-      </p:sp>
-    </p:spTree>
-    <p:extLst>
-      <p:ext uri="{BB962C8B-B14F-4D97-AF65-F5344CB8AC3E}">
-        <p14:creationId xmlns:p14="http://schemas.microsoft.com/office/powerpoint/2010/main" val="337421761"/>
-      </p:ext>
-    </p:extLst>
-  </p:cSld>
-  <p:clrMapOvr>
-    <a:masterClrMapping/>
-  </p:clrMapOvr>
-  <p:transition spd="slow">
-    <p:push dir="u"/>
-  </p:transition>
-  <p:timing>
-    <p:tnLst>
-      <p:par>
-        <p:cTn id="1" dur="indefinite" restart="never" nodeType="tmRoot">
-          <p:childTnLst>
-            <p:seq concurrent="1" nextAc="seek">
-              <p:cTn id="2" dur="indefinite" nodeType="mainSeq">
-                <p:childTnLst>
-                  <p:par>
-                    <p:cTn id="3" fill="hold">
-                      <p:stCondLst>
-                        <p:cond delay="indefinite"/>
-                      </p:stCondLst>
-                      <p:childTnLst>
-                        <p:par>
-                          <p:cTn id="4" fill="hold">
-                            <p:stCondLst>
-                              <p:cond delay="0"/>
-                            </p:stCondLst>
-                            <p:childTnLst>
-                              <p:par>
-                                <p:cTn id="5" presetID="10" presetClass="entr" presetSubtype="0" fill="hold" grpId="0" nodeType="clickEffect">
-                                  <p:stCondLst>
-                                    <p:cond delay="0"/>
-                                  </p:stCondLst>
-                                  <p:childTnLst>
-                                    <p:set>
-                                      <p:cBhvr>
-                                        <p:cTn id="6" dur="1" fill="hold">
-                                          <p:stCondLst>
-                                            <p:cond delay="0"/>
-                                          </p:stCondLst>
-                                        </p:cTn>
-                                        <p:tgtEl>
-                                          <p:spTgt spid="3">
-                                            <p:txEl>
-                                              <p:pRg st="0" end="0"/>
-                                            </p:txEl>
-                                          </p:spTgt>
-                                        </p:tgtEl>
-                                        <p:attrNameLst>
-                                          <p:attrName>style.visibility</p:attrName>
-                                        </p:attrNameLst>
-                                      </p:cBhvr>
-                                      <p:to>
-                                        <p:strVal val="visible"/>
-                                      </p:to>
-                                    </p:set>
-                                    <p:animEffect transition="in" filter="fade">
-                                      <p:cBhvr>
-                                        <p:cTn id="7" dur="500"/>
-                                        <p:tgtEl>
-                                          <p:spTgt spid="3">
-                                            <p:txEl>
-                                              <p:pRg st="0" end="0"/>
-                                            </p:txEl>
-                                          </p:spTgt>
-                                        </p:tgtEl>
-                                      </p:cBhvr>
-                                    </p:animEffect>
-                                  </p:childTnLst>
-                                </p:cTn>
-                              </p:par>
-                            </p:childTnLst>
-                          </p:cTn>
-                        </p:par>
-                      </p:childTnLst>
-                    </p:cTn>
-                  </p:par>
-                  <p:par>
-                    <p:cTn id="8" fill="hold">
-                      <p:stCondLst>
-                        <p:cond delay="indefinite"/>
-                      </p:stCondLst>
-                      <p:childTnLst>
-                        <p:par>
-                          <p:cTn id="9" fill="hold">
-                            <p:stCondLst>
-                              <p:cond delay="0"/>
-                            </p:stCondLst>
-                            <p:childTnLst>
-                              <p:par>
-                                <p:cTn id="10" presetID="10" presetClass="entr" presetSubtype="0" fill="hold" grpId="0" nodeType="clickEffect">
-                                  <p:stCondLst>
-                                    <p:cond delay="0"/>
-                                  </p:stCondLst>
-                                  <p:childTnLst>
-                                    <p:set>
-                                      <p:cBhvr>
-                                        <p:cTn id="11" dur="1" fill="hold">
-                                          <p:stCondLst>
-                                            <p:cond delay="0"/>
-                                          </p:stCondLst>
-                                        </p:cTn>
-                                        <p:tgtEl>
-                                          <p:spTgt spid="3">
-                                            <p:txEl>
-                                              <p:pRg st="1" end="1"/>
-                                            </p:txEl>
-                                          </p:spTgt>
-                                        </p:tgtEl>
-                                        <p:attrNameLst>
-                                          <p:attrName>style.visibility</p:attrName>
-                                        </p:attrNameLst>
-                                      </p:cBhvr>
-                                      <p:to>
-                                        <p:strVal val="visible"/>
-                                      </p:to>
-                                    </p:set>
-                                    <p:animEffect transition="in" filter="fade">
-                                      <p:cBhvr>
-                                        <p:cTn id="12" dur="500"/>
-                                        <p:tgtEl>
-                                          <p:spTgt spid="3">
-                                            <p:txEl>
-                                              <p:pRg st="1" end="1"/>
-                                            </p:txEl>
-                                          </p:spTgt>
-                                        </p:tgtEl>
-                                      </p:cBhvr>
-                                    </p:animEffect>
-                                  </p:childTnLst>
-                                </p:cTn>
-                              </p:par>
-                            </p:childTnLst>
-                          </p:cTn>
-                        </p:par>
-                      </p:childTnLst>
-                    </p:cTn>
-                  </p:par>
-                </p:childTnLst>
-              </p:cTn>
-              <p:prevCondLst>
-                <p:cond evt="onPrev" delay="0">
-                  <p:tgtEl>
-                    <p:sldTgt/>
-                  </p:tgtEl>
-                </p:cond>
-              </p:prevCondLst>
-              <p:nextCondLst>
-                <p:cond evt="onNext" delay="0">
-                  <p:tgtEl>
-                    <p:sldTgt/>
-                  </p:tgtEl>
-                </p:cond>
-              </p:nextCondLst>
-            </p:seq>
-          </p:childTnLst>
-        </p:cTn>
-      </p:par>
-    </p:tnLst>
-    <p:bldLst>
-      <p:bldP spid="3" grpId="0" build="p"/>
-    </p:bldLst>
-  </p:timing>
-</p:sld>
-</file>
-
-<file path=ppt/slides/slide4.xml><?xml version="1.0" encoding="utf-8"?>
-<p:sld xmlns:a="http://schemas.openxmlformats.org/drawingml/2006/main" xmlns:r="http://schemas.openxmlformats.org/officeDocument/2006/relationships" xmlns:p="http://schemas.openxmlformats.org/presentationml/2006/main">
-  <p:cSld>
-    <p:spTree>
-      <p:nvGrpSpPr>
-        <p:cNvPr id="1" name=""/>
-        <p:cNvGrpSpPr/>
-        <p:nvPr/>
-      </p:nvGrpSpPr>
-      <p:grpSpPr>
-        <a:xfrm>
-          <a:off x="0" y="0"/>
-          <a:ext cx="0" cy="0"/>
-          <a:chOff x="0" y="0"/>
-          <a:chExt cx="0" cy="0"/>
-        </a:xfrm>
-      </p:grpSpPr>
-      <p:sp>
-        <p:nvSpPr>
-          <p:cNvPr id="2" name="Titel 1"/>
-          <p:cNvSpPr>
-            <a:spLocks noGrp="1"/>
-          </p:cNvSpPr>
-          <p:nvPr>
-            <p:ph type="title"/>
-          </p:nvPr>
-        </p:nvSpPr>
-        <p:spPr/>
-        <p:txBody>
-          <a:bodyPr/>
-          <a:lstStyle/>
-          <a:p>
-            <a:r>
-              <a:rPr lang="de-DE" dirty="0"/>
-              <a:t>Projekt</a:t>
-            </a:r>
-          </a:p>
-        </p:txBody>
-      </p:sp>
-      <p:sp>
-        <p:nvSpPr>
-          <p:cNvPr id="3" name="Inhaltsplatzhalter 2"/>
-          <p:cNvSpPr>
-            <a:spLocks noGrp="1"/>
-          </p:cNvSpPr>
-          <p:nvPr>
-            <p:ph idx="1"/>
-          </p:nvPr>
-        </p:nvSpPr>
-        <p:spPr/>
-        <p:txBody>
-          <a:bodyPr/>
-          <a:lstStyle/>
-          <a:p>
-            <a:r>
-              <a:rPr lang="de-DE" dirty="0"/>
-              <a:t>Webservice für Notizen</a:t>
-            </a:r>
           </a:p>
           <a:p>
             <a:r>
@@ -7403,6 +11219,67 @@
                       </p:childTnLst>
                     </p:cTn>
                   </p:par>
+                  <p:par>
+                    <p:cTn id="23" fill="hold">
+                      <p:stCondLst>
+                        <p:cond delay="indefinite"/>
+                      </p:stCondLst>
+                      <p:childTnLst>
+                        <p:par>
+                          <p:cTn id="24" fill="hold">
+                            <p:stCondLst>
+                              <p:cond delay="0"/>
+                            </p:stCondLst>
+                            <p:childTnLst>
+                              <p:par>
+                                <p:cTn id="25" presetID="10" presetClass="entr" presetSubtype="0" fill="hold" grpId="0" nodeType="clickEffect">
+                                  <p:stCondLst>
+                                    <p:cond delay="0"/>
+                                  </p:stCondLst>
+                                  <p:childTnLst>
+                                    <p:set>
+                                      <p:cBhvr>
+                                        <p:cTn id="26" dur="1" fill="hold">
+                                          <p:stCondLst>
+                                            <p:cond delay="0"/>
+                                          </p:stCondLst>
+                                        </p:cTn>
+                                        <p:tgtEl>
+                                          <p:spTgt spid="3">
+                                            <p:txEl>
+                                              <p:pRg st="4" end="4"/>
+                                            </p:txEl>
+                                          </p:spTgt>
+                                        </p:tgtEl>
+                                        <p:attrNameLst>
+                                          <p:attrName>style.visibility</p:attrName>
+                                        </p:attrNameLst>
+                                      </p:cBhvr>
+                                      <p:to>
+                                        <p:strVal val="visible"/>
+                                      </p:to>
+                                    </p:set>
+                                    <p:animEffect transition="in" filter="fade">
+                                      <p:cBhvr>
+                                        <p:cTn id="27" dur="500"/>
+                                        <p:tgtEl>
+                                          <p:spTgt spid="3">
+                                            <p:txEl>
+                                              <p:pRg st="4" end="4"/>
+                                            </p:txEl>
+                                          </p:spTgt>
+                                        </p:tgtEl>
+                                      </p:cBhvr>
+                                    </p:animEffect>
+                                  </p:childTnLst>
+                                </p:cTn>
+                              </p:par>
+                            </p:childTnLst>
+                          </p:cTn>
+                        </p:par>
+                      </p:childTnLst>
+                    </p:cTn>
+                  </p:par>
                 </p:childTnLst>
               </p:cTn>
               <p:prevCondLst>
@@ -7431,7 +11308,7 @@
 </p:sld>
 </file>
 
-<file path=ppt/slides/slide5.xml><?xml version="1.0" encoding="utf-8"?>
+<file path=ppt/slides/slide4.xml><?xml version="1.0" encoding="utf-8"?>
 <p:sld xmlns:a="http://schemas.openxmlformats.org/drawingml/2006/main" xmlns:r="http://schemas.openxmlformats.org/officeDocument/2006/relationships" xmlns:p="http://schemas.openxmlformats.org/presentationml/2006/main">
   <p:cSld>
     <p:spTree>
@@ -7605,7 +11482,7 @@
 </p:sld>
 </file>
 
-<file path=ppt/slides/slide6.xml><?xml version="1.0" encoding="utf-8"?>
+<file path=ppt/slides/slide5.xml><?xml version="1.0" encoding="utf-8"?>
 <p:sld xmlns:a="http://schemas.openxmlformats.org/drawingml/2006/main" xmlns:r="http://schemas.openxmlformats.org/officeDocument/2006/relationships" xmlns:p="http://schemas.openxmlformats.org/presentationml/2006/main">
   <p:cSld>
     <p:spTree>
@@ -7730,7 +11607,7 @@
 </p:sld>
 </file>
 
-<file path=ppt/slides/slide7.xml><?xml version="1.0" encoding="utf-8"?>
+<file path=ppt/slides/slide6.xml><?xml version="1.0" encoding="utf-8"?>
 <p:sld xmlns:a="http://schemas.openxmlformats.org/drawingml/2006/main" xmlns:r="http://schemas.openxmlformats.org/officeDocument/2006/relationships" xmlns:p="http://schemas.openxmlformats.org/presentationml/2006/main">
   <p:cSld>
     <p:spTree>
@@ -7855,7 +11732,7 @@
 </p:sld>
 </file>
 
-<file path=ppt/slides/slide8.xml><?xml version="1.0" encoding="utf-8"?>
+<file path=ppt/slides/slide7.xml><?xml version="1.0" encoding="utf-8"?>
 <p:sld xmlns:a="http://schemas.openxmlformats.org/drawingml/2006/main" xmlns:r="http://schemas.openxmlformats.org/officeDocument/2006/relationships" xmlns:p="http://schemas.openxmlformats.org/presentationml/2006/main">
   <p:cSld>
     <p:spTree>
@@ -7899,25 +11776,31 @@
           </a:p>
         </p:txBody>
       </p:sp>
-      <p:sp>
-        <p:nvSpPr>
-          <p:cNvPr id="6" name="Inhaltsplatzhalter 5"/>
-          <p:cNvSpPr>
-            <a:spLocks noGrp="1"/>
-          </p:cNvSpPr>
+      <p:graphicFrame>
+        <p:nvGraphicFramePr>
+          <p:cNvPr id="2" name="Inhaltsplatzhalter 1"/>
+          <p:cNvGraphicFramePr>
+            <a:graphicFrameLocks noGrp="1"/>
+          </p:cNvGraphicFramePr>
           <p:nvPr>
             <p:ph idx="1"/>
+            <p:extLst>
+              <p:ext uri="{D42A27DB-BD31-4B8C-83A1-F6EECF244321}">
+                <p14:modId xmlns:p14="http://schemas.microsoft.com/office/powerpoint/2010/main" val="3258014348"/>
+              </p:ext>
+            </p:extLst>
           </p:nvPr>
-        </p:nvSpPr>
-        <p:spPr/>
-        <p:txBody>
-          <a:bodyPr/>
-          <a:lstStyle/>
-          <a:p>
-            <a:endParaRPr lang="de-DE"/>
-          </a:p>
-        </p:txBody>
-      </p:sp>
+        </p:nvGraphicFramePr>
+        <p:xfrm>
+          <a:off x="1295400" y="2557463"/>
+          <a:ext cx="9601200" cy="3317875"/>
+        </p:xfrm>
+        <a:graphic>
+          <a:graphicData uri="http://schemas.openxmlformats.org/drawingml/2006/diagram">
+            <dgm:relIds xmlns:dgm="http://schemas.openxmlformats.org/drawingml/2006/diagram" xmlns:r="http://schemas.openxmlformats.org/officeDocument/2006/relationships" r:dm="rId2" r:lo="rId3" r:qs="rId4" r:cs="rId5"/>
+          </a:graphicData>
+        </a:graphic>
+      </p:graphicFrame>
     </p:spTree>
     <p:extLst>
       <p:ext uri="{BB962C8B-B14F-4D97-AF65-F5344CB8AC3E}">
@@ -7941,7 +11824,7 @@
 </p:sld>
 </file>
 
-<file path=ppt/slides/slide9.xml><?xml version="1.0" encoding="utf-8"?>
+<file path=ppt/slides/slide8.xml><?xml version="1.0" encoding="utf-8"?>
 <p:sld xmlns:a="http://schemas.openxmlformats.org/drawingml/2006/main" xmlns:r="http://schemas.openxmlformats.org/officeDocument/2006/relationships" xmlns:p="http://schemas.openxmlformats.org/presentationml/2006/main">
   <p:cSld>
     <p:spTree>
@@ -9148,6 +13031,90 @@
 </p:sld>
 </file>
 
+<file path=ppt/slides/slide9.xml><?xml version="1.0" encoding="utf-8"?>
+<p:sld xmlns:a="http://schemas.openxmlformats.org/drawingml/2006/main" xmlns:r="http://schemas.openxmlformats.org/officeDocument/2006/relationships" xmlns:p="http://schemas.openxmlformats.org/presentationml/2006/main">
+  <p:cSld>
+    <p:spTree>
+      <p:nvGrpSpPr>
+        <p:cNvPr id="1" name=""/>
+        <p:cNvGrpSpPr/>
+        <p:nvPr/>
+      </p:nvGrpSpPr>
+      <p:grpSpPr>
+        <a:xfrm>
+          <a:off x="0" y="0"/>
+          <a:ext cx="0" cy="0"/>
+          <a:chOff x="0" y="0"/>
+          <a:chExt cx="0" cy="0"/>
+        </a:xfrm>
+      </p:grpSpPr>
+      <p:sp>
+        <p:nvSpPr>
+          <p:cNvPr id="2" name="Titel 1"/>
+          <p:cNvSpPr>
+            <a:spLocks noGrp="1"/>
+          </p:cNvSpPr>
+          <p:nvPr>
+            <p:ph type="title"/>
+          </p:nvPr>
+        </p:nvSpPr>
+        <p:spPr/>
+        <p:txBody>
+          <a:bodyPr>
+            <a:normAutofit/>
+          </a:bodyPr>
+          <a:lstStyle/>
+          <a:p>
+            <a:r>
+              <a:rPr lang="de-DE" dirty="0" smtClean="0"/>
+              <a:t>Vorstellung</a:t>
+            </a:r>
+            <a:endParaRPr lang="de-DE" dirty="0"/>
+          </a:p>
+        </p:txBody>
+      </p:sp>
+      <p:sp>
+        <p:nvSpPr>
+          <p:cNvPr id="5" name="Inhaltsplatzhalter 4"/>
+          <p:cNvSpPr>
+            <a:spLocks noGrp="1"/>
+          </p:cNvSpPr>
+          <p:nvPr>
+            <p:ph idx="1"/>
+          </p:nvPr>
+        </p:nvSpPr>
+        <p:spPr/>
+        <p:txBody>
+          <a:bodyPr/>
+          <a:lstStyle/>
+          <a:p>
+            <a:endParaRPr lang="de-DE"/>
+          </a:p>
+        </p:txBody>
+      </p:sp>
+    </p:spTree>
+    <p:extLst>
+      <p:ext uri="{BB962C8B-B14F-4D97-AF65-F5344CB8AC3E}">
+        <p14:creationId xmlns:p14="http://schemas.microsoft.com/office/powerpoint/2010/main" val="2577095990"/>
+      </p:ext>
+    </p:extLst>
+  </p:cSld>
+  <p:clrMapOvr>
+    <a:masterClrMapping/>
+  </p:clrMapOvr>
+  <p:transition spd="slow">
+    <p:push dir="u"/>
+  </p:transition>
+  <p:timing>
+    <p:tnLst>
+      <p:par>
+        <p:cTn id="1" dur="indefinite" restart="never" nodeType="tmRoot"/>
+      </p:par>
+    </p:tnLst>
+  </p:timing>
+</p:sld>
+</file>
+
 <file path=ppt/theme/theme1.xml><?xml version="1.0" encoding="utf-8"?>
 <a:theme xmlns:a="http://schemas.openxmlformats.org/drawingml/2006/main" name="Organisch">
   <a:themeElements>

--- a/doc/Präsentation/MEAN Notes.pptx
+++ b/doc/Präsentation/MEAN Notes.pptx
@@ -4,6 +4,9 @@
   <p:sldMasterIdLst>
     <p:sldMasterId id="2147483970" r:id="rId1"/>
   </p:sldMasterIdLst>
+  <p:notesMasterIdLst>
+    <p:notesMasterId r:id="rId14"/>
+  </p:notesMasterIdLst>
   <p:sldIdLst>
     <p:sldId id="256" r:id="rId2"/>
     <p:sldId id="257" r:id="rId3"/>
@@ -14,8 +17,9 @@
     <p:sldId id="263" r:id="rId8"/>
     <p:sldId id="264" r:id="rId9"/>
     <p:sldId id="265" r:id="rId10"/>
-    <p:sldId id="266" r:id="rId11"/>
-    <p:sldId id="267" r:id="rId12"/>
+    <p:sldId id="268" r:id="rId11"/>
+    <p:sldId id="266" r:id="rId12"/>
+    <p:sldId id="267" r:id="rId13"/>
   </p:sldIdLst>
   <p:sldSz cx="12192000" cy="6858000"/>
   <p:notesSz cx="6858000" cy="9144000"/>
@@ -1408,11 +1412,15 @@
         <a:p>
           <a:r>
             <a:rPr lang="de-DE" sz="1900" dirty="0" err="1" smtClean="0"/>
-            <a:t>caterories</a:t>
+            <a:t>categories</a:t>
           </a:r>
           <a:r>
             <a:rPr lang="de-DE" sz="1900" dirty="0" smtClean="0"/>
-            <a:t> : [ ]</a:t>
+            <a:t> </a:t>
+          </a:r>
+          <a:r>
+            <a:rPr lang="de-DE" sz="1900" dirty="0" smtClean="0"/>
+            <a:t>: [ ]</a:t>
           </a:r>
           <a:endParaRPr lang="de-DE" sz="1900" dirty="0"/>
         </a:p>
@@ -1670,11 +1678,15 @@
         <a:p>
           <a:r>
             <a:rPr lang="de-DE" sz="1900" dirty="0" err="1" smtClean="0"/>
-            <a:t>caterories</a:t>
+            <a:t>categories</a:t>
           </a:r>
           <a:r>
             <a:rPr lang="de-DE" sz="1900" dirty="0" smtClean="0"/>
-            <a:t> : [ ]</a:t>
+            <a:t> </a:t>
+          </a:r>
+          <a:r>
+            <a:rPr lang="de-DE" sz="1900" dirty="0" smtClean="0"/>
+            <a:t>: [ ]</a:t>
           </a:r>
           <a:endParaRPr lang="de-DE" sz="1900" dirty="0"/>
         </a:p>
@@ -1838,6 +1850,13 @@
         </dgm:presLayoutVars>
       </dgm:prSet>
       <dgm:spPr/>
+      <dgm:t>
+        <a:bodyPr/>
+        <a:lstStyle/>
+        <a:p>
+          <a:endParaRPr lang="de-DE"/>
+        </a:p>
+      </dgm:t>
     </dgm:pt>
     <dgm:pt modelId="{DAFE2E1E-AE37-4C40-BA41-14590B8EE766}" type="pres">
       <dgm:prSet presAssocID="{5AA5FD75-5C90-4429-96FE-EA28159F142D}" presName="composite" presStyleCnt="0"/>
@@ -1964,8 +1983,8 @@
     <dgm:cxn modelId="{5BF3E34A-AC80-4682-8403-46A529575F7A}" type="presOf" srcId="{B2C592FA-1A6D-4E4E-A9F6-662A3908022D}" destId="{FFF38D35-7D94-4F39-9648-B2AB98F610BE}" srcOrd="0" destOrd="1" presId="urn:microsoft.com/office/officeart/2005/8/layout/hList1"/>
     <dgm:cxn modelId="{07F64291-A92B-4C60-926C-39BD6C3E7452}" srcId="{0A180470-D629-4A2F-A707-AC08E7EE7821}" destId="{1C7766AA-29C1-428A-BEF5-8CE292095754}" srcOrd="0" destOrd="0" parTransId="{FDFC3CD1-1FDC-41D2-B700-F2FC3E7FD9D0}" sibTransId="{907716D9-1125-4DC6-ADC0-01ADE899796A}"/>
     <dgm:cxn modelId="{BBA16565-49A4-4D06-92F3-CB59CE2ED0E5}" srcId="{5AA5FD75-5C90-4429-96FE-EA28159F142D}" destId="{F7601433-8EAB-43F8-8E5A-0CC8D7C03C9C}" srcOrd="3" destOrd="0" parTransId="{ECFB8B93-93A8-447C-A4C8-E0A67BBDFD13}" sibTransId="{B707568B-EED8-439D-8D4E-8733E2FEE688}"/>
+    <dgm:cxn modelId="{399C1B78-D0B5-43B3-B982-9FAB982DECAD}" srcId="{45D67FC7-9484-4BD2-96D9-5DC0D4DC919F}" destId="{B2C592FA-1A6D-4E4E-A9F6-662A3908022D}" srcOrd="1" destOrd="0" parTransId="{A18EE425-83C3-47C1-A9B4-FF6282063EFA}" sibTransId="{774724CD-A5F5-46F6-9661-F1139E47DC06}"/>
     <dgm:cxn modelId="{2212B5D8-DD80-47D7-89D8-2E3EAE0B61A0}" type="presOf" srcId="{05C7682C-30BD-4F6B-8D3E-F795974ED1B1}" destId="{E2FEDD15-6C55-4357-B7C9-D7888B6098CA}" srcOrd="0" destOrd="2" presId="urn:microsoft.com/office/officeart/2005/8/layout/hList1"/>
-    <dgm:cxn modelId="{399C1B78-D0B5-43B3-B982-9FAB982DECAD}" srcId="{45D67FC7-9484-4BD2-96D9-5DC0D4DC919F}" destId="{B2C592FA-1A6D-4E4E-A9F6-662A3908022D}" srcOrd="1" destOrd="0" parTransId="{A18EE425-83C3-47C1-A9B4-FF6282063EFA}" sibTransId="{774724CD-A5F5-46F6-9661-F1139E47DC06}"/>
     <dgm:cxn modelId="{463A04E0-0E16-4E7B-A20B-0825754EC6D7}" srcId="{45D67FC7-9484-4BD2-96D9-5DC0D4DC919F}" destId="{7D1F6B58-A72A-43D8-9441-9AFAF2A7FBC3}" srcOrd="5" destOrd="0" parTransId="{9E2D9AB1-C208-4637-A70A-D0AAD3B62335}" sibTransId="{CD601143-3120-4D95-BAA6-56A57A6BE8CB}"/>
     <dgm:cxn modelId="{722C260F-26E4-489D-BBCD-4CE420722106}" type="presOf" srcId="{402C3787-C119-4975-B2C3-FDC33B51A950}" destId="{E2FEDD15-6C55-4357-B7C9-D7888B6098CA}" srcOrd="0" destOrd="3" presId="urn:microsoft.com/office/officeart/2005/8/layout/hList1"/>
     <dgm:cxn modelId="{AE5EDADB-7948-46B8-850C-8862EB92663F}" srcId="{5AA5FD75-5C90-4429-96FE-EA28159F142D}" destId="{C3379581-7EC1-4BC6-8381-BAFCA1887E1F}" srcOrd="0" destOrd="0" parTransId="{C895AC90-D1DA-45D1-8BDD-2F71CD8128F0}" sibTransId="{B98963D3-C707-40A2-BFF1-69D4253DF9B0}"/>
@@ -1976,8 +1995,8 @@
     <dgm:cxn modelId="{0577D253-1036-47A8-B810-A735390FEBE6}" srcId="{A6B4E31E-BF13-43E9-A8DF-1D0CED72AE2B}" destId="{0A180470-D629-4A2F-A707-AC08E7EE7821}" srcOrd="1" destOrd="0" parTransId="{E8C6D964-0C3D-4EE5-93FE-EB8BA448D4DC}" sibTransId="{AEB55458-9C91-4297-89D4-34C873B7BFA6}"/>
     <dgm:cxn modelId="{D39F9551-7A9C-4BBA-B9B5-58E7BD540672}" srcId="{45D67FC7-9484-4BD2-96D9-5DC0D4DC919F}" destId="{D43A8187-F70D-4382-97AF-2C1BAAAD39F2}" srcOrd="3" destOrd="0" parTransId="{B3AF1AFC-2EFD-470D-8334-5BB3800BEAE5}" sibTransId="{BA38E681-6A32-4A4F-9143-88D4B0706EAC}"/>
     <dgm:cxn modelId="{327244BB-FF70-480C-8140-C95AD341320E}" srcId="{0A180470-D629-4A2F-A707-AC08E7EE7821}" destId="{402C3787-C119-4975-B2C3-FDC33B51A950}" srcOrd="3" destOrd="0" parTransId="{6C90D17A-25EE-471C-B063-6FEBC0DB6C7E}" sibTransId="{8534571D-9358-468F-8107-890062D306FB}"/>
+    <dgm:cxn modelId="{5607A11E-0468-4EA4-B201-3E27E70E1982}" type="presOf" srcId="{C3379581-7EC1-4BC6-8381-BAFCA1887E1F}" destId="{F5E4AB33-7C02-4210-A409-8AD4743E5C7F}" srcOrd="0" destOrd="0" presId="urn:microsoft.com/office/officeart/2005/8/layout/hList1"/>
     <dgm:cxn modelId="{A5B0E6D2-FDF1-4B66-A937-34E78F3A23F4}" srcId="{45D67FC7-9484-4BD2-96D9-5DC0D4DC919F}" destId="{A2BFB9B8-DC9E-4DB2-A6FC-2E8A7188049F}" srcOrd="4" destOrd="0" parTransId="{01F339B7-F73F-4572-AB8B-4F804846FC8A}" sibTransId="{6EE000F8-9836-427C-94FC-658B005FF7FA}"/>
-    <dgm:cxn modelId="{5607A11E-0468-4EA4-B201-3E27E70E1982}" type="presOf" srcId="{C3379581-7EC1-4BC6-8381-BAFCA1887E1F}" destId="{F5E4AB33-7C02-4210-A409-8AD4743E5C7F}" srcOrd="0" destOrd="0" presId="urn:microsoft.com/office/officeart/2005/8/layout/hList1"/>
     <dgm:cxn modelId="{E4929EAA-58F6-4332-AB15-6A9CB3579A7D}" srcId="{B76DA727-A040-4538-8008-3CDD5AF6C4CD}" destId="{74DCB112-97B7-43B7-B971-E99A399335BB}" srcOrd="1" destOrd="0" parTransId="{C132FE06-D957-410B-891C-7E9D715895E2}" sibTransId="{3DB06AFA-5E0D-464A-B73D-EF233128865A}"/>
     <dgm:cxn modelId="{F77FF049-E61B-42EA-8C8E-9F2E95115064}" type="presOf" srcId="{7D1F6B58-A72A-43D8-9441-9AFAF2A7FBC3}" destId="{FFF38D35-7D94-4F39-9648-B2AB98F610BE}" srcOrd="0" destOrd="5" presId="urn:microsoft.com/office/officeart/2005/8/layout/hList1"/>
     <dgm:cxn modelId="{5F309194-1D4F-4428-BD83-CF4A32D3DD0B}" type="presOf" srcId="{45D67FC7-9484-4BD2-96D9-5DC0D4DC919F}" destId="{408356D3-9949-4E29-8747-B7EE15A2C512}" srcOrd="0" destOrd="0" presId="urn:microsoft.com/office/officeart/2005/8/layout/hList1"/>
@@ -1993,8 +2012,8 @@
     <dgm:cxn modelId="{A64AE706-5337-4E33-921C-F3A7DC78317B}" type="presOf" srcId="{4D15D454-5719-43AD-ABCB-88009645E105}" destId="{E2FEDD15-6C55-4357-B7C9-D7888B6098CA}" srcOrd="0" destOrd="4" presId="urn:microsoft.com/office/officeart/2005/8/layout/hList1"/>
     <dgm:cxn modelId="{BF47847D-E076-4325-B057-D7CDBECFFEAC}" type="presOf" srcId="{5AA5FD75-5C90-4429-96FE-EA28159F142D}" destId="{19E0F596-C569-49EE-A858-0212E44E8361}" srcOrd="0" destOrd="0" presId="urn:microsoft.com/office/officeart/2005/8/layout/hList1"/>
     <dgm:cxn modelId="{DD694FD2-C66C-4BBD-B4FC-2B82FFE3651A}" type="presOf" srcId="{0A180470-D629-4A2F-A707-AC08E7EE7821}" destId="{CEB00F75-F7C3-4B6C-8DA8-4BE0DDA62DD1}" srcOrd="0" destOrd="0" presId="urn:microsoft.com/office/officeart/2005/8/layout/hList1"/>
+    <dgm:cxn modelId="{9F665977-5822-484D-8DE1-963728038FAD}" type="presOf" srcId="{A1DBACA7-05CB-48CB-9B53-54FBCB2A5237}" destId="{E2FEDD15-6C55-4357-B7C9-D7888B6098CA}" srcOrd="0" destOrd="1" presId="urn:microsoft.com/office/officeart/2005/8/layout/hList1"/>
     <dgm:cxn modelId="{BA27A05B-FD7F-4922-99CF-4CC7281017F3}" type="presOf" srcId="{1C7766AA-29C1-428A-BEF5-8CE292095754}" destId="{E2FEDD15-6C55-4357-B7C9-D7888B6098CA}" srcOrd="0" destOrd="0" presId="urn:microsoft.com/office/officeart/2005/8/layout/hList1"/>
-    <dgm:cxn modelId="{9F665977-5822-484D-8DE1-963728038FAD}" type="presOf" srcId="{A1DBACA7-05CB-48CB-9B53-54FBCB2A5237}" destId="{E2FEDD15-6C55-4357-B7C9-D7888B6098CA}" srcOrd="0" destOrd="1" presId="urn:microsoft.com/office/officeart/2005/8/layout/hList1"/>
     <dgm:cxn modelId="{24F47EC5-40EB-4A7E-BF36-CF1B2EC345A0}" type="presOf" srcId="{844E8EA2-E497-4CA3-B913-F411BEDF9016}" destId="{FFF38D35-7D94-4F39-9648-B2AB98F610BE}" srcOrd="0" destOrd="7" presId="urn:microsoft.com/office/officeart/2005/8/layout/hList1"/>
     <dgm:cxn modelId="{23F1E98B-ABBC-4F70-A0CB-04E81DF0C8D2}" type="presOf" srcId="{26495795-AD98-421D-933B-5002B29E1146}" destId="{E2FEDD15-6C55-4357-B7C9-D7888B6098CA}" srcOrd="0" destOrd="5" presId="urn:microsoft.com/office/officeart/2005/8/layout/hList1"/>
     <dgm:cxn modelId="{AE71030A-1423-47FE-B3FA-C158896A68C8}" srcId="{5AA5FD75-5C90-4429-96FE-EA28159F142D}" destId="{28DA6E57-6E4A-46E2-8F73-AB7912C84143}" srcOrd="2" destOrd="0" parTransId="{375877AB-1F99-4D60-B5EC-F6E910E9DEAD}" sibTransId="{95EBC766-07AF-44C1-BC8F-52303DEBD8A7}"/>
@@ -2018,7 +2037,7 @@
   <dgm:whole/>
   <dgm:extLst>
     <a:ext uri="http://schemas.microsoft.com/office/drawing/2008/diagram">
-      <dsp:dataModelExt xmlns:dsp="http://schemas.microsoft.com/office/drawing/2008/diagram" relId="rId6" minVer="http://schemas.openxmlformats.org/drawingml/2006/diagram"/>
+      <dsp:dataModelExt xmlns:dsp="http://schemas.microsoft.com/office/drawing/2008/diagram" relId="rId7" minVer="http://schemas.openxmlformats.org/drawingml/2006/diagram"/>
     </a:ext>
   </dgm:extLst>
 </dgm:dataModel>
@@ -2552,11 +2571,15 @@
           </a:pPr>
           <a:r>
             <a:rPr lang="de-DE" sz="1900" kern="1200" dirty="0" err="1" smtClean="0"/>
-            <a:t>caterories</a:t>
+            <a:t>categories</a:t>
           </a:r>
           <a:r>
             <a:rPr lang="de-DE" sz="1900" kern="1200" dirty="0" smtClean="0"/>
-            <a:t> : [ ]</a:t>
+            <a:t> </a:t>
+          </a:r>
+          <a:r>
+            <a:rPr lang="de-DE" sz="1900" kern="1200" dirty="0" smtClean="0"/>
+            <a:t>: [ ]</a:t>
           </a:r>
           <a:endParaRPr lang="de-DE" sz="1900" kern="1200" dirty="0"/>
         </a:p>
@@ -2952,11 +2975,15 @@
           </a:pPr>
           <a:r>
             <a:rPr lang="de-DE" sz="1900" kern="1200" dirty="0" err="1" smtClean="0"/>
-            <a:t>caterories</a:t>
+            <a:t>categories</a:t>
           </a:r>
           <a:r>
             <a:rPr lang="de-DE" sz="1900" kern="1200" dirty="0" smtClean="0"/>
-            <a:t> : [ ]</a:t>
+            <a:t> </a:t>
+          </a:r>
+          <a:r>
+            <a:rPr lang="de-DE" sz="1900" kern="1200" dirty="0" smtClean="0"/>
+            <a:t>: [ ]</a:t>
           </a:r>
           <a:endParaRPr lang="de-DE" sz="1900" kern="1200" dirty="0"/>
         </a:p>
@@ -4263,6 +4290,1128 @@
 </dgm:styleDef>
 </file>
 
+<file path=ppt/notesMasters/notesMaster1.xml><?xml version="1.0" encoding="utf-8"?>
+<p:notesMaster xmlns:a="http://schemas.openxmlformats.org/drawingml/2006/main" xmlns:r="http://schemas.openxmlformats.org/officeDocument/2006/relationships" xmlns:p="http://schemas.openxmlformats.org/presentationml/2006/main">
+  <p:cSld>
+    <p:bg>
+      <p:bgRef idx="1001">
+        <a:schemeClr val="bg1"/>
+      </p:bgRef>
+    </p:bg>
+    <p:spTree>
+      <p:nvGrpSpPr>
+        <p:cNvPr id="1" name=""/>
+        <p:cNvGrpSpPr/>
+        <p:nvPr/>
+      </p:nvGrpSpPr>
+      <p:grpSpPr>
+        <a:xfrm>
+          <a:off x="0" y="0"/>
+          <a:ext cx="0" cy="0"/>
+          <a:chOff x="0" y="0"/>
+          <a:chExt cx="0" cy="0"/>
+        </a:xfrm>
+      </p:grpSpPr>
+      <p:sp>
+        <p:nvSpPr>
+          <p:cNvPr id="2" name="Kopfzeilenplatzhalter 1"/>
+          <p:cNvSpPr>
+            <a:spLocks noGrp="1"/>
+          </p:cNvSpPr>
+          <p:nvPr>
+            <p:ph type="hdr" sz="quarter"/>
+          </p:nvPr>
+        </p:nvSpPr>
+        <p:spPr>
+          <a:xfrm>
+            <a:off x="0" y="0"/>
+            <a:ext cx="2971800" cy="458788"/>
+          </a:xfrm>
+          <a:prstGeom prst="rect">
+            <a:avLst/>
+          </a:prstGeom>
+        </p:spPr>
+        <p:txBody>
+          <a:bodyPr vert="horz" lIns="91440" tIns="45720" rIns="91440" bIns="45720" rtlCol="0"/>
+          <a:lstStyle>
+            <a:lvl1pPr algn="l">
+              <a:defRPr sz="1200"/>
+            </a:lvl1pPr>
+          </a:lstStyle>
+          <a:p>
+            <a:endParaRPr lang="de-DE"/>
+          </a:p>
+        </p:txBody>
+      </p:sp>
+      <p:sp>
+        <p:nvSpPr>
+          <p:cNvPr id="3" name="Datumsplatzhalter 2"/>
+          <p:cNvSpPr>
+            <a:spLocks noGrp="1"/>
+          </p:cNvSpPr>
+          <p:nvPr>
+            <p:ph type="dt" idx="1"/>
+          </p:nvPr>
+        </p:nvSpPr>
+        <p:spPr>
+          <a:xfrm>
+            <a:off x="3884613" y="0"/>
+            <a:ext cx="2971800" cy="458788"/>
+          </a:xfrm>
+          <a:prstGeom prst="rect">
+            <a:avLst/>
+          </a:prstGeom>
+        </p:spPr>
+        <p:txBody>
+          <a:bodyPr vert="horz" lIns="91440" tIns="45720" rIns="91440" bIns="45720" rtlCol="0"/>
+          <a:lstStyle>
+            <a:lvl1pPr algn="r">
+              <a:defRPr sz="1200"/>
+            </a:lvl1pPr>
+          </a:lstStyle>
+          <a:p>
+            <a:fld id="{9533D94C-F366-49B4-85A2-9678B09A1231}" type="datetimeFigureOut">
+              <a:rPr lang="de-DE" smtClean="0"/>
+              <a:t>10.02.2016</a:t>
+            </a:fld>
+            <a:endParaRPr lang="de-DE"/>
+          </a:p>
+        </p:txBody>
+      </p:sp>
+      <p:sp>
+        <p:nvSpPr>
+          <p:cNvPr id="4" name="Folienbildplatzhalter 3"/>
+          <p:cNvSpPr>
+            <a:spLocks noGrp="1" noRot="1" noChangeAspect="1"/>
+          </p:cNvSpPr>
+          <p:nvPr>
+            <p:ph type="sldImg" idx="2"/>
+          </p:nvPr>
+        </p:nvSpPr>
+        <p:spPr>
+          <a:xfrm>
+            <a:off x="685800" y="1143000"/>
+            <a:ext cx="5486400" cy="3086100"/>
+          </a:xfrm>
+          <a:prstGeom prst="rect">
+            <a:avLst/>
+          </a:prstGeom>
+          <a:noFill/>
+          <a:ln w="12700">
+            <a:solidFill>
+              <a:prstClr val="black"/>
+            </a:solidFill>
+          </a:ln>
+        </p:spPr>
+        <p:txBody>
+          <a:bodyPr vert="horz" lIns="91440" tIns="45720" rIns="91440" bIns="45720" rtlCol="0" anchor="ctr"/>
+          <a:lstStyle/>
+          <a:p>
+            <a:endParaRPr lang="de-DE"/>
+          </a:p>
+        </p:txBody>
+      </p:sp>
+      <p:sp>
+        <p:nvSpPr>
+          <p:cNvPr id="5" name="Notizenplatzhalter 4"/>
+          <p:cNvSpPr>
+            <a:spLocks noGrp="1"/>
+          </p:cNvSpPr>
+          <p:nvPr>
+            <p:ph type="body" sz="quarter" idx="3"/>
+          </p:nvPr>
+        </p:nvSpPr>
+        <p:spPr>
+          <a:xfrm>
+            <a:off x="685800" y="4400550"/>
+            <a:ext cx="5486400" cy="3600450"/>
+          </a:xfrm>
+          <a:prstGeom prst="rect">
+            <a:avLst/>
+          </a:prstGeom>
+        </p:spPr>
+        <p:txBody>
+          <a:bodyPr vert="horz" lIns="91440" tIns="45720" rIns="91440" bIns="45720" rtlCol="0"/>
+          <a:lstStyle/>
+          <a:p>
+            <a:pPr lvl="0"/>
+            <a:r>
+              <a:rPr lang="de-DE" smtClean="0"/>
+              <a:t>Textmasterformat bearbeiten</a:t>
+            </a:r>
+          </a:p>
+          <a:p>
+            <a:pPr lvl="1"/>
+            <a:r>
+              <a:rPr lang="de-DE" smtClean="0"/>
+              <a:t>Zweite Ebene</a:t>
+            </a:r>
+          </a:p>
+          <a:p>
+            <a:pPr lvl="2"/>
+            <a:r>
+              <a:rPr lang="de-DE" smtClean="0"/>
+              <a:t>Dritte Ebene</a:t>
+            </a:r>
+          </a:p>
+          <a:p>
+            <a:pPr lvl="3"/>
+            <a:r>
+              <a:rPr lang="de-DE" smtClean="0"/>
+              <a:t>Vierte Ebene</a:t>
+            </a:r>
+          </a:p>
+          <a:p>
+            <a:pPr lvl="4"/>
+            <a:r>
+              <a:rPr lang="de-DE" smtClean="0"/>
+              <a:t>Fünfte Ebene</a:t>
+            </a:r>
+            <a:endParaRPr lang="de-DE"/>
+          </a:p>
+        </p:txBody>
+      </p:sp>
+      <p:sp>
+        <p:nvSpPr>
+          <p:cNvPr id="6" name="Fußzeilenplatzhalter 5"/>
+          <p:cNvSpPr>
+            <a:spLocks noGrp="1"/>
+          </p:cNvSpPr>
+          <p:nvPr>
+            <p:ph type="ftr" sz="quarter" idx="4"/>
+          </p:nvPr>
+        </p:nvSpPr>
+        <p:spPr>
+          <a:xfrm>
+            <a:off x="0" y="8685213"/>
+            <a:ext cx="2971800" cy="458787"/>
+          </a:xfrm>
+          <a:prstGeom prst="rect">
+            <a:avLst/>
+          </a:prstGeom>
+        </p:spPr>
+        <p:txBody>
+          <a:bodyPr vert="horz" lIns="91440" tIns="45720" rIns="91440" bIns="45720" rtlCol="0" anchor="b"/>
+          <a:lstStyle>
+            <a:lvl1pPr algn="l">
+              <a:defRPr sz="1200"/>
+            </a:lvl1pPr>
+          </a:lstStyle>
+          <a:p>
+            <a:endParaRPr lang="de-DE"/>
+          </a:p>
+        </p:txBody>
+      </p:sp>
+      <p:sp>
+        <p:nvSpPr>
+          <p:cNvPr id="7" name="Foliennummernplatzhalter 6"/>
+          <p:cNvSpPr>
+            <a:spLocks noGrp="1"/>
+          </p:cNvSpPr>
+          <p:nvPr>
+            <p:ph type="sldNum" sz="quarter" idx="5"/>
+          </p:nvPr>
+        </p:nvSpPr>
+        <p:spPr>
+          <a:xfrm>
+            <a:off x="3884613" y="8685213"/>
+            <a:ext cx="2971800" cy="458787"/>
+          </a:xfrm>
+          <a:prstGeom prst="rect">
+            <a:avLst/>
+          </a:prstGeom>
+        </p:spPr>
+        <p:txBody>
+          <a:bodyPr vert="horz" lIns="91440" tIns="45720" rIns="91440" bIns="45720" rtlCol="0" anchor="b"/>
+          <a:lstStyle>
+            <a:lvl1pPr algn="r">
+              <a:defRPr sz="1200"/>
+            </a:lvl1pPr>
+          </a:lstStyle>
+          <a:p>
+            <a:fld id="{14BEC569-9E05-4323-A98C-4047FABAF080}" type="slidenum">
+              <a:rPr lang="de-DE" smtClean="0"/>
+              <a:t>‹Nr.›</a:t>
+            </a:fld>
+            <a:endParaRPr lang="de-DE"/>
+          </a:p>
+        </p:txBody>
+      </p:sp>
+    </p:spTree>
+    <p:extLst>
+      <p:ext uri="{BB962C8B-B14F-4D97-AF65-F5344CB8AC3E}">
+        <p14:creationId xmlns:p14="http://schemas.microsoft.com/office/powerpoint/2010/main" val="2164897224"/>
+      </p:ext>
+    </p:extLst>
+  </p:cSld>
+  <p:clrMap bg1="lt1" tx1="dk1" bg2="lt2" tx2="dk2" accent1="accent1" accent2="accent2" accent3="accent3" accent4="accent4" accent5="accent5" accent6="accent6" hlink="hlink" folHlink="folHlink"/>
+  <p:notesStyle>
+    <a:lvl1pPr marL="0" algn="l" defTabSz="914400" rtl="0" eaLnBrk="1" latinLnBrk="0" hangingPunct="1">
+      <a:defRPr sz="1200" kern="1200">
+        <a:solidFill>
+          <a:schemeClr val="tx1"/>
+        </a:solidFill>
+        <a:latin typeface="+mn-lt"/>
+        <a:ea typeface="+mn-ea"/>
+        <a:cs typeface="+mn-cs"/>
+      </a:defRPr>
+    </a:lvl1pPr>
+    <a:lvl2pPr marL="457200" algn="l" defTabSz="914400" rtl="0" eaLnBrk="1" latinLnBrk="0" hangingPunct="1">
+      <a:defRPr sz="1200" kern="1200">
+        <a:solidFill>
+          <a:schemeClr val="tx1"/>
+        </a:solidFill>
+        <a:latin typeface="+mn-lt"/>
+        <a:ea typeface="+mn-ea"/>
+        <a:cs typeface="+mn-cs"/>
+      </a:defRPr>
+    </a:lvl2pPr>
+    <a:lvl3pPr marL="914400" algn="l" defTabSz="914400" rtl="0" eaLnBrk="1" latinLnBrk="0" hangingPunct="1">
+      <a:defRPr sz="1200" kern="1200">
+        <a:solidFill>
+          <a:schemeClr val="tx1"/>
+        </a:solidFill>
+        <a:latin typeface="+mn-lt"/>
+        <a:ea typeface="+mn-ea"/>
+        <a:cs typeface="+mn-cs"/>
+      </a:defRPr>
+    </a:lvl3pPr>
+    <a:lvl4pPr marL="1371600" algn="l" defTabSz="914400" rtl="0" eaLnBrk="1" latinLnBrk="0" hangingPunct="1">
+      <a:defRPr sz="1200" kern="1200">
+        <a:solidFill>
+          <a:schemeClr val="tx1"/>
+        </a:solidFill>
+        <a:latin typeface="+mn-lt"/>
+        <a:ea typeface="+mn-ea"/>
+        <a:cs typeface="+mn-cs"/>
+      </a:defRPr>
+    </a:lvl4pPr>
+    <a:lvl5pPr marL="1828800" algn="l" defTabSz="914400" rtl="0" eaLnBrk="1" latinLnBrk="0" hangingPunct="1">
+      <a:defRPr sz="1200" kern="1200">
+        <a:solidFill>
+          <a:schemeClr val="tx1"/>
+        </a:solidFill>
+        <a:latin typeface="+mn-lt"/>
+        <a:ea typeface="+mn-ea"/>
+        <a:cs typeface="+mn-cs"/>
+      </a:defRPr>
+    </a:lvl5pPr>
+    <a:lvl6pPr marL="2286000" algn="l" defTabSz="914400" rtl="0" eaLnBrk="1" latinLnBrk="0" hangingPunct="1">
+      <a:defRPr sz="1200" kern="1200">
+        <a:solidFill>
+          <a:schemeClr val="tx1"/>
+        </a:solidFill>
+        <a:latin typeface="+mn-lt"/>
+        <a:ea typeface="+mn-ea"/>
+        <a:cs typeface="+mn-cs"/>
+      </a:defRPr>
+    </a:lvl6pPr>
+    <a:lvl7pPr marL="2743200" algn="l" defTabSz="914400" rtl="0" eaLnBrk="1" latinLnBrk="0" hangingPunct="1">
+      <a:defRPr sz="1200" kern="1200">
+        <a:solidFill>
+          <a:schemeClr val="tx1"/>
+        </a:solidFill>
+        <a:latin typeface="+mn-lt"/>
+        <a:ea typeface="+mn-ea"/>
+        <a:cs typeface="+mn-cs"/>
+      </a:defRPr>
+    </a:lvl7pPr>
+    <a:lvl8pPr marL="3200400" algn="l" defTabSz="914400" rtl="0" eaLnBrk="1" latinLnBrk="0" hangingPunct="1">
+      <a:defRPr sz="1200" kern="1200">
+        <a:solidFill>
+          <a:schemeClr val="tx1"/>
+        </a:solidFill>
+        <a:latin typeface="+mn-lt"/>
+        <a:ea typeface="+mn-ea"/>
+        <a:cs typeface="+mn-cs"/>
+      </a:defRPr>
+    </a:lvl8pPr>
+    <a:lvl9pPr marL="3657600" algn="l" defTabSz="914400" rtl="0" eaLnBrk="1" latinLnBrk="0" hangingPunct="1">
+      <a:defRPr sz="1200" kern="1200">
+        <a:solidFill>
+          <a:schemeClr val="tx1"/>
+        </a:solidFill>
+        <a:latin typeface="+mn-lt"/>
+        <a:ea typeface="+mn-ea"/>
+        <a:cs typeface="+mn-cs"/>
+      </a:defRPr>
+    </a:lvl9pPr>
+  </p:notesStyle>
+</p:notesMaster>
+</file>
+
+<file path=ppt/notesSlides/notesSlide1.xml><?xml version="1.0" encoding="utf-8"?>
+<p:notes xmlns:a="http://schemas.openxmlformats.org/drawingml/2006/main" xmlns:r="http://schemas.openxmlformats.org/officeDocument/2006/relationships" xmlns:p="http://schemas.openxmlformats.org/presentationml/2006/main">
+  <p:cSld>
+    <p:spTree>
+      <p:nvGrpSpPr>
+        <p:cNvPr id="1" name=""/>
+        <p:cNvGrpSpPr/>
+        <p:nvPr/>
+      </p:nvGrpSpPr>
+      <p:grpSpPr>
+        <a:xfrm>
+          <a:off x="0" y="0"/>
+          <a:ext cx="0" cy="0"/>
+          <a:chOff x="0" y="0"/>
+          <a:chExt cx="0" cy="0"/>
+        </a:xfrm>
+      </p:grpSpPr>
+      <p:sp>
+        <p:nvSpPr>
+          <p:cNvPr id="2" name="Folienbildplatzhalter 1"/>
+          <p:cNvSpPr>
+            <a:spLocks noGrp="1" noRot="1" noChangeAspect="1"/>
+          </p:cNvSpPr>
+          <p:nvPr>
+            <p:ph type="sldImg"/>
+          </p:nvPr>
+        </p:nvSpPr>
+        <p:spPr/>
+      </p:sp>
+      <p:sp>
+        <p:nvSpPr>
+          <p:cNvPr id="3" name="Notizenplatzhalter 2"/>
+          <p:cNvSpPr>
+            <a:spLocks noGrp="1"/>
+          </p:cNvSpPr>
+          <p:nvPr>
+            <p:ph type="body" idx="1"/>
+          </p:nvPr>
+        </p:nvSpPr>
+        <p:spPr/>
+        <p:txBody>
+          <a:bodyPr/>
+          <a:lstStyle/>
+          <a:p>
+            <a:r>
+              <a:rPr lang="de-DE" dirty="0" smtClean="0"/>
+              <a:t>Haben uns folgendes Inhaltsverzeichnis</a:t>
+            </a:r>
+            <a:r>
+              <a:rPr lang="de-DE" baseline="0" dirty="0" smtClean="0"/>
+              <a:t> überlegt …</a:t>
+            </a:r>
+            <a:endParaRPr lang="de-DE" dirty="0"/>
+          </a:p>
+        </p:txBody>
+      </p:sp>
+      <p:sp>
+        <p:nvSpPr>
+          <p:cNvPr id="4" name="Foliennummernplatzhalter 3"/>
+          <p:cNvSpPr>
+            <a:spLocks noGrp="1"/>
+          </p:cNvSpPr>
+          <p:nvPr>
+            <p:ph type="sldNum" sz="quarter" idx="10"/>
+          </p:nvPr>
+        </p:nvSpPr>
+        <p:spPr/>
+        <p:txBody>
+          <a:bodyPr/>
+          <a:lstStyle/>
+          <a:p>
+            <a:fld id="{14BEC569-9E05-4323-A98C-4047FABAF080}" type="slidenum">
+              <a:rPr lang="de-DE" smtClean="0"/>
+              <a:t>2</a:t>
+            </a:fld>
+            <a:endParaRPr lang="de-DE"/>
+          </a:p>
+        </p:txBody>
+      </p:sp>
+    </p:spTree>
+    <p:extLst>
+      <p:ext uri="{BB962C8B-B14F-4D97-AF65-F5344CB8AC3E}">
+        <p14:creationId xmlns:p14="http://schemas.microsoft.com/office/powerpoint/2010/main" val="794646333"/>
+      </p:ext>
+    </p:extLst>
+  </p:cSld>
+  <p:clrMapOvr>
+    <a:masterClrMapping/>
+  </p:clrMapOvr>
+</p:notes>
+</file>
+
+<file path=ppt/notesSlides/notesSlide2.xml><?xml version="1.0" encoding="utf-8"?>
+<p:notes xmlns:a="http://schemas.openxmlformats.org/drawingml/2006/main" xmlns:r="http://schemas.openxmlformats.org/officeDocument/2006/relationships" xmlns:p="http://schemas.openxmlformats.org/presentationml/2006/main">
+  <p:cSld>
+    <p:spTree>
+      <p:nvGrpSpPr>
+        <p:cNvPr id="1" name=""/>
+        <p:cNvGrpSpPr/>
+        <p:nvPr/>
+      </p:nvGrpSpPr>
+      <p:grpSpPr>
+        <a:xfrm>
+          <a:off x="0" y="0"/>
+          <a:ext cx="0" cy="0"/>
+          <a:chOff x="0" y="0"/>
+          <a:chExt cx="0" cy="0"/>
+        </a:xfrm>
+      </p:grpSpPr>
+      <p:sp>
+        <p:nvSpPr>
+          <p:cNvPr id="2" name="Folienbildplatzhalter 1"/>
+          <p:cNvSpPr>
+            <a:spLocks noGrp="1" noRot="1" noChangeAspect="1"/>
+          </p:cNvSpPr>
+          <p:nvPr>
+            <p:ph type="sldImg"/>
+          </p:nvPr>
+        </p:nvSpPr>
+        <p:spPr/>
+      </p:sp>
+      <p:sp>
+        <p:nvSpPr>
+          <p:cNvPr id="3" name="Notizenplatzhalter 2"/>
+          <p:cNvSpPr>
+            <a:spLocks noGrp="1"/>
+          </p:cNvSpPr>
+          <p:nvPr>
+            <p:ph type="body" idx="1"/>
+          </p:nvPr>
+        </p:nvSpPr>
+        <p:spPr/>
+        <p:txBody>
+          <a:bodyPr/>
+          <a:lstStyle/>
+          <a:p>
+            <a:r>
+              <a:rPr lang="de-DE" dirty="0" err="1" smtClean="0"/>
+              <a:t>Mockups</a:t>
+            </a:r>
+            <a:r>
+              <a:rPr lang="de-DE" dirty="0" smtClean="0"/>
+              <a:t> mit Proto.io erstellt</a:t>
+            </a:r>
+          </a:p>
+          <a:p>
+            <a:endParaRPr lang="de-DE" dirty="0" smtClean="0"/>
+          </a:p>
+          <a:p>
+            <a:r>
+              <a:rPr lang="de-DE" dirty="0" smtClean="0"/>
+              <a:t>Vorteile: </a:t>
+            </a:r>
+          </a:p>
+          <a:p>
+            <a:pPr marL="171450" indent="-171450">
+              <a:buFont typeface="Arial" panose="020B0604020202020204" pitchFamily="34" charset="0"/>
+              <a:buChar char="•"/>
+            </a:pPr>
+            <a:r>
+              <a:rPr lang="de-DE" dirty="0" err="1" smtClean="0"/>
+              <a:t>Mockup</a:t>
+            </a:r>
+            <a:r>
+              <a:rPr lang="de-DE" dirty="0" smtClean="0"/>
+              <a:t> im Material-Design</a:t>
+            </a:r>
+          </a:p>
+          <a:p>
+            <a:pPr marL="171450" indent="-171450">
+              <a:buFont typeface="Arial" panose="020B0604020202020204" pitchFamily="34" charset="0"/>
+              <a:buChar char="•"/>
+            </a:pPr>
+            <a:r>
+              <a:rPr lang="de-DE" dirty="0" smtClean="0"/>
+              <a:t>Interaktiv</a:t>
+            </a:r>
+          </a:p>
+          <a:p>
+            <a:pPr marL="171450" indent="-171450">
+              <a:buFont typeface="Arial" panose="020B0604020202020204" pitchFamily="34" charset="0"/>
+              <a:buChar char="•"/>
+            </a:pPr>
+            <a:r>
+              <a:rPr lang="de-DE" dirty="0" smtClean="0"/>
+              <a:t>Schön</a:t>
+            </a:r>
+          </a:p>
+          <a:p>
+            <a:endParaRPr lang="de-DE" dirty="0" smtClean="0"/>
+          </a:p>
+          <a:p>
+            <a:endParaRPr lang="de-DE" dirty="0"/>
+          </a:p>
+        </p:txBody>
+      </p:sp>
+      <p:sp>
+        <p:nvSpPr>
+          <p:cNvPr id="4" name="Foliennummernplatzhalter 3"/>
+          <p:cNvSpPr>
+            <a:spLocks noGrp="1"/>
+          </p:cNvSpPr>
+          <p:nvPr>
+            <p:ph type="sldNum" sz="quarter" idx="10"/>
+          </p:nvPr>
+        </p:nvSpPr>
+        <p:spPr/>
+        <p:txBody>
+          <a:bodyPr/>
+          <a:lstStyle/>
+          <a:p>
+            <a:fld id="{14BEC569-9E05-4323-A98C-4047FABAF080}" type="slidenum">
+              <a:rPr lang="de-DE" smtClean="0"/>
+              <a:t>5</a:t>
+            </a:fld>
+            <a:endParaRPr lang="de-DE"/>
+          </a:p>
+        </p:txBody>
+      </p:sp>
+    </p:spTree>
+    <p:extLst>
+      <p:ext uri="{BB962C8B-B14F-4D97-AF65-F5344CB8AC3E}">
+        <p14:creationId xmlns:p14="http://schemas.microsoft.com/office/powerpoint/2010/main" val="1761719000"/>
+      </p:ext>
+    </p:extLst>
+  </p:cSld>
+  <p:clrMapOvr>
+    <a:masterClrMapping/>
+  </p:clrMapOvr>
+</p:notes>
+</file>
+
+<file path=ppt/notesSlides/notesSlide3.xml><?xml version="1.0" encoding="utf-8"?>
+<p:notes xmlns:a="http://schemas.openxmlformats.org/drawingml/2006/main" xmlns:r="http://schemas.openxmlformats.org/officeDocument/2006/relationships" xmlns:p="http://schemas.openxmlformats.org/presentationml/2006/main">
+  <p:cSld>
+    <p:spTree>
+      <p:nvGrpSpPr>
+        <p:cNvPr id="1" name=""/>
+        <p:cNvGrpSpPr/>
+        <p:nvPr/>
+      </p:nvGrpSpPr>
+      <p:grpSpPr>
+        <a:xfrm>
+          <a:off x="0" y="0"/>
+          <a:ext cx="0" cy="0"/>
+          <a:chOff x="0" y="0"/>
+          <a:chExt cx="0" cy="0"/>
+        </a:xfrm>
+      </p:grpSpPr>
+      <p:sp>
+        <p:nvSpPr>
+          <p:cNvPr id="2" name="Folienbildplatzhalter 1"/>
+          <p:cNvSpPr>
+            <a:spLocks noGrp="1" noRot="1" noChangeAspect="1"/>
+          </p:cNvSpPr>
+          <p:nvPr>
+            <p:ph type="sldImg"/>
+          </p:nvPr>
+        </p:nvSpPr>
+        <p:spPr/>
+      </p:sp>
+      <p:sp>
+        <p:nvSpPr>
+          <p:cNvPr id="3" name="Notizenplatzhalter 2"/>
+          <p:cNvSpPr>
+            <a:spLocks noGrp="1"/>
+          </p:cNvSpPr>
+          <p:nvPr>
+            <p:ph type="body" idx="1"/>
+          </p:nvPr>
+        </p:nvSpPr>
+        <p:spPr/>
+        <p:txBody>
+          <a:bodyPr/>
+          <a:lstStyle/>
+          <a:p>
+            <a:r>
+              <a:rPr lang="de-DE" dirty="0" smtClean="0"/>
+              <a:t>Hier sieht man Interaktivität</a:t>
+            </a:r>
+          </a:p>
+          <a:p>
+            <a:endParaRPr lang="de-DE" dirty="0"/>
+          </a:p>
+        </p:txBody>
+      </p:sp>
+      <p:sp>
+        <p:nvSpPr>
+          <p:cNvPr id="4" name="Foliennummernplatzhalter 3"/>
+          <p:cNvSpPr>
+            <a:spLocks noGrp="1"/>
+          </p:cNvSpPr>
+          <p:nvPr>
+            <p:ph type="sldNum" sz="quarter" idx="10"/>
+          </p:nvPr>
+        </p:nvSpPr>
+        <p:spPr/>
+        <p:txBody>
+          <a:bodyPr/>
+          <a:lstStyle/>
+          <a:p>
+            <a:fld id="{14BEC569-9E05-4323-A98C-4047FABAF080}" type="slidenum">
+              <a:rPr lang="de-DE" smtClean="0"/>
+              <a:t>6</a:t>
+            </a:fld>
+            <a:endParaRPr lang="de-DE"/>
+          </a:p>
+        </p:txBody>
+      </p:sp>
+    </p:spTree>
+    <p:extLst>
+      <p:ext uri="{BB962C8B-B14F-4D97-AF65-F5344CB8AC3E}">
+        <p14:creationId xmlns:p14="http://schemas.microsoft.com/office/powerpoint/2010/main" val="3495113416"/>
+      </p:ext>
+    </p:extLst>
+  </p:cSld>
+  <p:clrMapOvr>
+    <a:masterClrMapping/>
+  </p:clrMapOvr>
+</p:notes>
+</file>
+
+<file path=ppt/notesSlides/notesSlide4.xml><?xml version="1.0" encoding="utf-8"?>
+<p:notes xmlns:a="http://schemas.openxmlformats.org/drawingml/2006/main" xmlns:r="http://schemas.openxmlformats.org/officeDocument/2006/relationships" xmlns:p="http://schemas.openxmlformats.org/presentationml/2006/main">
+  <p:cSld>
+    <p:spTree>
+      <p:nvGrpSpPr>
+        <p:cNvPr id="1" name=""/>
+        <p:cNvGrpSpPr/>
+        <p:nvPr/>
+      </p:nvGrpSpPr>
+      <p:grpSpPr>
+        <a:xfrm>
+          <a:off x="0" y="0"/>
+          <a:ext cx="0" cy="0"/>
+          <a:chOff x="0" y="0"/>
+          <a:chExt cx="0" cy="0"/>
+        </a:xfrm>
+      </p:grpSpPr>
+      <p:sp>
+        <p:nvSpPr>
+          <p:cNvPr id="2" name="Folienbildplatzhalter 1"/>
+          <p:cNvSpPr>
+            <a:spLocks noGrp="1" noRot="1" noChangeAspect="1"/>
+          </p:cNvSpPr>
+          <p:nvPr>
+            <p:ph type="sldImg"/>
+          </p:nvPr>
+        </p:nvSpPr>
+        <p:spPr/>
+      </p:sp>
+      <p:sp>
+        <p:nvSpPr>
+          <p:cNvPr id="3" name="Notizenplatzhalter 2"/>
+          <p:cNvSpPr>
+            <a:spLocks noGrp="1"/>
+          </p:cNvSpPr>
+          <p:nvPr>
+            <p:ph type="body" idx="1"/>
+          </p:nvPr>
+        </p:nvSpPr>
+        <p:spPr/>
+        <p:txBody>
+          <a:bodyPr/>
+          <a:lstStyle/>
+          <a:p>
+            <a:r>
+              <a:rPr lang="de-DE" dirty="0" smtClean="0"/>
+              <a:t>3 </a:t>
+            </a:r>
+            <a:r>
+              <a:rPr lang="de-DE" dirty="0" err="1" smtClean="0"/>
+              <a:t>collections</a:t>
+            </a:r>
+            <a:endParaRPr lang="de-DE" dirty="0" smtClean="0"/>
+          </a:p>
+          <a:p>
+            <a:r>
+              <a:rPr lang="de-DE" dirty="0" smtClean="0"/>
+              <a:t>User</a:t>
+            </a:r>
+            <a:r>
+              <a:rPr lang="de-DE" baseline="0" dirty="0" smtClean="0"/>
+              <a:t> -&gt; </a:t>
+            </a:r>
+            <a:r>
+              <a:rPr lang="de-DE" baseline="0" dirty="0" err="1" smtClean="0"/>
+              <a:t>notes.user</a:t>
+            </a:r>
+            <a:endParaRPr lang="de-DE" dirty="0" smtClean="0"/>
+          </a:p>
+          <a:p>
+            <a:endParaRPr lang="de-DE" dirty="0" smtClean="0"/>
+          </a:p>
+          <a:p>
+            <a:r>
+              <a:rPr lang="de-DE" dirty="0" smtClean="0"/>
+              <a:t>_</a:t>
+            </a:r>
+            <a:r>
+              <a:rPr lang="de-DE" dirty="0" err="1" smtClean="0"/>
+              <a:t>id</a:t>
+            </a:r>
+            <a:r>
+              <a:rPr lang="de-DE" baseline="0" dirty="0" smtClean="0"/>
+              <a:t> = </a:t>
+            </a:r>
+            <a:r>
+              <a:rPr lang="de-DE" baseline="0" dirty="0" err="1" smtClean="0"/>
+              <a:t>unique</a:t>
+            </a:r>
+            <a:endParaRPr lang="de-DE" baseline="0" dirty="0" smtClean="0"/>
+          </a:p>
+          <a:p>
+            <a:r>
+              <a:rPr lang="de-DE" baseline="0" dirty="0" err="1" smtClean="0"/>
+              <a:t>User.email</a:t>
+            </a:r>
+            <a:r>
+              <a:rPr lang="de-DE" baseline="0" dirty="0" smtClean="0"/>
+              <a:t> = </a:t>
+            </a:r>
+            <a:r>
+              <a:rPr lang="de-DE" baseline="0" dirty="0" err="1" smtClean="0"/>
+              <a:t>unique</a:t>
+            </a:r>
+            <a:endParaRPr lang="de-DE" baseline="0" dirty="0" smtClean="0"/>
+          </a:p>
+          <a:p>
+            <a:endParaRPr lang="de-DE" baseline="0" dirty="0" smtClean="0"/>
+          </a:p>
+          <a:p>
+            <a:r>
+              <a:rPr lang="de-DE" baseline="0" dirty="0" err="1" smtClean="0"/>
+              <a:t>lastModifiedDate</a:t>
+            </a:r>
+            <a:r>
+              <a:rPr lang="de-DE" baseline="0" dirty="0" smtClean="0"/>
+              <a:t> hat TTL von 24 Stunden</a:t>
+            </a:r>
+          </a:p>
+          <a:p>
+            <a:endParaRPr lang="de-DE" dirty="0"/>
+          </a:p>
+        </p:txBody>
+      </p:sp>
+      <p:sp>
+        <p:nvSpPr>
+          <p:cNvPr id="4" name="Foliennummernplatzhalter 3"/>
+          <p:cNvSpPr>
+            <a:spLocks noGrp="1"/>
+          </p:cNvSpPr>
+          <p:nvPr>
+            <p:ph type="sldNum" sz="quarter" idx="10"/>
+          </p:nvPr>
+        </p:nvSpPr>
+        <p:spPr/>
+        <p:txBody>
+          <a:bodyPr/>
+          <a:lstStyle/>
+          <a:p>
+            <a:fld id="{14BEC569-9E05-4323-A98C-4047FABAF080}" type="slidenum">
+              <a:rPr lang="de-DE" smtClean="0"/>
+              <a:t>7</a:t>
+            </a:fld>
+            <a:endParaRPr lang="de-DE"/>
+          </a:p>
+        </p:txBody>
+      </p:sp>
+    </p:spTree>
+    <p:extLst>
+      <p:ext uri="{BB962C8B-B14F-4D97-AF65-F5344CB8AC3E}">
+        <p14:creationId xmlns:p14="http://schemas.microsoft.com/office/powerpoint/2010/main" val="3471116280"/>
+      </p:ext>
+    </p:extLst>
+  </p:cSld>
+  <p:clrMapOvr>
+    <a:masterClrMapping/>
+  </p:clrMapOvr>
+</p:notes>
+</file>
+
+<file path=ppt/notesSlides/notesSlide5.xml><?xml version="1.0" encoding="utf-8"?>
+<p:notes xmlns:a="http://schemas.openxmlformats.org/drawingml/2006/main" xmlns:r="http://schemas.openxmlformats.org/officeDocument/2006/relationships" xmlns:p="http://schemas.openxmlformats.org/presentationml/2006/main">
+  <p:cSld>
+    <p:spTree>
+      <p:nvGrpSpPr>
+        <p:cNvPr id="1" name=""/>
+        <p:cNvGrpSpPr/>
+        <p:nvPr/>
+      </p:nvGrpSpPr>
+      <p:grpSpPr>
+        <a:xfrm>
+          <a:off x="0" y="0"/>
+          <a:ext cx="0" cy="0"/>
+          <a:chOff x="0" y="0"/>
+          <a:chExt cx="0" cy="0"/>
+        </a:xfrm>
+      </p:grpSpPr>
+      <p:sp>
+        <p:nvSpPr>
+          <p:cNvPr id="2" name="Folienbildplatzhalter 1"/>
+          <p:cNvSpPr>
+            <a:spLocks noGrp="1" noRot="1" noChangeAspect="1"/>
+          </p:cNvSpPr>
+          <p:nvPr>
+            <p:ph type="sldImg"/>
+          </p:nvPr>
+        </p:nvSpPr>
+        <p:spPr/>
+      </p:sp>
+      <p:sp>
+        <p:nvSpPr>
+          <p:cNvPr id="3" name="Notizenplatzhalter 2"/>
+          <p:cNvSpPr>
+            <a:spLocks noGrp="1"/>
+          </p:cNvSpPr>
+          <p:nvPr>
+            <p:ph type="body" idx="1"/>
+          </p:nvPr>
+        </p:nvSpPr>
+        <p:spPr/>
+        <p:txBody>
+          <a:bodyPr/>
+          <a:lstStyle/>
+          <a:p>
+            <a:r>
+              <a:rPr lang="de-DE" dirty="0" smtClean="0"/>
+              <a:t>Als </a:t>
+            </a:r>
+            <a:r>
+              <a:rPr lang="de-DE" dirty="0" err="1" smtClean="0"/>
+              <a:t>Technologiestack</a:t>
+            </a:r>
+            <a:r>
+              <a:rPr lang="de-DE" dirty="0" smtClean="0"/>
+              <a:t> verwenden</a:t>
+            </a:r>
+            <a:r>
+              <a:rPr lang="de-DE" baseline="0" dirty="0" smtClean="0"/>
+              <a:t> wir den MEAN-Stack</a:t>
+            </a:r>
+            <a:endParaRPr lang="de-DE" dirty="0" smtClean="0"/>
+          </a:p>
+          <a:p>
+            <a:r>
+              <a:rPr lang="de-DE" dirty="0" smtClean="0"/>
+              <a:t>Steht für</a:t>
+            </a:r>
+            <a:r>
+              <a:rPr lang="de-DE" baseline="0" dirty="0" smtClean="0"/>
+              <a:t>:</a:t>
+            </a:r>
+            <a:endParaRPr lang="de-DE" dirty="0" smtClean="0"/>
+          </a:p>
+          <a:p>
+            <a:r>
+              <a:rPr lang="de-DE" dirty="0" err="1" smtClean="0"/>
+              <a:t>MongoDB</a:t>
+            </a:r>
+            <a:r>
+              <a:rPr lang="de-DE" dirty="0" smtClean="0"/>
+              <a:t> - </a:t>
+            </a:r>
+            <a:r>
+              <a:rPr lang="de-DE" dirty="0" err="1" smtClean="0"/>
+              <a:t>Persistenzschicht</a:t>
+            </a:r>
+            <a:endParaRPr lang="de-DE" dirty="0" smtClean="0"/>
+          </a:p>
+          <a:p>
+            <a:r>
+              <a:rPr lang="de-DE" dirty="0" err="1" smtClean="0"/>
+              <a:t>ExpressJs</a:t>
+            </a:r>
+            <a:r>
+              <a:rPr lang="de-DE" dirty="0" smtClean="0"/>
+              <a:t> </a:t>
+            </a:r>
+            <a:r>
+              <a:rPr lang="de-DE" baseline="0" dirty="0" smtClean="0"/>
+              <a:t>- Server Framework</a:t>
+            </a:r>
+          </a:p>
+          <a:p>
+            <a:r>
+              <a:rPr lang="de-DE" baseline="0" dirty="0" err="1" smtClean="0"/>
+              <a:t>AngularJs</a:t>
+            </a:r>
+            <a:r>
+              <a:rPr lang="de-DE" baseline="0" dirty="0" smtClean="0"/>
+              <a:t> - Client Framework</a:t>
+            </a:r>
+          </a:p>
+          <a:p>
+            <a:r>
+              <a:rPr lang="de-DE" baseline="0" dirty="0" err="1" smtClean="0"/>
+              <a:t>NodeJs</a:t>
+            </a:r>
+            <a:r>
+              <a:rPr lang="de-DE" baseline="0" dirty="0" smtClean="0"/>
+              <a:t> – Server </a:t>
+            </a:r>
+            <a:r>
+              <a:rPr lang="de-DE" baseline="0" dirty="0" err="1" smtClean="0"/>
+              <a:t>Runtime</a:t>
+            </a:r>
+            <a:r>
+              <a:rPr lang="de-DE" baseline="0" dirty="0" smtClean="0"/>
+              <a:t> = Laufzeitumgebung</a:t>
+            </a:r>
+            <a:endParaRPr lang="de-DE" dirty="0"/>
+          </a:p>
+        </p:txBody>
+      </p:sp>
+      <p:sp>
+        <p:nvSpPr>
+          <p:cNvPr id="4" name="Foliennummernplatzhalter 3"/>
+          <p:cNvSpPr>
+            <a:spLocks noGrp="1"/>
+          </p:cNvSpPr>
+          <p:nvPr>
+            <p:ph type="sldNum" sz="quarter" idx="10"/>
+          </p:nvPr>
+        </p:nvSpPr>
+        <p:spPr/>
+        <p:txBody>
+          <a:bodyPr/>
+          <a:lstStyle/>
+          <a:p>
+            <a:fld id="{14BEC569-9E05-4323-A98C-4047FABAF080}" type="slidenum">
+              <a:rPr lang="de-DE" smtClean="0"/>
+              <a:t>8</a:t>
+            </a:fld>
+            <a:endParaRPr lang="de-DE"/>
+          </a:p>
+        </p:txBody>
+      </p:sp>
+    </p:spTree>
+    <p:extLst>
+      <p:ext uri="{BB962C8B-B14F-4D97-AF65-F5344CB8AC3E}">
+        <p14:creationId xmlns:p14="http://schemas.microsoft.com/office/powerpoint/2010/main" val="4019237998"/>
+      </p:ext>
+    </p:extLst>
+  </p:cSld>
+  <p:clrMapOvr>
+    <a:masterClrMapping/>
+  </p:clrMapOvr>
+</p:notes>
+</file>
+
+<file path=ppt/notesSlides/notesSlide6.xml><?xml version="1.0" encoding="utf-8"?>
+<p:notes xmlns:a="http://schemas.openxmlformats.org/drawingml/2006/main" xmlns:r="http://schemas.openxmlformats.org/officeDocument/2006/relationships" xmlns:p="http://schemas.openxmlformats.org/presentationml/2006/main">
+  <p:cSld>
+    <p:spTree>
+      <p:nvGrpSpPr>
+        <p:cNvPr id="1" name=""/>
+        <p:cNvGrpSpPr/>
+        <p:nvPr/>
+      </p:nvGrpSpPr>
+      <p:grpSpPr>
+        <a:xfrm>
+          <a:off x="0" y="0"/>
+          <a:ext cx="0" cy="0"/>
+          <a:chOff x="0" y="0"/>
+          <a:chExt cx="0" cy="0"/>
+        </a:xfrm>
+      </p:grpSpPr>
+      <p:sp>
+        <p:nvSpPr>
+          <p:cNvPr id="2" name="Folienbildplatzhalter 1"/>
+          <p:cNvSpPr>
+            <a:spLocks noGrp="1" noRot="1" noChangeAspect="1"/>
+          </p:cNvSpPr>
+          <p:nvPr>
+            <p:ph type="sldImg"/>
+          </p:nvPr>
+        </p:nvSpPr>
+        <p:spPr/>
+      </p:sp>
+      <p:sp>
+        <p:nvSpPr>
+          <p:cNvPr id="3" name="Notizenplatzhalter 2"/>
+          <p:cNvSpPr>
+            <a:spLocks noGrp="1"/>
+          </p:cNvSpPr>
+          <p:nvPr>
+            <p:ph type="body" idx="1"/>
+          </p:nvPr>
+        </p:nvSpPr>
+        <p:spPr/>
+        <p:txBody>
+          <a:bodyPr/>
+          <a:lstStyle/>
+          <a:p>
+            <a:r>
+              <a:rPr lang="de-DE" dirty="0" smtClean="0"/>
+              <a:t>Registrierung -&gt; E-Mail</a:t>
+            </a:r>
+            <a:r>
+              <a:rPr lang="de-DE" baseline="0" dirty="0" smtClean="0"/>
+              <a:t> Service</a:t>
+            </a:r>
+          </a:p>
+          <a:p>
+            <a:r>
+              <a:rPr lang="de-DE" baseline="0" dirty="0" smtClean="0"/>
+              <a:t>Teilen -&gt; Notizen </a:t>
+            </a:r>
+            <a:r>
+              <a:rPr lang="de-DE" baseline="0" dirty="0" err="1" smtClean="0"/>
+              <a:t>sharen</a:t>
+            </a:r>
+            <a:endParaRPr lang="de-DE" baseline="0" dirty="0" smtClean="0"/>
+          </a:p>
+          <a:p>
+            <a:r>
+              <a:rPr lang="de-DE" baseline="0" dirty="0" smtClean="0"/>
+              <a:t>Archivieren -&gt; bisher nur Delete</a:t>
+            </a:r>
+          </a:p>
+          <a:p>
+            <a:r>
+              <a:rPr lang="de-DE" baseline="0" dirty="0" smtClean="0"/>
+              <a:t>Drag &amp; Drop -&gt; bisher nach Erstellungsdatum</a:t>
+            </a:r>
+          </a:p>
+          <a:p>
+            <a:r>
+              <a:rPr lang="de-DE" baseline="0" dirty="0" smtClean="0"/>
+              <a:t>Modell erweitern -&gt; RTF-Texte, Checkliste, etc…</a:t>
+            </a:r>
+            <a:endParaRPr lang="de-DE" dirty="0"/>
+          </a:p>
+        </p:txBody>
+      </p:sp>
+      <p:sp>
+        <p:nvSpPr>
+          <p:cNvPr id="4" name="Foliennummernplatzhalter 3"/>
+          <p:cNvSpPr>
+            <a:spLocks noGrp="1"/>
+          </p:cNvSpPr>
+          <p:nvPr>
+            <p:ph type="sldNum" sz="quarter" idx="10"/>
+          </p:nvPr>
+        </p:nvSpPr>
+        <p:spPr/>
+        <p:txBody>
+          <a:bodyPr/>
+          <a:lstStyle/>
+          <a:p>
+            <a:fld id="{14BEC569-9E05-4323-A98C-4047FABAF080}" type="slidenum">
+              <a:rPr lang="de-DE" smtClean="0"/>
+              <a:t>11</a:t>
+            </a:fld>
+            <a:endParaRPr lang="de-DE"/>
+          </a:p>
+        </p:txBody>
+      </p:sp>
+    </p:spTree>
+    <p:extLst>
+      <p:ext uri="{BB962C8B-B14F-4D97-AF65-F5344CB8AC3E}">
+        <p14:creationId xmlns:p14="http://schemas.microsoft.com/office/powerpoint/2010/main" val="3168051213"/>
+      </p:ext>
+    </p:extLst>
+  </p:cSld>
+  <p:clrMapOvr>
+    <a:masterClrMapping/>
+  </p:clrMapOvr>
+</p:notes>
+</file>
+
 <file path=ppt/slideLayouts/slideLayout1.xml><?xml version="1.0" encoding="utf-8"?>
 <p:sldLayout xmlns:a="http://schemas.openxmlformats.org/drawingml/2006/main" xmlns:r="http://schemas.openxmlformats.org/officeDocument/2006/relationships" xmlns:p="http://schemas.openxmlformats.org/presentationml/2006/main" showMasterSp="0" type="title" preserve="1">
   <p:cSld name="Titelfolie">
@@ -10190,7 +11339,7 @@
           <a:p>
             <a:r>
               <a:rPr lang="de-DE" dirty="0" smtClean="0"/>
-              <a:t>Aussicht</a:t>
+              <a:t>Zeigen</a:t>
             </a:r>
             <a:endParaRPr lang="de-DE" dirty="0"/>
           </a:p>
@@ -10208,6 +11357,88 @@
         </p:nvSpPr>
         <p:spPr/>
         <p:txBody>
+          <a:bodyPr/>
+          <a:lstStyle/>
+          <a:p>
+            <a:r>
+              <a:rPr lang="de-DE" dirty="0"/>
+              <a:t>http://localhost:3030/client/</a:t>
+            </a:r>
+          </a:p>
+        </p:txBody>
+      </p:sp>
+    </p:spTree>
+    <p:extLst>
+      <p:ext uri="{BB962C8B-B14F-4D97-AF65-F5344CB8AC3E}">
+        <p14:creationId xmlns:p14="http://schemas.microsoft.com/office/powerpoint/2010/main" val="2430726244"/>
+      </p:ext>
+    </p:extLst>
+  </p:cSld>
+  <p:clrMapOvr>
+    <a:masterClrMapping/>
+  </p:clrMapOvr>
+  <p:timing>
+    <p:tnLst>
+      <p:par>
+        <p:cTn id="1" dur="indefinite" restart="never" nodeType="tmRoot"/>
+      </p:par>
+    </p:tnLst>
+  </p:timing>
+</p:sld>
+</file>
+
+<file path=ppt/slides/slide11.xml><?xml version="1.0" encoding="utf-8"?>
+<p:sld xmlns:a="http://schemas.openxmlformats.org/drawingml/2006/main" xmlns:r="http://schemas.openxmlformats.org/officeDocument/2006/relationships" xmlns:p="http://schemas.openxmlformats.org/presentationml/2006/main">
+  <p:cSld>
+    <p:spTree>
+      <p:nvGrpSpPr>
+        <p:cNvPr id="1" name=""/>
+        <p:cNvGrpSpPr/>
+        <p:nvPr/>
+      </p:nvGrpSpPr>
+      <p:grpSpPr>
+        <a:xfrm>
+          <a:off x="0" y="0"/>
+          <a:ext cx="0" cy="0"/>
+          <a:chOff x="0" y="0"/>
+          <a:chExt cx="0" cy="0"/>
+        </a:xfrm>
+      </p:grpSpPr>
+      <p:sp>
+        <p:nvSpPr>
+          <p:cNvPr id="2" name="Titel 1"/>
+          <p:cNvSpPr>
+            <a:spLocks noGrp="1"/>
+          </p:cNvSpPr>
+          <p:nvPr>
+            <p:ph type="title"/>
+          </p:nvPr>
+        </p:nvSpPr>
+        <p:spPr/>
+        <p:txBody>
+          <a:bodyPr/>
+          <a:lstStyle/>
+          <a:p>
+            <a:r>
+              <a:rPr lang="de-DE" dirty="0" smtClean="0"/>
+              <a:t>Aussicht</a:t>
+            </a:r>
+            <a:endParaRPr lang="de-DE" dirty="0"/>
+          </a:p>
+        </p:txBody>
+      </p:sp>
+      <p:sp>
+        <p:nvSpPr>
+          <p:cNvPr id="3" name="Inhaltsplatzhalter 2"/>
+          <p:cNvSpPr>
+            <a:spLocks noGrp="1"/>
+          </p:cNvSpPr>
+          <p:nvPr>
+            <p:ph idx="1"/>
+          </p:nvPr>
+        </p:nvSpPr>
+        <p:spPr/>
+        <p:txBody>
           <a:bodyPr>
             <a:normAutofit/>
           </a:bodyPr>
@@ -10263,12 +11494,12 @@
           <a:p>
             <a:pPr lvl="0"/>
             <a:r>
-              <a:rPr lang="de-DE" dirty="0" err="1" smtClean="0"/>
-              <a:t>Notzienmodell</a:t>
-            </a:r>
-            <a:r>
               <a:rPr lang="de-DE" dirty="0" smtClean="0"/>
-              <a:t> erweitern</a:t>
+              <a:t>Notizenmodell </a:t>
+            </a:r>
+            <a:r>
+              <a:rPr lang="de-DE" dirty="0" smtClean="0"/>
+              <a:t>erweitern</a:t>
             </a:r>
             <a:endParaRPr lang="de-DE" dirty="0"/>
           </a:p>
@@ -10297,7 +11528,7 @@
 </p:sld>
 </file>
 
-<file path=ppt/slides/slide11.xml><?xml version="1.0" encoding="utf-8"?>
+<file path=ppt/slides/slide12.xml><?xml version="1.0" encoding="utf-8"?>
 <p:sld xmlns:a="http://schemas.openxmlformats.org/drawingml/2006/main" xmlns:r="http://schemas.openxmlformats.org/officeDocument/2006/relationships" xmlns:p="http://schemas.openxmlformats.org/presentationml/2006/main">
   <p:cSld>
     <p:spTree>
@@ -10484,7 +11715,7 @@
           <p:nvPr/>
         </p:nvPicPr>
         <p:blipFill>
-          <a:blip r:embed="rId2">
+          <a:blip r:embed="rId3">
             <a:extLst>
               <a:ext uri="{28A0092B-C50C-407E-A947-70E740481C1C}">
                 <a14:useLocalDpi xmlns:a14="http://schemas.microsoft.com/office/drawing/2010/main" val="0"/>
@@ -11537,7 +12768,7 @@
           </p:nvPr>
         </p:nvPicPr>
         <p:blipFill>
-          <a:blip r:embed="rId2">
+          <a:blip r:embed="rId3">
             <a:extLst>
               <a:ext uri="{28A0092B-C50C-407E-A947-70E740481C1C}">
                 <a14:useLocalDpi xmlns:a14="http://schemas.microsoft.com/office/drawing/2010/main" val="0"/>
@@ -11566,7 +12797,7 @@
           </p:nvPr>
         </p:nvPicPr>
         <p:blipFill>
-          <a:blip r:embed="rId3">
+          <a:blip r:embed="rId4">
             <a:extLst>
               <a:ext uri="{28A0092B-C50C-407E-A947-70E740481C1C}">
                 <a14:useLocalDpi xmlns:a14="http://schemas.microsoft.com/office/drawing/2010/main" val="0"/>
@@ -11662,7 +12893,7 @@
           </p:nvPr>
         </p:nvPicPr>
         <p:blipFill>
-          <a:blip r:embed="rId2">
+          <a:blip r:embed="rId3">
             <a:extLst>
               <a:ext uri="{28A0092B-C50C-407E-A947-70E740481C1C}">
                 <a14:useLocalDpi xmlns:a14="http://schemas.microsoft.com/office/drawing/2010/main" val="0"/>
@@ -11691,7 +12922,7 @@
           </p:nvPr>
         </p:nvPicPr>
         <p:blipFill>
-          <a:blip r:embed="rId3">
+          <a:blip r:embed="rId4">
             <a:extLst>
               <a:ext uri="{28A0092B-C50C-407E-A947-70E740481C1C}">
                 <a14:useLocalDpi xmlns:a14="http://schemas.microsoft.com/office/drawing/2010/main" val="0"/>
@@ -11786,7 +13017,7 @@
             <p:ph idx="1"/>
             <p:extLst>
               <p:ext uri="{D42A27DB-BD31-4B8C-83A1-F6EECF244321}">
-                <p14:modId xmlns:p14="http://schemas.microsoft.com/office/powerpoint/2010/main" val="3258014348"/>
+                <p14:modId xmlns:p14="http://schemas.microsoft.com/office/powerpoint/2010/main" val="3384200910"/>
               </p:ext>
             </p:extLst>
           </p:nvPr>
@@ -11797,7 +13028,7 @@
         </p:xfrm>
         <a:graphic>
           <a:graphicData uri="http://schemas.openxmlformats.org/drawingml/2006/diagram">
-            <dgm:relIds xmlns:dgm="http://schemas.openxmlformats.org/drawingml/2006/diagram" xmlns:r="http://schemas.openxmlformats.org/officeDocument/2006/relationships" r:dm="rId2" r:lo="rId3" r:qs="rId4" r:cs="rId5"/>
+            <dgm:relIds xmlns:dgm="http://schemas.openxmlformats.org/drawingml/2006/diagram" xmlns:r="http://schemas.openxmlformats.org/officeDocument/2006/relationships" r:dm="rId3" r:lo="rId4" r:qs="rId5" r:cs="rId6"/>
           </a:graphicData>
         </a:graphic>
       </p:graphicFrame>
@@ -11879,7 +13110,7 @@
           </p:nvPr>
         </p:nvPicPr>
         <p:blipFill>
-          <a:blip r:embed="rId2">
+          <a:blip r:embed="rId3">
             <a:extLst>
               <a:ext uri="{28A0092B-C50C-407E-A947-70E740481C1C}">
                 <a14:useLocalDpi xmlns:a14="http://schemas.microsoft.com/office/drawing/2010/main" val="0"/>
@@ -11906,7 +13137,7 @@
           <p:nvPr/>
         </p:nvPicPr>
         <p:blipFill>
-          <a:blip r:embed="rId3">
+          <a:blip r:embed="rId4">
             <a:extLst>
               <a:ext uri="{28A0092B-C50C-407E-A947-70E740481C1C}">
                 <a14:useLocalDpi xmlns:a14="http://schemas.microsoft.com/office/drawing/2010/main" val="0"/>
@@ -11936,7 +13167,7 @@
           <p:nvPr/>
         </p:nvPicPr>
         <p:blipFill>
-          <a:blip r:embed="rId4">
+          <a:blip r:embed="rId5">
             <a:extLst>
               <a:ext uri="{28A0092B-C50C-407E-A947-70E740481C1C}">
                 <a14:useLocalDpi xmlns:a14="http://schemas.microsoft.com/office/drawing/2010/main" val="0"/>
@@ -11966,7 +13197,7 @@
           <p:nvPr/>
         </p:nvPicPr>
         <p:blipFill>
-          <a:blip r:embed="rId5">
+          <a:blip r:embed="rId6">
             <a:extLst>
               <a:ext uri="{28A0092B-C50C-407E-A947-70E740481C1C}">
                 <a14:useLocalDpi xmlns:a14="http://schemas.microsoft.com/office/drawing/2010/main" val="0"/>
@@ -13346,4 +14577,265 @@
     </a:ext>
   </a:extLst>
 </a:theme>
+</file>
+
+<file path=ppt/theme/theme2.xml><?xml version="1.0" encoding="utf-8"?>
+<a:theme xmlns:a="http://schemas.openxmlformats.org/drawingml/2006/main" name="Office Theme">
+  <a:themeElements>
+    <a:clrScheme name="Office">
+      <a:dk1>
+        <a:sysClr val="windowText" lastClr="000000"/>
+      </a:dk1>
+      <a:lt1>
+        <a:sysClr val="window" lastClr="FFFFFF"/>
+      </a:lt1>
+      <a:dk2>
+        <a:srgbClr val="44546A"/>
+      </a:dk2>
+      <a:lt2>
+        <a:srgbClr val="E7E6E6"/>
+      </a:lt2>
+      <a:accent1>
+        <a:srgbClr val="5B9BD5"/>
+      </a:accent1>
+      <a:accent2>
+        <a:srgbClr val="ED7D31"/>
+      </a:accent2>
+      <a:accent3>
+        <a:srgbClr val="A5A5A5"/>
+      </a:accent3>
+      <a:accent4>
+        <a:srgbClr val="FFC000"/>
+      </a:accent4>
+      <a:accent5>
+        <a:srgbClr val="4472C4"/>
+      </a:accent5>
+      <a:accent6>
+        <a:srgbClr val="70AD47"/>
+      </a:accent6>
+      <a:hlink>
+        <a:srgbClr val="0563C1"/>
+      </a:hlink>
+      <a:folHlink>
+        <a:srgbClr val="954F72"/>
+      </a:folHlink>
+    </a:clrScheme>
+    <a:fontScheme name="Office">
+      <a:majorFont>
+        <a:latin typeface="Calibri Light" panose="020F0302020204030204"/>
+        <a:ea typeface=""/>
+        <a:cs typeface=""/>
+        <a:font script="Jpan" typeface="ＭＳ Ｐゴシック"/>
+        <a:font script="Hang" typeface="맑은 고딕"/>
+        <a:font script="Hans" typeface="宋体"/>
+        <a:font script="Hant" typeface="新細明體"/>
+        <a:font script="Arab" typeface="Times New Roman"/>
+        <a:font script="Hebr" typeface="Times New Roman"/>
+        <a:font script="Thai" typeface="Angsana New"/>
+        <a:font script="Ethi" typeface="Nyala"/>
+        <a:font script="Beng" typeface="Vrinda"/>
+        <a:font script="Gujr" typeface="Shruti"/>
+        <a:font script="Khmr" typeface="MoolBoran"/>
+        <a:font script="Knda" typeface="Tunga"/>
+        <a:font script="Guru" typeface="Raavi"/>
+        <a:font script="Cans" typeface="Euphemia"/>
+        <a:font script="Cher" typeface="Plantagenet Cherokee"/>
+        <a:font script="Yiii" typeface="Microsoft Yi Baiti"/>
+        <a:font script="Tibt" typeface="Microsoft Himalaya"/>
+        <a:font script="Thaa" typeface="MV Boli"/>
+        <a:font script="Deva" typeface="Mangal"/>
+        <a:font script="Telu" typeface="Gautami"/>
+        <a:font script="Taml" typeface="Latha"/>
+        <a:font script="Syrc" typeface="Estrangelo Edessa"/>
+        <a:font script="Orya" typeface="Kalinga"/>
+        <a:font script="Mlym" typeface="Kartika"/>
+        <a:font script="Laoo" typeface="DokChampa"/>
+        <a:font script="Sinh" typeface="Iskoola Pota"/>
+        <a:font script="Mong" typeface="Mongolian Baiti"/>
+        <a:font script="Viet" typeface="Times New Roman"/>
+        <a:font script="Uigh" typeface="Microsoft Uighur"/>
+        <a:font script="Geor" typeface="Sylfaen"/>
+      </a:majorFont>
+      <a:minorFont>
+        <a:latin typeface="Calibri" panose="020F0502020204030204"/>
+        <a:ea typeface=""/>
+        <a:cs typeface=""/>
+        <a:font script="Jpan" typeface="ＭＳ Ｐゴシック"/>
+        <a:font script="Hang" typeface="맑은 고딕"/>
+        <a:font script="Hans" typeface="宋体"/>
+        <a:font script="Hant" typeface="新細明體"/>
+        <a:font script="Arab" typeface="Arial"/>
+        <a:font script="Hebr" typeface="Arial"/>
+        <a:font script="Thai" typeface="Cordia New"/>
+        <a:font script="Ethi" typeface="Nyala"/>
+        <a:font script="Beng" typeface="Vrinda"/>
+        <a:font script="Gujr" typeface="Shruti"/>
+        <a:font script="Khmr" typeface="DaunPenh"/>
+        <a:font script="Knda" typeface="Tunga"/>
+        <a:font script="Guru" typeface="Raavi"/>
+        <a:font script="Cans" typeface="Euphemia"/>
+        <a:font script="Cher" typeface="Plantagenet Cherokee"/>
+        <a:font script="Yiii" typeface="Microsoft Yi Baiti"/>
+        <a:font script="Tibt" typeface="Microsoft Himalaya"/>
+        <a:font script="Thaa" typeface="MV Boli"/>
+        <a:font script="Deva" typeface="Mangal"/>
+        <a:font script="Telu" typeface="Gautami"/>
+        <a:font script="Taml" typeface="Latha"/>
+        <a:font script="Syrc" typeface="Estrangelo Edessa"/>
+        <a:font script="Orya" typeface="Kalinga"/>
+        <a:font script="Mlym" typeface="Kartika"/>
+        <a:font script="Laoo" typeface="DokChampa"/>
+        <a:font script="Sinh" typeface="Iskoola Pota"/>
+        <a:font script="Mong" typeface="Mongolian Baiti"/>
+        <a:font script="Viet" typeface="Arial"/>
+        <a:font script="Uigh" typeface="Microsoft Uighur"/>
+        <a:font script="Geor" typeface="Sylfaen"/>
+      </a:minorFont>
+    </a:fontScheme>
+    <a:fmtScheme name="Office">
+      <a:fillStyleLst>
+        <a:solidFill>
+          <a:schemeClr val="phClr"/>
+        </a:solidFill>
+        <a:gradFill rotWithShape="1">
+          <a:gsLst>
+            <a:gs pos="0">
+              <a:schemeClr val="phClr">
+                <a:lumMod val="110000"/>
+                <a:satMod val="105000"/>
+                <a:tint val="67000"/>
+              </a:schemeClr>
+            </a:gs>
+            <a:gs pos="50000">
+              <a:schemeClr val="phClr">
+                <a:lumMod val="105000"/>
+                <a:satMod val="103000"/>
+                <a:tint val="73000"/>
+              </a:schemeClr>
+            </a:gs>
+            <a:gs pos="100000">
+              <a:schemeClr val="phClr">
+                <a:lumMod val="105000"/>
+                <a:satMod val="109000"/>
+                <a:tint val="81000"/>
+              </a:schemeClr>
+            </a:gs>
+          </a:gsLst>
+          <a:lin ang="5400000" scaled="0"/>
+        </a:gradFill>
+        <a:gradFill rotWithShape="1">
+          <a:gsLst>
+            <a:gs pos="0">
+              <a:schemeClr val="phClr">
+                <a:satMod val="103000"/>
+                <a:lumMod val="102000"/>
+                <a:tint val="94000"/>
+              </a:schemeClr>
+            </a:gs>
+            <a:gs pos="50000">
+              <a:schemeClr val="phClr">
+                <a:satMod val="110000"/>
+                <a:lumMod val="100000"/>
+                <a:shade val="100000"/>
+              </a:schemeClr>
+            </a:gs>
+            <a:gs pos="100000">
+              <a:schemeClr val="phClr">
+                <a:lumMod val="99000"/>
+                <a:satMod val="120000"/>
+                <a:shade val="78000"/>
+              </a:schemeClr>
+            </a:gs>
+          </a:gsLst>
+          <a:lin ang="5400000" scaled="0"/>
+        </a:gradFill>
+      </a:fillStyleLst>
+      <a:lnStyleLst>
+        <a:ln w="6350" cap="flat" cmpd="sng" algn="ctr">
+          <a:solidFill>
+            <a:schemeClr val="phClr"/>
+          </a:solidFill>
+          <a:prstDash val="solid"/>
+          <a:miter lim="800000"/>
+        </a:ln>
+        <a:ln w="12700" cap="flat" cmpd="sng" algn="ctr">
+          <a:solidFill>
+            <a:schemeClr val="phClr"/>
+          </a:solidFill>
+          <a:prstDash val="solid"/>
+          <a:miter lim="800000"/>
+        </a:ln>
+        <a:ln w="19050" cap="flat" cmpd="sng" algn="ctr">
+          <a:solidFill>
+            <a:schemeClr val="phClr"/>
+          </a:solidFill>
+          <a:prstDash val="solid"/>
+          <a:miter lim="800000"/>
+        </a:ln>
+      </a:lnStyleLst>
+      <a:effectStyleLst>
+        <a:effectStyle>
+          <a:effectLst/>
+        </a:effectStyle>
+        <a:effectStyle>
+          <a:effectLst/>
+        </a:effectStyle>
+        <a:effectStyle>
+          <a:effectLst>
+            <a:outerShdw blurRad="57150" dist="19050" dir="5400000" algn="ctr" rotWithShape="0">
+              <a:srgbClr val="000000">
+                <a:alpha val="63000"/>
+              </a:srgbClr>
+            </a:outerShdw>
+          </a:effectLst>
+        </a:effectStyle>
+      </a:effectStyleLst>
+      <a:bgFillStyleLst>
+        <a:solidFill>
+          <a:schemeClr val="phClr"/>
+        </a:solidFill>
+        <a:solidFill>
+          <a:schemeClr val="phClr">
+            <a:tint val="95000"/>
+            <a:satMod val="170000"/>
+          </a:schemeClr>
+        </a:solidFill>
+        <a:gradFill rotWithShape="1">
+          <a:gsLst>
+            <a:gs pos="0">
+              <a:schemeClr val="phClr">
+                <a:tint val="93000"/>
+                <a:satMod val="150000"/>
+                <a:shade val="98000"/>
+                <a:lumMod val="102000"/>
+              </a:schemeClr>
+            </a:gs>
+            <a:gs pos="50000">
+              <a:schemeClr val="phClr">
+                <a:tint val="98000"/>
+                <a:satMod val="130000"/>
+                <a:shade val="90000"/>
+                <a:lumMod val="103000"/>
+              </a:schemeClr>
+            </a:gs>
+            <a:gs pos="100000">
+              <a:schemeClr val="phClr">
+                <a:shade val="63000"/>
+                <a:satMod val="120000"/>
+              </a:schemeClr>
+            </a:gs>
+          </a:gsLst>
+          <a:lin ang="5400000" scaled="0"/>
+        </a:gradFill>
+      </a:bgFillStyleLst>
+    </a:fmtScheme>
+  </a:themeElements>
+  <a:objectDefaults/>
+  <a:extraClrSchemeLst/>
+  <a:extLst>
+    <a:ext uri="{05A4C25C-085E-4340-85A3-A5531E510DB2}">
+      <thm15:themeFamily xmlns:thm15="http://schemas.microsoft.com/office/thememl/2012/main" name="Office Theme" id="{62F939B6-93AF-4DB8-9C6B-D6C7DFDC589F}" vid="{4A3C46E8-61CC-4603-A589-7422A47A8E4A}"/>
+    </a:ext>
+  </a:extLst>
+</a:theme>
 </file>
--- a/doc/Präsentation/MEAN Notes.pptx
+++ b/doc/Präsentation/MEAN Notes.pptx
@@ -5,7 +5,7 @@
     <p:sldMasterId id="2147483970" r:id="rId1"/>
   </p:sldMasterIdLst>
   <p:notesMasterIdLst>
-    <p:notesMasterId r:id="rId14"/>
+    <p:notesMasterId r:id="rId13"/>
   </p:notesMasterIdLst>
   <p:sldIdLst>
     <p:sldId id="256" r:id="rId2"/>
@@ -17,9 +17,8 @@
     <p:sldId id="263" r:id="rId8"/>
     <p:sldId id="264" r:id="rId9"/>
     <p:sldId id="265" r:id="rId10"/>
-    <p:sldId id="268" r:id="rId11"/>
-    <p:sldId id="266" r:id="rId12"/>
-    <p:sldId id="267" r:id="rId13"/>
+    <p:sldId id="266" r:id="rId11"/>
+    <p:sldId id="267" r:id="rId12"/>
   </p:sldIdLst>
   <p:sldSz cx="12192000" cy="6858000"/>
   <p:notesSz cx="6858000" cy="9144000"/>
@@ -1416,11 +1415,7 @@
           </a:r>
           <a:r>
             <a:rPr lang="de-DE" sz="1900" dirty="0" smtClean="0"/>
-            <a:t> </a:t>
-          </a:r>
-          <a:r>
-            <a:rPr lang="de-DE" sz="1900" dirty="0" smtClean="0"/>
-            <a:t>: [ ]</a:t>
+            <a:t> : [ ]</a:t>
           </a:r>
           <a:endParaRPr lang="de-DE" sz="1900" dirty="0"/>
         </a:p>
@@ -1682,11 +1677,7 @@
           </a:r>
           <a:r>
             <a:rPr lang="de-DE" sz="1900" dirty="0" smtClean="0"/>
-            <a:t> </a:t>
-          </a:r>
-          <a:r>
-            <a:rPr lang="de-DE" sz="1900" dirty="0" smtClean="0"/>
-            <a:t>: [ ]</a:t>
+            <a:t> : [ ]</a:t>
           </a:r>
           <a:endParaRPr lang="de-DE" sz="1900" dirty="0"/>
         </a:p>
@@ -1995,8 +1986,8 @@
     <dgm:cxn modelId="{0577D253-1036-47A8-B810-A735390FEBE6}" srcId="{A6B4E31E-BF13-43E9-A8DF-1D0CED72AE2B}" destId="{0A180470-D629-4A2F-A707-AC08E7EE7821}" srcOrd="1" destOrd="0" parTransId="{E8C6D964-0C3D-4EE5-93FE-EB8BA448D4DC}" sibTransId="{AEB55458-9C91-4297-89D4-34C873B7BFA6}"/>
     <dgm:cxn modelId="{D39F9551-7A9C-4BBA-B9B5-58E7BD540672}" srcId="{45D67FC7-9484-4BD2-96D9-5DC0D4DC919F}" destId="{D43A8187-F70D-4382-97AF-2C1BAAAD39F2}" srcOrd="3" destOrd="0" parTransId="{B3AF1AFC-2EFD-470D-8334-5BB3800BEAE5}" sibTransId="{BA38E681-6A32-4A4F-9143-88D4B0706EAC}"/>
     <dgm:cxn modelId="{327244BB-FF70-480C-8140-C95AD341320E}" srcId="{0A180470-D629-4A2F-A707-AC08E7EE7821}" destId="{402C3787-C119-4975-B2C3-FDC33B51A950}" srcOrd="3" destOrd="0" parTransId="{6C90D17A-25EE-471C-B063-6FEBC0DB6C7E}" sibTransId="{8534571D-9358-468F-8107-890062D306FB}"/>
+    <dgm:cxn modelId="{A5B0E6D2-FDF1-4B66-A937-34E78F3A23F4}" srcId="{45D67FC7-9484-4BD2-96D9-5DC0D4DC919F}" destId="{A2BFB9B8-DC9E-4DB2-A6FC-2E8A7188049F}" srcOrd="4" destOrd="0" parTransId="{01F339B7-F73F-4572-AB8B-4F804846FC8A}" sibTransId="{6EE000F8-9836-427C-94FC-658B005FF7FA}"/>
     <dgm:cxn modelId="{5607A11E-0468-4EA4-B201-3E27E70E1982}" type="presOf" srcId="{C3379581-7EC1-4BC6-8381-BAFCA1887E1F}" destId="{F5E4AB33-7C02-4210-A409-8AD4743E5C7F}" srcOrd="0" destOrd="0" presId="urn:microsoft.com/office/officeart/2005/8/layout/hList1"/>
-    <dgm:cxn modelId="{A5B0E6D2-FDF1-4B66-A937-34E78F3A23F4}" srcId="{45D67FC7-9484-4BD2-96D9-5DC0D4DC919F}" destId="{A2BFB9B8-DC9E-4DB2-A6FC-2E8A7188049F}" srcOrd="4" destOrd="0" parTransId="{01F339B7-F73F-4572-AB8B-4F804846FC8A}" sibTransId="{6EE000F8-9836-427C-94FC-658B005FF7FA}"/>
     <dgm:cxn modelId="{E4929EAA-58F6-4332-AB15-6A9CB3579A7D}" srcId="{B76DA727-A040-4538-8008-3CDD5AF6C4CD}" destId="{74DCB112-97B7-43B7-B971-E99A399335BB}" srcOrd="1" destOrd="0" parTransId="{C132FE06-D957-410B-891C-7E9D715895E2}" sibTransId="{3DB06AFA-5E0D-464A-B73D-EF233128865A}"/>
     <dgm:cxn modelId="{F77FF049-E61B-42EA-8C8E-9F2E95115064}" type="presOf" srcId="{7D1F6B58-A72A-43D8-9441-9AFAF2A7FBC3}" destId="{FFF38D35-7D94-4F39-9648-B2AB98F610BE}" srcOrd="0" destOrd="5" presId="urn:microsoft.com/office/officeart/2005/8/layout/hList1"/>
     <dgm:cxn modelId="{5F309194-1D4F-4428-BD83-CF4A32D3DD0B}" type="presOf" srcId="{45D67FC7-9484-4BD2-96D9-5DC0D4DC919F}" destId="{408356D3-9949-4E29-8747-B7EE15A2C512}" srcOrd="0" destOrd="0" presId="urn:microsoft.com/office/officeart/2005/8/layout/hList1"/>
@@ -2011,9 +2002,9 @@
     <dgm:cxn modelId="{0A44D52F-08E3-4310-8A68-EB95DA53AD94}" type="presOf" srcId="{99623C03-D146-4B2F-B1BD-3DB807E67CA3}" destId="{FFF38D35-7D94-4F39-9648-B2AB98F610BE}" srcOrd="0" destOrd="0" presId="urn:microsoft.com/office/officeart/2005/8/layout/hList1"/>
     <dgm:cxn modelId="{A64AE706-5337-4E33-921C-F3A7DC78317B}" type="presOf" srcId="{4D15D454-5719-43AD-ABCB-88009645E105}" destId="{E2FEDD15-6C55-4357-B7C9-D7888B6098CA}" srcOrd="0" destOrd="4" presId="urn:microsoft.com/office/officeart/2005/8/layout/hList1"/>
     <dgm:cxn modelId="{BF47847D-E076-4325-B057-D7CDBECFFEAC}" type="presOf" srcId="{5AA5FD75-5C90-4429-96FE-EA28159F142D}" destId="{19E0F596-C569-49EE-A858-0212E44E8361}" srcOrd="0" destOrd="0" presId="urn:microsoft.com/office/officeart/2005/8/layout/hList1"/>
-    <dgm:cxn modelId="{DD694FD2-C66C-4BBD-B4FC-2B82FFE3651A}" type="presOf" srcId="{0A180470-D629-4A2F-A707-AC08E7EE7821}" destId="{CEB00F75-F7C3-4B6C-8DA8-4BE0DDA62DD1}" srcOrd="0" destOrd="0" presId="urn:microsoft.com/office/officeart/2005/8/layout/hList1"/>
     <dgm:cxn modelId="{9F665977-5822-484D-8DE1-963728038FAD}" type="presOf" srcId="{A1DBACA7-05CB-48CB-9B53-54FBCB2A5237}" destId="{E2FEDD15-6C55-4357-B7C9-D7888B6098CA}" srcOrd="0" destOrd="1" presId="urn:microsoft.com/office/officeart/2005/8/layout/hList1"/>
     <dgm:cxn modelId="{BA27A05B-FD7F-4922-99CF-4CC7281017F3}" type="presOf" srcId="{1C7766AA-29C1-428A-BEF5-8CE292095754}" destId="{E2FEDD15-6C55-4357-B7C9-D7888B6098CA}" srcOrd="0" destOrd="0" presId="urn:microsoft.com/office/officeart/2005/8/layout/hList1"/>
+    <dgm:cxn modelId="{DD694FD2-C66C-4BBD-B4FC-2B82FFE3651A}" type="presOf" srcId="{0A180470-D629-4A2F-A707-AC08E7EE7821}" destId="{CEB00F75-F7C3-4B6C-8DA8-4BE0DDA62DD1}" srcOrd="0" destOrd="0" presId="urn:microsoft.com/office/officeart/2005/8/layout/hList1"/>
     <dgm:cxn modelId="{24F47EC5-40EB-4A7E-BF36-CF1B2EC345A0}" type="presOf" srcId="{844E8EA2-E497-4CA3-B913-F411BEDF9016}" destId="{FFF38D35-7D94-4F39-9648-B2AB98F610BE}" srcOrd="0" destOrd="7" presId="urn:microsoft.com/office/officeart/2005/8/layout/hList1"/>
     <dgm:cxn modelId="{23F1E98B-ABBC-4F70-A0CB-04E81DF0C8D2}" type="presOf" srcId="{26495795-AD98-421D-933B-5002B29E1146}" destId="{E2FEDD15-6C55-4357-B7C9-D7888B6098CA}" srcOrd="0" destOrd="5" presId="urn:microsoft.com/office/officeart/2005/8/layout/hList1"/>
     <dgm:cxn modelId="{AE71030A-1423-47FE-B3FA-C158896A68C8}" srcId="{5AA5FD75-5C90-4429-96FE-EA28159F142D}" destId="{28DA6E57-6E4A-46E2-8F73-AB7912C84143}" srcOrd="2" destOrd="0" parTransId="{375877AB-1F99-4D60-B5EC-F6E910E9DEAD}" sibTransId="{95EBC766-07AF-44C1-BC8F-52303DEBD8A7}"/>
@@ -2575,11 +2566,7 @@
           </a:r>
           <a:r>
             <a:rPr lang="de-DE" sz="1900" kern="1200" dirty="0" smtClean="0"/>
-            <a:t> </a:t>
-          </a:r>
-          <a:r>
-            <a:rPr lang="de-DE" sz="1900" kern="1200" dirty="0" smtClean="0"/>
-            <a:t>: [ ]</a:t>
+            <a:t> : [ ]</a:t>
           </a:r>
           <a:endParaRPr lang="de-DE" sz="1900" kern="1200" dirty="0"/>
         </a:p>
@@ -2979,11 +2966,7 @@
           </a:r>
           <a:r>
             <a:rPr lang="de-DE" sz="1900" kern="1200" dirty="0" smtClean="0"/>
-            <a:t> </a:t>
-          </a:r>
-          <a:r>
-            <a:rPr lang="de-DE" sz="1900" kern="1200" dirty="0" smtClean="0"/>
-            <a:t>: [ ]</a:t>
+            <a:t> : [ ]</a:t>
           </a:r>
           <a:endParaRPr lang="de-DE" sz="1900" kern="1200" dirty="0"/>
         </a:p>
@@ -4684,14 +4667,6 @@
           <a:bodyPr/>
           <a:lstStyle/>
           <a:p>
-            <a:r>
-              <a:rPr lang="de-DE" dirty="0" smtClean="0"/>
-              <a:t>Haben uns folgendes Inhaltsverzeichnis</a:t>
-            </a:r>
-            <a:r>
-              <a:rPr lang="de-DE" baseline="0" dirty="0" smtClean="0"/>
-              <a:t> überlegt …</a:t>
-            </a:r>
             <a:endParaRPr lang="de-DE" dirty="0"/>
           </a:p>
         </p:txBody>
@@ -4713,7 +4688,7 @@
           <a:p>
             <a:fld id="{14BEC569-9E05-4323-A98C-4047FABAF080}" type="slidenum">
               <a:rPr lang="de-DE" smtClean="0"/>
-              <a:t>2</a:t>
+              <a:t>1</a:t>
             </a:fld>
             <a:endParaRPr lang="de-DE"/>
           </a:p>
@@ -4722,7 +4697,7 @@
     </p:spTree>
     <p:extLst>
       <p:ext uri="{BB962C8B-B14F-4D97-AF65-F5344CB8AC3E}">
-        <p14:creationId xmlns:p14="http://schemas.microsoft.com/office/powerpoint/2010/main" val="794646333"/>
+        <p14:creationId xmlns:p14="http://schemas.microsoft.com/office/powerpoint/2010/main" val="2690667467"/>
       </p:ext>
     </p:extLst>
   </p:cSld>
@@ -4777,61 +4752,13 @@
           <a:lstStyle/>
           <a:p>
             <a:r>
-              <a:rPr lang="de-DE" dirty="0" err="1" smtClean="0"/>
-              <a:t>Mockups</a:t>
-            </a:r>
-            <a:r>
               <a:rPr lang="de-DE" dirty="0" smtClean="0"/>
-              <a:t> mit Proto.io erstellt</a:t>
-            </a:r>
-          </a:p>
-          <a:p>
-            <a:endParaRPr lang="de-DE" dirty="0" smtClean="0"/>
-          </a:p>
-          <a:p>
-            <a:r>
-              <a:rPr lang="de-DE" dirty="0" smtClean="0"/>
-              <a:t>Vorteile: </a:t>
-            </a:r>
-          </a:p>
-          <a:p>
-            <a:pPr marL="171450" indent="-171450">
-              <a:buFont typeface="Arial" panose="020B0604020202020204" pitchFamily="34" charset="0"/>
-              <a:buChar char="•"/>
-            </a:pPr>
-            <a:r>
-              <a:rPr lang="de-DE" dirty="0" err="1" smtClean="0"/>
-              <a:t>Mockup</a:t>
-            </a:r>
-            <a:r>
-              <a:rPr lang="de-DE" dirty="0" smtClean="0"/>
-              <a:t> im Material-Design</a:t>
-            </a:r>
-          </a:p>
-          <a:p>
-            <a:pPr marL="171450" indent="-171450">
-              <a:buFont typeface="Arial" panose="020B0604020202020204" pitchFamily="34" charset="0"/>
-              <a:buChar char="•"/>
-            </a:pPr>
-            <a:r>
-              <a:rPr lang="de-DE" dirty="0" smtClean="0"/>
-              <a:t>Interaktiv</a:t>
-            </a:r>
-          </a:p>
-          <a:p>
-            <a:pPr marL="171450" indent="-171450">
-              <a:buFont typeface="Arial" panose="020B0604020202020204" pitchFamily="34" charset="0"/>
-              <a:buChar char="•"/>
-            </a:pPr>
-            <a:r>
-              <a:rPr lang="de-DE" dirty="0" smtClean="0"/>
-              <a:t>Schön</a:t>
-            </a:r>
-          </a:p>
-          <a:p>
-            <a:endParaRPr lang="de-DE" dirty="0" smtClean="0"/>
-          </a:p>
-          <a:p>
+              <a:t>Haben uns folgendes Inhaltsverzeichnis</a:t>
+            </a:r>
+            <a:r>
+              <a:rPr lang="de-DE" baseline="0" dirty="0" smtClean="0"/>
+              <a:t> überlegt …</a:t>
+            </a:r>
             <a:endParaRPr lang="de-DE" dirty="0"/>
           </a:p>
         </p:txBody>
@@ -4853,7 +4780,7 @@
           <a:p>
             <a:fld id="{14BEC569-9E05-4323-A98C-4047FABAF080}" type="slidenum">
               <a:rPr lang="de-DE" smtClean="0"/>
-              <a:t>5</a:t>
+              <a:t>2</a:t>
             </a:fld>
             <a:endParaRPr lang="de-DE"/>
           </a:p>
@@ -4862,7 +4789,7 @@
     </p:spTree>
     <p:extLst>
       <p:ext uri="{BB962C8B-B14F-4D97-AF65-F5344CB8AC3E}">
-        <p14:creationId xmlns:p14="http://schemas.microsoft.com/office/powerpoint/2010/main" val="1761719000"/>
+        <p14:creationId xmlns:p14="http://schemas.microsoft.com/office/powerpoint/2010/main" val="794646333"/>
       </p:ext>
     </p:extLst>
   </p:cSld>
@@ -4916,12 +4843,6 @@
           <a:bodyPr/>
           <a:lstStyle/>
           <a:p>
-            <a:r>
-              <a:rPr lang="de-DE" dirty="0" smtClean="0"/>
-              <a:t>Hier sieht man Interaktivität</a:t>
-            </a:r>
-          </a:p>
-          <a:p>
             <a:endParaRPr lang="de-DE" dirty="0"/>
           </a:p>
         </p:txBody>
@@ -4943,7 +4864,7 @@
           <a:p>
             <a:fld id="{14BEC569-9E05-4323-A98C-4047FABAF080}" type="slidenum">
               <a:rPr lang="de-DE" smtClean="0"/>
-              <a:t>6</a:t>
+              <a:t>4</a:t>
             </a:fld>
             <a:endParaRPr lang="de-DE"/>
           </a:p>
@@ -4952,7 +4873,7 @@
     </p:spTree>
     <p:extLst>
       <p:ext uri="{BB962C8B-B14F-4D97-AF65-F5344CB8AC3E}">
-        <p14:creationId xmlns:p14="http://schemas.microsoft.com/office/powerpoint/2010/main" val="3495113416"/>
+        <p14:creationId xmlns:p14="http://schemas.microsoft.com/office/powerpoint/2010/main" val="2237453342"/>
       </p:ext>
     </p:extLst>
   </p:cSld>
@@ -5007,79 +4928,59 @@
           <a:lstStyle/>
           <a:p>
             <a:r>
+              <a:rPr lang="de-DE" dirty="0" err="1" smtClean="0"/>
+              <a:t>Mockups</a:t>
+            </a:r>
+            <a:r>
               <a:rPr lang="de-DE" dirty="0" smtClean="0"/>
-              <a:t>3 </a:t>
-            </a:r>
+              <a:t> mit Proto.io erstellt</a:t>
+            </a:r>
+          </a:p>
+          <a:p>
+            <a:endParaRPr lang="de-DE" dirty="0" smtClean="0"/>
+          </a:p>
+          <a:p>
+            <a:r>
+              <a:rPr lang="de-DE" dirty="0" smtClean="0"/>
+              <a:t>Vorteile: </a:t>
+            </a:r>
+          </a:p>
+          <a:p>
+            <a:pPr marL="171450" indent="-171450">
+              <a:buFont typeface="Arial" panose="020B0604020202020204" pitchFamily="34" charset="0"/>
+              <a:buChar char="•"/>
+            </a:pPr>
             <a:r>
               <a:rPr lang="de-DE" dirty="0" err="1" smtClean="0"/>
-              <a:t>collections</a:t>
-            </a:r>
+              <a:t>Mockup</a:t>
+            </a:r>
+            <a:r>
+              <a:rPr lang="de-DE" dirty="0" smtClean="0"/>
+              <a:t> im Material-Design</a:t>
+            </a:r>
+          </a:p>
+          <a:p>
+            <a:pPr marL="171450" indent="-171450">
+              <a:buFont typeface="Arial" panose="020B0604020202020204" pitchFamily="34" charset="0"/>
+              <a:buChar char="•"/>
+            </a:pPr>
+            <a:r>
+              <a:rPr lang="de-DE" dirty="0" smtClean="0"/>
+              <a:t>Interaktiv</a:t>
+            </a:r>
+          </a:p>
+          <a:p>
+            <a:pPr marL="171450" indent="-171450">
+              <a:buFont typeface="Arial" panose="020B0604020202020204" pitchFamily="34" charset="0"/>
+              <a:buChar char="•"/>
+            </a:pPr>
+            <a:r>
+              <a:rPr lang="de-DE" dirty="0" smtClean="0"/>
+              <a:t>Schön</a:t>
+            </a:r>
+          </a:p>
+          <a:p>
             <a:endParaRPr lang="de-DE" dirty="0" smtClean="0"/>
-          </a:p>
-          <a:p>
-            <a:r>
-              <a:rPr lang="de-DE" dirty="0" smtClean="0"/>
-              <a:t>User</a:t>
-            </a:r>
-            <a:r>
-              <a:rPr lang="de-DE" baseline="0" dirty="0" smtClean="0"/>
-              <a:t> -&gt; </a:t>
-            </a:r>
-            <a:r>
-              <a:rPr lang="de-DE" baseline="0" dirty="0" err="1" smtClean="0"/>
-              <a:t>notes.user</a:t>
-            </a:r>
-            <a:endParaRPr lang="de-DE" dirty="0" smtClean="0"/>
-          </a:p>
-          <a:p>
-            <a:endParaRPr lang="de-DE" dirty="0" smtClean="0"/>
-          </a:p>
-          <a:p>
-            <a:r>
-              <a:rPr lang="de-DE" dirty="0" smtClean="0"/>
-              <a:t>_</a:t>
-            </a:r>
-            <a:r>
-              <a:rPr lang="de-DE" dirty="0" err="1" smtClean="0"/>
-              <a:t>id</a:t>
-            </a:r>
-            <a:r>
-              <a:rPr lang="de-DE" baseline="0" dirty="0" smtClean="0"/>
-              <a:t> = </a:t>
-            </a:r>
-            <a:r>
-              <a:rPr lang="de-DE" baseline="0" dirty="0" err="1" smtClean="0"/>
-              <a:t>unique</a:t>
-            </a:r>
-            <a:endParaRPr lang="de-DE" baseline="0" dirty="0" smtClean="0"/>
-          </a:p>
-          <a:p>
-            <a:r>
-              <a:rPr lang="de-DE" baseline="0" dirty="0" err="1" smtClean="0"/>
-              <a:t>User.email</a:t>
-            </a:r>
-            <a:r>
-              <a:rPr lang="de-DE" baseline="0" dirty="0" smtClean="0"/>
-              <a:t> = </a:t>
-            </a:r>
-            <a:r>
-              <a:rPr lang="de-DE" baseline="0" dirty="0" err="1" smtClean="0"/>
-              <a:t>unique</a:t>
-            </a:r>
-            <a:endParaRPr lang="de-DE" baseline="0" dirty="0" smtClean="0"/>
-          </a:p>
-          <a:p>
-            <a:endParaRPr lang="de-DE" baseline="0" dirty="0" smtClean="0"/>
-          </a:p>
-          <a:p>
-            <a:r>
-              <a:rPr lang="de-DE" baseline="0" dirty="0" err="1" smtClean="0"/>
-              <a:t>lastModifiedDate</a:t>
-            </a:r>
-            <a:r>
-              <a:rPr lang="de-DE" baseline="0" dirty="0" smtClean="0"/>
-              <a:t> hat TTL von 24 Stunden</a:t>
-            </a:r>
           </a:p>
           <a:p>
             <a:endParaRPr lang="de-DE" dirty="0"/>
@@ -5103,7 +5004,7 @@
           <a:p>
             <a:fld id="{14BEC569-9E05-4323-A98C-4047FABAF080}" type="slidenum">
               <a:rPr lang="de-DE" smtClean="0"/>
-              <a:t>7</a:t>
+              <a:t>5</a:t>
             </a:fld>
             <a:endParaRPr lang="de-DE"/>
           </a:p>
@@ -5112,7 +5013,7 @@
     </p:spTree>
     <p:extLst>
       <p:ext uri="{BB962C8B-B14F-4D97-AF65-F5344CB8AC3E}">
-        <p14:creationId xmlns:p14="http://schemas.microsoft.com/office/powerpoint/2010/main" val="3471116280"/>
+        <p14:creationId xmlns:p14="http://schemas.microsoft.com/office/powerpoint/2010/main" val="1761719000"/>
       </p:ext>
     </p:extLst>
   </p:cSld>
@@ -5168,89 +5069,10 @@
           <a:p>
             <a:r>
               <a:rPr lang="de-DE" dirty="0" smtClean="0"/>
-              <a:t>Als </a:t>
-            </a:r>
-            <a:r>
-              <a:rPr lang="de-DE" dirty="0" err="1" smtClean="0"/>
-              <a:t>Technologiestack</a:t>
-            </a:r>
-            <a:r>
-              <a:rPr lang="de-DE" dirty="0" smtClean="0"/>
-              <a:t> verwenden</a:t>
-            </a:r>
-            <a:r>
-              <a:rPr lang="de-DE" baseline="0" dirty="0" smtClean="0"/>
-              <a:t> wir den MEAN-Stack</a:t>
-            </a:r>
-            <a:endParaRPr lang="de-DE" dirty="0" smtClean="0"/>
-          </a:p>
-          <a:p>
-            <a:r>
-              <a:rPr lang="de-DE" dirty="0" smtClean="0"/>
-              <a:t>Steht für</a:t>
-            </a:r>
-            <a:r>
-              <a:rPr lang="de-DE" baseline="0" dirty="0" smtClean="0"/>
-              <a:t>:</a:t>
-            </a:r>
-            <a:endParaRPr lang="de-DE" dirty="0" smtClean="0"/>
-          </a:p>
-          <a:p>
-            <a:r>
-              <a:rPr lang="de-DE" dirty="0" err="1" smtClean="0"/>
-              <a:t>MongoDB</a:t>
-            </a:r>
-            <a:r>
-              <a:rPr lang="de-DE" dirty="0" smtClean="0"/>
-              <a:t> - </a:t>
-            </a:r>
-            <a:r>
-              <a:rPr lang="de-DE" dirty="0" err="1" smtClean="0"/>
-              <a:t>Persistenzschicht</a:t>
-            </a:r>
-            <a:endParaRPr lang="de-DE" dirty="0" smtClean="0"/>
-          </a:p>
-          <a:p>
-            <a:r>
-              <a:rPr lang="de-DE" dirty="0" err="1" smtClean="0"/>
-              <a:t>ExpressJs</a:t>
-            </a:r>
-            <a:r>
-              <a:rPr lang="de-DE" dirty="0" smtClean="0"/>
-              <a:t> </a:t>
-            </a:r>
-            <a:r>
-              <a:rPr lang="de-DE" baseline="0" dirty="0" smtClean="0"/>
-              <a:t>- Server Framework</a:t>
-            </a:r>
-          </a:p>
-          <a:p>
-            <a:r>
-              <a:rPr lang="de-DE" baseline="0" dirty="0" err="1" smtClean="0"/>
-              <a:t>AngularJs</a:t>
-            </a:r>
-            <a:r>
-              <a:rPr lang="de-DE" baseline="0" dirty="0" smtClean="0"/>
-              <a:t> - Client Framework</a:t>
-            </a:r>
-          </a:p>
-          <a:p>
-            <a:r>
-              <a:rPr lang="de-DE" baseline="0" dirty="0" err="1" smtClean="0"/>
-              <a:t>NodeJs</a:t>
-            </a:r>
-            <a:r>
-              <a:rPr lang="de-DE" baseline="0" dirty="0" smtClean="0"/>
-              <a:t> – Server </a:t>
-            </a:r>
-            <a:r>
-              <a:rPr lang="de-DE" baseline="0" dirty="0" err="1" smtClean="0"/>
-              <a:t>Runtime</a:t>
-            </a:r>
-            <a:r>
-              <a:rPr lang="de-DE" baseline="0" dirty="0" smtClean="0"/>
-              <a:t> = Laufzeitumgebung</a:t>
-            </a:r>
+              <a:t>Hier sieht man Interaktivität</a:t>
+            </a:r>
+          </a:p>
+          <a:p>
             <a:endParaRPr lang="de-DE" dirty="0"/>
           </a:p>
         </p:txBody>
@@ -5272,7 +5094,7 @@
           <a:p>
             <a:fld id="{14BEC569-9E05-4323-A98C-4047FABAF080}" type="slidenum">
               <a:rPr lang="de-DE" smtClean="0"/>
-              <a:t>8</a:t>
+              <a:t>6</a:t>
             </a:fld>
             <a:endParaRPr lang="de-DE"/>
           </a:p>
@@ -5281,7 +5103,7 @@
     </p:spTree>
     <p:extLst>
       <p:ext uri="{BB962C8B-B14F-4D97-AF65-F5344CB8AC3E}">
-        <p14:creationId xmlns:p14="http://schemas.microsoft.com/office/powerpoint/2010/main" val="4019237998"/>
+        <p14:creationId xmlns:p14="http://schemas.microsoft.com/office/powerpoint/2010/main" val="3495113416"/>
       </p:ext>
     </p:extLst>
   </p:cSld>
@@ -5337,41 +5159,80 @@
           <a:p>
             <a:r>
               <a:rPr lang="de-DE" dirty="0" smtClean="0"/>
-              <a:t>Registrierung -&gt; E-Mail</a:t>
+              <a:t>3 </a:t>
+            </a:r>
+            <a:r>
+              <a:rPr lang="de-DE" dirty="0" err="1" smtClean="0"/>
+              <a:t>collections</a:t>
+            </a:r>
+            <a:endParaRPr lang="de-DE" dirty="0" smtClean="0"/>
+          </a:p>
+          <a:p>
+            <a:r>
+              <a:rPr lang="de-DE" dirty="0" smtClean="0"/>
+              <a:t>User</a:t>
             </a:r>
             <a:r>
               <a:rPr lang="de-DE" baseline="0" dirty="0" smtClean="0"/>
-              <a:t> Service</a:t>
-            </a:r>
-          </a:p>
-          <a:p>
+              <a:t> -&gt; </a:t>
+            </a:r>
+            <a:r>
+              <a:rPr lang="de-DE" baseline="0" dirty="0" err="1" smtClean="0"/>
+              <a:t>notes.user</a:t>
+            </a:r>
+            <a:endParaRPr lang="de-DE" dirty="0" smtClean="0"/>
+          </a:p>
+          <a:p>
+            <a:endParaRPr lang="de-DE" dirty="0" smtClean="0"/>
+          </a:p>
+          <a:p>
+            <a:r>
+              <a:rPr lang="de-DE" dirty="0" smtClean="0"/>
+              <a:t>_</a:t>
+            </a:r>
+            <a:r>
+              <a:rPr lang="de-DE" dirty="0" err="1" smtClean="0"/>
+              <a:t>id</a:t>
+            </a:r>
             <a:r>
               <a:rPr lang="de-DE" baseline="0" dirty="0" smtClean="0"/>
-              <a:t>Teilen -&gt; Notizen </a:t>
+              <a:t> = </a:t>
             </a:r>
             <a:r>
               <a:rPr lang="de-DE" baseline="0" dirty="0" err="1" smtClean="0"/>
-              <a:t>sharen</a:t>
+              <a:t>unique</a:t>
             </a:r>
             <a:endParaRPr lang="de-DE" baseline="0" dirty="0" smtClean="0"/>
           </a:p>
           <a:p>
             <a:r>
+              <a:rPr lang="de-DE" baseline="0" dirty="0" err="1" smtClean="0"/>
+              <a:t>User.email</a:t>
+            </a:r>
+            <a:r>
               <a:rPr lang="de-DE" baseline="0" dirty="0" smtClean="0"/>
-              <a:t>Archivieren -&gt; bisher nur Delete</a:t>
-            </a:r>
-          </a:p>
-          <a:p>
+              <a:t> = </a:t>
+            </a:r>
+            <a:r>
+              <a:rPr lang="de-DE" baseline="0" dirty="0" err="1" smtClean="0"/>
+              <a:t>unique</a:t>
+            </a:r>
+            <a:endParaRPr lang="de-DE" baseline="0" dirty="0" smtClean="0"/>
+          </a:p>
+          <a:p>
+            <a:endParaRPr lang="de-DE" baseline="0" dirty="0" smtClean="0"/>
+          </a:p>
+          <a:p>
+            <a:r>
+              <a:rPr lang="de-DE" baseline="0" dirty="0" err="1" smtClean="0"/>
+              <a:t>lastModifiedDate</a:t>
+            </a:r>
             <a:r>
               <a:rPr lang="de-DE" baseline="0" dirty="0" smtClean="0"/>
-              <a:t>Drag &amp; Drop -&gt; bisher nach Erstellungsdatum</a:t>
-            </a:r>
-          </a:p>
-          <a:p>
-            <a:r>
-              <a:rPr lang="de-DE" baseline="0" dirty="0" smtClean="0"/>
-              <a:t>Modell erweitern -&gt; RTF-Texte, Checkliste, etc…</a:t>
-            </a:r>
+              <a:t> hat TTL von 24 Stunden</a:t>
+            </a:r>
+          </a:p>
+          <a:p>
             <a:endParaRPr lang="de-DE" dirty="0"/>
           </a:p>
         </p:txBody>
@@ -5393,7 +5254,297 @@
           <a:p>
             <a:fld id="{14BEC569-9E05-4323-A98C-4047FABAF080}" type="slidenum">
               <a:rPr lang="de-DE" smtClean="0"/>
-              <a:t>11</a:t>
+              <a:t>7</a:t>
+            </a:fld>
+            <a:endParaRPr lang="de-DE"/>
+          </a:p>
+        </p:txBody>
+      </p:sp>
+    </p:spTree>
+    <p:extLst>
+      <p:ext uri="{BB962C8B-B14F-4D97-AF65-F5344CB8AC3E}">
+        <p14:creationId xmlns:p14="http://schemas.microsoft.com/office/powerpoint/2010/main" val="3471116280"/>
+      </p:ext>
+    </p:extLst>
+  </p:cSld>
+  <p:clrMapOvr>
+    <a:masterClrMapping/>
+  </p:clrMapOvr>
+</p:notes>
+</file>
+
+<file path=ppt/notesSlides/notesSlide7.xml><?xml version="1.0" encoding="utf-8"?>
+<p:notes xmlns:a="http://schemas.openxmlformats.org/drawingml/2006/main" xmlns:r="http://schemas.openxmlformats.org/officeDocument/2006/relationships" xmlns:p="http://schemas.openxmlformats.org/presentationml/2006/main">
+  <p:cSld>
+    <p:spTree>
+      <p:nvGrpSpPr>
+        <p:cNvPr id="1" name=""/>
+        <p:cNvGrpSpPr/>
+        <p:nvPr/>
+      </p:nvGrpSpPr>
+      <p:grpSpPr>
+        <a:xfrm>
+          <a:off x="0" y="0"/>
+          <a:ext cx="0" cy="0"/>
+          <a:chOff x="0" y="0"/>
+          <a:chExt cx="0" cy="0"/>
+        </a:xfrm>
+      </p:grpSpPr>
+      <p:sp>
+        <p:nvSpPr>
+          <p:cNvPr id="2" name="Folienbildplatzhalter 1"/>
+          <p:cNvSpPr>
+            <a:spLocks noGrp="1" noRot="1" noChangeAspect="1"/>
+          </p:cNvSpPr>
+          <p:nvPr>
+            <p:ph type="sldImg"/>
+          </p:nvPr>
+        </p:nvSpPr>
+        <p:spPr/>
+      </p:sp>
+      <p:sp>
+        <p:nvSpPr>
+          <p:cNvPr id="3" name="Notizenplatzhalter 2"/>
+          <p:cNvSpPr>
+            <a:spLocks noGrp="1"/>
+          </p:cNvSpPr>
+          <p:nvPr>
+            <p:ph type="body" idx="1"/>
+          </p:nvPr>
+        </p:nvSpPr>
+        <p:spPr/>
+        <p:txBody>
+          <a:bodyPr/>
+          <a:lstStyle/>
+          <a:p>
+            <a:r>
+              <a:rPr lang="de-DE" dirty="0" smtClean="0"/>
+              <a:t>Als </a:t>
+            </a:r>
+            <a:r>
+              <a:rPr lang="de-DE" dirty="0" err="1" smtClean="0"/>
+              <a:t>Technologiestack</a:t>
+            </a:r>
+            <a:r>
+              <a:rPr lang="de-DE" dirty="0" smtClean="0"/>
+              <a:t> verwenden</a:t>
+            </a:r>
+            <a:r>
+              <a:rPr lang="de-DE" baseline="0" dirty="0" smtClean="0"/>
+              <a:t> wir den MEAN-Stack</a:t>
+            </a:r>
+            <a:endParaRPr lang="de-DE" dirty="0" smtClean="0"/>
+          </a:p>
+          <a:p>
+            <a:r>
+              <a:rPr lang="de-DE" dirty="0" smtClean="0"/>
+              <a:t>Steht für</a:t>
+            </a:r>
+            <a:r>
+              <a:rPr lang="de-DE" baseline="0" dirty="0" smtClean="0"/>
+              <a:t>:</a:t>
+            </a:r>
+            <a:endParaRPr lang="de-DE" dirty="0" smtClean="0"/>
+          </a:p>
+          <a:p>
+            <a:r>
+              <a:rPr lang="de-DE" dirty="0" err="1" smtClean="0"/>
+              <a:t>MongoDB</a:t>
+            </a:r>
+            <a:r>
+              <a:rPr lang="de-DE" dirty="0" smtClean="0"/>
+              <a:t> - </a:t>
+            </a:r>
+            <a:r>
+              <a:rPr lang="de-DE" dirty="0" err="1" smtClean="0"/>
+              <a:t>Persistenzschicht</a:t>
+            </a:r>
+            <a:endParaRPr lang="de-DE" dirty="0" smtClean="0"/>
+          </a:p>
+          <a:p>
+            <a:r>
+              <a:rPr lang="de-DE" dirty="0" err="1" smtClean="0"/>
+              <a:t>ExpressJs</a:t>
+            </a:r>
+            <a:r>
+              <a:rPr lang="de-DE" dirty="0" smtClean="0"/>
+              <a:t> </a:t>
+            </a:r>
+            <a:r>
+              <a:rPr lang="de-DE" baseline="0" dirty="0" smtClean="0"/>
+              <a:t>- Server Framework</a:t>
+            </a:r>
+          </a:p>
+          <a:p>
+            <a:r>
+              <a:rPr lang="de-DE" baseline="0" dirty="0" err="1" smtClean="0"/>
+              <a:t>AngularJs</a:t>
+            </a:r>
+            <a:r>
+              <a:rPr lang="de-DE" baseline="0" dirty="0" smtClean="0"/>
+              <a:t> - Client Framework</a:t>
+            </a:r>
+          </a:p>
+          <a:p>
+            <a:r>
+              <a:rPr lang="de-DE" baseline="0" dirty="0" err="1" smtClean="0"/>
+              <a:t>NodeJs</a:t>
+            </a:r>
+            <a:r>
+              <a:rPr lang="de-DE" baseline="0" dirty="0" smtClean="0"/>
+              <a:t> – Server </a:t>
+            </a:r>
+            <a:r>
+              <a:rPr lang="de-DE" baseline="0" dirty="0" err="1" smtClean="0"/>
+              <a:t>Runtime</a:t>
+            </a:r>
+            <a:r>
+              <a:rPr lang="de-DE" baseline="0" dirty="0" smtClean="0"/>
+              <a:t> = Laufzeitumgebung</a:t>
+            </a:r>
+            <a:endParaRPr lang="de-DE" dirty="0"/>
+          </a:p>
+        </p:txBody>
+      </p:sp>
+      <p:sp>
+        <p:nvSpPr>
+          <p:cNvPr id="4" name="Foliennummernplatzhalter 3"/>
+          <p:cNvSpPr>
+            <a:spLocks noGrp="1"/>
+          </p:cNvSpPr>
+          <p:nvPr>
+            <p:ph type="sldNum" sz="quarter" idx="10"/>
+          </p:nvPr>
+        </p:nvSpPr>
+        <p:spPr/>
+        <p:txBody>
+          <a:bodyPr/>
+          <a:lstStyle/>
+          <a:p>
+            <a:fld id="{14BEC569-9E05-4323-A98C-4047FABAF080}" type="slidenum">
+              <a:rPr lang="de-DE" smtClean="0"/>
+              <a:t>8</a:t>
+            </a:fld>
+            <a:endParaRPr lang="de-DE"/>
+          </a:p>
+        </p:txBody>
+      </p:sp>
+    </p:spTree>
+    <p:extLst>
+      <p:ext uri="{BB962C8B-B14F-4D97-AF65-F5344CB8AC3E}">
+        <p14:creationId xmlns:p14="http://schemas.microsoft.com/office/powerpoint/2010/main" val="4019237998"/>
+      </p:ext>
+    </p:extLst>
+  </p:cSld>
+  <p:clrMapOvr>
+    <a:masterClrMapping/>
+  </p:clrMapOvr>
+</p:notes>
+</file>
+
+<file path=ppt/notesSlides/notesSlide8.xml><?xml version="1.0" encoding="utf-8"?>
+<p:notes xmlns:a="http://schemas.openxmlformats.org/drawingml/2006/main" xmlns:r="http://schemas.openxmlformats.org/officeDocument/2006/relationships" xmlns:p="http://schemas.openxmlformats.org/presentationml/2006/main">
+  <p:cSld>
+    <p:spTree>
+      <p:nvGrpSpPr>
+        <p:cNvPr id="1" name=""/>
+        <p:cNvGrpSpPr/>
+        <p:nvPr/>
+      </p:nvGrpSpPr>
+      <p:grpSpPr>
+        <a:xfrm>
+          <a:off x="0" y="0"/>
+          <a:ext cx="0" cy="0"/>
+          <a:chOff x="0" y="0"/>
+          <a:chExt cx="0" cy="0"/>
+        </a:xfrm>
+      </p:grpSpPr>
+      <p:sp>
+        <p:nvSpPr>
+          <p:cNvPr id="2" name="Folienbildplatzhalter 1"/>
+          <p:cNvSpPr>
+            <a:spLocks noGrp="1" noRot="1" noChangeAspect="1"/>
+          </p:cNvSpPr>
+          <p:nvPr>
+            <p:ph type="sldImg"/>
+          </p:nvPr>
+        </p:nvSpPr>
+        <p:spPr/>
+      </p:sp>
+      <p:sp>
+        <p:nvSpPr>
+          <p:cNvPr id="3" name="Notizenplatzhalter 2"/>
+          <p:cNvSpPr>
+            <a:spLocks noGrp="1"/>
+          </p:cNvSpPr>
+          <p:nvPr>
+            <p:ph type="body" idx="1"/>
+          </p:nvPr>
+        </p:nvSpPr>
+        <p:spPr/>
+        <p:txBody>
+          <a:bodyPr/>
+          <a:lstStyle/>
+          <a:p>
+            <a:r>
+              <a:rPr lang="de-DE" dirty="0" smtClean="0"/>
+              <a:t>Registrierung -&gt; E-Mail</a:t>
+            </a:r>
+            <a:r>
+              <a:rPr lang="de-DE" baseline="0" dirty="0" smtClean="0"/>
+              <a:t> Service</a:t>
+            </a:r>
+          </a:p>
+          <a:p>
+            <a:r>
+              <a:rPr lang="de-DE" baseline="0" dirty="0" smtClean="0"/>
+              <a:t>Teilen -&gt; Notizen </a:t>
+            </a:r>
+            <a:r>
+              <a:rPr lang="de-DE" baseline="0" dirty="0" err="1" smtClean="0"/>
+              <a:t>sharen</a:t>
+            </a:r>
+            <a:endParaRPr lang="de-DE" baseline="0" dirty="0" smtClean="0"/>
+          </a:p>
+          <a:p>
+            <a:r>
+              <a:rPr lang="de-DE" baseline="0" dirty="0" smtClean="0"/>
+              <a:t>Archivieren -&gt; bisher nur Delete</a:t>
+            </a:r>
+          </a:p>
+          <a:p>
+            <a:r>
+              <a:rPr lang="de-DE" baseline="0" dirty="0" smtClean="0"/>
+              <a:t>Drag &amp; Drop -&gt; bisher nach Erstellungsdatum</a:t>
+            </a:r>
+          </a:p>
+          <a:p>
+            <a:r>
+              <a:rPr lang="de-DE" baseline="0" dirty="0" smtClean="0"/>
+              <a:t>Modell erweitern -&gt; RTF-Texte, Checkliste, etc…</a:t>
+            </a:r>
+            <a:endParaRPr lang="de-DE" dirty="0"/>
+          </a:p>
+        </p:txBody>
+      </p:sp>
+      <p:sp>
+        <p:nvSpPr>
+          <p:cNvPr id="4" name="Foliennummernplatzhalter 3"/>
+          <p:cNvSpPr>
+            <a:spLocks noGrp="1"/>
+          </p:cNvSpPr>
+          <p:nvPr>
+            <p:ph type="sldNum" sz="quarter" idx="10"/>
+          </p:nvPr>
+        </p:nvSpPr>
+        <p:spPr/>
+        <p:txBody>
+          <a:bodyPr/>
+          <a:lstStyle/>
+          <a:p>
+            <a:fld id="{14BEC569-9E05-4323-A98C-4047FABAF080}" type="slidenum">
+              <a:rPr lang="de-DE" smtClean="0"/>
+              <a:t>10</a:t>
             </a:fld>
             <a:endParaRPr lang="de-DE"/>
           </a:p>
@@ -11339,88 +11490,6 @@
           <a:p>
             <a:r>
               <a:rPr lang="de-DE" dirty="0" smtClean="0"/>
-              <a:t>Zeigen</a:t>
-            </a:r>
-            <a:endParaRPr lang="de-DE" dirty="0"/>
-          </a:p>
-        </p:txBody>
-      </p:sp>
-      <p:sp>
-        <p:nvSpPr>
-          <p:cNvPr id="3" name="Inhaltsplatzhalter 2"/>
-          <p:cNvSpPr>
-            <a:spLocks noGrp="1"/>
-          </p:cNvSpPr>
-          <p:nvPr>
-            <p:ph idx="1"/>
-          </p:nvPr>
-        </p:nvSpPr>
-        <p:spPr/>
-        <p:txBody>
-          <a:bodyPr/>
-          <a:lstStyle/>
-          <a:p>
-            <a:r>
-              <a:rPr lang="de-DE" dirty="0"/>
-              <a:t>http://localhost:3030/client/</a:t>
-            </a:r>
-          </a:p>
-        </p:txBody>
-      </p:sp>
-    </p:spTree>
-    <p:extLst>
-      <p:ext uri="{BB962C8B-B14F-4D97-AF65-F5344CB8AC3E}">
-        <p14:creationId xmlns:p14="http://schemas.microsoft.com/office/powerpoint/2010/main" val="2430726244"/>
-      </p:ext>
-    </p:extLst>
-  </p:cSld>
-  <p:clrMapOvr>
-    <a:masterClrMapping/>
-  </p:clrMapOvr>
-  <p:timing>
-    <p:tnLst>
-      <p:par>
-        <p:cTn id="1" dur="indefinite" restart="never" nodeType="tmRoot"/>
-      </p:par>
-    </p:tnLst>
-  </p:timing>
-</p:sld>
-</file>
-
-<file path=ppt/slides/slide11.xml><?xml version="1.0" encoding="utf-8"?>
-<p:sld xmlns:a="http://schemas.openxmlformats.org/drawingml/2006/main" xmlns:r="http://schemas.openxmlformats.org/officeDocument/2006/relationships" xmlns:p="http://schemas.openxmlformats.org/presentationml/2006/main">
-  <p:cSld>
-    <p:spTree>
-      <p:nvGrpSpPr>
-        <p:cNvPr id="1" name=""/>
-        <p:cNvGrpSpPr/>
-        <p:nvPr/>
-      </p:nvGrpSpPr>
-      <p:grpSpPr>
-        <a:xfrm>
-          <a:off x="0" y="0"/>
-          <a:ext cx="0" cy="0"/>
-          <a:chOff x="0" y="0"/>
-          <a:chExt cx="0" cy="0"/>
-        </a:xfrm>
-      </p:grpSpPr>
-      <p:sp>
-        <p:nvSpPr>
-          <p:cNvPr id="2" name="Titel 1"/>
-          <p:cNvSpPr>
-            <a:spLocks noGrp="1"/>
-          </p:cNvSpPr>
-          <p:nvPr>
-            <p:ph type="title"/>
-          </p:nvPr>
-        </p:nvSpPr>
-        <p:spPr/>
-        <p:txBody>
-          <a:bodyPr/>
-          <a:lstStyle/>
-          <a:p>
-            <a:r>
-              <a:rPr lang="de-DE" dirty="0" smtClean="0"/>
               <a:t>Aussicht</a:t>
             </a:r>
             <a:endParaRPr lang="de-DE" dirty="0"/>
@@ -11495,11 +11564,7 @@
             <a:pPr lvl="0"/>
             <a:r>
               <a:rPr lang="de-DE" dirty="0" smtClean="0"/>
-              <a:t>Notizenmodell </a:t>
-            </a:r>
-            <a:r>
-              <a:rPr lang="de-DE" dirty="0" smtClean="0"/>
-              <a:t>erweitern</a:t>
+              <a:t>Notizenmodell erweitern</a:t>
             </a:r>
             <a:endParaRPr lang="de-DE" dirty="0"/>
           </a:p>
@@ -11528,7 +11593,7 @@
 </p:sld>
 </file>
 
-<file path=ppt/slides/slide12.xml><?xml version="1.0" encoding="utf-8"?>
+<file path=ppt/slides/slide11.xml><?xml version="1.0" encoding="utf-8"?>
 <p:sld xmlns:a="http://schemas.openxmlformats.org/drawingml/2006/main" xmlns:r="http://schemas.openxmlformats.org/officeDocument/2006/relationships" xmlns:p="http://schemas.openxmlformats.org/presentationml/2006/main">
   <p:cSld>
     <p:spTree>
@@ -12591,13 +12656,69 @@
         </p:nvSpPr>
         <p:spPr/>
         <p:txBody>
-          <a:bodyPr/>
+          <a:bodyPr anchor="b"/>
           <a:lstStyle/>
           <a:p>
+            <a:r>
+              <a:rPr lang="de-DE" dirty="0" err="1" smtClean="0"/>
+              <a:t>Trello</a:t>
+            </a:r>
+            <a:endParaRPr lang="de-DE" dirty="0" smtClean="0"/>
+          </a:p>
+          <a:p>
+            <a:pPr lvl="1"/>
+            <a:r>
+              <a:rPr lang="de-DE" dirty="0" smtClean="0"/>
+              <a:t>Arbeitspakete erstellen</a:t>
+            </a:r>
+          </a:p>
+          <a:p>
+            <a:pPr lvl="1"/>
+            <a:r>
+              <a:rPr lang="de-DE" dirty="0" smtClean="0"/>
+              <a:t>Arbeitspakete terminieren</a:t>
+            </a:r>
+          </a:p>
+          <a:p>
+            <a:pPr lvl="1"/>
+            <a:r>
+              <a:rPr lang="de-DE" dirty="0" smtClean="0"/>
+              <a:t>Arbeitspakete aufteilen</a:t>
+            </a:r>
             <a:endParaRPr lang="de-DE" dirty="0"/>
           </a:p>
         </p:txBody>
       </p:sp>
+      <p:pic>
+        <p:nvPicPr>
+          <p:cNvPr id="5" name="Grafik 4"/>
+          <p:cNvPicPr>
+            <a:picLocks noChangeAspect="1"/>
+          </p:cNvPicPr>
+          <p:nvPr/>
+        </p:nvPicPr>
+        <p:blipFill>
+          <a:blip r:embed="rId3">
+            <a:extLst>
+              <a:ext uri="{28A0092B-C50C-407E-A947-70E740481C1C}">
+                <a14:useLocalDpi xmlns:a14="http://schemas.microsoft.com/office/drawing/2010/main" val="0"/>
+              </a:ext>
+            </a:extLst>
+          </a:blip>
+          <a:stretch>
+            <a:fillRect/>
+          </a:stretch>
+        </p:blipFill>
+        <p:spPr>
+          <a:xfrm>
+            <a:off x="3771899" y="2560290"/>
+            <a:ext cx="7124697" cy="3315578"/>
+          </a:xfrm>
+          <a:prstGeom prst="rect">
+            <a:avLst/>
+          </a:prstGeom>
+        </p:spPr>
+      </p:pic>
     </p:spTree>
     <p:extLst>
       <p:ext uri="{BB962C8B-B14F-4D97-AF65-F5344CB8AC3E}">
@@ -12614,101 +12735,9 @@
   <p:timing>
     <p:tnLst>
       <p:par>
-        <p:cTn id="1" dur="indefinite" restart="never" nodeType="tmRoot">
-          <p:childTnLst>
-            <p:seq concurrent="1" nextAc="seek">
-              <p:cTn id="2" dur="indefinite" nodeType="mainSeq">
-                <p:childTnLst>
-                  <p:par>
-                    <p:cTn id="3" fill="hold">
-                      <p:stCondLst>
-                        <p:cond delay="indefinite"/>
-                      </p:stCondLst>
-                      <p:childTnLst>
-                        <p:par>
-                          <p:cTn id="4" fill="hold">
-                            <p:stCondLst>
-                              <p:cond delay="0"/>
-                            </p:stCondLst>
-                            <p:childTnLst>
-                              <p:par>
-                                <p:cTn id="5" presetID="10" presetClass="entr" presetSubtype="0" fill="hold" grpId="0" nodeType="clickEffect" nodePh="1">
-                                  <p:stCondLst>
-                                    <p:cond delay="0"/>
-                                  </p:stCondLst>
-                                  <p:endCondLst>
-                                    <p:cond evt="begin" delay="0">
-                                      <p:tn val="5"/>
-                                    </p:cond>
-                                  </p:endCondLst>
-                                  <p:childTnLst>
-                                    <p:set>
-                                      <p:cBhvr>
-                                        <p:cTn id="6" dur="1" fill="hold">
-                                          <p:stCondLst>
-                                            <p:cond delay="0"/>
-                                          </p:stCondLst>
-                                        </p:cTn>
-                                        <p:tgtEl>
-                                          <p:spTgt spid="3">
-                                            <p:txEl>
-                                              <p:pRg st="0" end="0"/>
-                                            </p:txEl>
-                                          </p:spTgt>
-                                        </p:tgtEl>
-                                        <p:attrNameLst>
-                                          <p:attrName>style.visibility</p:attrName>
-                                        </p:attrNameLst>
-                                      </p:cBhvr>
-                                      <p:to>
-                                        <p:strVal val="visible"/>
-                                      </p:to>
-                                    </p:set>
-                                    <p:animEffect transition="in" filter="fade">
-                                      <p:cBhvr>
-                                        <p:cTn id="7" dur="500"/>
-                                        <p:tgtEl>
-                                          <p:spTgt spid="3">
-                                            <p:txEl>
-                                              <p:pRg st="0" end="0"/>
-                                            </p:txEl>
-                                          </p:spTgt>
-                                        </p:tgtEl>
-                                      </p:cBhvr>
-                                    </p:animEffect>
-                                  </p:childTnLst>
-                                </p:cTn>
-                              </p:par>
-                            </p:childTnLst>
-                          </p:cTn>
-                        </p:par>
-                      </p:childTnLst>
-                    </p:cTn>
-                  </p:par>
-                </p:childTnLst>
-              </p:cTn>
-              <p:prevCondLst>
-                <p:cond evt="onPrev" delay="0">
-                  <p:tgtEl>
-                    <p:sldTgt/>
-                  </p:tgtEl>
-                </p:cond>
-              </p:prevCondLst>
-              <p:nextCondLst>
-                <p:cond evt="onNext" delay="0">
-                  <p:tgtEl>
-                    <p:sldTgt/>
-                  </p:tgtEl>
-                </p:cond>
-              </p:nextCondLst>
-            </p:seq>
-          </p:childTnLst>
-        </p:cTn>
+        <p:cTn id="1" dur="indefinite" restart="never" nodeType="tmRoot"/>
       </p:par>
     </p:tnLst>
-    <p:bldLst>
-      <p:bldP spid="3" grpId="0" build="p"/>
-    </p:bldLst>
   </p:timing>
 </p:sld>
 </file>
@@ -13048,9 +13077,333 @@
   <p:timing>
     <p:tnLst>
       <p:par>
-        <p:cTn id="1" dur="indefinite" restart="never" nodeType="tmRoot"/>
+        <p:cTn id="1" dur="indefinite" restart="never" nodeType="tmRoot">
+          <p:childTnLst>
+            <p:seq concurrent="1" nextAc="seek">
+              <p:cTn id="2" dur="indefinite" nodeType="mainSeq">
+                <p:childTnLst>
+                  <p:par>
+                    <p:cTn id="3" fill="hold">
+                      <p:stCondLst>
+                        <p:cond delay="indefinite"/>
+                      </p:stCondLst>
+                      <p:childTnLst>
+                        <p:par>
+                          <p:cTn id="4" fill="hold">
+                            <p:stCondLst>
+                              <p:cond delay="0"/>
+                            </p:stCondLst>
+                            <p:childTnLst>
+                              <p:par>
+                                <p:cTn id="5" presetID="10" presetClass="entr" presetSubtype="0" fill="hold" grpId="0" nodeType="clickEffect">
+                                  <p:stCondLst>
+                                    <p:cond delay="0"/>
+                                  </p:stCondLst>
+                                  <p:childTnLst>
+                                    <p:set>
+                                      <p:cBhvr>
+                                        <p:cTn id="6" dur="1" fill="hold">
+                                          <p:stCondLst>
+                                            <p:cond delay="0"/>
+                                          </p:stCondLst>
+                                        </p:cTn>
+                                        <p:tgtEl>
+                                          <p:spTgt spid="2">
+                                            <p:graphicEl>
+                                              <a:dgm id="{19E0F596-C569-49EE-A858-0212E44E8361}"/>
+                                            </p:graphicEl>
+                                          </p:spTgt>
+                                        </p:tgtEl>
+                                        <p:attrNameLst>
+                                          <p:attrName>style.visibility</p:attrName>
+                                        </p:attrNameLst>
+                                      </p:cBhvr>
+                                      <p:to>
+                                        <p:strVal val="visible"/>
+                                      </p:to>
+                                    </p:set>
+                                    <p:animEffect transition="in" filter="fade">
+                                      <p:cBhvr>
+                                        <p:cTn id="7" dur="500"/>
+                                        <p:tgtEl>
+                                          <p:spTgt spid="2">
+                                            <p:graphicEl>
+                                              <a:dgm id="{19E0F596-C569-49EE-A858-0212E44E8361}"/>
+                                            </p:graphicEl>
+                                          </p:spTgt>
+                                        </p:tgtEl>
+                                      </p:cBhvr>
+                                    </p:animEffect>
+                                  </p:childTnLst>
+                                </p:cTn>
+                              </p:par>
+                              <p:par>
+                                <p:cTn id="8" presetID="10" presetClass="entr" presetSubtype="0" fill="hold" grpId="0" nodeType="withEffect">
+                                  <p:stCondLst>
+                                    <p:cond delay="0"/>
+                                  </p:stCondLst>
+                                  <p:childTnLst>
+                                    <p:set>
+                                      <p:cBhvr>
+                                        <p:cTn id="9" dur="1" fill="hold">
+                                          <p:stCondLst>
+                                            <p:cond delay="0"/>
+                                          </p:stCondLst>
+                                        </p:cTn>
+                                        <p:tgtEl>
+                                          <p:spTgt spid="2">
+                                            <p:graphicEl>
+                                              <a:dgm id="{CEB00F75-F7C3-4B6C-8DA8-4BE0DDA62DD1}"/>
+                                            </p:graphicEl>
+                                          </p:spTgt>
+                                        </p:tgtEl>
+                                        <p:attrNameLst>
+                                          <p:attrName>style.visibility</p:attrName>
+                                        </p:attrNameLst>
+                                      </p:cBhvr>
+                                      <p:to>
+                                        <p:strVal val="visible"/>
+                                      </p:to>
+                                    </p:set>
+                                    <p:animEffect transition="in" filter="fade">
+                                      <p:cBhvr>
+                                        <p:cTn id="10" dur="500"/>
+                                        <p:tgtEl>
+                                          <p:spTgt spid="2">
+                                            <p:graphicEl>
+                                              <a:dgm id="{CEB00F75-F7C3-4B6C-8DA8-4BE0DDA62DD1}"/>
+                                            </p:graphicEl>
+                                          </p:spTgt>
+                                        </p:tgtEl>
+                                      </p:cBhvr>
+                                    </p:animEffect>
+                                  </p:childTnLst>
+                                </p:cTn>
+                              </p:par>
+                              <p:par>
+                                <p:cTn id="11" presetID="10" presetClass="entr" presetSubtype="0" fill="hold" grpId="0" nodeType="withEffect">
+                                  <p:stCondLst>
+                                    <p:cond delay="0"/>
+                                  </p:stCondLst>
+                                  <p:childTnLst>
+                                    <p:set>
+                                      <p:cBhvr>
+                                        <p:cTn id="12" dur="1" fill="hold">
+                                          <p:stCondLst>
+                                            <p:cond delay="0"/>
+                                          </p:stCondLst>
+                                        </p:cTn>
+                                        <p:tgtEl>
+                                          <p:spTgt spid="2">
+                                            <p:graphicEl>
+                                              <a:dgm id="{408356D3-9949-4E29-8747-B7EE15A2C512}"/>
+                                            </p:graphicEl>
+                                          </p:spTgt>
+                                        </p:tgtEl>
+                                        <p:attrNameLst>
+                                          <p:attrName>style.visibility</p:attrName>
+                                        </p:attrNameLst>
+                                      </p:cBhvr>
+                                      <p:to>
+                                        <p:strVal val="visible"/>
+                                      </p:to>
+                                    </p:set>
+                                    <p:animEffect transition="in" filter="fade">
+                                      <p:cBhvr>
+                                        <p:cTn id="13" dur="500"/>
+                                        <p:tgtEl>
+                                          <p:spTgt spid="2">
+                                            <p:graphicEl>
+                                              <a:dgm id="{408356D3-9949-4E29-8747-B7EE15A2C512}"/>
+                                            </p:graphicEl>
+                                          </p:spTgt>
+                                        </p:tgtEl>
+                                      </p:cBhvr>
+                                    </p:animEffect>
+                                  </p:childTnLst>
+                                </p:cTn>
+                              </p:par>
+                            </p:childTnLst>
+                          </p:cTn>
+                        </p:par>
+                      </p:childTnLst>
+                    </p:cTn>
+                  </p:par>
+                  <p:par>
+                    <p:cTn id="14" fill="hold">
+                      <p:stCondLst>
+                        <p:cond delay="indefinite"/>
+                      </p:stCondLst>
+                      <p:childTnLst>
+                        <p:par>
+                          <p:cTn id="15" fill="hold">
+                            <p:stCondLst>
+                              <p:cond delay="0"/>
+                            </p:stCondLst>
+                            <p:childTnLst>
+                              <p:par>
+                                <p:cTn id="16" presetID="10" presetClass="entr" presetSubtype="0" fill="hold" grpId="0" nodeType="clickEffect">
+                                  <p:stCondLst>
+                                    <p:cond delay="0"/>
+                                  </p:stCondLst>
+                                  <p:childTnLst>
+                                    <p:set>
+                                      <p:cBhvr>
+                                        <p:cTn id="17" dur="1" fill="hold">
+                                          <p:stCondLst>
+                                            <p:cond delay="0"/>
+                                          </p:stCondLst>
+                                        </p:cTn>
+                                        <p:tgtEl>
+                                          <p:spTgt spid="2">
+                                            <p:graphicEl>
+                                              <a:dgm id="{F5E4AB33-7C02-4210-A409-8AD4743E5C7F}"/>
+                                            </p:graphicEl>
+                                          </p:spTgt>
+                                        </p:tgtEl>
+                                        <p:attrNameLst>
+                                          <p:attrName>style.visibility</p:attrName>
+                                        </p:attrNameLst>
+                                      </p:cBhvr>
+                                      <p:to>
+                                        <p:strVal val="visible"/>
+                                      </p:to>
+                                    </p:set>
+                                    <p:animEffect transition="in" filter="fade">
+                                      <p:cBhvr>
+                                        <p:cTn id="18" dur="500"/>
+                                        <p:tgtEl>
+                                          <p:spTgt spid="2">
+                                            <p:graphicEl>
+                                              <a:dgm id="{F5E4AB33-7C02-4210-A409-8AD4743E5C7F}"/>
+                                            </p:graphicEl>
+                                          </p:spTgt>
+                                        </p:tgtEl>
+                                      </p:cBhvr>
+                                    </p:animEffect>
+                                  </p:childTnLst>
+                                </p:cTn>
+                              </p:par>
+                              <p:par>
+                                <p:cTn id="19" presetID="10" presetClass="entr" presetSubtype="0" fill="hold" grpId="0" nodeType="withEffect">
+                                  <p:stCondLst>
+                                    <p:cond delay="0"/>
+                                  </p:stCondLst>
+                                  <p:childTnLst>
+                                    <p:set>
+                                      <p:cBhvr>
+                                        <p:cTn id="20" dur="1" fill="hold">
+                                          <p:stCondLst>
+                                            <p:cond delay="0"/>
+                                          </p:stCondLst>
+                                        </p:cTn>
+                                        <p:tgtEl>
+                                          <p:spTgt spid="2">
+                                            <p:graphicEl>
+                                              <a:dgm id="{E2FEDD15-6C55-4357-B7C9-D7888B6098CA}"/>
+                                            </p:graphicEl>
+                                          </p:spTgt>
+                                        </p:tgtEl>
+                                        <p:attrNameLst>
+                                          <p:attrName>style.visibility</p:attrName>
+                                        </p:attrNameLst>
+                                      </p:cBhvr>
+                                      <p:to>
+                                        <p:strVal val="visible"/>
+                                      </p:to>
+                                    </p:set>
+                                    <p:animEffect transition="in" filter="fade">
+                                      <p:cBhvr>
+                                        <p:cTn id="21" dur="500"/>
+                                        <p:tgtEl>
+                                          <p:spTgt spid="2">
+                                            <p:graphicEl>
+                                              <a:dgm id="{E2FEDD15-6C55-4357-B7C9-D7888B6098CA}"/>
+                                            </p:graphicEl>
+                                          </p:spTgt>
+                                        </p:tgtEl>
+                                      </p:cBhvr>
+                                    </p:animEffect>
+                                  </p:childTnLst>
+                                </p:cTn>
+                              </p:par>
+                              <p:par>
+                                <p:cTn id="22" presetID="10" presetClass="entr" presetSubtype="0" fill="hold" grpId="0" nodeType="withEffect">
+                                  <p:stCondLst>
+                                    <p:cond delay="0"/>
+                                  </p:stCondLst>
+                                  <p:childTnLst>
+                                    <p:set>
+                                      <p:cBhvr>
+                                        <p:cTn id="23" dur="1" fill="hold">
+                                          <p:stCondLst>
+                                            <p:cond delay="0"/>
+                                          </p:stCondLst>
+                                        </p:cTn>
+                                        <p:tgtEl>
+                                          <p:spTgt spid="2">
+                                            <p:graphicEl>
+                                              <a:dgm id="{FFF38D35-7D94-4F39-9648-B2AB98F610BE}"/>
+                                            </p:graphicEl>
+                                          </p:spTgt>
+                                        </p:tgtEl>
+                                        <p:attrNameLst>
+                                          <p:attrName>style.visibility</p:attrName>
+                                        </p:attrNameLst>
+                                      </p:cBhvr>
+                                      <p:to>
+                                        <p:strVal val="visible"/>
+                                      </p:to>
+                                    </p:set>
+                                    <p:animEffect transition="in" filter="fade">
+                                      <p:cBhvr>
+                                        <p:cTn id="24" dur="500"/>
+                                        <p:tgtEl>
+                                          <p:spTgt spid="2">
+                                            <p:graphicEl>
+                                              <a:dgm id="{FFF38D35-7D94-4F39-9648-B2AB98F610BE}"/>
+                                            </p:graphicEl>
+                                          </p:spTgt>
+                                        </p:tgtEl>
+                                      </p:cBhvr>
+                                    </p:animEffect>
+                                  </p:childTnLst>
+                                </p:cTn>
+                              </p:par>
+                            </p:childTnLst>
+                          </p:cTn>
+                        </p:par>
+                      </p:childTnLst>
+                    </p:cTn>
+                  </p:par>
+                </p:childTnLst>
+              </p:cTn>
+              <p:prevCondLst>
+                <p:cond evt="onPrev" delay="0">
+                  <p:tgtEl>
+                    <p:sldTgt/>
+                  </p:tgtEl>
+                </p:cond>
+              </p:prevCondLst>
+              <p:nextCondLst>
+                <p:cond evt="onNext" delay="0">
+                  <p:tgtEl>
+                    <p:sldTgt/>
+                  </p:tgtEl>
+                </p:cond>
+              </p:nextCondLst>
+            </p:seq>
+          </p:childTnLst>
+        </p:cTn>
       </p:par>
     </p:tnLst>
+    <p:bldLst>
+      <p:bldGraphic spid="2" grpId="0">
+        <p:bldSub>
+          <a:bldDgm bld="lvlAtOnce"/>
+        </p:bldSub>
+      </p:bldGraphic>
+    </p:bldLst>
   </p:timing>
 </p:sld>
 </file>
@@ -13123,7 +13476,7 @@
         </p:blipFill>
         <p:spPr>
           <a:xfrm>
-            <a:off x="6262642" y="2564417"/>
+            <a:off x="6262642" y="2691417"/>
             <a:ext cx="1800000" cy="1800000"/>
           </a:xfrm>
         </p:spPr>
@@ -13150,7 +13503,7 @@
         </p:blipFill>
         <p:spPr>
           <a:xfrm>
-            <a:off x="4200890" y="2564417"/>
+            <a:off x="4200890" y="2691417"/>
             <a:ext cx="1800000" cy="1800000"/>
           </a:xfrm>
           <a:prstGeom prst="rect">
@@ -13180,7 +13533,7 @@
         </p:blipFill>
         <p:spPr>
           <a:xfrm>
-            <a:off x="2139138" y="2564417"/>
+            <a:off x="2139138" y="2691417"/>
             <a:ext cx="1800000" cy="1800000"/>
           </a:xfrm>
           <a:prstGeom prst="rect">
@@ -13210,7 +13563,7 @@
         </p:blipFill>
         <p:spPr>
           <a:xfrm>
-            <a:off x="8324394" y="2564417"/>
+            <a:off x="8324394" y="2691417"/>
             <a:ext cx="1800000" cy="1800000"/>
           </a:xfrm>
           <a:prstGeom prst="rect">
@@ -14298,7 +14651,434 @@
           <a:p>
             <a:r>
               <a:rPr lang="de-DE" dirty="0" smtClean="0"/>
-              <a:t>Vorstellung</a:t>
+              <a:t>Anfragenschema</a:t>
+            </a:r>
+            <a:endParaRPr lang="de-DE" dirty="0"/>
+          </a:p>
+        </p:txBody>
+      </p:sp>
+      <p:pic>
+        <p:nvPicPr>
+          <p:cNvPr id="7" name="Inhaltsplatzhalter 6"/>
+          <p:cNvPicPr>
+            <a:picLocks noGrp="1" noChangeAspect="1"/>
+          </p:cNvPicPr>
+          <p:nvPr>
+            <p:ph idx="1"/>
+          </p:nvPr>
+        </p:nvPicPr>
+        <p:blipFill>
+          <a:blip r:embed="rId2">
+            <a:extLst>
+              <a:ext uri="{28A0092B-C50C-407E-A947-70E740481C1C}">
+                <a14:useLocalDpi xmlns:a14="http://schemas.microsoft.com/office/drawing/2010/main" val="0"/>
+              </a:ext>
+            </a:extLst>
+          </a:blip>
+          <a:stretch>
+            <a:fillRect/>
+          </a:stretch>
+        </p:blipFill>
+        <p:spPr>
+          <a:xfrm>
+            <a:off x="3537486" y="3573017"/>
+            <a:ext cx="1255596" cy="1263995"/>
+          </a:xfrm>
+        </p:spPr>
+      </p:pic>
+      <p:pic>
+        <p:nvPicPr>
+          <p:cNvPr id="8" name="Grafik 7"/>
+          <p:cNvPicPr>
+            <a:picLocks noChangeAspect="1"/>
+          </p:cNvPicPr>
+          <p:nvPr/>
+        </p:nvPicPr>
+        <p:blipFill>
+          <a:blip r:embed="rId3">
+            <a:extLst>
+              <a:ext uri="{28A0092B-C50C-407E-A947-70E740481C1C}">
+                <a14:useLocalDpi xmlns:a14="http://schemas.microsoft.com/office/drawing/2010/main" val="0"/>
+              </a:ext>
+            </a:extLst>
+          </a:blip>
+          <a:stretch>
+            <a:fillRect/>
+          </a:stretch>
+        </p:blipFill>
+        <p:spPr>
+          <a:xfrm>
+            <a:off x="2224893" y="3726088"/>
+            <a:ext cx="962693" cy="962693"/>
+          </a:xfrm>
+          <a:prstGeom prst="rect">
+            <a:avLst/>
+          </a:prstGeom>
+        </p:spPr>
+      </p:pic>
+      <p:pic>
+        <p:nvPicPr>
+          <p:cNvPr id="9" name="Grafik 8"/>
+          <p:cNvPicPr>
+            <a:picLocks noChangeAspect="1"/>
+          </p:cNvPicPr>
+          <p:nvPr/>
+        </p:nvPicPr>
+        <p:blipFill>
+          <a:blip r:embed="rId4">
+            <a:extLst>
+              <a:ext uri="{28A0092B-C50C-407E-A947-70E740481C1C}">
+                <a14:useLocalDpi xmlns:a14="http://schemas.microsoft.com/office/drawing/2010/main" val="0"/>
+              </a:ext>
+            </a:extLst>
+          </a:blip>
+          <a:stretch>
+            <a:fillRect/>
+          </a:stretch>
+        </p:blipFill>
+        <p:spPr>
+          <a:xfrm>
+            <a:off x="7398918" y="3476949"/>
+            <a:ext cx="1451296" cy="1456134"/>
+          </a:xfrm>
+          <a:prstGeom prst="rect">
+            <a:avLst/>
+          </a:prstGeom>
+        </p:spPr>
+      </p:pic>
+      <p:pic>
+        <p:nvPicPr>
+          <p:cNvPr id="10" name="Grafik 9"/>
+          <p:cNvPicPr>
+            <a:picLocks noChangeAspect="1"/>
+          </p:cNvPicPr>
+          <p:nvPr/>
+        </p:nvPicPr>
+        <p:blipFill>
+          <a:blip r:embed="rId5">
+            <a:extLst>
+              <a:ext uri="{28A0092B-C50C-407E-A947-70E740481C1C}">
+                <a14:useLocalDpi xmlns:a14="http://schemas.microsoft.com/office/drawing/2010/main" val="0"/>
+              </a:ext>
+            </a:extLst>
+          </a:blip>
+          <a:stretch>
+            <a:fillRect/>
+          </a:stretch>
+        </p:blipFill>
+        <p:spPr>
+          <a:xfrm>
+            <a:off x="9200114" y="3721250"/>
+            <a:ext cx="967531" cy="967531"/>
+          </a:xfrm>
+          <a:prstGeom prst="rect">
+            <a:avLst/>
+          </a:prstGeom>
+        </p:spPr>
+      </p:pic>
+      <p:pic>
+        <p:nvPicPr>
+          <p:cNvPr id="11" name="Grafik 10"/>
+          <p:cNvPicPr>
+            <a:picLocks noChangeAspect="1"/>
+          </p:cNvPicPr>
+          <p:nvPr/>
+        </p:nvPicPr>
+        <p:blipFill>
+          <a:blip r:embed="rId6">
+            <a:extLst>
+              <a:ext uri="{28A0092B-C50C-407E-A947-70E740481C1C}">
+                <a14:useLocalDpi xmlns:a14="http://schemas.microsoft.com/office/drawing/2010/main" val="0"/>
+              </a:ext>
+            </a:extLst>
+          </a:blip>
+          <a:stretch>
+            <a:fillRect/>
+          </a:stretch>
+        </p:blipFill>
+        <p:spPr>
+          <a:xfrm>
+            <a:off x="5142982" y="3247160"/>
+            <a:ext cx="1906036" cy="1915712"/>
+          </a:xfrm>
+          <a:prstGeom prst="rect">
+            <a:avLst/>
+          </a:prstGeom>
+        </p:spPr>
+      </p:pic>
+      <p:pic>
+        <p:nvPicPr>
+          <p:cNvPr id="21" name="Grafik 20"/>
+          <p:cNvPicPr>
+            <a:picLocks noChangeAspect="1"/>
+          </p:cNvPicPr>
+          <p:nvPr/>
+        </p:nvPicPr>
+        <p:blipFill>
+          <a:blip r:embed="rId7">
+            <a:extLst>
+              <a:ext uri="{28A0092B-C50C-407E-A947-70E740481C1C}">
+                <a14:useLocalDpi xmlns:a14="http://schemas.microsoft.com/office/drawing/2010/main" val="0"/>
+              </a:ext>
+            </a:extLst>
+          </a:blip>
+          <a:stretch>
+            <a:fillRect/>
+          </a:stretch>
+        </p:blipFill>
+        <p:spPr>
+          <a:xfrm rot="10800000">
+            <a:off x="4750144" y="3558560"/>
+            <a:ext cx="388998" cy="143876"/>
+          </a:xfrm>
+          <a:prstGeom prst="rect">
+            <a:avLst/>
+          </a:prstGeom>
+        </p:spPr>
+      </p:pic>
+      <p:pic>
+        <p:nvPicPr>
+          <p:cNvPr id="22" name="Grafik 21"/>
+          <p:cNvPicPr>
+            <a:picLocks noChangeAspect="1"/>
+          </p:cNvPicPr>
+          <p:nvPr/>
+        </p:nvPicPr>
+        <p:blipFill>
+          <a:blip r:embed="rId8">
+            <a:extLst>
+              <a:ext uri="{28A0092B-C50C-407E-A947-70E740481C1C}">
+                <a14:useLocalDpi xmlns:a14="http://schemas.microsoft.com/office/drawing/2010/main" val="0"/>
+              </a:ext>
+            </a:extLst>
+          </a:blip>
+          <a:stretch>
+            <a:fillRect/>
+          </a:stretch>
+        </p:blipFill>
+        <p:spPr>
+          <a:xfrm>
+            <a:off x="2096560" y="3548038"/>
+            <a:ext cx="1470734" cy="532875"/>
+          </a:xfrm>
+          <a:prstGeom prst="rect">
+            <a:avLst/>
+          </a:prstGeom>
+        </p:spPr>
+      </p:pic>
+      <p:pic>
+        <p:nvPicPr>
+          <p:cNvPr id="23" name="Grafik 22"/>
+          <p:cNvPicPr>
+            <a:picLocks noChangeAspect="1"/>
+          </p:cNvPicPr>
+          <p:nvPr/>
+        </p:nvPicPr>
+        <p:blipFill>
+          <a:blip r:embed="rId9">
+            <a:extLst>
+              <a:ext uri="{28A0092B-C50C-407E-A947-70E740481C1C}">
+                <a14:useLocalDpi xmlns:a14="http://schemas.microsoft.com/office/drawing/2010/main" val="0"/>
+              </a:ext>
+            </a:extLst>
+          </a:blip>
+          <a:stretch>
+            <a:fillRect/>
+          </a:stretch>
+        </p:blipFill>
+        <p:spPr>
+          <a:xfrm>
+            <a:off x="2047907" y="4205014"/>
+            <a:ext cx="1396131" cy="596819"/>
+          </a:xfrm>
+          <a:prstGeom prst="rect">
+            <a:avLst/>
+          </a:prstGeom>
+        </p:spPr>
+      </p:pic>
+      <p:pic>
+        <p:nvPicPr>
+          <p:cNvPr id="24" name="Grafik 23"/>
+          <p:cNvPicPr>
+            <a:picLocks noChangeAspect="1"/>
+          </p:cNvPicPr>
+          <p:nvPr/>
+        </p:nvPicPr>
+        <p:blipFill>
+          <a:blip r:embed="rId7">
+            <a:extLst>
+              <a:ext uri="{28A0092B-C50C-407E-A947-70E740481C1C}">
+                <a14:useLocalDpi xmlns:a14="http://schemas.microsoft.com/office/drawing/2010/main" val="0"/>
+              </a:ext>
+            </a:extLst>
+          </a:blip>
+          <a:stretch>
+            <a:fillRect/>
+          </a:stretch>
+        </p:blipFill>
+        <p:spPr>
+          <a:xfrm>
+            <a:off x="4751538" y="4712493"/>
+            <a:ext cx="388998" cy="143876"/>
+          </a:xfrm>
+          <a:prstGeom prst="rect">
+            <a:avLst/>
+          </a:prstGeom>
+        </p:spPr>
+      </p:pic>
+      <p:pic>
+        <p:nvPicPr>
+          <p:cNvPr id="25" name="Grafik 24"/>
+          <p:cNvPicPr>
+            <a:picLocks noChangeAspect="1"/>
+          </p:cNvPicPr>
+          <p:nvPr/>
+        </p:nvPicPr>
+        <p:blipFill>
+          <a:blip r:embed="rId7">
+            <a:extLst>
+              <a:ext uri="{28A0092B-C50C-407E-A947-70E740481C1C}">
+                <a14:useLocalDpi xmlns:a14="http://schemas.microsoft.com/office/drawing/2010/main" val="0"/>
+              </a:ext>
+            </a:extLst>
+          </a:blip>
+          <a:stretch>
+            <a:fillRect/>
+          </a:stretch>
+        </p:blipFill>
+        <p:spPr>
+          <a:xfrm>
+            <a:off x="7062938" y="4712493"/>
+            <a:ext cx="388998" cy="143876"/>
+          </a:xfrm>
+          <a:prstGeom prst="rect">
+            <a:avLst/>
+          </a:prstGeom>
+        </p:spPr>
+      </p:pic>
+      <p:pic>
+        <p:nvPicPr>
+          <p:cNvPr id="26" name="Grafik 25"/>
+          <p:cNvPicPr>
+            <a:picLocks noChangeAspect="1"/>
+          </p:cNvPicPr>
+          <p:nvPr/>
+        </p:nvPicPr>
+        <p:blipFill>
+          <a:blip r:embed="rId8">
+            <a:extLst>
+              <a:ext uri="{28A0092B-C50C-407E-A947-70E740481C1C}">
+                <a14:useLocalDpi xmlns:a14="http://schemas.microsoft.com/office/drawing/2010/main" val="0"/>
+              </a:ext>
+            </a:extLst>
+          </a:blip>
+          <a:stretch>
+            <a:fillRect/>
+          </a:stretch>
+        </p:blipFill>
+        <p:spPr>
+          <a:xfrm rot="10800000">
+            <a:off x="8825419" y="4323187"/>
+            <a:ext cx="1470734" cy="532875"/>
+          </a:xfrm>
+          <a:prstGeom prst="rect">
+            <a:avLst/>
+          </a:prstGeom>
+        </p:spPr>
+      </p:pic>
+      <p:pic>
+        <p:nvPicPr>
+          <p:cNvPr id="27" name="Grafik 26"/>
+          <p:cNvPicPr>
+            <a:picLocks noChangeAspect="1"/>
+          </p:cNvPicPr>
+          <p:nvPr/>
+        </p:nvPicPr>
+        <p:blipFill>
+          <a:blip r:embed="rId9">
+            <a:extLst>
+              <a:ext uri="{28A0092B-C50C-407E-A947-70E740481C1C}">
+                <a14:useLocalDpi xmlns:a14="http://schemas.microsoft.com/office/drawing/2010/main" val="0"/>
+              </a:ext>
+            </a:extLst>
+          </a:blip>
+          <a:stretch>
+            <a:fillRect/>
+          </a:stretch>
+        </p:blipFill>
+        <p:spPr>
+          <a:xfrm rot="10800000">
+            <a:off x="8955153" y="3614238"/>
+            <a:ext cx="1396131" cy="596819"/>
+          </a:xfrm>
+          <a:prstGeom prst="rect">
+            <a:avLst/>
+          </a:prstGeom>
+        </p:spPr>
+      </p:pic>
+      <p:pic>
+        <p:nvPicPr>
+          <p:cNvPr id="28" name="Grafik 27"/>
+          <p:cNvPicPr>
+            <a:picLocks noChangeAspect="1"/>
+          </p:cNvPicPr>
+          <p:nvPr/>
+        </p:nvPicPr>
+        <p:blipFill>
+          <a:blip r:embed="rId7">
+            <a:extLst>
+              <a:ext uri="{28A0092B-C50C-407E-A947-70E740481C1C}">
+                <a14:useLocalDpi xmlns:a14="http://schemas.microsoft.com/office/drawing/2010/main" val="0"/>
+              </a:ext>
+            </a:extLst>
+          </a:blip>
+          <a:stretch>
+            <a:fillRect/>
+          </a:stretch>
+        </p:blipFill>
+        <p:spPr>
+          <a:xfrm rot="10800000">
+            <a:off x="7019072" y="3558560"/>
+            <a:ext cx="388998" cy="143876"/>
+          </a:xfrm>
+          <a:prstGeom prst="rect">
+            <a:avLst/>
+          </a:prstGeom>
+        </p:spPr>
+      </p:pic>
+      <p:sp>
+        <p:nvSpPr>
+          <p:cNvPr id="29" name="Textfeld 28"/>
+          <p:cNvSpPr txBox="1"/>
+          <p:nvPr/>
+        </p:nvSpPr>
+        <p:spPr>
+          <a:xfrm>
+            <a:off x="963290" y="3881848"/>
+            <a:ext cx="991169" cy="646331"/>
+          </a:xfrm>
+          <a:prstGeom prst="rect">
+            <a:avLst/>
+          </a:prstGeom>
+          <a:noFill/>
+        </p:spPr>
+        <p:txBody>
+          <a:bodyPr wrap="none" rtlCol="0">
+            <a:spAutoFit/>
+          </a:bodyPr>
+          <a:lstStyle/>
+          <a:p>
+            <a:pPr algn="ctr"/>
+            <a:r>
+              <a:rPr lang="de-DE" dirty="0" smtClean="0"/>
+              <a:t>Benutzer</a:t>
+            </a:r>
+          </a:p>
+          <a:p>
+            <a:pPr algn="ctr"/>
+            <a:r>
+              <a:rPr lang="de-DE" dirty="0" smtClean="0"/>
+              <a:t>Eingabe</a:t>
             </a:r>
             <a:endParaRPr lang="de-DE" dirty="0"/>
           </a:p>
@@ -14306,20 +15086,219 @@
       </p:sp>
       <p:sp>
         <p:nvSpPr>
-          <p:cNvPr id="5" name="Inhaltsplatzhalter 4"/>
-          <p:cNvSpPr>
-            <a:spLocks noGrp="1"/>
-          </p:cNvSpPr>
-          <p:nvPr>
-            <p:ph idx="1"/>
-          </p:nvPr>
+          <p:cNvPr id="30" name="Textfeld 29"/>
+          <p:cNvSpPr txBox="1"/>
+          <p:nvPr/>
         </p:nvSpPr>
-        <p:spPr/>
+        <p:spPr>
+          <a:xfrm>
+            <a:off x="3312999" y="3069490"/>
+            <a:ext cx="1704569" cy="369332"/>
+          </a:xfrm>
+          <a:prstGeom prst="rect">
+            <a:avLst/>
+          </a:prstGeom>
+          <a:noFill/>
+        </p:spPr>
         <p:txBody>
-          <a:bodyPr/>
+          <a:bodyPr wrap="none" rtlCol="0">
+            <a:spAutoFit/>
+          </a:bodyPr>
           <a:lstStyle/>
           <a:p>
-            <a:endParaRPr lang="de-DE"/>
+            <a:r>
+              <a:rPr lang="de-DE" dirty="0" smtClean="0"/>
+              <a:t>Anfrage erstellen</a:t>
+            </a:r>
+            <a:endParaRPr lang="de-DE" dirty="0"/>
+          </a:p>
+        </p:txBody>
+      </p:sp>
+      <p:sp>
+        <p:nvSpPr>
+          <p:cNvPr id="31" name="Textfeld 30"/>
+          <p:cNvSpPr txBox="1"/>
+          <p:nvPr/>
+        </p:nvSpPr>
+        <p:spPr>
+          <a:xfrm>
+            <a:off x="5111205" y="2700158"/>
+            <a:ext cx="1959832" cy="369332"/>
+          </a:xfrm>
+          <a:prstGeom prst="rect">
+            <a:avLst/>
+          </a:prstGeom>
+          <a:noFill/>
+        </p:spPr>
+        <p:txBody>
+          <a:bodyPr wrap="none" rtlCol="0">
+            <a:spAutoFit/>
+          </a:bodyPr>
+          <a:lstStyle/>
+          <a:p>
+            <a:r>
+              <a:rPr lang="de-DE" dirty="0" smtClean="0"/>
+              <a:t>Anfrage verarbeiten</a:t>
+            </a:r>
+            <a:endParaRPr lang="de-DE" dirty="0"/>
+          </a:p>
+        </p:txBody>
+      </p:sp>
+      <p:sp>
+        <p:nvSpPr>
+          <p:cNvPr id="32" name="Textfeld 31"/>
+          <p:cNvSpPr txBox="1"/>
+          <p:nvPr/>
+        </p:nvSpPr>
+        <p:spPr>
+          <a:xfrm>
+            <a:off x="7338806" y="3069490"/>
+            <a:ext cx="1571520" cy="369332"/>
+          </a:xfrm>
+          <a:prstGeom prst="rect">
+            <a:avLst/>
+          </a:prstGeom>
+          <a:noFill/>
+        </p:spPr>
+        <p:txBody>
+          <a:bodyPr wrap="none" rtlCol="0">
+            <a:spAutoFit/>
+          </a:bodyPr>
+          <a:lstStyle/>
+          <a:p>
+            <a:r>
+              <a:rPr lang="de-DE" dirty="0" smtClean="0"/>
+              <a:t>Daten anfragen</a:t>
+            </a:r>
+            <a:endParaRPr lang="de-DE" dirty="0"/>
+          </a:p>
+        </p:txBody>
+      </p:sp>
+      <p:sp>
+        <p:nvSpPr>
+          <p:cNvPr id="33" name="Textfeld 32"/>
+          <p:cNvSpPr txBox="1"/>
+          <p:nvPr/>
+        </p:nvSpPr>
+        <p:spPr>
+          <a:xfrm>
+            <a:off x="10427456" y="3881848"/>
+            <a:ext cx="902811" cy="646331"/>
+          </a:xfrm>
+          <a:prstGeom prst="rect">
+            <a:avLst/>
+          </a:prstGeom>
+          <a:noFill/>
+        </p:spPr>
+        <p:txBody>
+          <a:bodyPr wrap="none" rtlCol="0">
+            <a:spAutoFit/>
+          </a:bodyPr>
+          <a:lstStyle/>
+          <a:p>
+            <a:pPr algn="ctr"/>
+            <a:r>
+              <a:rPr lang="de-DE" dirty="0" smtClean="0"/>
+              <a:t>Daten</a:t>
+            </a:r>
+          </a:p>
+          <a:p>
+            <a:pPr algn="ctr"/>
+            <a:r>
+              <a:rPr lang="de-DE" dirty="0" smtClean="0"/>
+              <a:t>erhalten</a:t>
+            </a:r>
+            <a:endParaRPr lang="de-DE" dirty="0"/>
+          </a:p>
+        </p:txBody>
+      </p:sp>
+      <p:sp>
+        <p:nvSpPr>
+          <p:cNvPr id="34" name="Textfeld 33"/>
+          <p:cNvSpPr txBox="1"/>
+          <p:nvPr/>
+        </p:nvSpPr>
+        <p:spPr>
+          <a:xfrm>
+            <a:off x="7106691" y="4978206"/>
+            <a:ext cx="2035750" cy="369332"/>
+          </a:xfrm>
+          <a:prstGeom prst="rect">
+            <a:avLst/>
+          </a:prstGeom>
+          <a:noFill/>
+        </p:spPr>
+        <p:txBody>
+          <a:bodyPr wrap="none" rtlCol="0">
+            <a:spAutoFit/>
+          </a:bodyPr>
+          <a:lstStyle/>
+          <a:p>
+            <a:r>
+              <a:rPr lang="de-DE" dirty="0" smtClean="0"/>
+              <a:t>Daten zurücksenden</a:t>
+            </a:r>
+            <a:endParaRPr lang="de-DE" dirty="0"/>
+          </a:p>
+        </p:txBody>
+      </p:sp>
+      <p:sp>
+        <p:nvSpPr>
+          <p:cNvPr id="35" name="Textfeld 34"/>
+          <p:cNvSpPr txBox="1"/>
+          <p:nvPr/>
+        </p:nvSpPr>
+        <p:spPr>
+          <a:xfrm>
+            <a:off x="4988960" y="5340542"/>
+            <a:ext cx="2204321" cy="369332"/>
+          </a:xfrm>
+          <a:prstGeom prst="rect">
+            <a:avLst/>
+          </a:prstGeom>
+          <a:noFill/>
+        </p:spPr>
+        <p:txBody>
+          <a:bodyPr wrap="none" rtlCol="0">
+            <a:spAutoFit/>
+          </a:bodyPr>
+          <a:lstStyle/>
+          <a:p>
+            <a:r>
+              <a:rPr lang="de-DE" dirty="0" smtClean="0"/>
+              <a:t>Anfrage zurücksenden</a:t>
+            </a:r>
+            <a:endParaRPr lang="de-DE" dirty="0"/>
+          </a:p>
+        </p:txBody>
+      </p:sp>
+      <p:sp>
+        <p:nvSpPr>
+          <p:cNvPr id="36" name="Textfeld 35"/>
+          <p:cNvSpPr txBox="1"/>
+          <p:nvPr/>
+        </p:nvSpPr>
+        <p:spPr>
+          <a:xfrm>
+            <a:off x="3293634" y="4978206"/>
+            <a:ext cx="1743298" cy="369332"/>
+          </a:xfrm>
+          <a:prstGeom prst="rect">
+            <a:avLst/>
+          </a:prstGeom>
+          <a:noFill/>
+        </p:spPr>
+        <p:txBody>
+          <a:bodyPr wrap="none" rtlCol="0">
+            <a:spAutoFit/>
+          </a:bodyPr>
+          <a:lstStyle/>
+          <a:p>
+            <a:r>
+              <a:rPr lang="de-DE" dirty="0" smtClean="0"/>
+              <a:t>Anfrage anzeigen</a:t>
+            </a:r>
+            <a:endParaRPr lang="de-DE" dirty="0"/>
           </a:p>
         </p:txBody>
       </p:sp>
@@ -14339,9 +15318,1047 @@
   <p:timing>
     <p:tnLst>
       <p:par>
-        <p:cTn id="1" dur="indefinite" restart="never" nodeType="tmRoot"/>
+        <p:cTn id="1" dur="indefinite" restart="never" nodeType="tmRoot">
+          <p:childTnLst>
+            <p:seq concurrent="1" nextAc="seek">
+              <p:cTn id="2" dur="indefinite" nodeType="mainSeq">
+                <p:childTnLst>
+                  <p:par>
+                    <p:cTn id="3" fill="hold">
+                      <p:stCondLst>
+                        <p:cond delay="indefinite"/>
+                      </p:stCondLst>
+                      <p:childTnLst>
+                        <p:par>
+                          <p:cTn id="4" fill="hold">
+                            <p:stCondLst>
+                              <p:cond delay="0"/>
+                            </p:stCondLst>
+                            <p:childTnLst>
+                              <p:par>
+                                <p:cTn id="5" presetID="10" presetClass="entr" presetSubtype="0" fill="hold" nodeType="clickEffect">
+                                  <p:stCondLst>
+                                    <p:cond delay="0"/>
+                                  </p:stCondLst>
+                                  <p:childTnLst>
+                                    <p:set>
+                                      <p:cBhvr>
+                                        <p:cTn id="6" dur="1" fill="hold">
+                                          <p:stCondLst>
+                                            <p:cond delay="0"/>
+                                          </p:stCondLst>
+                                        </p:cTn>
+                                        <p:tgtEl>
+                                          <p:spTgt spid="8"/>
+                                        </p:tgtEl>
+                                        <p:attrNameLst>
+                                          <p:attrName>style.visibility</p:attrName>
+                                        </p:attrNameLst>
+                                      </p:cBhvr>
+                                      <p:to>
+                                        <p:strVal val="visible"/>
+                                      </p:to>
+                                    </p:set>
+                                    <p:animEffect transition="in" filter="fade">
+                                      <p:cBhvr>
+                                        <p:cTn id="7" dur="500"/>
+                                        <p:tgtEl>
+                                          <p:spTgt spid="8"/>
+                                        </p:tgtEl>
+                                      </p:cBhvr>
+                                    </p:animEffect>
+                                  </p:childTnLst>
+                                </p:cTn>
+                              </p:par>
+                            </p:childTnLst>
+                          </p:cTn>
+                        </p:par>
+                        <p:par>
+                          <p:cTn id="8" fill="hold">
+                            <p:stCondLst>
+                              <p:cond delay="500"/>
+                            </p:stCondLst>
+                            <p:childTnLst>
+                              <p:par>
+                                <p:cTn id="9" presetID="10" presetClass="entr" presetSubtype="0" fill="hold" grpId="0" nodeType="afterEffect">
+                                  <p:stCondLst>
+                                    <p:cond delay="0"/>
+                                  </p:stCondLst>
+                                  <p:childTnLst>
+                                    <p:set>
+                                      <p:cBhvr>
+                                        <p:cTn id="10" dur="1" fill="hold">
+                                          <p:stCondLst>
+                                            <p:cond delay="0"/>
+                                          </p:stCondLst>
+                                        </p:cTn>
+                                        <p:tgtEl>
+                                          <p:spTgt spid="29"/>
+                                        </p:tgtEl>
+                                        <p:attrNameLst>
+                                          <p:attrName>style.visibility</p:attrName>
+                                        </p:attrNameLst>
+                                      </p:cBhvr>
+                                      <p:to>
+                                        <p:strVal val="visible"/>
+                                      </p:to>
+                                    </p:set>
+                                    <p:animEffect transition="in" filter="fade">
+                                      <p:cBhvr>
+                                        <p:cTn id="11" dur="500"/>
+                                        <p:tgtEl>
+                                          <p:spTgt spid="29"/>
+                                        </p:tgtEl>
+                                      </p:cBhvr>
+                                    </p:animEffect>
+                                  </p:childTnLst>
+                                </p:cTn>
+                              </p:par>
+                            </p:childTnLst>
+                          </p:cTn>
+                        </p:par>
+                      </p:childTnLst>
+                    </p:cTn>
+                  </p:par>
+                  <p:par>
+                    <p:cTn id="12" fill="hold">
+                      <p:stCondLst>
+                        <p:cond delay="indefinite"/>
+                      </p:stCondLst>
+                      <p:childTnLst>
+                        <p:par>
+                          <p:cTn id="13" fill="hold">
+                            <p:stCondLst>
+                              <p:cond delay="0"/>
+                            </p:stCondLst>
+                            <p:childTnLst>
+                              <p:par>
+                                <p:cTn id="14" presetID="22" presetClass="entr" presetSubtype="8" fill="hold" nodeType="clickEffect">
+                                  <p:stCondLst>
+                                    <p:cond delay="0"/>
+                                  </p:stCondLst>
+                                  <p:childTnLst>
+                                    <p:set>
+                                      <p:cBhvr>
+                                        <p:cTn id="15" dur="1" fill="hold">
+                                          <p:stCondLst>
+                                            <p:cond delay="0"/>
+                                          </p:stCondLst>
+                                        </p:cTn>
+                                        <p:tgtEl>
+                                          <p:spTgt spid="22"/>
+                                        </p:tgtEl>
+                                        <p:attrNameLst>
+                                          <p:attrName>style.visibility</p:attrName>
+                                        </p:attrNameLst>
+                                      </p:cBhvr>
+                                      <p:to>
+                                        <p:strVal val="visible"/>
+                                      </p:to>
+                                    </p:set>
+                                    <p:animEffect transition="in" filter="wipe(left)">
+                                      <p:cBhvr>
+                                        <p:cTn id="16" dur="500"/>
+                                        <p:tgtEl>
+                                          <p:spTgt spid="22"/>
+                                        </p:tgtEl>
+                                      </p:cBhvr>
+                                    </p:animEffect>
+                                  </p:childTnLst>
+                                </p:cTn>
+                              </p:par>
+                            </p:childTnLst>
+                          </p:cTn>
+                        </p:par>
+                        <p:par>
+                          <p:cTn id="17" fill="hold">
+                            <p:stCondLst>
+                              <p:cond delay="500"/>
+                            </p:stCondLst>
+                            <p:childTnLst>
+                              <p:par>
+                                <p:cTn id="18" presetID="10" presetClass="entr" presetSubtype="0" fill="hold" nodeType="afterEffect">
+                                  <p:stCondLst>
+                                    <p:cond delay="0"/>
+                                  </p:stCondLst>
+                                  <p:childTnLst>
+                                    <p:set>
+                                      <p:cBhvr>
+                                        <p:cTn id="19" dur="1" fill="hold">
+                                          <p:stCondLst>
+                                            <p:cond delay="0"/>
+                                          </p:stCondLst>
+                                        </p:cTn>
+                                        <p:tgtEl>
+                                          <p:spTgt spid="7"/>
+                                        </p:tgtEl>
+                                        <p:attrNameLst>
+                                          <p:attrName>style.visibility</p:attrName>
+                                        </p:attrNameLst>
+                                      </p:cBhvr>
+                                      <p:to>
+                                        <p:strVal val="visible"/>
+                                      </p:to>
+                                    </p:set>
+                                    <p:animEffect transition="in" filter="fade">
+                                      <p:cBhvr>
+                                        <p:cTn id="20" dur="500"/>
+                                        <p:tgtEl>
+                                          <p:spTgt spid="7"/>
+                                        </p:tgtEl>
+                                      </p:cBhvr>
+                                    </p:animEffect>
+                                  </p:childTnLst>
+                                </p:cTn>
+                              </p:par>
+                            </p:childTnLst>
+                          </p:cTn>
+                        </p:par>
+                        <p:par>
+                          <p:cTn id="21" fill="hold">
+                            <p:stCondLst>
+                              <p:cond delay="1000"/>
+                            </p:stCondLst>
+                            <p:childTnLst>
+                              <p:par>
+                                <p:cTn id="22" presetID="10" presetClass="entr" presetSubtype="0" fill="hold" grpId="0" nodeType="afterEffect">
+                                  <p:stCondLst>
+                                    <p:cond delay="0"/>
+                                  </p:stCondLst>
+                                  <p:childTnLst>
+                                    <p:set>
+                                      <p:cBhvr>
+                                        <p:cTn id="23" dur="1" fill="hold">
+                                          <p:stCondLst>
+                                            <p:cond delay="0"/>
+                                          </p:stCondLst>
+                                        </p:cTn>
+                                        <p:tgtEl>
+                                          <p:spTgt spid="30"/>
+                                        </p:tgtEl>
+                                        <p:attrNameLst>
+                                          <p:attrName>style.visibility</p:attrName>
+                                        </p:attrNameLst>
+                                      </p:cBhvr>
+                                      <p:to>
+                                        <p:strVal val="visible"/>
+                                      </p:to>
+                                    </p:set>
+                                    <p:animEffect transition="in" filter="fade">
+                                      <p:cBhvr>
+                                        <p:cTn id="24" dur="500"/>
+                                        <p:tgtEl>
+                                          <p:spTgt spid="30"/>
+                                        </p:tgtEl>
+                                      </p:cBhvr>
+                                    </p:animEffect>
+                                  </p:childTnLst>
+                                </p:cTn>
+                              </p:par>
+                            </p:childTnLst>
+                          </p:cTn>
+                        </p:par>
+                      </p:childTnLst>
+                    </p:cTn>
+                  </p:par>
+                  <p:par>
+                    <p:cTn id="25" fill="hold">
+                      <p:stCondLst>
+                        <p:cond delay="indefinite"/>
+                      </p:stCondLst>
+                      <p:childTnLst>
+                        <p:par>
+                          <p:cTn id="26" fill="hold">
+                            <p:stCondLst>
+                              <p:cond delay="0"/>
+                            </p:stCondLst>
+                            <p:childTnLst>
+                              <p:par>
+                                <p:cTn id="27" presetID="22" presetClass="entr" presetSubtype="8" fill="hold" nodeType="clickEffect">
+                                  <p:stCondLst>
+                                    <p:cond delay="0"/>
+                                  </p:stCondLst>
+                                  <p:childTnLst>
+                                    <p:set>
+                                      <p:cBhvr>
+                                        <p:cTn id="28" dur="1" fill="hold">
+                                          <p:stCondLst>
+                                            <p:cond delay="0"/>
+                                          </p:stCondLst>
+                                        </p:cTn>
+                                        <p:tgtEl>
+                                          <p:spTgt spid="21"/>
+                                        </p:tgtEl>
+                                        <p:attrNameLst>
+                                          <p:attrName>style.visibility</p:attrName>
+                                        </p:attrNameLst>
+                                      </p:cBhvr>
+                                      <p:to>
+                                        <p:strVal val="visible"/>
+                                      </p:to>
+                                    </p:set>
+                                    <p:animEffect transition="in" filter="wipe(left)">
+                                      <p:cBhvr>
+                                        <p:cTn id="29" dur="500"/>
+                                        <p:tgtEl>
+                                          <p:spTgt spid="21"/>
+                                        </p:tgtEl>
+                                      </p:cBhvr>
+                                    </p:animEffect>
+                                  </p:childTnLst>
+                                </p:cTn>
+                              </p:par>
+                            </p:childTnLst>
+                          </p:cTn>
+                        </p:par>
+                        <p:par>
+                          <p:cTn id="30" fill="hold">
+                            <p:stCondLst>
+                              <p:cond delay="500"/>
+                            </p:stCondLst>
+                            <p:childTnLst>
+                              <p:par>
+                                <p:cTn id="31" presetID="10" presetClass="entr" presetSubtype="0" fill="hold" nodeType="afterEffect">
+                                  <p:stCondLst>
+                                    <p:cond delay="0"/>
+                                  </p:stCondLst>
+                                  <p:childTnLst>
+                                    <p:set>
+                                      <p:cBhvr>
+                                        <p:cTn id="32" dur="1" fill="hold">
+                                          <p:stCondLst>
+                                            <p:cond delay="0"/>
+                                          </p:stCondLst>
+                                        </p:cTn>
+                                        <p:tgtEl>
+                                          <p:spTgt spid="11"/>
+                                        </p:tgtEl>
+                                        <p:attrNameLst>
+                                          <p:attrName>style.visibility</p:attrName>
+                                        </p:attrNameLst>
+                                      </p:cBhvr>
+                                      <p:to>
+                                        <p:strVal val="visible"/>
+                                      </p:to>
+                                    </p:set>
+                                    <p:animEffect transition="in" filter="fade">
+                                      <p:cBhvr>
+                                        <p:cTn id="33" dur="500"/>
+                                        <p:tgtEl>
+                                          <p:spTgt spid="11"/>
+                                        </p:tgtEl>
+                                      </p:cBhvr>
+                                    </p:animEffect>
+                                  </p:childTnLst>
+                                </p:cTn>
+                              </p:par>
+                            </p:childTnLst>
+                          </p:cTn>
+                        </p:par>
+                        <p:par>
+                          <p:cTn id="34" fill="hold">
+                            <p:stCondLst>
+                              <p:cond delay="1000"/>
+                            </p:stCondLst>
+                            <p:childTnLst>
+                              <p:par>
+                                <p:cTn id="35" presetID="10" presetClass="entr" presetSubtype="0" fill="hold" grpId="0" nodeType="afterEffect">
+                                  <p:stCondLst>
+                                    <p:cond delay="0"/>
+                                  </p:stCondLst>
+                                  <p:childTnLst>
+                                    <p:set>
+                                      <p:cBhvr>
+                                        <p:cTn id="36" dur="1" fill="hold">
+                                          <p:stCondLst>
+                                            <p:cond delay="0"/>
+                                          </p:stCondLst>
+                                        </p:cTn>
+                                        <p:tgtEl>
+                                          <p:spTgt spid="31"/>
+                                        </p:tgtEl>
+                                        <p:attrNameLst>
+                                          <p:attrName>style.visibility</p:attrName>
+                                        </p:attrNameLst>
+                                      </p:cBhvr>
+                                      <p:to>
+                                        <p:strVal val="visible"/>
+                                      </p:to>
+                                    </p:set>
+                                    <p:animEffect transition="in" filter="fade">
+                                      <p:cBhvr>
+                                        <p:cTn id="37" dur="500"/>
+                                        <p:tgtEl>
+                                          <p:spTgt spid="31"/>
+                                        </p:tgtEl>
+                                      </p:cBhvr>
+                                    </p:animEffect>
+                                  </p:childTnLst>
+                                </p:cTn>
+                              </p:par>
+                            </p:childTnLst>
+                          </p:cTn>
+                        </p:par>
+                      </p:childTnLst>
+                    </p:cTn>
+                  </p:par>
+                  <p:par>
+                    <p:cTn id="38" fill="hold">
+                      <p:stCondLst>
+                        <p:cond delay="indefinite"/>
+                      </p:stCondLst>
+                      <p:childTnLst>
+                        <p:par>
+                          <p:cTn id="39" fill="hold">
+                            <p:stCondLst>
+                              <p:cond delay="0"/>
+                            </p:stCondLst>
+                            <p:childTnLst>
+                              <p:par>
+                                <p:cTn id="40" presetID="22" presetClass="entr" presetSubtype="8" fill="hold" nodeType="clickEffect">
+                                  <p:stCondLst>
+                                    <p:cond delay="0"/>
+                                  </p:stCondLst>
+                                  <p:childTnLst>
+                                    <p:set>
+                                      <p:cBhvr>
+                                        <p:cTn id="41" dur="1" fill="hold">
+                                          <p:stCondLst>
+                                            <p:cond delay="0"/>
+                                          </p:stCondLst>
+                                        </p:cTn>
+                                        <p:tgtEl>
+                                          <p:spTgt spid="28"/>
+                                        </p:tgtEl>
+                                        <p:attrNameLst>
+                                          <p:attrName>style.visibility</p:attrName>
+                                        </p:attrNameLst>
+                                      </p:cBhvr>
+                                      <p:to>
+                                        <p:strVal val="visible"/>
+                                      </p:to>
+                                    </p:set>
+                                    <p:animEffect transition="in" filter="wipe(left)">
+                                      <p:cBhvr>
+                                        <p:cTn id="42" dur="500"/>
+                                        <p:tgtEl>
+                                          <p:spTgt spid="28"/>
+                                        </p:tgtEl>
+                                      </p:cBhvr>
+                                    </p:animEffect>
+                                  </p:childTnLst>
+                                </p:cTn>
+                              </p:par>
+                            </p:childTnLst>
+                          </p:cTn>
+                        </p:par>
+                        <p:par>
+                          <p:cTn id="43" fill="hold">
+                            <p:stCondLst>
+                              <p:cond delay="500"/>
+                            </p:stCondLst>
+                            <p:childTnLst>
+                              <p:par>
+                                <p:cTn id="44" presetID="10" presetClass="entr" presetSubtype="0" fill="hold" nodeType="afterEffect">
+                                  <p:stCondLst>
+                                    <p:cond delay="0"/>
+                                  </p:stCondLst>
+                                  <p:childTnLst>
+                                    <p:set>
+                                      <p:cBhvr>
+                                        <p:cTn id="45" dur="1" fill="hold">
+                                          <p:stCondLst>
+                                            <p:cond delay="0"/>
+                                          </p:stCondLst>
+                                        </p:cTn>
+                                        <p:tgtEl>
+                                          <p:spTgt spid="9"/>
+                                        </p:tgtEl>
+                                        <p:attrNameLst>
+                                          <p:attrName>style.visibility</p:attrName>
+                                        </p:attrNameLst>
+                                      </p:cBhvr>
+                                      <p:to>
+                                        <p:strVal val="visible"/>
+                                      </p:to>
+                                    </p:set>
+                                    <p:animEffect transition="in" filter="fade">
+                                      <p:cBhvr>
+                                        <p:cTn id="46" dur="500"/>
+                                        <p:tgtEl>
+                                          <p:spTgt spid="9"/>
+                                        </p:tgtEl>
+                                      </p:cBhvr>
+                                    </p:animEffect>
+                                  </p:childTnLst>
+                                </p:cTn>
+                              </p:par>
+                            </p:childTnLst>
+                          </p:cTn>
+                        </p:par>
+                        <p:par>
+                          <p:cTn id="47" fill="hold">
+                            <p:stCondLst>
+                              <p:cond delay="1000"/>
+                            </p:stCondLst>
+                            <p:childTnLst>
+                              <p:par>
+                                <p:cTn id="48" presetID="10" presetClass="entr" presetSubtype="0" fill="hold" grpId="0" nodeType="afterEffect">
+                                  <p:stCondLst>
+                                    <p:cond delay="0"/>
+                                  </p:stCondLst>
+                                  <p:childTnLst>
+                                    <p:set>
+                                      <p:cBhvr>
+                                        <p:cTn id="49" dur="1" fill="hold">
+                                          <p:stCondLst>
+                                            <p:cond delay="0"/>
+                                          </p:stCondLst>
+                                        </p:cTn>
+                                        <p:tgtEl>
+                                          <p:spTgt spid="32"/>
+                                        </p:tgtEl>
+                                        <p:attrNameLst>
+                                          <p:attrName>style.visibility</p:attrName>
+                                        </p:attrNameLst>
+                                      </p:cBhvr>
+                                      <p:to>
+                                        <p:strVal val="visible"/>
+                                      </p:to>
+                                    </p:set>
+                                    <p:animEffect transition="in" filter="fade">
+                                      <p:cBhvr>
+                                        <p:cTn id="50" dur="500"/>
+                                        <p:tgtEl>
+                                          <p:spTgt spid="32"/>
+                                        </p:tgtEl>
+                                      </p:cBhvr>
+                                    </p:animEffect>
+                                  </p:childTnLst>
+                                </p:cTn>
+                              </p:par>
+                            </p:childTnLst>
+                          </p:cTn>
+                        </p:par>
+                      </p:childTnLst>
+                    </p:cTn>
+                  </p:par>
+                  <p:par>
+                    <p:cTn id="51" fill="hold">
+                      <p:stCondLst>
+                        <p:cond delay="indefinite"/>
+                      </p:stCondLst>
+                      <p:childTnLst>
+                        <p:par>
+                          <p:cTn id="52" fill="hold">
+                            <p:stCondLst>
+                              <p:cond delay="0"/>
+                            </p:stCondLst>
+                            <p:childTnLst>
+                              <p:par>
+                                <p:cTn id="53" presetID="10" presetClass="entr" presetSubtype="0" fill="hold" nodeType="clickEffect">
+                                  <p:stCondLst>
+                                    <p:cond delay="0"/>
+                                  </p:stCondLst>
+                                  <p:childTnLst>
+                                    <p:set>
+                                      <p:cBhvr>
+                                        <p:cTn id="54" dur="1" fill="hold">
+                                          <p:stCondLst>
+                                            <p:cond delay="0"/>
+                                          </p:stCondLst>
+                                        </p:cTn>
+                                        <p:tgtEl>
+                                          <p:spTgt spid="10"/>
+                                        </p:tgtEl>
+                                        <p:attrNameLst>
+                                          <p:attrName>style.visibility</p:attrName>
+                                        </p:attrNameLst>
+                                      </p:cBhvr>
+                                      <p:to>
+                                        <p:strVal val="visible"/>
+                                      </p:to>
+                                    </p:set>
+                                    <p:animEffect transition="in" filter="fade">
+                                      <p:cBhvr>
+                                        <p:cTn id="55" dur="500"/>
+                                        <p:tgtEl>
+                                          <p:spTgt spid="10"/>
+                                        </p:tgtEl>
+                                      </p:cBhvr>
+                                    </p:animEffect>
+                                  </p:childTnLst>
+                                </p:cTn>
+                              </p:par>
+                            </p:childTnLst>
+                          </p:cTn>
+                        </p:par>
+                        <p:par>
+                          <p:cTn id="56" fill="hold">
+                            <p:stCondLst>
+                              <p:cond delay="500"/>
+                            </p:stCondLst>
+                            <p:childTnLst>
+                              <p:par>
+                                <p:cTn id="57" presetID="22" presetClass="entr" presetSubtype="8" fill="hold" nodeType="afterEffect">
+                                  <p:stCondLst>
+                                    <p:cond delay="0"/>
+                                  </p:stCondLst>
+                                  <p:childTnLst>
+                                    <p:set>
+                                      <p:cBhvr>
+                                        <p:cTn id="58" dur="1" fill="hold">
+                                          <p:stCondLst>
+                                            <p:cond delay="0"/>
+                                          </p:stCondLst>
+                                        </p:cTn>
+                                        <p:tgtEl>
+                                          <p:spTgt spid="27"/>
+                                        </p:tgtEl>
+                                        <p:attrNameLst>
+                                          <p:attrName>style.visibility</p:attrName>
+                                        </p:attrNameLst>
+                                      </p:cBhvr>
+                                      <p:to>
+                                        <p:strVal val="visible"/>
+                                      </p:to>
+                                    </p:set>
+                                    <p:animEffect transition="in" filter="wipe(left)">
+                                      <p:cBhvr>
+                                        <p:cTn id="59" dur="500"/>
+                                        <p:tgtEl>
+                                          <p:spTgt spid="27"/>
+                                        </p:tgtEl>
+                                      </p:cBhvr>
+                                    </p:animEffect>
+                                  </p:childTnLst>
+                                </p:cTn>
+                              </p:par>
+                            </p:childTnLst>
+                          </p:cTn>
+                        </p:par>
+                        <p:par>
+                          <p:cTn id="60" fill="hold">
+                            <p:stCondLst>
+                              <p:cond delay="1000"/>
+                            </p:stCondLst>
+                            <p:childTnLst>
+                              <p:par>
+                                <p:cTn id="61" presetID="10" presetClass="entr" presetSubtype="0" fill="hold" grpId="0" nodeType="afterEffect">
+                                  <p:stCondLst>
+                                    <p:cond delay="0"/>
+                                  </p:stCondLst>
+                                  <p:childTnLst>
+                                    <p:set>
+                                      <p:cBhvr>
+                                        <p:cTn id="62" dur="1" fill="hold">
+                                          <p:stCondLst>
+                                            <p:cond delay="0"/>
+                                          </p:stCondLst>
+                                        </p:cTn>
+                                        <p:tgtEl>
+                                          <p:spTgt spid="33"/>
+                                        </p:tgtEl>
+                                        <p:attrNameLst>
+                                          <p:attrName>style.visibility</p:attrName>
+                                        </p:attrNameLst>
+                                      </p:cBhvr>
+                                      <p:to>
+                                        <p:strVal val="visible"/>
+                                      </p:to>
+                                    </p:set>
+                                    <p:animEffect transition="in" filter="fade">
+                                      <p:cBhvr>
+                                        <p:cTn id="63" dur="500"/>
+                                        <p:tgtEl>
+                                          <p:spTgt spid="33"/>
+                                        </p:tgtEl>
+                                      </p:cBhvr>
+                                    </p:animEffect>
+                                  </p:childTnLst>
+                                </p:cTn>
+                              </p:par>
+                            </p:childTnLst>
+                          </p:cTn>
+                        </p:par>
+                      </p:childTnLst>
+                    </p:cTn>
+                  </p:par>
+                  <p:par>
+                    <p:cTn id="64" fill="hold">
+                      <p:stCondLst>
+                        <p:cond delay="indefinite"/>
+                      </p:stCondLst>
+                      <p:childTnLst>
+                        <p:par>
+                          <p:cTn id="65" fill="hold">
+                            <p:stCondLst>
+                              <p:cond delay="0"/>
+                            </p:stCondLst>
+                            <p:childTnLst>
+                              <p:par>
+                                <p:cTn id="66" presetID="22" presetClass="entr" presetSubtype="2" fill="hold" nodeType="clickEffect">
+                                  <p:stCondLst>
+                                    <p:cond delay="0"/>
+                                  </p:stCondLst>
+                                  <p:childTnLst>
+                                    <p:set>
+                                      <p:cBhvr>
+                                        <p:cTn id="67" dur="1" fill="hold">
+                                          <p:stCondLst>
+                                            <p:cond delay="0"/>
+                                          </p:stCondLst>
+                                        </p:cTn>
+                                        <p:tgtEl>
+                                          <p:spTgt spid="26"/>
+                                        </p:tgtEl>
+                                        <p:attrNameLst>
+                                          <p:attrName>style.visibility</p:attrName>
+                                        </p:attrNameLst>
+                                      </p:cBhvr>
+                                      <p:to>
+                                        <p:strVal val="visible"/>
+                                      </p:to>
+                                    </p:set>
+                                    <p:animEffect transition="in" filter="wipe(right)">
+                                      <p:cBhvr>
+                                        <p:cTn id="68" dur="500"/>
+                                        <p:tgtEl>
+                                          <p:spTgt spid="26"/>
+                                        </p:tgtEl>
+                                      </p:cBhvr>
+                                    </p:animEffect>
+                                  </p:childTnLst>
+                                </p:cTn>
+                              </p:par>
+                            </p:childTnLst>
+                          </p:cTn>
+                        </p:par>
+                        <p:par>
+                          <p:cTn id="69" fill="hold">
+                            <p:stCondLst>
+                              <p:cond delay="500"/>
+                            </p:stCondLst>
+                            <p:childTnLst>
+                              <p:par>
+                                <p:cTn id="70" presetID="10" presetClass="entr" presetSubtype="0" fill="hold" grpId="0" nodeType="afterEffect">
+                                  <p:stCondLst>
+                                    <p:cond delay="0"/>
+                                  </p:stCondLst>
+                                  <p:childTnLst>
+                                    <p:set>
+                                      <p:cBhvr>
+                                        <p:cTn id="71" dur="1" fill="hold">
+                                          <p:stCondLst>
+                                            <p:cond delay="0"/>
+                                          </p:stCondLst>
+                                        </p:cTn>
+                                        <p:tgtEl>
+                                          <p:spTgt spid="34"/>
+                                        </p:tgtEl>
+                                        <p:attrNameLst>
+                                          <p:attrName>style.visibility</p:attrName>
+                                        </p:attrNameLst>
+                                      </p:cBhvr>
+                                      <p:to>
+                                        <p:strVal val="visible"/>
+                                      </p:to>
+                                    </p:set>
+                                    <p:animEffect transition="in" filter="fade">
+                                      <p:cBhvr>
+                                        <p:cTn id="72" dur="500"/>
+                                        <p:tgtEl>
+                                          <p:spTgt spid="34"/>
+                                        </p:tgtEl>
+                                      </p:cBhvr>
+                                    </p:animEffect>
+                                  </p:childTnLst>
+                                </p:cTn>
+                              </p:par>
+                            </p:childTnLst>
+                          </p:cTn>
+                        </p:par>
+                      </p:childTnLst>
+                    </p:cTn>
+                  </p:par>
+                  <p:par>
+                    <p:cTn id="73" fill="hold">
+                      <p:stCondLst>
+                        <p:cond delay="indefinite"/>
+                      </p:stCondLst>
+                      <p:childTnLst>
+                        <p:par>
+                          <p:cTn id="74" fill="hold">
+                            <p:stCondLst>
+                              <p:cond delay="0"/>
+                            </p:stCondLst>
+                            <p:childTnLst>
+                              <p:par>
+                                <p:cTn id="75" presetID="22" presetClass="entr" presetSubtype="2" fill="hold" nodeType="clickEffect">
+                                  <p:stCondLst>
+                                    <p:cond delay="0"/>
+                                  </p:stCondLst>
+                                  <p:childTnLst>
+                                    <p:set>
+                                      <p:cBhvr>
+                                        <p:cTn id="76" dur="1" fill="hold">
+                                          <p:stCondLst>
+                                            <p:cond delay="0"/>
+                                          </p:stCondLst>
+                                        </p:cTn>
+                                        <p:tgtEl>
+                                          <p:spTgt spid="25"/>
+                                        </p:tgtEl>
+                                        <p:attrNameLst>
+                                          <p:attrName>style.visibility</p:attrName>
+                                        </p:attrNameLst>
+                                      </p:cBhvr>
+                                      <p:to>
+                                        <p:strVal val="visible"/>
+                                      </p:to>
+                                    </p:set>
+                                    <p:animEffect transition="in" filter="wipe(right)">
+                                      <p:cBhvr>
+                                        <p:cTn id="77" dur="500"/>
+                                        <p:tgtEl>
+                                          <p:spTgt spid="25"/>
+                                        </p:tgtEl>
+                                      </p:cBhvr>
+                                    </p:animEffect>
+                                  </p:childTnLst>
+                                </p:cTn>
+                              </p:par>
+                            </p:childTnLst>
+                          </p:cTn>
+                        </p:par>
+                        <p:par>
+                          <p:cTn id="78" fill="hold">
+                            <p:stCondLst>
+                              <p:cond delay="500"/>
+                            </p:stCondLst>
+                            <p:childTnLst>
+                              <p:par>
+                                <p:cTn id="79" presetID="10" presetClass="entr" presetSubtype="0" fill="hold" grpId="0" nodeType="afterEffect">
+                                  <p:stCondLst>
+                                    <p:cond delay="0"/>
+                                  </p:stCondLst>
+                                  <p:childTnLst>
+                                    <p:set>
+                                      <p:cBhvr>
+                                        <p:cTn id="80" dur="1" fill="hold">
+                                          <p:stCondLst>
+                                            <p:cond delay="0"/>
+                                          </p:stCondLst>
+                                        </p:cTn>
+                                        <p:tgtEl>
+                                          <p:spTgt spid="35"/>
+                                        </p:tgtEl>
+                                        <p:attrNameLst>
+                                          <p:attrName>style.visibility</p:attrName>
+                                        </p:attrNameLst>
+                                      </p:cBhvr>
+                                      <p:to>
+                                        <p:strVal val="visible"/>
+                                      </p:to>
+                                    </p:set>
+                                    <p:animEffect transition="in" filter="fade">
+                                      <p:cBhvr>
+                                        <p:cTn id="81" dur="500"/>
+                                        <p:tgtEl>
+                                          <p:spTgt spid="35"/>
+                                        </p:tgtEl>
+                                      </p:cBhvr>
+                                    </p:animEffect>
+                                  </p:childTnLst>
+                                </p:cTn>
+                              </p:par>
+                            </p:childTnLst>
+                          </p:cTn>
+                        </p:par>
+                      </p:childTnLst>
+                    </p:cTn>
+                  </p:par>
+                  <p:par>
+                    <p:cTn id="82" fill="hold">
+                      <p:stCondLst>
+                        <p:cond delay="indefinite"/>
+                      </p:stCondLst>
+                      <p:childTnLst>
+                        <p:par>
+                          <p:cTn id="83" fill="hold">
+                            <p:stCondLst>
+                              <p:cond delay="0"/>
+                            </p:stCondLst>
+                            <p:childTnLst>
+                              <p:par>
+                                <p:cTn id="84" presetID="22" presetClass="entr" presetSubtype="2" fill="hold" nodeType="clickEffect">
+                                  <p:stCondLst>
+                                    <p:cond delay="0"/>
+                                  </p:stCondLst>
+                                  <p:childTnLst>
+                                    <p:set>
+                                      <p:cBhvr>
+                                        <p:cTn id="85" dur="1" fill="hold">
+                                          <p:stCondLst>
+                                            <p:cond delay="0"/>
+                                          </p:stCondLst>
+                                        </p:cTn>
+                                        <p:tgtEl>
+                                          <p:spTgt spid="24"/>
+                                        </p:tgtEl>
+                                        <p:attrNameLst>
+                                          <p:attrName>style.visibility</p:attrName>
+                                        </p:attrNameLst>
+                                      </p:cBhvr>
+                                      <p:to>
+                                        <p:strVal val="visible"/>
+                                      </p:to>
+                                    </p:set>
+                                    <p:animEffect transition="in" filter="wipe(right)">
+                                      <p:cBhvr>
+                                        <p:cTn id="86" dur="500"/>
+                                        <p:tgtEl>
+                                          <p:spTgt spid="24"/>
+                                        </p:tgtEl>
+                                      </p:cBhvr>
+                                    </p:animEffect>
+                                  </p:childTnLst>
+                                </p:cTn>
+                              </p:par>
+                            </p:childTnLst>
+                          </p:cTn>
+                        </p:par>
+                        <p:par>
+                          <p:cTn id="87" fill="hold">
+                            <p:stCondLst>
+                              <p:cond delay="500"/>
+                            </p:stCondLst>
+                            <p:childTnLst>
+                              <p:par>
+                                <p:cTn id="88" presetID="10" presetClass="entr" presetSubtype="0" fill="hold" grpId="0" nodeType="afterEffect">
+                                  <p:stCondLst>
+                                    <p:cond delay="0"/>
+                                  </p:stCondLst>
+                                  <p:childTnLst>
+                                    <p:set>
+                                      <p:cBhvr>
+                                        <p:cTn id="89" dur="1" fill="hold">
+                                          <p:stCondLst>
+                                            <p:cond delay="0"/>
+                                          </p:stCondLst>
+                                        </p:cTn>
+                                        <p:tgtEl>
+                                          <p:spTgt spid="36"/>
+                                        </p:tgtEl>
+                                        <p:attrNameLst>
+                                          <p:attrName>style.visibility</p:attrName>
+                                        </p:attrNameLst>
+                                      </p:cBhvr>
+                                      <p:to>
+                                        <p:strVal val="visible"/>
+                                      </p:to>
+                                    </p:set>
+                                    <p:animEffect transition="in" filter="fade">
+                                      <p:cBhvr>
+                                        <p:cTn id="90" dur="500"/>
+                                        <p:tgtEl>
+                                          <p:spTgt spid="36"/>
+                                        </p:tgtEl>
+                                      </p:cBhvr>
+                                    </p:animEffect>
+                                  </p:childTnLst>
+                                </p:cTn>
+                              </p:par>
+                            </p:childTnLst>
+                          </p:cTn>
+                        </p:par>
+                      </p:childTnLst>
+                    </p:cTn>
+                  </p:par>
+                  <p:par>
+                    <p:cTn id="91" fill="hold">
+                      <p:stCondLst>
+                        <p:cond delay="indefinite"/>
+                      </p:stCondLst>
+                      <p:childTnLst>
+                        <p:par>
+                          <p:cTn id="92" fill="hold">
+                            <p:stCondLst>
+                              <p:cond delay="0"/>
+                            </p:stCondLst>
+                            <p:childTnLst>
+                              <p:par>
+                                <p:cTn id="93" presetID="22" presetClass="entr" presetSubtype="2" fill="hold" nodeType="clickEffect">
+                                  <p:stCondLst>
+                                    <p:cond delay="0"/>
+                                  </p:stCondLst>
+                                  <p:childTnLst>
+                                    <p:set>
+                                      <p:cBhvr>
+                                        <p:cTn id="94" dur="1" fill="hold">
+                                          <p:stCondLst>
+                                            <p:cond delay="0"/>
+                                          </p:stCondLst>
+                                        </p:cTn>
+                                        <p:tgtEl>
+                                          <p:spTgt spid="23"/>
+                                        </p:tgtEl>
+                                        <p:attrNameLst>
+                                          <p:attrName>style.visibility</p:attrName>
+                                        </p:attrNameLst>
+                                      </p:cBhvr>
+                                      <p:to>
+                                        <p:strVal val="visible"/>
+                                      </p:to>
+                                    </p:set>
+                                    <p:animEffect transition="in" filter="wipe(right)">
+                                      <p:cBhvr>
+                                        <p:cTn id="95" dur="500"/>
+                                        <p:tgtEl>
+                                          <p:spTgt spid="23"/>
+                                        </p:tgtEl>
+                                      </p:cBhvr>
+                                    </p:animEffect>
+                                  </p:childTnLst>
+                                </p:cTn>
+                              </p:par>
+                            </p:childTnLst>
+                          </p:cTn>
+                        </p:par>
+                      </p:childTnLst>
+                    </p:cTn>
+                  </p:par>
+                </p:childTnLst>
+              </p:cTn>
+              <p:prevCondLst>
+                <p:cond evt="onPrev" delay="0">
+                  <p:tgtEl>
+                    <p:sldTgt/>
+                  </p:tgtEl>
+                </p:cond>
+              </p:prevCondLst>
+              <p:nextCondLst>
+                <p:cond evt="onNext" delay="0">
+                  <p:tgtEl>
+                    <p:sldTgt/>
+                  </p:tgtEl>
+                </p:cond>
+              </p:nextCondLst>
+            </p:seq>
+          </p:childTnLst>
+        </p:cTn>
       </p:par>
     </p:tnLst>
+    <p:bldLst>
+      <p:bldP spid="29" grpId="0"/>
+      <p:bldP spid="30" grpId="0"/>
+      <p:bldP spid="31" grpId="0"/>
+      <p:bldP spid="32" grpId="0"/>
+      <p:bldP spid="33" grpId="0"/>
+      <p:bldP spid="34" grpId="0"/>
+      <p:bldP spid="35" grpId="0"/>
+      <p:bldP spid="36" grpId="0"/>
+    </p:bldLst>
   </p:timing>
 </p:sld>
 </file>

--- a/doc/Präsentation/MEAN Notes.pptx
+++ b/doc/Präsentation/MEAN Notes.pptx
@@ -1986,8 +1986,8 @@
     <dgm:cxn modelId="{0577D253-1036-47A8-B810-A735390FEBE6}" srcId="{A6B4E31E-BF13-43E9-A8DF-1D0CED72AE2B}" destId="{0A180470-D629-4A2F-A707-AC08E7EE7821}" srcOrd="1" destOrd="0" parTransId="{E8C6D964-0C3D-4EE5-93FE-EB8BA448D4DC}" sibTransId="{AEB55458-9C91-4297-89D4-34C873B7BFA6}"/>
     <dgm:cxn modelId="{D39F9551-7A9C-4BBA-B9B5-58E7BD540672}" srcId="{45D67FC7-9484-4BD2-96D9-5DC0D4DC919F}" destId="{D43A8187-F70D-4382-97AF-2C1BAAAD39F2}" srcOrd="3" destOrd="0" parTransId="{B3AF1AFC-2EFD-470D-8334-5BB3800BEAE5}" sibTransId="{BA38E681-6A32-4A4F-9143-88D4B0706EAC}"/>
     <dgm:cxn modelId="{327244BB-FF70-480C-8140-C95AD341320E}" srcId="{0A180470-D629-4A2F-A707-AC08E7EE7821}" destId="{402C3787-C119-4975-B2C3-FDC33B51A950}" srcOrd="3" destOrd="0" parTransId="{6C90D17A-25EE-471C-B063-6FEBC0DB6C7E}" sibTransId="{8534571D-9358-468F-8107-890062D306FB}"/>
+    <dgm:cxn modelId="{5607A11E-0468-4EA4-B201-3E27E70E1982}" type="presOf" srcId="{C3379581-7EC1-4BC6-8381-BAFCA1887E1F}" destId="{F5E4AB33-7C02-4210-A409-8AD4743E5C7F}" srcOrd="0" destOrd="0" presId="urn:microsoft.com/office/officeart/2005/8/layout/hList1"/>
     <dgm:cxn modelId="{A5B0E6D2-FDF1-4B66-A937-34E78F3A23F4}" srcId="{45D67FC7-9484-4BD2-96D9-5DC0D4DC919F}" destId="{A2BFB9B8-DC9E-4DB2-A6FC-2E8A7188049F}" srcOrd="4" destOrd="0" parTransId="{01F339B7-F73F-4572-AB8B-4F804846FC8A}" sibTransId="{6EE000F8-9836-427C-94FC-658B005FF7FA}"/>
-    <dgm:cxn modelId="{5607A11E-0468-4EA4-B201-3E27E70E1982}" type="presOf" srcId="{C3379581-7EC1-4BC6-8381-BAFCA1887E1F}" destId="{F5E4AB33-7C02-4210-A409-8AD4743E5C7F}" srcOrd="0" destOrd="0" presId="urn:microsoft.com/office/officeart/2005/8/layout/hList1"/>
     <dgm:cxn modelId="{E4929EAA-58F6-4332-AB15-6A9CB3579A7D}" srcId="{B76DA727-A040-4538-8008-3CDD5AF6C4CD}" destId="{74DCB112-97B7-43B7-B971-E99A399335BB}" srcOrd="1" destOrd="0" parTransId="{C132FE06-D957-410B-891C-7E9D715895E2}" sibTransId="{3DB06AFA-5E0D-464A-B73D-EF233128865A}"/>
     <dgm:cxn modelId="{F77FF049-E61B-42EA-8C8E-9F2E95115064}" type="presOf" srcId="{7D1F6B58-A72A-43D8-9441-9AFAF2A7FBC3}" destId="{FFF38D35-7D94-4F39-9648-B2AB98F610BE}" srcOrd="0" destOrd="5" presId="urn:microsoft.com/office/officeart/2005/8/layout/hList1"/>
     <dgm:cxn modelId="{5F309194-1D4F-4428-BD83-CF4A32D3DD0B}" type="presOf" srcId="{45D67FC7-9484-4BD2-96D9-5DC0D4DC919F}" destId="{408356D3-9949-4E29-8747-B7EE15A2C512}" srcOrd="0" destOrd="0" presId="urn:microsoft.com/office/officeart/2005/8/layout/hList1"/>
@@ -2003,8 +2003,8 @@
     <dgm:cxn modelId="{A64AE706-5337-4E33-921C-F3A7DC78317B}" type="presOf" srcId="{4D15D454-5719-43AD-ABCB-88009645E105}" destId="{E2FEDD15-6C55-4357-B7C9-D7888B6098CA}" srcOrd="0" destOrd="4" presId="urn:microsoft.com/office/officeart/2005/8/layout/hList1"/>
     <dgm:cxn modelId="{BF47847D-E076-4325-B057-D7CDBECFFEAC}" type="presOf" srcId="{5AA5FD75-5C90-4429-96FE-EA28159F142D}" destId="{19E0F596-C569-49EE-A858-0212E44E8361}" srcOrd="0" destOrd="0" presId="urn:microsoft.com/office/officeart/2005/8/layout/hList1"/>
     <dgm:cxn modelId="{9F665977-5822-484D-8DE1-963728038FAD}" type="presOf" srcId="{A1DBACA7-05CB-48CB-9B53-54FBCB2A5237}" destId="{E2FEDD15-6C55-4357-B7C9-D7888B6098CA}" srcOrd="0" destOrd="1" presId="urn:microsoft.com/office/officeart/2005/8/layout/hList1"/>
+    <dgm:cxn modelId="{DD694FD2-C66C-4BBD-B4FC-2B82FFE3651A}" type="presOf" srcId="{0A180470-D629-4A2F-A707-AC08E7EE7821}" destId="{CEB00F75-F7C3-4B6C-8DA8-4BE0DDA62DD1}" srcOrd="0" destOrd="0" presId="urn:microsoft.com/office/officeart/2005/8/layout/hList1"/>
     <dgm:cxn modelId="{BA27A05B-FD7F-4922-99CF-4CC7281017F3}" type="presOf" srcId="{1C7766AA-29C1-428A-BEF5-8CE292095754}" destId="{E2FEDD15-6C55-4357-B7C9-D7888B6098CA}" srcOrd="0" destOrd="0" presId="urn:microsoft.com/office/officeart/2005/8/layout/hList1"/>
-    <dgm:cxn modelId="{DD694FD2-C66C-4BBD-B4FC-2B82FFE3651A}" type="presOf" srcId="{0A180470-D629-4A2F-A707-AC08E7EE7821}" destId="{CEB00F75-F7C3-4B6C-8DA8-4BE0DDA62DD1}" srcOrd="0" destOrd="0" presId="urn:microsoft.com/office/officeart/2005/8/layout/hList1"/>
     <dgm:cxn modelId="{24F47EC5-40EB-4A7E-BF36-CF1B2EC345A0}" type="presOf" srcId="{844E8EA2-E497-4CA3-B913-F411BEDF9016}" destId="{FFF38D35-7D94-4F39-9648-B2AB98F610BE}" srcOrd="0" destOrd="7" presId="urn:microsoft.com/office/officeart/2005/8/layout/hList1"/>
     <dgm:cxn modelId="{23F1E98B-ABBC-4F70-A0CB-04E81DF0C8D2}" type="presOf" srcId="{26495795-AD98-421D-933B-5002B29E1146}" destId="{E2FEDD15-6C55-4357-B7C9-D7888B6098CA}" srcOrd="0" destOrd="5" presId="urn:microsoft.com/office/officeart/2005/8/layout/hList1"/>
     <dgm:cxn modelId="{AE71030A-1423-47FE-B3FA-C158896A68C8}" srcId="{5AA5FD75-5C90-4429-96FE-EA28159F142D}" destId="{28DA6E57-6E4A-46E2-8F73-AB7912C84143}" srcOrd="2" destOrd="0" parTransId="{375877AB-1F99-4D60-B5EC-F6E910E9DEAD}" sibTransId="{95EBC766-07AF-44C1-BC8F-52303DEBD8A7}"/>
@@ -4843,6 +4843,14 @@
           <a:bodyPr/>
           <a:lstStyle/>
           <a:p>
+            <a:r>
+              <a:rPr lang="de-DE" dirty="0" err="1" smtClean="0"/>
+              <a:t>Trello</a:t>
+            </a:r>
+            <a:r>
+              <a:rPr lang="de-DE" dirty="0" smtClean="0"/>
+              <a:t> haben wir verwendet um…</a:t>
+            </a:r>
             <a:endParaRPr lang="de-DE" dirty="0"/>
           </a:p>
         </p:txBody>
@@ -5443,6 +5451,196 @@
 </file>
 
 <file path=ppt/notesSlides/notesSlide8.xml><?xml version="1.0" encoding="utf-8"?>
+<p:notes xmlns:a="http://schemas.openxmlformats.org/drawingml/2006/main" xmlns:r="http://schemas.openxmlformats.org/officeDocument/2006/relationships" xmlns:p="http://schemas.openxmlformats.org/presentationml/2006/main">
+  <p:cSld>
+    <p:spTree>
+      <p:nvGrpSpPr>
+        <p:cNvPr id="1" name=""/>
+        <p:cNvGrpSpPr/>
+        <p:nvPr/>
+      </p:nvGrpSpPr>
+      <p:grpSpPr>
+        <a:xfrm>
+          <a:off x="0" y="0"/>
+          <a:ext cx="0" cy="0"/>
+          <a:chOff x="0" y="0"/>
+          <a:chExt cx="0" cy="0"/>
+        </a:xfrm>
+      </p:grpSpPr>
+      <p:sp>
+        <p:nvSpPr>
+          <p:cNvPr id="2" name="Folienbildplatzhalter 1"/>
+          <p:cNvSpPr>
+            <a:spLocks noGrp="1" noRot="1" noChangeAspect="1"/>
+          </p:cNvSpPr>
+          <p:nvPr>
+            <p:ph type="sldImg"/>
+          </p:nvPr>
+        </p:nvSpPr>
+        <p:spPr/>
+      </p:sp>
+      <p:sp>
+        <p:nvSpPr>
+          <p:cNvPr id="3" name="Notizenplatzhalter 2"/>
+          <p:cNvSpPr>
+            <a:spLocks noGrp="1"/>
+          </p:cNvSpPr>
+          <p:nvPr>
+            <p:ph type="body" idx="1"/>
+          </p:nvPr>
+        </p:nvSpPr>
+        <p:spPr/>
+        <p:txBody>
+          <a:bodyPr/>
+          <a:lstStyle/>
+          <a:p>
+            <a:pPr marL="228600" indent="-228600">
+              <a:buAutoNum type="arabicPeriod"/>
+            </a:pPr>
+            <a:r>
+              <a:rPr lang="de-DE" dirty="0" smtClean="0"/>
+              <a:t>Der Benutzer macht eine</a:t>
+            </a:r>
+            <a:r>
+              <a:rPr lang="de-DE" baseline="0" dirty="0" smtClean="0"/>
+              <a:t> Eingabe</a:t>
+            </a:r>
+          </a:p>
+          <a:p>
+            <a:pPr marL="228600" indent="-228600">
+              <a:buAutoNum type="arabicPeriod"/>
+            </a:pPr>
+            <a:r>
+              <a:rPr lang="de-DE" baseline="0" dirty="0" smtClean="0"/>
+              <a:t>Angular erstellt die Anfrage für den Server</a:t>
+            </a:r>
+          </a:p>
+          <a:p>
+            <a:pPr marL="228600" indent="-228600">
+              <a:buAutoNum type="arabicPeriod"/>
+            </a:pPr>
+            <a:r>
+              <a:rPr lang="de-DE" baseline="0" dirty="0" smtClean="0"/>
+              <a:t>Der </a:t>
+            </a:r>
+            <a:r>
+              <a:rPr lang="de-DE" baseline="0" dirty="0" err="1" smtClean="0"/>
+              <a:t>Node</a:t>
+            </a:r>
+            <a:r>
+              <a:rPr lang="de-DE" baseline="0" dirty="0" smtClean="0"/>
+              <a:t> Server verarbeitet die Anfrage</a:t>
+            </a:r>
+          </a:p>
+          <a:p>
+            <a:pPr marL="228600" indent="-228600">
+              <a:buAutoNum type="arabicPeriod"/>
+            </a:pPr>
+            <a:r>
+              <a:rPr lang="de-DE" baseline="0" dirty="0" smtClean="0"/>
+              <a:t>Das Server Framework Express stellt die Anfrage</a:t>
+            </a:r>
+          </a:p>
+          <a:p>
+            <a:pPr marL="228600" indent="-228600">
+              <a:buAutoNum type="arabicPeriod"/>
+            </a:pPr>
+            <a:r>
+              <a:rPr lang="de-DE" baseline="0" dirty="0" smtClean="0"/>
+              <a:t>Die </a:t>
+            </a:r>
+            <a:r>
+              <a:rPr lang="de-DE" baseline="0" dirty="0" err="1" smtClean="0"/>
+              <a:t>Persistenzschicht</a:t>
+            </a:r>
+            <a:r>
+              <a:rPr lang="de-DE" baseline="0" dirty="0" smtClean="0"/>
+              <a:t> stellt die Daten zur Verfügung</a:t>
+            </a:r>
+          </a:p>
+          <a:p>
+            <a:pPr marL="228600" indent="-228600">
+              <a:buAutoNum type="arabicPeriod"/>
+            </a:pPr>
+            <a:r>
+              <a:rPr lang="de-DE" baseline="0" dirty="0" smtClean="0"/>
+              <a:t>Die Daten werde von Express an den </a:t>
+            </a:r>
+            <a:r>
+              <a:rPr lang="de-DE" baseline="0" dirty="0" err="1" smtClean="0"/>
+              <a:t>Node</a:t>
+            </a:r>
+            <a:r>
+              <a:rPr lang="de-DE" baseline="0" dirty="0" smtClean="0"/>
+              <a:t> Server gesendet</a:t>
+            </a:r>
+          </a:p>
+          <a:p>
+            <a:pPr marL="228600" indent="-228600">
+              <a:buAutoNum type="arabicPeriod"/>
+            </a:pPr>
+            <a:r>
+              <a:rPr lang="de-DE" baseline="0" dirty="0" smtClean="0"/>
+              <a:t>Der </a:t>
+            </a:r>
+            <a:r>
+              <a:rPr lang="de-DE" baseline="0" dirty="0" err="1" smtClean="0"/>
+              <a:t>Node</a:t>
+            </a:r>
+            <a:r>
+              <a:rPr lang="de-DE" baseline="0" dirty="0" smtClean="0"/>
+              <a:t> Server sendet die Daten an das Frontend</a:t>
+            </a:r>
+          </a:p>
+          <a:p>
+            <a:pPr marL="228600" indent="-228600">
+              <a:buAutoNum type="arabicPeriod"/>
+            </a:pPr>
+            <a:r>
+              <a:rPr lang="de-DE" baseline="0" dirty="0" smtClean="0"/>
+              <a:t>Das Frontend stellt die Anfrage dar</a:t>
+            </a:r>
+            <a:endParaRPr lang="de-DE" dirty="0"/>
+          </a:p>
+        </p:txBody>
+      </p:sp>
+      <p:sp>
+        <p:nvSpPr>
+          <p:cNvPr id="4" name="Foliennummernplatzhalter 3"/>
+          <p:cNvSpPr>
+            <a:spLocks noGrp="1"/>
+          </p:cNvSpPr>
+          <p:nvPr>
+            <p:ph type="sldNum" sz="quarter" idx="10"/>
+          </p:nvPr>
+        </p:nvSpPr>
+        <p:spPr/>
+        <p:txBody>
+          <a:bodyPr/>
+          <a:lstStyle/>
+          <a:p>
+            <a:fld id="{14BEC569-9E05-4323-A98C-4047FABAF080}" type="slidenum">
+              <a:rPr lang="de-DE" smtClean="0"/>
+              <a:t>9</a:t>
+            </a:fld>
+            <a:endParaRPr lang="de-DE"/>
+          </a:p>
+        </p:txBody>
+      </p:sp>
+    </p:spTree>
+    <p:extLst>
+      <p:ext uri="{BB962C8B-B14F-4D97-AF65-F5344CB8AC3E}">
+        <p14:creationId xmlns:p14="http://schemas.microsoft.com/office/powerpoint/2010/main" val="3591883945"/>
+      </p:ext>
+    </p:extLst>
+  </p:cSld>
+  <p:clrMapOvr>
+    <a:masterClrMapping/>
+  </p:clrMapOvr>
+</p:notes>
+</file>
+
+<file path=ppt/notesSlides/notesSlide9.xml><?xml version="1.0" encoding="utf-8"?>
 <p:notes xmlns:a="http://schemas.openxmlformats.org/drawingml/2006/main" xmlns:r="http://schemas.openxmlformats.org/officeDocument/2006/relationships" xmlns:p="http://schemas.openxmlformats.org/presentationml/2006/main">
   <p:cSld>
     <p:spTree>
@@ -14668,7 +14866,7 @@
           </p:nvPr>
         </p:nvPicPr>
         <p:blipFill>
-          <a:blip r:embed="rId2">
+          <a:blip r:embed="rId3">
             <a:extLst>
               <a:ext uri="{28A0092B-C50C-407E-A947-70E740481C1C}">
                 <a14:useLocalDpi xmlns:a14="http://schemas.microsoft.com/office/drawing/2010/main" val="0"/>
@@ -14695,7 +14893,7 @@
           <p:nvPr/>
         </p:nvPicPr>
         <p:blipFill>
-          <a:blip r:embed="rId3">
+          <a:blip r:embed="rId4">
             <a:extLst>
               <a:ext uri="{28A0092B-C50C-407E-A947-70E740481C1C}">
                 <a14:useLocalDpi xmlns:a14="http://schemas.microsoft.com/office/drawing/2010/main" val="0"/>
@@ -14725,7 +14923,7 @@
           <p:nvPr/>
         </p:nvPicPr>
         <p:blipFill>
-          <a:blip r:embed="rId4">
+          <a:blip r:embed="rId5">
             <a:extLst>
               <a:ext uri="{28A0092B-C50C-407E-A947-70E740481C1C}">
                 <a14:useLocalDpi xmlns:a14="http://schemas.microsoft.com/office/drawing/2010/main" val="0"/>
@@ -14755,7 +14953,7 @@
           <p:nvPr/>
         </p:nvPicPr>
         <p:blipFill>
-          <a:blip r:embed="rId5">
+          <a:blip r:embed="rId6">
             <a:extLst>
               <a:ext uri="{28A0092B-C50C-407E-A947-70E740481C1C}">
                 <a14:useLocalDpi xmlns:a14="http://schemas.microsoft.com/office/drawing/2010/main" val="0"/>
@@ -14785,7 +14983,7 @@
           <p:nvPr/>
         </p:nvPicPr>
         <p:blipFill>
-          <a:blip r:embed="rId6">
+          <a:blip r:embed="rId7">
             <a:extLst>
               <a:ext uri="{28A0092B-C50C-407E-A947-70E740481C1C}">
                 <a14:useLocalDpi xmlns:a14="http://schemas.microsoft.com/office/drawing/2010/main" val="0"/>
@@ -14815,7 +15013,7 @@
           <p:nvPr/>
         </p:nvPicPr>
         <p:blipFill>
-          <a:blip r:embed="rId7">
+          <a:blip r:embed="rId8">
             <a:extLst>
               <a:ext uri="{28A0092B-C50C-407E-A947-70E740481C1C}">
                 <a14:useLocalDpi xmlns:a14="http://schemas.microsoft.com/office/drawing/2010/main" val="0"/>
@@ -14845,7 +15043,7 @@
           <p:nvPr/>
         </p:nvPicPr>
         <p:blipFill>
-          <a:blip r:embed="rId8">
+          <a:blip r:embed="rId9">
             <a:extLst>
               <a:ext uri="{28A0092B-C50C-407E-A947-70E740481C1C}">
                 <a14:useLocalDpi xmlns:a14="http://schemas.microsoft.com/office/drawing/2010/main" val="0"/>
@@ -14875,7 +15073,7 @@
           <p:nvPr/>
         </p:nvPicPr>
         <p:blipFill>
-          <a:blip r:embed="rId9">
+          <a:blip r:embed="rId10">
             <a:extLst>
               <a:ext uri="{28A0092B-C50C-407E-A947-70E740481C1C}">
                 <a14:useLocalDpi xmlns:a14="http://schemas.microsoft.com/office/drawing/2010/main" val="0"/>
@@ -14905,7 +15103,7 @@
           <p:nvPr/>
         </p:nvPicPr>
         <p:blipFill>
-          <a:blip r:embed="rId7">
+          <a:blip r:embed="rId8">
             <a:extLst>
               <a:ext uri="{28A0092B-C50C-407E-A947-70E740481C1C}">
                 <a14:useLocalDpi xmlns:a14="http://schemas.microsoft.com/office/drawing/2010/main" val="0"/>
@@ -14935,7 +15133,7 @@
           <p:nvPr/>
         </p:nvPicPr>
         <p:blipFill>
-          <a:blip r:embed="rId7">
+          <a:blip r:embed="rId8">
             <a:extLst>
               <a:ext uri="{28A0092B-C50C-407E-A947-70E740481C1C}">
                 <a14:useLocalDpi xmlns:a14="http://schemas.microsoft.com/office/drawing/2010/main" val="0"/>
@@ -14965,7 +15163,7 @@
           <p:nvPr/>
         </p:nvPicPr>
         <p:blipFill>
-          <a:blip r:embed="rId8">
+          <a:blip r:embed="rId9">
             <a:extLst>
               <a:ext uri="{28A0092B-C50C-407E-A947-70E740481C1C}">
                 <a14:useLocalDpi xmlns:a14="http://schemas.microsoft.com/office/drawing/2010/main" val="0"/>
@@ -14995,7 +15193,7 @@
           <p:nvPr/>
         </p:nvPicPr>
         <p:blipFill>
-          <a:blip r:embed="rId9">
+          <a:blip r:embed="rId10">
             <a:extLst>
               <a:ext uri="{28A0092B-C50C-407E-A947-70E740481C1C}">
                 <a14:useLocalDpi xmlns:a14="http://schemas.microsoft.com/office/drawing/2010/main" val="0"/>
@@ -15025,7 +15223,7 @@
           <p:nvPr/>
         </p:nvPicPr>
         <p:blipFill>
-          <a:blip r:embed="rId7">
+          <a:blip r:embed="rId8">
             <a:extLst>
               <a:ext uri="{28A0092B-C50C-407E-A947-70E740481C1C}">
                 <a14:useLocalDpi xmlns:a14="http://schemas.microsoft.com/office/drawing/2010/main" val="0"/>

--- a/doc/Präsentation/MEAN Notes.pptx
+++ b/doc/Präsentation/MEAN Notes.pptx
@@ -1986,8 +1986,8 @@
     <dgm:cxn modelId="{0577D253-1036-47A8-B810-A735390FEBE6}" srcId="{A6B4E31E-BF13-43E9-A8DF-1D0CED72AE2B}" destId="{0A180470-D629-4A2F-A707-AC08E7EE7821}" srcOrd="1" destOrd="0" parTransId="{E8C6D964-0C3D-4EE5-93FE-EB8BA448D4DC}" sibTransId="{AEB55458-9C91-4297-89D4-34C873B7BFA6}"/>
     <dgm:cxn modelId="{D39F9551-7A9C-4BBA-B9B5-58E7BD540672}" srcId="{45D67FC7-9484-4BD2-96D9-5DC0D4DC919F}" destId="{D43A8187-F70D-4382-97AF-2C1BAAAD39F2}" srcOrd="3" destOrd="0" parTransId="{B3AF1AFC-2EFD-470D-8334-5BB3800BEAE5}" sibTransId="{BA38E681-6A32-4A4F-9143-88D4B0706EAC}"/>
     <dgm:cxn modelId="{327244BB-FF70-480C-8140-C95AD341320E}" srcId="{0A180470-D629-4A2F-A707-AC08E7EE7821}" destId="{402C3787-C119-4975-B2C3-FDC33B51A950}" srcOrd="3" destOrd="0" parTransId="{6C90D17A-25EE-471C-B063-6FEBC0DB6C7E}" sibTransId="{8534571D-9358-468F-8107-890062D306FB}"/>
+    <dgm:cxn modelId="{A5B0E6D2-FDF1-4B66-A937-34E78F3A23F4}" srcId="{45D67FC7-9484-4BD2-96D9-5DC0D4DC919F}" destId="{A2BFB9B8-DC9E-4DB2-A6FC-2E8A7188049F}" srcOrd="4" destOrd="0" parTransId="{01F339B7-F73F-4572-AB8B-4F804846FC8A}" sibTransId="{6EE000F8-9836-427C-94FC-658B005FF7FA}"/>
     <dgm:cxn modelId="{5607A11E-0468-4EA4-B201-3E27E70E1982}" type="presOf" srcId="{C3379581-7EC1-4BC6-8381-BAFCA1887E1F}" destId="{F5E4AB33-7C02-4210-A409-8AD4743E5C7F}" srcOrd="0" destOrd="0" presId="urn:microsoft.com/office/officeart/2005/8/layout/hList1"/>
-    <dgm:cxn modelId="{A5B0E6D2-FDF1-4B66-A937-34E78F3A23F4}" srcId="{45D67FC7-9484-4BD2-96D9-5DC0D4DC919F}" destId="{A2BFB9B8-DC9E-4DB2-A6FC-2E8A7188049F}" srcOrd="4" destOrd="0" parTransId="{01F339B7-F73F-4572-AB8B-4F804846FC8A}" sibTransId="{6EE000F8-9836-427C-94FC-658B005FF7FA}"/>
     <dgm:cxn modelId="{E4929EAA-58F6-4332-AB15-6A9CB3579A7D}" srcId="{B76DA727-A040-4538-8008-3CDD5AF6C4CD}" destId="{74DCB112-97B7-43B7-B971-E99A399335BB}" srcOrd="1" destOrd="0" parTransId="{C132FE06-D957-410B-891C-7E9D715895E2}" sibTransId="{3DB06AFA-5E0D-464A-B73D-EF233128865A}"/>
     <dgm:cxn modelId="{F77FF049-E61B-42EA-8C8E-9F2E95115064}" type="presOf" srcId="{7D1F6B58-A72A-43D8-9441-9AFAF2A7FBC3}" destId="{FFF38D35-7D94-4F39-9648-B2AB98F610BE}" srcOrd="0" destOrd="5" presId="urn:microsoft.com/office/officeart/2005/8/layout/hList1"/>
     <dgm:cxn modelId="{5F309194-1D4F-4428-BD83-CF4A32D3DD0B}" type="presOf" srcId="{45D67FC7-9484-4BD2-96D9-5DC0D4DC919F}" destId="{408356D3-9949-4E29-8747-B7EE15A2C512}" srcOrd="0" destOrd="0" presId="urn:microsoft.com/office/officeart/2005/8/layout/hList1"/>
@@ -2003,8 +2003,8 @@
     <dgm:cxn modelId="{A64AE706-5337-4E33-921C-F3A7DC78317B}" type="presOf" srcId="{4D15D454-5719-43AD-ABCB-88009645E105}" destId="{E2FEDD15-6C55-4357-B7C9-D7888B6098CA}" srcOrd="0" destOrd="4" presId="urn:microsoft.com/office/officeart/2005/8/layout/hList1"/>
     <dgm:cxn modelId="{BF47847D-E076-4325-B057-D7CDBECFFEAC}" type="presOf" srcId="{5AA5FD75-5C90-4429-96FE-EA28159F142D}" destId="{19E0F596-C569-49EE-A858-0212E44E8361}" srcOrd="0" destOrd="0" presId="urn:microsoft.com/office/officeart/2005/8/layout/hList1"/>
     <dgm:cxn modelId="{9F665977-5822-484D-8DE1-963728038FAD}" type="presOf" srcId="{A1DBACA7-05CB-48CB-9B53-54FBCB2A5237}" destId="{E2FEDD15-6C55-4357-B7C9-D7888B6098CA}" srcOrd="0" destOrd="1" presId="urn:microsoft.com/office/officeart/2005/8/layout/hList1"/>
+    <dgm:cxn modelId="{BA27A05B-FD7F-4922-99CF-4CC7281017F3}" type="presOf" srcId="{1C7766AA-29C1-428A-BEF5-8CE292095754}" destId="{E2FEDD15-6C55-4357-B7C9-D7888B6098CA}" srcOrd="0" destOrd="0" presId="urn:microsoft.com/office/officeart/2005/8/layout/hList1"/>
     <dgm:cxn modelId="{DD694FD2-C66C-4BBD-B4FC-2B82FFE3651A}" type="presOf" srcId="{0A180470-D629-4A2F-A707-AC08E7EE7821}" destId="{CEB00F75-F7C3-4B6C-8DA8-4BE0DDA62DD1}" srcOrd="0" destOrd="0" presId="urn:microsoft.com/office/officeart/2005/8/layout/hList1"/>
-    <dgm:cxn modelId="{BA27A05B-FD7F-4922-99CF-4CC7281017F3}" type="presOf" srcId="{1C7766AA-29C1-428A-BEF5-8CE292095754}" destId="{E2FEDD15-6C55-4357-B7C9-D7888B6098CA}" srcOrd="0" destOrd="0" presId="urn:microsoft.com/office/officeart/2005/8/layout/hList1"/>
     <dgm:cxn modelId="{24F47EC5-40EB-4A7E-BF36-CF1B2EC345A0}" type="presOf" srcId="{844E8EA2-E497-4CA3-B913-F411BEDF9016}" destId="{FFF38D35-7D94-4F39-9648-B2AB98F610BE}" srcOrd="0" destOrd="7" presId="urn:microsoft.com/office/officeart/2005/8/layout/hList1"/>
     <dgm:cxn modelId="{23F1E98B-ABBC-4F70-A0CB-04E81DF0C8D2}" type="presOf" srcId="{26495795-AD98-421D-933B-5002B29E1146}" destId="{E2FEDD15-6C55-4357-B7C9-D7888B6098CA}" srcOrd="0" destOrd="5" presId="urn:microsoft.com/office/officeart/2005/8/layout/hList1"/>
     <dgm:cxn modelId="{AE71030A-1423-47FE-B3FA-C158896A68C8}" srcId="{5AA5FD75-5C90-4429-96FE-EA28159F142D}" destId="{28DA6E57-6E4A-46E2-8F73-AB7912C84143}" srcOrd="2" destOrd="0" parTransId="{375877AB-1F99-4D60-B5EC-F6E910E9DEAD}" sibTransId="{95EBC766-07AF-44C1-BC8F-52303DEBD8A7}"/>
@@ -4355,7 +4355,7 @@
           <a:p>
             <a:fld id="{9533D94C-F366-49B4-85A2-9678B09A1231}" type="datetimeFigureOut">
               <a:rPr lang="de-DE" smtClean="0"/>
-              <a:t>10.02.2016</a:t>
+              <a:t>11.02.2016</a:t>
             </a:fld>
             <a:endParaRPr lang="de-DE"/>
           </a:p>
@@ -4707,6 +4707,127 @@
 </p:notes>
 </file>
 
+<file path=ppt/notesSlides/notesSlide10.xml><?xml version="1.0" encoding="utf-8"?>
+<p:notes xmlns:a="http://schemas.openxmlformats.org/drawingml/2006/main" xmlns:r="http://schemas.openxmlformats.org/officeDocument/2006/relationships" xmlns:p="http://schemas.openxmlformats.org/presentationml/2006/main">
+  <p:cSld>
+    <p:spTree>
+      <p:nvGrpSpPr>
+        <p:cNvPr id="1" name=""/>
+        <p:cNvGrpSpPr/>
+        <p:nvPr/>
+      </p:nvGrpSpPr>
+      <p:grpSpPr>
+        <a:xfrm>
+          <a:off x="0" y="0"/>
+          <a:ext cx="0" cy="0"/>
+          <a:chOff x="0" y="0"/>
+          <a:chExt cx="0" cy="0"/>
+        </a:xfrm>
+      </p:grpSpPr>
+      <p:sp>
+        <p:nvSpPr>
+          <p:cNvPr id="2" name="Folienbildplatzhalter 1"/>
+          <p:cNvSpPr>
+            <a:spLocks noGrp="1" noRot="1" noChangeAspect="1"/>
+          </p:cNvSpPr>
+          <p:nvPr>
+            <p:ph type="sldImg"/>
+          </p:nvPr>
+        </p:nvSpPr>
+        <p:spPr/>
+      </p:sp>
+      <p:sp>
+        <p:nvSpPr>
+          <p:cNvPr id="3" name="Notizenplatzhalter 2"/>
+          <p:cNvSpPr>
+            <a:spLocks noGrp="1"/>
+          </p:cNvSpPr>
+          <p:nvPr>
+            <p:ph type="body" idx="1"/>
+          </p:nvPr>
+        </p:nvSpPr>
+        <p:spPr/>
+        <p:txBody>
+          <a:bodyPr/>
+          <a:lstStyle/>
+          <a:p>
+            <a:r>
+              <a:rPr lang="de-DE" dirty="0" smtClean="0"/>
+              <a:t>Registrierung -&gt; E-Mail</a:t>
+            </a:r>
+            <a:r>
+              <a:rPr lang="de-DE" baseline="0" dirty="0" smtClean="0"/>
+              <a:t> Service</a:t>
+            </a:r>
+          </a:p>
+          <a:p>
+            <a:r>
+              <a:rPr lang="de-DE" baseline="0" dirty="0" smtClean="0"/>
+              <a:t>Teilen -&gt; Notizen </a:t>
+            </a:r>
+            <a:r>
+              <a:rPr lang="de-DE" baseline="0" dirty="0" err="1" smtClean="0"/>
+              <a:t>sharen</a:t>
+            </a:r>
+            <a:endParaRPr lang="de-DE" baseline="0" dirty="0" smtClean="0"/>
+          </a:p>
+          <a:p>
+            <a:r>
+              <a:rPr lang="de-DE" baseline="0" dirty="0" smtClean="0"/>
+              <a:t>Archivieren -&gt; bisher nur Delete</a:t>
+            </a:r>
+          </a:p>
+          <a:p>
+            <a:r>
+              <a:rPr lang="de-DE" baseline="0" dirty="0" smtClean="0"/>
+              <a:t>Drag &amp; Drop -&gt; bisher nach Erstellungsdatum</a:t>
+            </a:r>
+          </a:p>
+          <a:p>
+            <a:r>
+              <a:rPr lang="de-DE" baseline="0" dirty="0" smtClean="0"/>
+              <a:t>Modell erweitern -&gt; RTF-Texte, Checkliste, etc…</a:t>
+            </a:r>
+            <a:endParaRPr lang="de-DE" dirty="0"/>
+          </a:p>
+        </p:txBody>
+      </p:sp>
+      <p:sp>
+        <p:nvSpPr>
+          <p:cNvPr id="4" name="Foliennummernplatzhalter 3"/>
+          <p:cNvSpPr>
+            <a:spLocks noGrp="1"/>
+          </p:cNvSpPr>
+          <p:nvPr>
+            <p:ph type="sldNum" sz="quarter" idx="10"/>
+          </p:nvPr>
+        </p:nvSpPr>
+        <p:spPr/>
+        <p:txBody>
+          <a:bodyPr/>
+          <a:lstStyle/>
+          <a:p>
+            <a:fld id="{14BEC569-9E05-4323-A98C-4047FABAF080}" type="slidenum">
+              <a:rPr lang="de-DE" smtClean="0"/>
+              <a:t>10</a:t>
+            </a:fld>
+            <a:endParaRPr lang="de-DE"/>
+          </a:p>
+        </p:txBody>
+      </p:sp>
+    </p:spTree>
+    <p:extLst>
+      <p:ext uri="{BB962C8B-B14F-4D97-AF65-F5344CB8AC3E}">
+        <p14:creationId xmlns:p14="http://schemas.microsoft.com/office/powerpoint/2010/main" val="3168051213"/>
+      </p:ext>
+    </p:extLst>
+  </p:cSld>
+  <p:clrMapOvr>
+    <a:masterClrMapping/>
+  </p:clrMapOvr>
+</p:notes>
+</file>
+
 <file path=ppt/notesSlides/notesSlide2.xml><?xml version="1.0" encoding="utf-8"?>
 <p:notes xmlns:a="http://schemas.openxmlformats.org/drawingml/2006/main" xmlns:r="http://schemas.openxmlformats.org/officeDocument/2006/relationships" xmlns:p="http://schemas.openxmlformats.org/presentationml/2006/main">
   <p:cSld>
@@ -4844,12 +4965,16 @@
           <a:lstStyle/>
           <a:p>
             <a:r>
+              <a:rPr lang="de-DE" dirty="0" smtClean="0"/>
+              <a:t>REST = </a:t>
+            </a:r>
+            <a:r>
               <a:rPr lang="de-DE" dirty="0" err="1" smtClean="0"/>
-              <a:t>Trello</a:t>
-            </a:r>
-            <a:r>
-              <a:rPr lang="de-DE" dirty="0" smtClean="0"/>
-              <a:t> haben wir verwendet um…</a:t>
+              <a:t>Representational</a:t>
+            </a:r>
+            <a:r>
+              <a:rPr lang="de-DE" baseline="0" dirty="0" smtClean="0"/>
+              <a:t> State Transfer (Programmierparadigma)</a:t>
             </a:r>
             <a:endParaRPr lang="de-DE" dirty="0"/>
           </a:p>
@@ -4872,7 +4997,7 @@
           <a:p>
             <a:fld id="{14BEC569-9E05-4323-A98C-4047FABAF080}" type="slidenum">
               <a:rPr lang="de-DE" smtClean="0"/>
-              <a:t>4</a:t>
+              <a:t>3</a:t>
             </a:fld>
             <a:endParaRPr lang="de-DE"/>
           </a:p>
@@ -4881,7 +5006,7 @@
     </p:spTree>
     <p:extLst>
       <p:ext uri="{BB962C8B-B14F-4D97-AF65-F5344CB8AC3E}">
-        <p14:creationId xmlns:p14="http://schemas.microsoft.com/office/powerpoint/2010/main" val="2237453342"/>
+        <p14:creationId xmlns:p14="http://schemas.microsoft.com/office/powerpoint/2010/main" val="3609227674"/>
       </p:ext>
     </p:extLst>
   </p:cSld>
@@ -4937,60 +5062,37 @@
           <a:p>
             <a:r>
               <a:rPr lang="de-DE" dirty="0" err="1" smtClean="0"/>
+              <a:t>Trello</a:t>
+            </a:r>
+            <a:r>
+              <a:rPr lang="de-DE" dirty="0" smtClean="0"/>
+              <a:t> haben wir verwendet um</a:t>
+            </a:r>
+            <a:r>
+              <a:rPr lang="de-DE" dirty="0" smtClean="0"/>
+              <a:t>…</a:t>
+            </a:r>
+          </a:p>
+          <a:p>
+            <a:endParaRPr lang="de-DE" dirty="0" smtClean="0"/>
+          </a:p>
+          <a:p>
+            <a:r>
+              <a:rPr lang="de-DE" dirty="0" smtClean="0"/>
+              <a:t>Einer hat </a:t>
+            </a:r>
+            <a:r>
+              <a:rPr lang="de-DE" dirty="0" err="1" smtClean="0"/>
               <a:t>Mockups</a:t>
             </a:r>
             <a:r>
               <a:rPr lang="de-DE" dirty="0" smtClean="0"/>
-              <a:t> mit Proto.io erstellt</a:t>
-            </a:r>
-          </a:p>
-          <a:p>
-            <a:endParaRPr lang="de-DE" dirty="0" smtClean="0"/>
-          </a:p>
-          <a:p>
-            <a:r>
-              <a:rPr lang="de-DE" dirty="0" smtClean="0"/>
-              <a:t>Vorteile: </a:t>
-            </a:r>
-          </a:p>
-          <a:p>
-            <a:pPr marL="171450" indent="-171450">
-              <a:buFont typeface="Arial" panose="020B0604020202020204" pitchFamily="34" charset="0"/>
-              <a:buChar char="•"/>
-            </a:pPr>
-            <a:r>
-              <a:rPr lang="de-DE" dirty="0" err="1" smtClean="0"/>
-              <a:t>Mockup</a:t>
-            </a:r>
-            <a:r>
-              <a:rPr lang="de-DE" dirty="0" smtClean="0"/>
-              <a:t> im Material-Design</a:t>
-            </a:r>
-          </a:p>
-          <a:p>
-            <a:pPr marL="171450" indent="-171450">
-              <a:buFont typeface="Arial" panose="020B0604020202020204" pitchFamily="34" charset="0"/>
-              <a:buChar char="•"/>
-            </a:pPr>
-            <a:r>
-              <a:rPr lang="de-DE" dirty="0" smtClean="0"/>
-              <a:t>Interaktiv</a:t>
-            </a:r>
-          </a:p>
-          <a:p>
-            <a:pPr marL="171450" indent="-171450">
-              <a:buFont typeface="Arial" panose="020B0604020202020204" pitchFamily="34" charset="0"/>
-              <a:buChar char="•"/>
-            </a:pPr>
-            <a:r>
-              <a:rPr lang="de-DE" dirty="0" smtClean="0"/>
-              <a:t>Schön</a:t>
-            </a:r>
-          </a:p>
-          <a:p>
-            <a:endParaRPr lang="de-DE" dirty="0" smtClean="0"/>
-          </a:p>
-          <a:p>
+              <a:t> gemacht, der nächste die GUI,</a:t>
+            </a:r>
+            <a:r>
+              <a:rPr lang="de-DE" baseline="0" dirty="0" smtClean="0"/>
+              <a:t> …</a:t>
+            </a:r>
             <a:endParaRPr lang="de-DE" dirty="0"/>
           </a:p>
         </p:txBody>
@@ -5012,7 +5114,7 @@
           <a:p>
             <a:fld id="{14BEC569-9E05-4323-A98C-4047FABAF080}" type="slidenum">
               <a:rPr lang="de-DE" smtClean="0"/>
-              <a:t>5</a:t>
+              <a:t>4</a:t>
             </a:fld>
             <a:endParaRPr lang="de-DE"/>
           </a:p>
@@ -5021,7 +5123,7 @@
     </p:spTree>
     <p:extLst>
       <p:ext uri="{BB962C8B-B14F-4D97-AF65-F5344CB8AC3E}">
-        <p14:creationId xmlns:p14="http://schemas.microsoft.com/office/powerpoint/2010/main" val="1761719000"/>
+        <p14:creationId xmlns:p14="http://schemas.microsoft.com/office/powerpoint/2010/main" val="2237453342"/>
       </p:ext>
     </p:extLst>
   </p:cSld>
@@ -5076,9 +5178,59 @@
           <a:lstStyle/>
           <a:p>
             <a:r>
+              <a:rPr lang="de-DE" dirty="0" err="1" smtClean="0"/>
+              <a:t>Mockups</a:t>
+            </a:r>
+            <a:r>
               <a:rPr lang="de-DE" dirty="0" smtClean="0"/>
-              <a:t>Hier sieht man Interaktivität</a:t>
-            </a:r>
+              <a:t> mit Proto.io erstellt</a:t>
+            </a:r>
+          </a:p>
+          <a:p>
+            <a:endParaRPr lang="de-DE" dirty="0" smtClean="0"/>
+          </a:p>
+          <a:p>
+            <a:r>
+              <a:rPr lang="de-DE" dirty="0" smtClean="0"/>
+              <a:t>Vorteile: </a:t>
+            </a:r>
+          </a:p>
+          <a:p>
+            <a:pPr marL="171450" indent="-171450">
+              <a:buFont typeface="Arial" panose="020B0604020202020204" pitchFamily="34" charset="0"/>
+              <a:buChar char="•"/>
+            </a:pPr>
+            <a:r>
+              <a:rPr lang="de-DE" dirty="0" err="1" smtClean="0"/>
+              <a:t>Mockup</a:t>
+            </a:r>
+            <a:r>
+              <a:rPr lang="de-DE" dirty="0" smtClean="0"/>
+              <a:t> im Material-Design</a:t>
+            </a:r>
+          </a:p>
+          <a:p>
+            <a:pPr marL="171450" indent="-171450">
+              <a:buFont typeface="Arial" panose="020B0604020202020204" pitchFamily="34" charset="0"/>
+              <a:buChar char="•"/>
+            </a:pPr>
+            <a:r>
+              <a:rPr lang="de-DE" dirty="0" smtClean="0"/>
+              <a:t>Interaktiv</a:t>
+            </a:r>
+          </a:p>
+          <a:p>
+            <a:pPr marL="171450" indent="-171450">
+              <a:buFont typeface="Arial" panose="020B0604020202020204" pitchFamily="34" charset="0"/>
+              <a:buChar char="•"/>
+            </a:pPr>
+            <a:r>
+              <a:rPr lang="de-DE" dirty="0" smtClean="0"/>
+              <a:t>Schön</a:t>
+            </a:r>
+          </a:p>
+          <a:p>
+            <a:endParaRPr lang="de-DE" dirty="0" smtClean="0"/>
           </a:p>
           <a:p>
             <a:endParaRPr lang="de-DE" dirty="0"/>
@@ -5102,7 +5254,7 @@
           <a:p>
             <a:fld id="{14BEC569-9E05-4323-A98C-4047FABAF080}" type="slidenum">
               <a:rPr lang="de-DE" smtClean="0"/>
-              <a:t>6</a:t>
+              <a:t>5</a:t>
             </a:fld>
             <a:endParaRPr lang="de-DE"/>
           </a:p>
@@ -5111,7 +5263,7 @@
     </p:spTree>
     <p:extLst>
       <p:ext uri="{BB962C8B-B14F-4D97-AF65-F5344CB8AC3E}">
-        <p14:creationId xmlns:p14="http://schemas.microsoft.com/office/powerpoint/2010/main" val="3495113416"/>
+        <p14:creationId xmlns:p14="http://schemas.microsoft.com/office/powerpoint/2010/main" val="1761719000"/>
       </p:ext>
     </p:extLst>
   </p:cSld>
@@ -5167,77 +5319,7 @@
           <a:p>
             <a:r>
               <a:rPr lang="de-DE" dirty="0" smtClean="0"/>
-              <a:t>3 </a:t>
-            </a:r>
-            <a:r>
-              <a:rPr lang="de-DE" dirty="0" err="1" smtClean="0"/>
-              <a:t>collections</a:t>
-            </a:r>
-            <a:endParaRPr lang="de-DE" dirty="0" smtClean="0"/>
-          </a:p>
-          <a:p>
-            <a:r>
-              <a:rPr lang="de-DE" dirty="0" smtClean="0"/>
-              <a:t>User</a:t>
-            </a:r>
-            <a:r>
-              <a:rPr lang="de-DE" baseline="0" dirty="0" smtClean="0"/>
-              <a:t> -&gt; </a:t>
-            </a:r>
-            <a:r>
-              <a:rPr lang="de-DE" baseline="0" dirty="0" err="1" smtClean="0"/>
-              <a:t>notes.user</a:t>
-            </a:r>
-            <a:endParaRPr lang="de-DE" dirty="0" smtClean="0"/>
-          </a:p>
-          <a:p>
-            <a:endParaRPr lang="de-DE" dirty="0" smtClean="0"/>
-          </a:p>
-          <a:p>
-            <a:r>
-              <a:rPr lang="de-DE" dirty="0" smtClean="0"/>
-              <a:t>_</a:t>
-            </a:r>
-            <a:r>
-              <a:rPr lang="de-DE" dirty="0" err="1" smtClean="0"/>
-              <a:t>id</a:t>
-            </a:r>
-            <a:r>
-              <a:rPr lang="de-DE" baseline="0" dirty="0" smtClean="0"/>
-              <a:t> = </a:t>
-            </a:r>
-            <a:r>
-              <a:rPr lang="de-DE" baseline="0" dirty="0" err="1" smtClean="0"/>
-              <a:t>unique</a:t>
-            </a:r>
-            <a:endParaRPr lang="de-DE" baseline="0" dirty="0" smtClean="0"/>
-          </a:p>
-          <a:p>
-            <a:r>
-              <a:rPr lang="de-DE" baseline="0" dirty="0" err="1" smtClean="0"/>
-              <a:t>User.email</a:t>
-            </a:r>
-            <a:r>
-              <a:rPr lang="de-DE" baseline="0" dirty="0" smtClean="0"/>
-              <a:t> = </a:t>
-            </a:r>
-            <a:r>
-              <a:rPr lang="de-DE" baseline="0" dirty="0" err="1" smtClean="0"/>
-              <a:t>unique</a:t>
-            </a:r>
-            <a:endParaRPr lang="de-DE" baseline="0" dirty="0" smtClean="0"/>
-          </a:p>
-          <a:p>
-            <a:endParaRPr lang="de-DE" baseline="0" dirty="0" smtClean="0"/>
-          </a:p>
-          <a:p>
-            <a:r>
-              <a:rPr lang="de-DE" baseline="0" dirty="0" err="1" smtClean="0"/>
-              <a:t>lastModifiedDate</a:t>
-            </a:r>
-            <a:r>
-              <a:rPr lang="de-DE" baseline="0" dirty="0" smtClean="0"/>
-              <a:t> hat TTL von 24 Stunden</a:t>
+              <a:t>Hier sieht man Interaktivität</a:t>
             </a:r>
           </a:p>
           <a:p>
@@ -5262,7 +5344,7 @@
           <a:p>
             <a:fld id="{14BEC569-9E05-4323-A98C-4047FABAF080}" type="slidenum">
               <a:rPr lang="de-DE" smtClean="0"/>
-              <a:t>7</a:t>
+              <a:t>6</a:t>
             </a:fld>
             <a:endParaRPr lang="de-DE"/>
           </a:p>
@@ -5271,7 +5353,7 @@
     </p:spTree>
     <p:extLst>
       <p:ext uri="{BB962C8B-B14F-4D97-AF65-F5344CB8AC3E}">
-        <p14:creationId xmlns:p14="http://schemas.microsoft.com/office/powerpoint/2010/main" val="3471116280"/>
+        <p14:creationId xmlns:p14="http://schemas.microsoft.com/office/powerpoint/2010/main" val="3495113416"/>
       </p:ext>
     </p:extLst>
   </p:cSld>
@@ -5327,89 +5409,88 @@
           <a:p>
             <a:r>
               <a:rPr lang="de-DE" dirty="0" smtClean="0"/>
-              <a:t>Als </a:t>
+              <a:t>3 </a:t>
             </a:r>
             <a:r>
               <a:rPr lang="de-DE" dirty="0" err="1" smtClean="0"/>
-              <a:t>Technologiestack</a:t>
-            </a:r>
+              <a:t>collections</a:t>
+            </a:r>
+            <a:endParaRPr lang="de-DE" dirty="0" smtClean="0"/>
+          </a:p>
+          <a:p>
             <a:r>
               <a:rPr lang="de-DE" dirty="0" smtClean="0"/>
-              <a:t> verwenden</a:t>
+              <a:t>User</a:t>
             </a:r>
             <a:r>
               <a:rPr lang="de-DE" baseline="0" dirty="0" smtClean="0"/>
-              <a:t> wir den MEAN-Stack</a:t>
+              <a:t> -&gt; </a:t>
+            </a:r>
+            <a:r>
+              <a:rPr lang="de-DE" baseline="0" dirty="0" err="1" smtClean="0"/>
+              <a:t>notes.user</a:t>
+            </a:r>
+            <a:r>
+              <a:rPr lang="de-DE" baseline="0" dirty="0" smtClean="0"/>
+              <a:t> -&gt; Note </a:t>
+            </a:r>
+            <a:r>
+              <a:rPr lang="de-DE" baseline="0" dirty="0" err="1" smtClean="0"/>
+              <a:t>zuordnung</a:t>
             </a:r>
             <a:endParaRPr lang="de-DE" dirty="0" smtClean="0"/>
           </a:p>
           <a:p>
+            <a:endParaRPr lang="de-DE" dirty="0" smtClean="0"/>
+          </a:p>
+          <a:p>
             <a:r>
               <a:rPr lang="de-DE" dirty="0" smtClean="0"/>
-              <a:t>Steht für</a:t>
+              <a:t>_</a:t>
+            </a:r>
+            <a:r>
+              <a:rPr lang="de-DE" dirty="0" err="1" smtClean="0"/>
+              <a:t>id</a:t>
             </a:r>
             <a:r>
               <a:rPr lang="de-DE" baseline="0" dirty="0" smtClean="0"/>
-              <a:t>:</a:t>
-            </a:r>
-            <a:endParaRPr lang="de-DE" dirty="0" smtClean="0"/>
-          </a:p>
-          <a:p>
-            <a:r>
-              <a:rPr lang="de-DE" dirty="0" err="1" smtClean="0"/>
-              <a:t>MongoDB</a:t>
-            </a:r>
-            <a:r>
-              <a:rPr lang="de-DE" dirty="0" smtClean="0"/>
-              <a:t> - </a:t>
-            </a:r>
-            <a:r>
-              <a:rPr lang="de-DE" dirty="0" err="1" smtClean="0"/>
-              <a:t>Persistenzschicht</a:t>
-            </a:r>
-            <a:endParaRPr lang="de-DE" dirty="0" smtClean="0"/>
-          </a:p>
-          <a:p>
-            <a:r>
-              <a:rPr lang="de-DE" dirty="0" err="1" smtClean="0"/>
-              <a:t>ExpressJs</a:t>
-            </a:r>
-            <a:r>
-              <a:rPr lang="de-DE" dirty="0" smtClean="0"/>
-              <a:t> </a:t>
+              <a:t> = </a:t>
+            </a:r>
+            <a:r>
+              <a:rPr lang="de-DE" baseline="0" dirty="0" err="1" smtClean="0"/>
+              <a:t>unique</a:t>
+            </a:r>
+            <a:endParaRPr lang="de-DE" baseline="0" dirty="0" smtClean="0"/>
+          </a:p>
+          <a:p>
+            <a:r>
+              <a:rPr lang="de-DE" baseline="0" dirty="0" err="1" smtClean="0"/>
+              <a:t>User.email</a:t>
             </a:r>
             <a:r>
               <a:rPr lang="de-DE" baseline="0" dirty="0" smtClean="0"/>
-              <a:t>- Server Framework</a:t>
-            </a:r>
-          </a:p>
-          <a:p>
+              <a:t> = </a:t>
+            </a:r>
             <a:r>
               <a:rPr lang="de-DE" baseline="0" dirty="0" err="1" smtClean="0"/>
-              <a:t>AngularJs</a:t>
+              <a:t>unique</a:t>
+            </a:r>
+            <a:endParaRPr lang="de-DE" baseline="0" dirty="0" smtClean="0"/>
+          </a:p>
+          <a:p>
+            <a:endParaRPr lang="de-DE" baseline="0" dirty="0" smtClean="0"/>
+          </a:p>
+          <a:p>
+            <a:r>
+              <a:rPr lang="de-DE" baseline="0" dirty="0" err="1" smtClean="0"/>
+              <a:t>lastModifiedDate</a:t>
             </a:r>
             <a:r>
               <a:rPr lang="de-DE" baseline="0" dirty="0" smtClean="0"/>
-              <a:t> - Client Framework</a:t>
-            </a:r>
-          </a:p>
-          <a:p>
-            <a:r>
-              <a:rPr lang="de-DE" baseline="0" dirty="0" err="1" smtClean="0"/>
-              <a:t>NodeJs</a:t>
-            </a:r>
-            <a:r>
-              <a:rPr lang="de-DE" baseline="0" dirty="0" smtClean="0"/>
-              <a:t> – Server </a:t>
-            </a:r>
-            <a:r>
-              <a:rPr lang="de-DE" baseline="0" dirty="0" err="1" smtClean="0"/>
-              <a:t>Runtime</a:t>
-            </a:r>
-            <a:r>
-              <a:rPr lang="de-DE" baseline="0" dirty="0" smtClean="0"/>
-              <a:t> = Laufzeitumgebung</a:t>
-            </a:r>
+              <a:t> hat TTL von 24 Stunden</a:t>
+            </a:r>
+          </a:p>
+          <a:p>
             <a:endParaRPr lang="de-DE" dirty="0"/>
           </a:p>
         </p:txBody>
@@ -5431,7 +5512,7 @@
           <a:p>
             <a:fld id="{14BEC569-9E05-4323-A98C-4047FABAF080}" type="slidenum">
               <a:rPr lang="de-DE" smtClean="0"/>
-              <a:t>8</a:t>
+              <a:t>7</a:t>
             </a:fld>
             <a:endParaRPr lang="de-DE"/>
           </a:p>
@@ -5440,7 +5521,7 @@
     </p:spTree>
     <p:extLst>
       <p:ext uri="{BB962C8B-B14F-4D97-AF65-F5344CB8AC3E}">
-        <p14:creationId xmlns:p14="http://schemas.microsoft.com/office/powerpoint/2010/main" val="4019237998"/>
+        <p14:creationId xmlns:p14="http://schemas.microsoft.com/office/powerpoint/2010/main" val="3471116280"/>
       </p:ext>
     </p:extLst>
   </p:cSld>
@@ -5494,111 +5575,90 @@
           <a:bodyPr/>
           <a:lstStyle/>
           <a:p>
-            <a:pPr marL="228600" indent="-228600">
-              <a:buAutoNum type="arabicPeriod"/>
-            </a:pPr>
             <a:r>
               <a:rPr lang="de-DE" dirty="0" smtClean="0"/>
-              <a:t>Der Benutzer macht eine</a:t>
+              <a:t>Als </a:t>
+            </a:r>
+            <a:r>
+              <a:rPr lang="de-DE" dirty="0" err="1" smtClean="0"/>
+              <a:t>Technologiestack</a:t>
+            </a:r>
+            <a:r>
+              <a:rPr lang="de-DE" dirty="0" smtClean="0"/>
+              <a:t> verwenden</a:t>
             </a:r>
             <a:r>
               <a:rPr lang="de-DE" baseline="0" dirty="0" smtClean="0"/>
-              <a:t> Eingabe</a:t>
-            </a:r>
-          </a:p>
-          <a:p>
-            <a:pPr marL="228600" indent="-228600">
-              <a:buAutoNum type="arabicPeriod"/>
-            </a:pPr>
+              <a:t> wir den MEAN-Stack</a:t>
+            </a:r>
+            <a:endParaRPr lang="de-DE" dirty="0" smtClean="0"/>
+          </a:p>
+          <a:p>
+            <a:r>
+              <a:rPr lang="de-DE" dirty="0" smtClean="0"/>
+              <a:t>Steht für</a:t>
+            </a:r>
             <a:r>
               <a:rPr lang="de-DE" baseline="0" dirty="0" smtClean="0"/>
-              <a:t>Angular erstellt die Anfrage für den Server</a:t>
-            </a:r>
-          </a:p>
-          <a:p>
-            <a:pPr marL="228600" indent="-228600">
-              <a:buAutoNum type="arabicPeriod"/>
-            </a:pPr>
+              <a:t>:</a:t>
+            </a:r>
+            <a:endParaRPr lang="de-DE" dirty="0" smtClean="0"/>
+          </a:p>
+          <a:p>
+            <a:r>
+              <a:rPr lang="de-DE" dirty="0" err="1" smtClean="0"/>
+              <a:t>MongoDB</a:t>
+            </a:r>
+            <a:r>
+              <a:rPr lang="de-DE" dirty="0" smtClean="0"/>
+              <a:t> - </a:t>
+            </a:r>
+            <a:r>
+              <a:rPr lang="de-DE" dirty="0" err="1" smtClean="0"/>
+              <a:t>Persistenzschicht</a:t>
+            </a:r>
+            <a:endParaRPr lang="de-DE" dirty="0" smtClean="0"/>
+          </a:p>
+          <a:p>
+            <a:r>
+              <a:rPr lang="de-DE" dirty="0" err="1" smtClean="0"/>
+              <a:t>ExpressJs</a:t>
+            </a:r>
+            <a:r>
+              <a:rPr lang="de-DE" dirty="0" smtClean="0"/>
+              <a:t> </a:t>
+            </a:r>
             <a:r>
               <a:rPr lang="de-DE" baseline="0" dirty="0" smtClean="0"/>
-              <a:t>Der </a:t>
-            </a:r>
+              <a:t>- Server Framework</a:t>
+            </a:r>
+          </a:p>
+          <a:p>
             <a:r>
               <a:rPr lang="de-DE" baseline="0" dirty="0" err="1" smtClean="0"/>
-              <a:t>Node</a:t>
+              <a:t>AngularJs</a:t>
             </a:r>
             <a:r>
               <a:rPr lang="de-DE" baseline="0" dirty="0" smtClean="0"/>
-              <a:t> Server verarbeitet die Anfrage</a:t>
-            </a:r>
-          </a:p>
-          <a:p>
-            <a:pPr marL="228600" indent="-228600">
-              <a:buAutoNum type="arabicPeriod"/>
-            </a:pPr>
+              <a:t> - Client Framework</a:t>
+            </a:r>
+          </a:p>
+          <a:p>
+            <a:r>
+              <a:rPr lang="de-DE" baseline="0" dirty="0" err="1" smtClean="0"/>
+              <a:t>NodeJs</a:t>
+            </a:r>
             <a:r>
               <a:rPr lang="de-DE" baseline="0" dirty="0" smtClean="0"/>
-              <a:t>Das Server Framework Express stellt die Anfrage</a:t>
-            </a:r>
-          </a:p>
-          <a:p>
-            <a:pPr marL="228600" indent="-228600">
-              <a:buAutoNum type="arabicPeriod"/>
-            </a:pPr>
+              <a:t> – Server </a:t>
+            </a:r>
+            <a:r>
+              <a:rPr lang="de-DE" baseline="0" dirty="0" err="1" smtClean="0"/>
+              <a:t>Runtime</a:t>
+            </a:r>
             <a:r>
               <a:rPr lang="de-DE" baseline="0" dirty="0" smtClean="0"/>
-              <a:t>Die </a:t>
-            </a:r>
-            <a:r>
-              <a:rPr lang="de-DE" baseline="0" dirty="0" err="1" smtClean="0"/>
-              <a:t>Persistenzschicht</a:t>
-            </a:r>
-            <a:r>
-              <a:rPr lang="de-DE" baseline="0" dirty="0" smtClean="0"/>
-              <a:t> stellt die Daten zur Verfügung</a:t>
-            </a:r>
-          </a:p>
-          <a:p>
-            <a:pPr marL="228600" indent="-228600">
-              <a:buAutoNum type="arabicPeriod"/>
-            </a:pPr>
-            <a:r>
-              <a:rPr lang="de-DE" baseline="0" dirty="0" smtClean="0"/>
-              <a:t>Die Daten werde von Express an den </a:t>
-            </a:r>
-            <a:r>
-              <a:rPr lang="de-DE" baseline="0" dirty="0" err="1" smtClean="0"/>
-              <a:t>Node</a:t>
-            </a:r>
-            <a:r>
-              <a:rPr lang="de-DE" baseline="0" dirty="0" smtClean="0"/>
-              <a:t> Server gesendet</a:t>
-            </a:r>
-          </a:p>
-          <a:p>
-            <a:pPr marL="228600" indent="-228600">
-              <a:buAutoNum type="arabicPeriod"/>
-            </a:pPr>
-            <a:r>
-              <a:rPr lang="de-DE" baseline="0" dirty="0" smtClean="0"/>
-              <a:t>Der </a:t>
-            </a:r>
-            <a:r>
-              <a:rPr lang="de-DE" baseline="0" dirty="0" err="1" smtClean="0"/>
-              <a:t>Node</a:t>
-            </a:r>
-            <a:r>
-              <a:rPr lang="de-DE" baseline="0" dirty="0" smtClean="0"/>
-              <a:t> Server sendet die Daten an das Frontend</a:t>
-            </a:r>
-          </a:p>
-          <a:p>
-            <a:pPr marL="228600" indent="-228600">
-              <a:buAutoNum type="arabicPeriod"/>
-            </a:pPr>
-            <a:r>
-              <a:rPr lang="de-DE" baseline="0" dirty="0" smtClean="0"/>
-              <a:t>Das Frontend stellt die Anfrage dar</a:t>
+              <a:t> = Laufzeitumgebung</a:t>
             </a:r>
             <a:endParaRPr lang="de-DE" dirty="0"/>
           </a:p>
@@ -5621,7 +5681,7 @@
           <a:p>
             <a:fld id="{14BEC569-9E05-4323-A98C-4047FABAF080}" type="slidenum">
               <a:rPr lang="de-DE" smtClean="0"/>
-              <a:t>9</a:t>
+              <a:t>8</a:t>
             </a:fld>
             <a:endParaRPr lang="de-DE"/>
           </a:p>
@@ -5630,7 +5690,7 @@
     </p:spTree>
     <p:extLst>
       <p:ext uri="{BB962C8B-B14F-4D97-AF65-F5344CB8AC3E}">
-        <p14:creationId xmlns:p14="http://schemas.microsoft.com/office/powerpoint/2010/main" val="3591883945"/>
+        <p14:creationId xmlns:p14="http://schemas.microsoft.com/office/powerpoint/2010/main" val="4019237998"/>
       </p:ext>
     </p:extLst>
   </p:cSld>
@@ -5684,42 +5744,111 @@
           <a:bodyPr/>
           <a:lstStyle/>
           <a:p>
+            <a:pPr marL="228600" indent="-228600">
+              <a:buAutoNum type="arabicPeriod"/>
+            </a:pPr>
             <a:r>
               <a:rPr lang="de-DE" dirty="0" smtClean="0"/>
-              <a:t>Registrierung -&gt; E-Mail</a:t>
+              <a:t>Der Benutzer macht eine</a:t>
             </a:r>
             <a:r>
               <a:rPr lang="de-DE" baseline="0" dirty="0" smtClean="0"/>
-              <a:t> Service</a:t>
-            </a:r>
-          </a:p>
-          <a:p>
+              <a:t> Eingabe</a:t>
+            </a:r>
+          </a:p>
+          <a:p>
+            <a:pPr marL="228600" indent="-228600">
+              <a:buAutoNum type="arabicPeriod"/>
+            </a:pPr>
             <a:r>
               <a:rPr lang="de-DE" baseline="0" dirty="0" smtClean="0"/>
-              <a:t>Teilen -&gt; Notizen </a:t>
+              <a:t>Angular erstellt die Anfrage für den Server</a:t>
+            </a:r>
+          </a:p>
+          <a:p>
+            <a:pPr marL="228600" indent="-228600">
+              <a:buAutoNum type="arabicPeriod"/>
+            </a:pPr>
+            <a:r>
+              <a:rPr lang="de-DE" baseline="0" dirty="0" smtClean="0"/>
+              <a:t>Der </a:t>
             </a:r>
             <a:r>
               <a:rPr lang="de-DE" baseline="0" dirty="0" err="1" smtClean="0"/>
-              <a:t>sharen</a:t>
-            </a:r>
-            <a:endParaRPr lang="de-DE" baseline="0" dirty="0" smtClean="0"/>
-          </a:p>
-          <a:p>
+              <a:t>Node</a:t>
+            </a:r>
             <a:r>
               <a:rPr lang="de-DE" baseline="0" dirty="0" smtClean="0"/>
-              <a:t>Archivieren -&gt; bisher nur Delete</a:t>
-            </a:r>
-          </a:p>
-          <a:p>
+              <a:t> Server verarbeitet die Anfrage</a:t>
+            </a:r>
+          </a:p>
+          <a:p>
+            <a:pPr marL="228600" indent="-228600">
+              <a:buAutoNum type="arabicPeriod"/>
+            </a:pPr>
             <a:r>
               <a:rPr lang="de-DE" baseline="0" dirty="0" smtClean="0"/>
-              <a:t>Drag &amp; Drop -&gt; bisher nach Erstellungsdatum</a:t>
-            </a:r>
-          </a:p>
-          <a:p>
+              <a:t>Das Server Framework Express stellt die Anfrage</a:t>
+            </a:r>
+          </a:p>
+          <a:p>
+            <a:pPr marL="228600" indent="-228600">
+              <a:buAutoNum type="arabicPeriod"/>
+            </a:pPr>
             <a:r>
               <a:rPr lang="de-DE" baseline="0" dirty="0" smtClean="0"/>
-              <a:t>Modell erweitern -&gt; RTF-Texte, Checkliste, etc…</a:t>
+              <a:t>Die </a:t>
+            </a:r>
+            <a:r>
+              <a:rPr lang="de-DE" baseline="0" dirty="0" err="1" smtClean="0"/>
+              <a:t>Persistenzschicht</a:t>
+            </a:r>
+            <a:r>
+              <a:rPr lang="de-DE" baseline="0" dirty="0" smtClean="0"/>
+              <a:t> stellt die Daten zur Verfügung</a:t>
+            </a:r>
+          </a:p>
+          <a:p>
+            <a:pPr marL="228600" indent="-228600">
+              <a:buAutoNum type="arabicPeriod"/>
+            </a:pPr>
+            <a:r>
+              <a:rPr lang="de-DE" baseline="0" dirty="0" smtClean="0"/>
+              <a:t>Die Daten werde von Express an den </a:t>
+            </a:r>
+            <a:r>
+              <a:rPr lang="de-DE" baseline="0" dirty="0" err="1" smtClean="0"/>
+              <a:t>Node</a:t>
+            </a:r>
+            <a:r>
+              <a:rPr lang="de-DE" baseline="0" dirty="0" smtClean="0"/>
+              <a:t> Server gesendet</a:t>
+            </a:r>
+          </a:p>
+          <a:p>
+            <a:pPr marL="228600" indent="-228600">
+              <a:buAutoNum type="arabicPeriod"/>
+            </a:pPr>
+            <a:r>
+              <a:rPr lang="de-DE" baseline="0" dirty="0" smtClean="0"/>
+              <a:t>Der </a:t>
+            </a:r>
+            <a:r>
+              <a:rPr lang="de-DE" baseline="0" dirty="0" err="1" smtClean="0"/>
+              <a:t>Node</a:t>
+            </a:r>
+            <a:r>
+              <a:rPr lang="de-DE" baseline="0" dirty="0" smtClean="0"/>
+              <a:t> Server sendet die Daten an das Frontend</a:t>
+            </a:r>
+          </a:p>
+          <a:p>
+            <a:pPr marL="228600" indent="-228600">
+              <a:buAutoNum type="arabicPeriod"/>
+            </a:pPr>
+            <a:r>
+              <a:rPr lang="de-DE" baseline="0" dirty="0" smtClean="0"/>
+              <a:t>Das Frontend stellt die Anfrage dar</a:t>
             </a:r>
             <a:endParaRPr lang="de-DE" dirty="0"/>
           </a:p>
@@ -5742,7 +5871,7 @@
           <a:p>
             <a:fld id="{14BEC569-9E05-4323-A98C-4047FABAF080}" type="slidenum">
               <a:rPr lang="de-DE" smtClean="0"/>
-              <a:t>10</a:t>
+              <a:t>9</a:t>
             </a:fld>
             <a:endParaRPr lang="de-DE"/>
           </a:p>
@@ -5751,7 +5880,7 @@
     </p:spTree>
     <p:extLst>
       <p:ext uri="{BB962C8B-B14F-4D97-AF65-F5344CB8AC3E}">
-        <p14:creationId xmlns:p14="http://schemas.microsoft.com/office/powerpoint/2010/main" val="3168051213"/>
+        <p14:creationId xmlns:p14="http://schemas.microsoft.com/office/powerpoint/2010/main" val="3591883945"/>
       </p:ext>
     </p:extLst>
   </p:cSld>
@@ -6092,7 +6221,7 @@
           <a:p>
             <a:fld id="{03FCE02C-6EC6-4E09-BC2C-9FDED4DE236E}" type="datetimeFigureOut">
               <a:rPr lang="en-US" smtClean="0"/>
-              <a:t>2/10/2016</a:t>
+              <a:t>2/11/2016</a:t>
             </a:fld>
             <a:endParaRPr lang="en-US" dirty="0"/>
           </a:p>
@@ -6417,7 +6546,7 @@
           <a:p>
             <a:fld id="{17205CAA-4E5A-4223-BD55-C5D2841AC9EF}" type="datetimeFigureOut">
               <a:rPr lang="en-US" smtClean="0"/>
-              <a:t>2/10/2016</a:t>
+              <a:t>2/11/2016</a:t>
             </a:fld>
             <a:endParaRPr lang="en-US" dirty="0"/>
           </a:p>
@@ -6667,7 +6796,7 @@
           <a:p>
             <a:fld id="{17205CAA-4E5A-4223-BD55-C5D2841AC9EF}" type="datetimeFigureOut">
               <a:rPr lang="en-US" smtClean="0"/>
-              <a:t>2/10/2016</a:t>
+              <a:t>2/11/2016</a:t>
             </a:fld>
             <a:endParaRPr lang="en-US" dirty="0"/>
           </a:p>
@@ -7008,7 +7137,7 @@
           <a:p>
             <a:fld id="{17205CAA-4E5A-4223-BD55-C5D2841AC9EF}" type="datetimeFigureOut">
               <a:rPr lang="en-US" smtClean="0"/>
-              <a:t>2/10/2016</a:t>
+              <a:t>2/11/2016</a:t>
             </a:fld>
             <a:endParaRPr lang="en-US" dirty="0"/>
           </a:p>
@@ -7357,7 +7486,7 @@
           <a:p>
             <a:fld id="{17205CAA-4E5A-4223-BD55-C5D2841AC9EF}" type="datetimeFigureOut">
               <a:rPr lang="en-US" smtClean="0"/>
-              <a:t>2/10/2016</a:t>
+              <a:t>2/11/2016</a:t>
             </a:fld>
             <a:endParaRPr lang="en-US" dirty="0"/>
           </a:p>
@@ -7733,7 +7862,7 @@
           <a:p>
             <a:fld id="{17205CAA-4E5A-4223-BD55-C5D2841AC9EF}" type="datetimeFigureOut">
               <a:rPr lang="en-US" smtClean="0"/>
-              <a:t>2/10/2016</a:t>
+              <a:t>2/11/2016</a:t>
             </a:fld>
             <a:endParaRPr lang="en-US" dirty="0"/>
           </a:p>
@@ -8205,7 +8334,7 @@
           <a:p>
             <a:fld id="{17205CAA-4E5A-4223-BD55-C5D2841AC9EF}" type="datetimeFigureOut">
               <a:rPr lang="en-US" smtClean="0"/>
-              <a:t>2/10/2016</a:t>
+              <a:t>2/11/2016</a:t>
             </a:fld>
             <a:endParaRPr lang="en-US" dirty="0"/>
           </a:p>
@@ -8413,7 +8542,7 @@
             <a:fld id="{FB075A7A-4A9A-410F-B848-AB998ACC9419}" type="datetimeFigureOut">
               <a:rPr lang="en-US" smtClean="0"/>
               <a:pPr/>
-              <a:t>2/10/2016</a:t>
+              <a:t>2/11/2016</a:t>
             </a:fld>
             <a:endParaRPr lang="en-US" dirty="0"/>
           </a:p>
@@ -8626,7 +8755,7 @@
             <a:fld id="{AA5F3E88-2D66-4D17-B0FA-EA13CB20B2FF}" type="datetimeFigureOut">
               <a:rPr lang="en-US" smtClean="0"/>
               <a:pPr/>
-              <a:t>2/10/2016</a:t>
+              <a:t>2/11/2016</a:t>
             </a:fld>
             <a:endParaRPr lang="en-US" dirty="0"/>
           </a:p>
@@ -8860,7 +8989,7 @@
             <a:fld id="{4D8F36E1-9596-4E98-8786-4A17C5D29C65}" type="datetimeFigureOut">
               <a:rPr lang="en-US" smtClean="0"/>
               <a:pPr/>
-              <a:t>2/10/2016</a:t>
+              <a:t>2/11/2016</a:t>
             </a:fld>
             <a:endParaRPr lang="en-US" dirty="0"/>
           </a:p>
@@ -9109,7 +9238,7 @@
           <a:p>
             <a:fld id="{EE4D1A55-63BC-4BA2-9538-7DDEADA10621}" type="datetimeFigureOut">
               <a:rPr lang="en-US" smtClean="0"/>
-              <a:t>2/10/2016</a:t>
+              <a:t>2/11/2016</a:t>
             </a:fld>
             <a:endParaRPr lang="en-US" dirty="0"/>
           </a:p>
@@ -9378,7 +9507,7 @@
             <a:fld id="{66D01ABB-8821-4BF5-97A9-E1A66ACAEAA9}" type="datetimeFigureOut">
               <a:rPr lang="en-US" smtClean="0"/>
               <a:pPr/>
-              <a:t>2/10/2016</a:t>
+              <a:t>2/11/2016</a:t>
             </a:fld>
             <a:endParaRPr lang="en-US" dirty="0"/>
           </a:p>
@@ -9793,7 +9922,7 @@
             <a:fld id="{20C37B1C-D4A1-4A4F-A470-80868146AFC5}" type="datetimeFigureOut">
               <a:rPr lang="en-US" smtClean="0"/>
               <a:pPr/>
-              <a:t>2/10/2016</a:t>
+              <a:t>2/11/2016</a:t>
             </a:fld>
             <a:endParaRPr lang="en-US" dirty="0"/>
           </a:p>
@@ -9944,7 +10073,7 @@
             <a:fld id="{6D31D1B9-F39E-471E-80A9-595CAA5664AD}" type="datetimeFigureOut">
               <a:rPr lang="en-US" smtClean="0"/>
               <a:pPr/>
-              <a:t>2/10/2016</a:t>
+              <a:t>2/11/2016</a:t>
             </a:fld>
             <a:endParaRPr lang="en-US" dirty="0"/>
           </a:p>
@@ -10072,7 +10201,7 @@
             <a:fld id="{33FCEABC-E2B9-4606-A74F-CB06AF596887}" type="datetimeFigureOut">
               <a:rPr lang="en-US" smtClean="0"/>
               <a:pPr/>
-              <a:t>2/10/2016</a:t>
+              <a:t>2/11/2016</a:t>
             </a:fld>
             <a:endParaRPr lang="en-US" dirty="0"/>
           </a:p>
@@ -10329,7 +10458,7 @@
             <a:fld id="{FA8850A0-01A3-4F4E-AA52-F716A9BFD4EB}" type="datetimeFigureOut">
               <a:rPr lang="en-US" smtClean="0"/>
               <a:pPr/>
-              <a:t>2/10/2016</a:t>
+              <a:t>2/11/2016</a:t>
             </a:fld>
             <a:endParaRPr lang="en-US" dirty="0"/>
           </a:p>
@@ -10645,7 +10774,7 @@
           <a:p>
             <a:fld id="{E5811CCA-BB49-46C7-A0E2-F42339750F9A}" type="datetimeFigureOut">
               <a:rPr lang="en-US" smtClean="0"/>
-              <a:t>2/10/2016</a:t>
+              <a:t>2/11/2016</a:t>
             </a:fld>
             <a:endParaRPr lang="en-US" dirty="0"/>
           </a:p>
@@ -10997,7 +11126,7 @@
           <a:p>
             <a:fld id="{17205CAA-4E5A-4223-BD55-C5D2841AC9EF}" type="datetimeFigureOut">
               <a:rPr lang="en-US" smtClean="0"/>
-              <a:t>2/10/2016</a:t>
+              <a:t>2/11/2016</a:t>
             </a:fld>
             <a:endParaRPr lang="en-US" dirty="0"/>
           </a:p>

--- a/doc/Präsentation/MEAN Notes.pptx
+++ b/doc/Präsentation/MEAN Notes.pptx
@@ -1986,8 +1986,8 @@
     <dgm:cxn modelId="{0577D253-1036-47A8-B810-A735390FEBE6}" srcId="{A6B4E31E-BF13-43E9-A8DF-1D0CED72AE2B}" destId="{0A180470-D629-4A2F-A707-AC08E7EE7821}" srcOrd="1" destOrd="0" parTransId="{E8C6D964-0C3D-4EE5-93FE-EB8BA448D4DC}" sibTransId="{AEB55458-9C91-4297-89D4-34C873B7BFA6}"/>
     <dgm:cxn modelId="{D39F9551-7A9C-4BBA-B9B5-58E7BD540672}" srcId="{45D67FC7-9484-4BD2-96D9-5DC0D4DC919F}" destId="{D43A8187-F70D-4382-97AF-2C1BAAAD39F2}" srcOrd="3" destOrd="0" parTransId="{B3AF1AFC-2EFD-470D-8334-5BB3800BEAE5}" sibTransId="{BA38E681-6A32-4A4F-9143-88D4B0706EAC}"/>
     <dgm:cxn modelId="{327244BB-FF70-480C-8140-C95AD341320E}" srcId="{0A180470-D629-4A2F-A707-AC08E7EE7821}" destId="{402C3787-C119-4975-B2C3-FDC33B51A950}" srcOrd="3" destOrd="0" parTransId="{6C90D17A-25EE-471C-B063-6FEBC0DB6C7E}" sibTransId="{8534571D-9358-468F-8107-890062D306FB}"/>
+    <dgm:cxn modelId="{5607A11E-0468-4EA4-B201-3E27E70E1982}" type="presOf" srcId="{C3379581-7EC1-4BC6-8381-BAFCA1887E1F}" destId="{F5E4AB33-7C02-4210-A409-8AD4743E5C7F}" srcOrd="0" destOrd="0" presId="urn:microsoft.com/office/officeart/2005/8/layout/hList1"/>
     <dgm:cxn modelId="{A5B0E6D2-FDF1-4B66-A937-34E78F3A23F4}" srcId="{45D67FC7-9484-4BD2-96D9-5DC0D4DC919F}" destId="{A2BFB9B8-DC9E-4DB2-A6FC-2E8A7188049F}" srcOrd="4" destOrd="0" parTransId="{01F339B7-F73F-4572-AB8B-4F804846FC8A}" sibTransId="{6EE000F8-9836-427C-94FC-658B005FF7FA}"/>
-    <dgm:cxn modelId="{5607A11E-0468-4EA4-B201-3E27E70E1982}" type="presOf" srcId="{C3379581-7EC1-4BC6-8381-BAFCA1887E1F}" destId="{F5E4AB33-7C02-4210-A409-8AD4743E5C7F}" srcOrd="0" destOrd="0" presId="urn:microsoft.com/office/officeart/2005/8/layout/hList1"/>
     <dgm:cxn modelId="{E4929EAA-58F6-4332-AB15-6A9CB3579A7D}" srcId="{B76DA727-A040-4538-8008-3CDD5AF6C4CD}" destId="{74DCB112-97B7-43B7-B971-E99A399335BB}" srcOrd="1" destOrd="0" parTransId="{C132FE06-D957-410B-891C-7E9D715895E2}" sibTransId="{3DB06AFA-5E0D-464A-B73D-EF233128865A}"/>
     <dgm:cxn modelId="{F77FF049-E61B-42EA-8C8E-9F2E95115064}" type="presOf" srcId="{7D1F6B58-A72A-43D8-9441-9AFAF2A7FBC3}" destId="{FFF38D35-7D94-4F39-9648-B2AB98F610BE}" srcOrd="0" destOrd="5" presId="urn:microsoft.com/office/officeart/2005/8/layout/hList1"/>
     <dgm:cxn modelId="{5F309194-1D4F-4428-BD83-CF4A32D3DD0B}" type="presOf" srcId="{45D67FC7-9484-4BD2-96D9-5DC0D4DC919F}" destId="{408356D3-9949-4E29-8747-B7EE15A2C512}" srcOrd="0" destOrd="0" presId="urn:microsoft.com/office/officeart/2005/8/layout/hList1"/>
@@ -2003,8 +2003,8 @@
     <dgm:cxn modelId="{A64AE706-5337-4E33-921C-F3A7DC78317B}" type="presOf" srcId="{4D15D454-5719-43AD-ABCB-88009645E105}" destId="{E2FEDD15-6C55-4357-B7C9-D7888B6098CA}" srcOrd="0" destOrd="4" presId="urn:microsoft.com/office/officeart/2005/8/layout/hList1"/>
     <dgm:cxn modelId="{BF47847D-E076-4325-B057-D7CDBECFFEAC}" type="presOf" srcId="{5AA5FD75-5C90-4429-96FE-EA28159F142D}" destId="{19E0F596-C569-49EE-A858-0212E44E8361}" srcOrd="0" destOrd="0" presId="urn:microsoft.com/office/officeart/2005/8/layout/hList1"/>
     <dgm:cxn modelId="{9F665977-5822-484D-8DE1-963728038FAD}" type="presOf" srcId="{A1DBACA7-05CB-48CB-9B53-54FBCB2A5237}" destId="{E2FEDD15-6C55-4357-B7C9-D7888B6098CA}" srcOrd="0" destOrd="1" presId="urn:microsoft.com/office/officeart/2005/8/layout/hList1"/>
+    <dgm:cxn modelId="{DD694FD2-C66C-4BBD-B4FC-2B82FFE3651A}" type="presOf" srcId="{0A180470-D629-4A2F-A707-AC08E7EE7821}" destId="{CEB00F75-F7C3-4B6C-8DA8-4BE0DDA62DD1}" srcOrd="0" destOrd="0" presId="urn:microsoft.com/office/officeart/2005/8/layout/hList1"/>
     <dgm:cxn modelId="{BA27A05B-FD7F-4922-99CF-4CC7281017F3}" type="presOf" srcId="{1C7766AA-29C1-428A-BEF5-8CE292095754}" destId="{E2FEDD15-6C55-4357-B7C9-D7888B6098CA}" srcOrd="0" destOrd="0" presId="urn:microsoft.com/office/officeart/2005/8/layout/hList1"/>
-    <dgm:cxn modelId="{DD694FD2-C66C-4BBD-B4FC-2B82FFE3651A}" type="presOf" srcId="{0A180470-D629-4A2F-A707-AC08E7EE7821}" destId="{CEB00F75-F7C3-4B6C-8DA8-4BE0DDA62DD1}" srcOrd="0" destOrd="0" presId="urn:microsoft.com/office/officeart/2005/8/layout/hList1"/>
     <dgm:cxn modelId="{24F47EC5-40EB-4A7E-BF36-CF1B2EC345A0}" type="presOf" srcId="{844E8EA2-E497-4CA3-B913-F411BEDF9016}" destId="{FFF38D35-7D94-4F39-9648-B2AB98F610BE}" srcOrd="0" destOrd="7" presId="urn:microsoft.com/office/officeart/2005/8/layout/hList1"/>
     <dgm:cxn modelId="{23F1E98B-ABBC-4F70-A0CB-04E81DF0C8D2}" type="presOf" srcId="{26495795-AD98-421D-933B-5002B29E1146}" destId="{E2FEDD15-6C55-4357-B7C9-D7888B6098CA}" srcOrd="0" destOrd="5" presId="urn:microsoft.com/office/officeart/2005/8/layout/hList1"/>
     <dgm:cxn modelId="{AE71030A-1423-47FE-B3FA-C158896A68C8}" srcId="{5AA5FD75-5C90-4429-96FE-EA28159F142D}" destId="{28DA6E57-6E4A-46E2-8F73-AB7912C84143}" srcOrd="2" destOrd="0" parTransId="{375877AB-1F99-4D60-B5EC-F6E910E9DEAD}" sibTransId="{95EBC766-07AF-44C1-BC8F-52303DEBD8A7}"/>
@@ -5066,11 +5066,7 @@
             </a:r>
             <a:r>
               <a:rPr lang="de-DE" dirty="0" smtClean="0"/>
-              <a:t> haben wir verwendet um</a:t>
-            </a:r>
-            <a:r>
-              <a:rPr lang="de-DE" dirty="0" smtClean="0"/>
-              <a:t>…</a:t>
+              <a:t> haben wir verwendet um…</a:t>
             </a:r>
           </a:p>
           <a:p>
@@ -11972,10 +11968,143 @@
         </p:nvSpPr>
         <p:spPr/>
         <p:txBody>
-          <a:bodyPr/>
+          <a:bodyPr>
+            <a:normAutofit/>
+          </a:bodyPr>
           <a:lstStyle/>
           <a:p>
-            <a:endParaRPr lang="de-DE"/>
+            <a:pPr marL="0" indent="0">
+              <a:buNone/>
+            </a:pPr>
+            <a:r>
+              <a:rPr lang="de-DE" dirty="0" smtClean="0"/>
+              <a:t>Bildquellen:</a:t>
+            </a:r>
+          </a:p>
+          <a:p>
+            <a:pPr marL="0" indent="0">
+              <a:buNone/>
+            </a:pPr>
+            <a:r>
+              <a:rPr lang="de-DE" dirty="0"/>
+              <a:t>	</a:t>
+            </a:r>
+            <a:r>
+              <a:rPr lang="de-DE" sz="1600" dirty="0" smtClean="0"/>
+              <a:t>Abb. „</a:t>
+            </a:r>
+            <a:r>
+              <a:rPr lang="de-DE" sz="1600" dirty="0" err="1" smtClean="0"/>
+              <a:t>Mr</a:t>
+            </a:r>
+            <a:r>
+              <a:rPr lang="de-DE" sz="1600" dirty="0" smtClean="0"/>
+              <a:t> Burns“:</a:t>
+            </a:r>
+          </a:p>
+          <a:p>
+            <a:pPr marL="457200" lvl="1" indent="0">
+              <a:buNone/>
+            </a:pPr>
+            <a:r>
+              <a:rPr lang="de-DE" sz="1200" dirty="0">
+                <a:hlinkClick r:id="rId2"/>
+              </a:rPr>
+              <a:t>http://</a:t>
+            </a:r>
+            <a:r>
+              <a:rPr lang="de-DE" sz="1200" dirty="0" smtClean="0">
+                <a:hlinkClick r:id="rId2"/>
+              </a:rPr>
+              <a:t>vignette3.wikia.nocookie.net/simpsons/images/6/6a/Mr_Burns_evil.gif/revision/latest/scale-to-width-down/180?cb=20100702150413</a:t>
+            </a:r>
+            <a:endParaRPr lang="de-DE" sz="1200" dirty="0" smtClean="0"/>
+          </a:p>
+          <a:p>
+            <a:pPr marL="0" indent="0">
+              <a:buNone/>
+            </a:pPr>
+            <a:r>
+              <a:rPr lang="de-DE" sz="1200" dirty="0"/>
+              <a:t>	</a:t>
+            </a:r>
+            <a:r>
+              <a:rPr lang="de-DE" sz="1600" dirty="0" smtClean="0"/>
+              <a:t>Abb. auf Folie 8:</a:t>
+            </a:r>
+          </a:p>
+          <a:p>
+            <a:pPr marL="0" indent="0">
+              <a:buNone/>
+            </a:pPr>
+            <a:r>
+              <a:rPr lang="de-DE" sz="1600" dirty="0" smtClean="0"/>
+              <a:t>	</a:t>
+            </a:r>
+            <a:r>
+              <a:rPr lang="de-DE" sz="1600" dirty="0" smtClean="0">
+                <a:hlinkClick r:id="rId3"/>
+              </a:rPr>
+              <a:t>https</a:t>
+            </a:r>
+            <a:r>
+              <a:rPr lang="de-DE" sz="1600" dirty="0">
+                <a:hlinkClick r:id="rId3"/>
+              </a:rPr>
+              <a:t>://</a:t>
+            </a:r>
+            <a:r>
+              <a:rPr lang="de-DE" sz="1600" dirty="0" smtClean="0">
+                <a:hlinkClick r:id="rId3"/>
+              </a:rPr>
+              <a:t>i.ytimg.com/vi/Jh0er2pRcq8/maxresdefault.jpg</a:t>
+            </a:r>
+            <a:endParaRPr lang="de-DE" sz="1600" dirty="0" smtClean="0"/>
+          </a:p>
+          <a:p>
+            <a:pPr marL="0" indent="0">
+              <a:buNone/>
+            </a:pPr>
+            <a:r>
+              <a:rPr lang="de-DE" sz="1600" dirty="0"/>
+              <a:t>	</a:t>
+            </a:r>
+            <a:r>
+              <a:rPr lang="de-DE" sz="1600" dirty="0" smtClean="0"/>
+              <a:t>Abb</a:t>
+            </a:r>
+            <a:r>
+              <a:rPr lang="de-DE" sz="1600" dirty="0" smtClean="0"/>
+              <a:t>. auf Folie 9:</a:t>
+            </a:r>
+          </a:p>
+          <a:p>
+            <a:pPr marL="0" indent="0">
+              <a:buNone/>
+            </a:pPr>
+            <a:r>
+              <a:rPr lang="de-DE" sz="1600" dirty="0"/>
+              <a:t>	</a:t>
+            </a:r>
+            <a:r>
+              <a:rPr lang="de-DE" sz="1600" dirty="0">
+                <a:hlinkClick r:id="rId4"/>
+              </a:rPr>
+              <a:t>http://</a:t>
+            </a:r>
+            <a:r>
+              <a:rPr lang="de-DE" sz="1600" dirty="0" smtClean="0">
+                <a:hlinkClick r:id="rId4"/>
+              </a:rPr>
+              <a:t>advaitsolutions.in/wp-content/uploads/2015/08/meanjs-1024x492.png</a:t>
+            </a:r>
+            <a:endParaRPr lang="de-DE" sz="1600" dirty="0"/>
+          </a:p>
+          <a:p>
+            <a:pPr marL="0" indent="0">
+              <a:buNone/>
+            </a:pPr>
+            <a:endParaRPr lang="de-DE" sz="1600" dirty="0" smtClean="0"/>
           </a:p>
         </p:txBody>
       </p:sp>
